--- a/Memoria/Presentación.pptx
+++ b/Memoria/Presentación.pptx
@@ -236,7 +236,7 @@
           <a:p>
             <a:fld id="{7799B470-7265-476E-AEAE-B994A4C99C3B}" type="datetimeFigureOut">
               <a:rPr lang="es-ES" smtClean="0"/>
-              <a:t>18/07/2019</a:t>
+              <a:t>21/07/2019</a:t>
             </a:fld>
             <a:endParaRPr lang="es-ES"/>
           </a:p>
@@ -769,7 +769,7 @@
           <a:p>
             <a:fld id="{FAC0EC8D-17F2-4955-98FB-8B3A05AE6EC2}" type="datetimeFigureOut">
               <a:rPr lang="es-ES" smtClean="0"/>
-              <a:t>18/07/2019</a:t>
+              <a:t>21/07/2019</a:t>
             </a:fld>
             <a:endParaRPr lang="es-ES"/>
           </a:p>
@@ -939,7 +939,7 @@
           <a:p>
             <a:fld id="{FAC0EC8D-17F2-4955-98FB-8B3A05AE6EC2}" type="datetimeFigureOut">
               <a:rPr lang="es-ES" smtClean="0"/>
-              <a:t>18/07/2019</a:t>
+              <a:t>21/07/2019</a:t>
             </a:fld>
             <a:endParaRPr lang="es-ES"/>
           </a:p>
@@ -1119,7 +1119,7 @@
           <a:p>
             <a:fld id="{FAC0EC8D-17F2-4955-98FB-8B3A05AE6EC2}" type="datetimeFigureOut">
               <a:rPr lang="es-ES" smtClean="0"/>
-              <a:t>18/07/2019</a:t>
+              <a:t>21/07/2019</a:t>
             </a:fld>
             <a:endParaRPr lang="es-ES"/>
           </a:p>
@@ -1289,7 +1289,7 @@
           <a:p>
             <a:fld id="{FAC0EC8D-17F2-4955-98FB-8B3A05AE6EC2}" type="datetimeFigureOut">
               <a:rPr lang="es-ES" smtClean="0"/>
-              <a:t>18/07/2019</a:t>
+              <a:t>21/07/2019</a:t>
             </a:fld>
             <a:endParaRPr lang="es-ES"/>
           </a:p>
@@ -1535,7 +1535,7 @@
           <a:p>
             <a:fld id="{FAC0EC8D-17F2-4955-98FB-8B3A05AE6EC2}" type="datetimeFigureOut">
               <a:rPr lang="es-ES" smtClean="0"/>
-              <a:t>18/07/2019</a:t>
+              <a:t>21/07/2019</a:t>
             </a:fld>
             <a:endParaRPr lang="es-ES"/>
           </a:p>
@@ -1823,7 +1823,7 @@
           <a:p>
             <a:fld id="{FAC0EC8D-17F2-4955-98FB-8B3A05AE6EC2}" type="datetimeFigureOut">
               <a:rPr lang="es-ES" smtClean="0"/>
-              <a:t>18/07/2019</a:t>
+              <a:t>21/07/2019</a:t>
             </a:fld>
             <a:endParaRPr lang="es-ES"/>
           </a:p>
@@ -2245,7 +2245,7 @@
           <a:p>
             <a:fld id="{FAC0EC8D-17F2-4955-98FB-8B3A05AE6EC2}" type="datetimeFigureOut">
               <a:rPr lang="es-ES" smtClean="0"/>
-              <a:t>18/07/2019</a:t>
+              <a:t>21/07/2019</a:t>
             </a:fld>
             <a:endParaRPr lang="es-ES"/>
           </a:p>
@@ -2363,7 +2363,7 @@
           <a:p>
             <a:fld id="{FAC0EC8D-17F2-4955-98FB-8B3A05AE6EC2}" type="datetimeFigureOut">
               <a:rPr lang="es-ES" smtClean="0"/>
-              <a:t>18/07/2019</a:t>
+              <a:t>21/07/2019</a:t>
             </a:fld>
             <a:endParaRPr lang="es-ES"/>
           </a:p>
@@ -2458,7 +2458,7 @@
           <a:p>
             <a:fld id="{FAC0EC8D-17F2-4955-98FB-8B3A05AE6EC2}" type="datetimeFigureOut">
               <a:rPr lang="es-ES" smtClean="0"/>
-              <a:t>18/07/2019</a:t>
+              <a:t>21/07/2019</a:t>
             </a:fld>
             <a:endParaRPr lang="es-ES"/>
           </a:p>
@@ -2735,7 +2735,7 @@
           <a:p>
             <a:fld id="{FAC0EC8D-17F2-4955-98FB-8B3A05AE6EC2}" type="datetimeFigureOut">
               <a:rPr lang="es-ES" smtClean="0"/>
-              <a:t>18/07/2019</a:t>
+              <a:t>21/07/2019</a:t>
             </a:fld>
             <a:endParaRPr lang="es-ES"/>
           </a:p>
@@ -2988,7 +2988,7 @@
           <a:p>
             <a:fld id="{FAC0EC8D-17F2-4955-98FB-8B3A05AE6EC2}" type="datetimeFigureOut">
               <a:rPr lang="es-ES" smtClean="0"/>
-              <a:t>18/07/2019</a:t>
+              <a:t>21/07/2019</a:t>
             </a:fld>
             <a:endParaRPr lang="es-ES"/>
           </a:p>
@@ -3201,7 +3201,7 @@
           <a:p>
             <a:fld id="{FAC0EC8D-17F2-4955-98FB-8B3A05AE6EC2}" type="datetimeFigureOut">
               <a:rPr lang="es-ES" smtClean="0"/>
-              <a:t>18/07/2019</a:t>
+              <a:t>21/07/2019</a:t>
             </a:fld>
             <a:endParaRPr lang="es-ES"/>
           </a:p>
@@ -3773,7 +3773,13 @@
               <a:rPr lang="es-ES" i="1" dirty="0" smtClean="0">
                 <a:latin typeface="+mj-lt"/>
               </a:rPr>
-              <a:t>10 de julio de 2019</a:t>
+              <a:t>25 </a:t>
+            </a:r>
+            <a:r>
+              <a:rPr lang="es-ES" i="1" dirty="0" smtClean="0">
+                <a:latin typeface="+mj-lt"/>
+              </a:rPr>
+              <a:t>de julio de 2019</a:t>
             </a:r>
             <a:endParaRPr lang="es-ES" i="1" dirty="0">
               <a:latin typeface="+mj-lt"/>
@@ -3852,7 +3858,6 @@
               <a:rPr lang="es-ES" sz="2400" dirty="0" smtClean="0"/>
               <a:t>.</a:t>
             </a:r>
-            <a:endParaRPr lang="es-ES" sz="2400" dirty="0" smtClean="0"/>
           </a:p>
           <a:p>
             <a:pPr>
@@ -3995,9 +4000,10 @@
           <a:lstStyle/>
           <a:p>
             <a:r>
-              <a:rPr lang="es-ES" dirty="0"/>
-              <a:t>9</a:t>
-            </a:r>
+              <a:rPr lang="es-ES" dirty="0" smtClean="0"/>
+              <a:t>9/28</a:t>
+            </a:r>
+            <a:endParaRPr lang="es-ES" dirty="0"/>
           </a:p>
         </p:txBody>
       </p:sp>
@@ -4245,7 +4251,7 @@
           <a:p>
             <a:r>
               <a:rPr lang="es-ES" dirty="0" smtClean="0"/>
-              <a:t>10</a:t>
+              <a:t>10/28</a:t>
             </a:r>
             <a:endParaRPr lang="es-ES" dirty="0"/>
           </a:p>
@@ -4298,7 +4304,7 @@
         </p:nvSpPr>
         <p:spPr>
           <a:xfrm>
-            <a:off x="3308577" y="1807326"/>
+            <a:off x="3308577" y="1587444"/>
             <a:ext cx="2526846" cy="861774"/>
           </a:xfrm>
           <a:prstGeom prst="rect">
@@ -4343,14 +4349,66 @@
         </p:blipFill>
         <p:spPr>
           <a:xfrm>
-            <a:off x="899592" y="2544955"/>
-            <a:ext cx="6972460" cy="3656226"/>
+            <a:off x="971600" y="2188536"/>
+            <a:ext cx="6840760" cy="3587165"/>
           </a:xfrm>
           <a:prstGeom prst="rect">
             <a:avLst/>
           </a:prstGeom>
         </p:spPr>
       </p:pic>
+      <p:sp>
+        <p:nvSpPr>
+          <p:cNvPr id="2" name="CuadroTexto 1"/>
+          <p:cNvSpPr txBox="1"/>
+          <p:nvPr/>
+        </p:nvSpPr>
+        <p:spPr>
+          <a:xfrm>
+            <a:off x="1043608" y="5792018"/>
+            <a:ext cx="6856044" cy="584775"/>
+          </a:xfrm>
+          <a:prstGeom prst="rect">
+            <a:avLst/>
+          </a:prstGeom>
+          <a:noFill/>
+        </p:spPr>
+        <p:txBody>
+          <a:bodyPr wrap="none" rtlCol="0">
+            <a:spAutoFit/>
+          </a:bodyPr>
+          <a:lstStyle/>
+          <a:p>
+            <a:r>
+              <a:rPr lang="es-ES" sz="1600" i="1" dirty="0"/>
+              <a:t>Resultados de </a:t>
+            </a:r>
+            <a:r>
+              <a:rPr lang="es-ES" sz="1600" i="1" dirty="0" smtClean="0"/>
+              <a:t>conducción </a:t>
+            </a:r>
+            <a:r>
+              <a:rPr lang="es-ES" sz="1600" i="1" dirty="0"/>
+              <a:t>con redes de </a:t>
+            </a:r>
+            <a:r>
+              <a:rPr lang="es-ES" sz="1600" i="1" dirty="0" smtClean="0"/>
+              <a:t>clasificación </a:t>
+            </a:r>
+            <a:r>
+              <a:rPr lang="es-ES" sz="1600" i="1" dirty="0"/>
+              <a:t>(imagen completa e imagen</a:t>
+            </a:r>
+          </a:p>
+          <a:p>
+            <a:r>
+              <a:rPr lang="es-ES" sz="1600" i="1" dirty="0"/>
+              <a:t>recortada)</a:t>
+            </a:r>
+            <a:endParaRPr lang="es-ES" sz="1600" i="1" dirty="0"/>
+          </a:p>
+        </p:txBody>
+      </p:sp>
     </p:spTree>
     <p:extLst>
       <p:ext uri="{BB962C8B-B14F-4D97-AF65-F5344CB8AC3E}">
@@ -4495,7 +4553,7 @@
           <a:p>
             <a:r>
               <a:rPr lang="es-ES" dirty="0" smtClean="0"/>
-              <a:t>11</a:t>
+              <a:t>11/28</a:t>
             </a:r>
             <a:endParaRPr lang="es-ES" dirty="0"/>
           </a:p>
@@ -4681,7 +4739,6 @@
               <a:rPr lang="es-ES" sz="2000" dirty="0" smtClean="0"/>
               <a:t>clases en el rendimiento.</a:t>
             </a:r>
-            <a:endParaRPr lang="es-ES" sz="2000" dirty="0" smtClean="0"/>
           </a:p>
           <a:p>
             <a:pPr lvl="1">
@@ -4843,7 +4900,7 @@
           <a:p>
             <a:r>
               <a:rPr lang="es-ES" dirty="0" smtClean="0"/>
-              <a:t>12</a:t>
+              <a:t>12/28</a:t>
             </a:r>
             <a:endParaRPr lang="es-ES" dirty="0"/>
           </a:p>
@@ -4896,7 +4953,7 @@
         </p:nvSpPr>
         <p:spPr>
           <a:xfrm>
-            <a:off x="3308577" y="1807326"/>
+            <a:off x="3308577" y="1549986"/>
             <a:ext cx="2526846" cy="861774"/>
           </a:xfrm>
           <a:prstGeom prst="rect">
@@ -4941,14 +4998,78 @@
         </p:blipFill>
         <p:spPr>
           <a:xfrm>
-            <a:off x="985060" y="2605410"/>
-            <a:ext cx="6912768" cy="3739178"/>
+            <a:off x="1115616" y="2236243"/>
+            <a:ext cx="6683284" cy="3615048"/>
           </a:xfrm>
           <a:prstGeom prst="rect">
             <a:avLst/>
           </a:prstGeom>
         </p:spPr>
       </p:pic>
+      <p:sp>
+        <p:nvSpPr>
+          <p:cNvPr id="10" name="CuadroTexto 9"/>
+          <p:cNvSpPr txBox="1"/>
+          <p:nvPr/>
+        </p:nvSpPr>
+        <p:spPr>
+          <a:xfrm>
+            <a:off x="1043608" y="5792018"/>
+            <a:ext cx="6843605" cy="584775"/>
+          </a:xfrm>
+          <a:prstGeom prst="rect">
+            <a:avLst/>
+          </a:prstGeom>
+          <a:noFill/>
+        </p:spPr>
+        <p:txBody>
+          <a:bodyPr wrap="none" rtlCol="0">
+            <a:spAutoFit/>
+          </a:bodyPr>
+          <a:lstStyle/>
+          <a:p>
+            <a:r>
+              <a:rPr lang="es-ES" sz="1600" i="1" dirty="0"/>
+              <a:t>Resultados de </a:t>
+            </a:r>
+            <a:r>
+              <a:rPr lang="es-ES" sz="1600" i="1" dirty="0" smtClean="0"/>
+              <a:t>conducción </a:t>
+            </a:r>
+            <a:r>
+              <a:rPr lang="es-ES" sz="1600" i="1" dirty="0"/>
+              <a:t>con redes de </a:t>
+            </a:r>
+            <a:r>
+              <a:rPr lang="es-ES" sz="1600" i="1" dirty="0" smtClean="0"/>
+              <a:t>clasificación </a:t>
+            </a:r>
+            <a:r>
+              <a:rPr lang="es-ES" sz="1600" i="1" dirty="0"/>
+              <a:t>modificando la </a:t>
+            </a:r>
+            <a:r>
+              <a:rPr lang="es-ES" sz="1600" i="1" dirty="0" smtClean="0"/>
+              <a:t>combinación</a:t>
+            </a:r>
+            <a:endParaRPr lang="es-ES" sz="1600" i="1" dirty="0"/>
+          </a:p>
+          <a:p>
+            <a:r>
+              <a:rPr lang="es-ES" sz="1600" i="1" dirty="0"/>
+              <a:t>del </a:t>
+            </a:r>
+            <a:r>
+              <a:rPr lang="es-ES" sz="1600" i="1" dirty="0" smtClean="0"/>
+              <a:t>número </a:t>
+            </a:r>
+            <a:r>
+              <a:rPr lang="es-ES" sz="1600" i="1" dirty="0"/>
+              <a:t>de clases (imagen recortada)</a:t>
+            </a:r>
+          </a:p>
+        </p:txBody>
+      </p:sp>
     </p:spTree>
     <p:extLst>
       <p:ext uri="{BB962C8B-B14F-4D97-AF65-F5344CB8AC3E}">
@@ -5093,7 +5214,7 @@
           <a:p>
             <a:r>
               <a:rPr lang="es-ES" dirty="0" smtClean="0"/>
-              <a:t>13</a:t>
+              <a:t>13/28</a:t>
             </a:r>
             <a:endParaRPr lang="es-ES" dirty="0"/>
           </a:p>
@@ -5240,7 +5361,6 @@
               <a:rPr lang="es-ES" sz="2000" dirty="0" smtClean="0"/>
               <a:t>modificación (red desbalanceada).</a:t>
             </a:r>
-            <a:endParaRPr lang="es-ES" sz="2000" dirty="0" smtClean="0"/>
           </a:p>
           <a:p>
             <a:pPr marL="457200" lvl="1" indent="0">
@@ -5450,7 +5570,7 @@
           <a:p>
             <a:r>
               <a:rPr lang="es-ES" dirty="0" smtClean="0"/>
-              <a:t>14</a:t>
+              <a:t>14/28</a:t>
             </a:r>
             <a:endParaRPr lang="es-ES" dirty="0"/>
           </a:p>
@@ -5503,7 +5623,7 @@
         </p:nvSpPr>
         <p:spPr>
           <a:xfrm>
-            <a:off x="3308577" y="1807326"/>
+            <a:off x="3308577" y="1532307"/>
             <a:ext cx="2526846" cy="861774"/>
           </a:xfrm>
           <a:prstGeom prst="rect">
@@ -5548,14 +5668,65 @@
         </p:blipFill>
         <p:spPr>
           <a:xfrm>
-            <a:off x="587190" y="2566390"/>
-            <a:ext cx="7667625" cy="3788860"/>
+            <a:off x="683568" y="2148213"/>
+            <a:ext cx="7297178" cy="3605808"/>
           </a:xfrm>
           <a:prstGeom prst="rect">
             <a:avLst/>
           </a:prstGeom>
         </p:spPr>
       </p:pic>
+      <p:sp>
+        <p:nvSpPr>
+          <p:cNvPr id="10" name="CuadroTexto 9"/>
+          <p:cNvSpPr txBox="1"/>
+          <p:nvPr/>
+        </p:nvSpPr>
+        <p:spPr>
+          <a:xfrm>
+            <a:off x="1043608" y="5792018"/>
+            <a:ext cx="6843605" cy="584775"/>
+          </a:xfrm>
+          <a:prstGeom prst="rect">
+            <a:avLst/>
+          </a:prstGeom>
+          <a:noFill/>
+        </p:spPr>
+        <p:txBody>
+          <a:bodyPr wrap="none" rtlCol="0">
+            <a:spAutoFit/>
+          </a:bodyPr>
+          <a:lstStyle/>
+          <a:p>
+            <a:r>
+              <a:rPr lang="es-ES" sz="1600" i="1" dirty="0"/>
+              <a:t>Resultados de </a:t>
+            </a:r>
+            <a:r>
+              <a:rPr lang="es-ES" sz="1600" i="1" dirty="0" smtClean="0"/>
+              <a:t>conducción </a:t>
+            </a:r>
+            <a:r>
+              <a:rPr lang="es-ES" sz="1600" i="1" dirty="0"/>
+              <a:t>con redes de </a:t>
+            </a:r>
+            <a:r>
+              <a:rPr lang="es-ES" sz="1600" i="1" dirty="0" smtClean="0"/>
+              <a:t>clasificación </a:t>
+            </a:r>
+            <a:r>
+              <a:rPr lang="es-ES" sz="1600" i="1" dirty="0"/>
+              <a:t>(estudio de la influencia de</a:t>
+            </a:r>
+          </a:p>
+          <a:p>
+            <a:r>
+              <a:rPr lang="es-ES" sz="1600" i="1" dirty="0"/>
+              <a:t>los datos de entrenamiento)</a:t>
+            </a:r>
+          </a:p>
+        </p:txBody>
+      </p:sp>
     </p:spTree>
     <p:extLst>
       <p:ext uri="{BB962C8B-B14F-4D97-AF65-F5344CB8AC3E}">
@@ -5632,13 +5803,8 @@
             </a:pPr>
             <a:r>
               <a:rPr lang="es-ES" sz="2400" dirty="0" smtClean="0"/>
-              <a:t>Estimar </a:t>
-            </a:r>
-            <a:r>
-              <a:rPr lang="es-ES" sz="2400" dirty="0" smtClean="0"/>
-              <a:t>velocidades del vehículo.</a:t>
-            </a:r>
-            <a:endParaRPr lang="es-ES" sz="2400" dirty="0" smtClean="0"/>
+              <a:t>Estimar velocidades del vehículo.</a:t>
+            </a:r>
           </a:p>
           <a:p>
             <a:pPr>
@@ -5770,7 +5936,7 @@
           <a:p>
             <a:r>
               <a:rPr lang="es-ES" dirty="0" smtClean="0"/>
-              <a:t>15</a:t>
+              <a:t>15/28</a:t>
             </a:r>
             <a:endParaRPr lang="es-ES" dirty="0"/>
           </a:p>
@@ -5804,15 +5970,7 @@
                   <a:srgbClr val="586E2C"/>
                 </a:solidFill>
               </a:rPr>
-              <a:t>Solución de </a:t>
-            </a:r>
-            <a:r>
-              <a:rPr lang="es-ES" sz="3200" b="1" dirty="0" smtClean="0">
-                <a:solidFill>
-                  <a:srgbClr val="586E2C"/>
-                </a:solidFill>
-              </a:rPr>
-              <a:t>referencia</a:t>
+              <a:t>Solución de referencia</a:t>
             </a:r>
             <a:endParaRPr lang="es-ES" sz="3200" dirty="0"/>
           </a:p>
@@ -6004,7 +6162,7 @@
           <a:p>
             <a:r>
               <a:rPr lang="es-ES" dirty="0" smtClean="0"/>
-              <a:t>16</a:t>
+              <a:t>16/28</a:t>
             </a:r>
             <a:endParaRPr lang="es-ES" dirty="0"/>
           </a:p>
@@ -6527,7 +6685,7 @@
           <a:p>
             <a:r>
               <a:rPr lang="es-ES" dirty="0" smtClean="0"/>
-              <a:t>17</a:t>
+              <a:t>17/28</a:t>
             </a:r>
             <a:endParaRPr lang="es-ES" dirty="0"/>
           </a:p>
@@ -6716,7 +6874,7 @@
           <a:p>
             <a:r>
               <a:rPr lang="es-ES" dirty="0" smtClean="0"/>
-              <a:t>18</a:t>
+              <a:t>18/28</a:t>
             </a:r>
             <a:endParaRPr lang="es-ES" dirty="0"/>
           </a:p>
@@ -6924,6 +7082,67 @@
           </a:prstGeom>
         </p:spPr>
       </p:pic>
+      <p:sp>
+        <p:nvSpPr>
+          <p:cNvPr id="16" name="CuadroTexto 15"/>
+          <p:cNvSpPr txBox="1"/>
+          <p:nvPr/>
+        </p:nvSpPr>
+        <p:spPr>
+          <a:xfrm>
+            <a:off x="323528" y="5792018"/>
+            <a:ext cx="8517762" cy="584775"/>
+          </a:xfrm>
+          <a:prstGeom prst="rect">
+            <a:avLst/>
+          </a:prstGeom>
+          <a:noFill/>
+        </p:spPr>
+        <p:txBody>
+          <a:bodyPr wrap="square" rtlCol="0">
+            <a:spAutoFit/>
+          </a:bodyPr>
+          <a:lstStyle/>
+          <a:p>
+            <a:r>
+              <a:rPr lang="es-ES" sz="1600" i="1" dirty="0" smtClean="0"/>
+              <a:t>  </a:t>
+            </a:r>
+            <a:r>
+              <a:rPr lang="es-ES" sz="1600" i="1" dirty="0" err="1" smtClean="0"/>
+              <a:t>PilotNet</a:t>
+            </a:r>
+            <a:r>
+              <a:rPr lang="es-ES" sz="1600" i="1" dirty="0" smtClean="0"/>
+              <a:t>                                   </a:t>
+            </a:r>
+            <a:r>
+              <a:rPr lang="es-ES" sz="1600" i="1" dirty="0" err="1" smtClean="0"/>
+              <a:t>TinyPilotNet</a:t>
+            </a:r>
+            <a:r>
+              <a:rPr lang="es-ES" sz="1600" i="1" dirty="0" smtClean="0"/>
+              <a:t>                     LSTM-</a:t>
+            </a:r>
+            <a:r>
+              <a:rPr lang="es-ES" sz="1600" i="1" dirty="0" err="1" smtClean="0"/>
+              <a:t>TinyPilotNet</a:t>
+            </a:r>
+            <a:r>
+              <a:rPr lang="es-ES" sz="1600" i="1" dirty="0" smtClean="0"/>
+              <a:t>     </a:t>
+            </a:r>
+            <a:r>
+              <a:rPr lang="es-ES" sz="1600" i="1" dirty="0" err="1" smtClean="0"/>
+              <a:t>DeepestLSTM-TinyPilotNet</a:t>
+            </a:r>
+            <a:endParaRPr lang="es-ES" sz="1600" i="1" dirty="0"/>
+          </a:p>
+          <a:p>
+            <a:endParaRPr lang="es-ES" sz="1600" i="1" dirty="0"/>
+          </a:p>
+        </p:txBody>
+      </p:sp>
     </p:spTree>
     <p:extLst>
       <p:ext uri="{BB962C8B-B14F-4D97-AF65-F5344CB8AC3E}">
@@ -7095,7 +7314,7 @@
           <a:p>
             <a:r>
               <a:rPr lang="es-ES" dirty="0" smtClean="0"/>
-              <a:t>1</a:t>
+              <a:t>1/28</a:t>
             </a:r>
             <a:endParaRPr lang="es-ES" dirty="0"/>
           </a:p>
@@ -7305,7 +7524,7 @@
           <a:p>
             <a:r>
               <a:rPr lang="es-ES" dirty="0" smtClean="0"/>
-              <a:t>19</a:t>
+              <a:t>19/28</a:t>
             </a:r>
             <a:endParaRPr lang="es-ES" dirty="0"/>
           </a:p>
@@ -7635,7 +7854,7 @@
           <a:p>
             <a:r>
               <a:rPr lang="es-ES" dirty="0" smtClean="0"/>
-              <a:t>20</a:t>
+              <a:t>20/28</a:t>
             </a:r>
             <a:endParaRPr lang="es-ES" dirty="0"/>
           </a:p>
@@ -7771,6 +7990,51 @@
           </a:prstGeom>
         </p:spPr>
       </p:pic>
+      <p:sp>
+        <p:nvSpPr>
+          <p:cNvPr id="9" name="CuadroTexto 8"/>
+          <p:cNvSpPr txBox="1"/>
+          <p:nvPr/>
+        </p:nvSpPr>
+        <p:spPr>
+          <a:xfrm>
+            <a:off x="1043608" y="5792018"/>
+            <a:ext cx="6933629" cy="338554"/>
+          </a:xfrm>
+          <a:prstGeom prst="rect">
+            <a:avLst/>
+          </a:prstGeom>
+          <a:noFill/>
+        </p:spPr>
+        <p:txBody>
+          <a:bodyPr wrap="none" rtlCol="0">
+            <a:spAutoFit/>
+          </a:bodyPr>
+          <a:lstStyle/>
+          <a:p>
+            <a:r>
+              <a:rPr lang="es-ES" sz="1600" i="1" dirty="0"/>
+              <a:t>Resultados de </a:t>
+            </a:r>
+            <a:r>
+              <a:rPr lang="es-ES" sz="1600" i="1" dirty="0" smtClean="0"/>
+              <a:t>conducción </a:t>
+            </a:r>
+            <a:r>
+              <a:rPr lang="es-ES" sz="1600" i="1" dirty="0"/>
+              <a:t>con redes neuronales de </a:t>
+            </a:r>
+            <a:r>
+              <a:rPr lang="es-ES" sz="1600" i="1" dirty="0" smtClean="0"/>
+              <a:t>regresión </a:t>
+            </a:r>
+            <a:r>
+              <a:rPr lang="es-ES" sz="1600" i="1" dirty="0"/>
+              <a:t>(imagen completa)</a:t>
+            </a:r>
+          </a:p>
+        </p:txBody>
+      </p:sp>
     </p:spTree>
     <p:extLst>
       <p:ext uri="{BB962C8B-B14F-4D97-AF65-F5344CB8AC3E}">
@@ -7885,7 +8149,7 @@
           <a:p>
             <a:r>
               <a:rPr lang="es-ES" dirty="0" smtClean="0"/>
-              <a:t>21</a:t>
+              <a:t>21/28</a:t>
             </a:r>
             <a:endParaRPr lang="es-ES" dirty="0"/>
           </a:p>
@@ -7968,7 +8232,7 @@
         </p:nvSpPr>
         <p:spPr>
           <a:xfrm>
-            <a:off x="3308577" y="1577937"/>
+            <a:off x="3275856" y="1480697"/>
             <a:ext cx="2526846" cy="861774"/>
           </a:xfrm>
           <a:prstGeom prst="rect">
@@ -8009,7 +8273,7 @@
         </p:nvSpPr>
         <p:spPr>
           <a:xfrm>
-            <a:off x="881755" y="2405531"/>
+            <a:off x="858029" y="2194990"/>
             <a:ext cx="7996960" cy="3777283"/>
           </a:xfrm>
         </p:spPr>
@@ -8049,28 +8313,6 @@
               <a:rPr lang="es-ES" sz="2000" dirty="0" smtClean="0"/>
               <a:t>.</a:t>
             </a:r>
-          </a:p>
-          <a:p>
-            <a:pPr lvl="1">
-              <a:buFont typeface="Wingdings" panose="05000000000000000000" pitchFamily="2" charset="2"/>
-              <a:buChar char="§"/>
-            </a:pPr>
-            <a:r>
-              <a:rPr lang="es-ES" sz="2000" dirty="0" smtClean="0"/>
-              <a:t>Ejemplo de imagen recortada:</a:t>
-            </a:r>
-          </a:p>
-          <a:p>
-            <a:pPr marL="457200" lvl="1" indent="0">
-              <a:buNone/>
-            </a:pPr>
-            <a:endParaRPr lang="es-ES" sz="2000" dirty="0" smtClean="0"/>
-          </a:p>
-          <a:p>
-            <a:pPr>
-              <a:buFont typeface="Wingdings" panose="05000000000000000000" pitchFamily="2" charset="2"/>
-              <a:buChar char="§"/>
-            </a:pPr>
             <a:endParaRPr lang="es-ES" sz="2400" dirty="0" smtClean="0"/>
           </a:p>
         </p:txBody>
@@ -8091,7 +8333,7 @@
         </p:blipFill>
         <p:spPr>
           <a:xfrm>
-            <a:off x="881755" y="3774465"/>
+            <a:off x="755576" y="3177400"/>
             <a:ext cx="7146629" cy="2778709"/>
           </a:xfrm>
           <a:prstGeom prst="rect">
@@ -8099,6 +8341,56 @@
           </a:prstGeom>
         </p:spPr>
       </p:pic>
+      <p:sp>
+        <p:nvSpPr>
+          <p:cNvPr id="10" name="CuadroTexto 9"/>
+          <p:cNvSpPr txBox="1"/>
+          <p:nvPr/>
+        </p:nvSpPr>
+        <p:spPr>
+          <a:xfrm>
+            <a:off x="1037493" y="6050333"/>
+            <a:ext cx="6854569" cy="338554"/>
+          </a:xfrm>
+          <a:prstGeom prst="rect">
+            <a:avLst/>
+          </a:prstGeom>
+          <a:noFill/>
+        </p:spPr>
+        <p:txBody>
+          <a:bodyPr wrap="none" rtlCol="0">
+            <a:spAutoFit/>
+          </a:bodyPr>
+          <a:lstStyle/>
+          <a:p>
+            <a:r>
+              <a:rPr lang="es-ES" sz="1600" i="1" dirty="0"/>
+              <a:t>Resultados de </a:t>
+            </a:r>
+            <a:r>
+              <a:rPr lang="es-ES" sz="1600" i="1" dirty="0" smtClean="0"/>
+              <a:t>conducción </a:t>
+            </a:r>
+            <a:r>
+              <a:rPr lang="es-ES" sz="1600" i="1" dirty="0"/>
+              <a:t>con redes neuronales de </a:t>
+            </a:r>
+            <a:r>
+              <a:rPr lang="es-ES" sz="1600" i="1" dirty="0" smtClean="0"/>
+              <a:t>regresión </a:t>
+            </a:r>
+            <a:r>
+              <a:rPr lang="es-ES" sz="1600" i="1" dirty="0"/>
+              <a:t>(imagen </a:t>
+            </a:r>
+            <a:r>
+              <a:rPr lang="es-ES" sz="1600" i="1" dirty="0" smtClean="0"/>
+              <a:t>recortada)</a:t>
+            </a:r>
+            <a:endParaRPr lang="es-ES" sz="1600" i="1" dirty="0"/>
+          </a:p>
+        </p:txBody>
+      </p:sp>
     </p:spTree>
     <p:extLst>
       <p:ext uri="{BB962C8B-B14F-4D97-AF65-F5344CB8AC3E}">
@@ -8213,7 +8505,7 @@
           <a:p>
             <a:r>
               <a:rPr lang="es-ES" dirty="0" smtClean="0"/>
-              <a:t>22</a:t>
+              <a:t>22/28</a:t>
             </a:r>
             <a:endParaRPr lang="es-ES" dirty="0"/>
           </a:p>
@@ -8652,7 +8944,7 @@
           <a:p>
             <a:r>
               <a:rPr lang="es-ES" dirty="0" smtClean="0"/>
-              <a:t>23</a:t>
+              <a:t>23/28</a:t>
             </a:r>
             <a:endParaRPr lang="es-ES" dirty="0"/>
           </a:p>
@@ -8735,7 +9027,7 @@
         </p:nvSpPr>
         <p:spPr>
           <a:xfrm>
-            <a:off x="3308577" y="1807326"/>
+            <a:off x="3308577" y="1577937"/>
             <a:ext cx="2526846" cy="861774"/>
           </a:xfrm>
           <a:prstGeom prst="rect">
@@ -8780,7 +9072,7 @@
         </p:blipFill>
         <p:spPr>
           <a:xfrm>
-            <a:off x="611560" y="2512572"/>
+            <a:off x="611560" y="2227249"/>
             <a:ext cx="7592264" cy="3694901"/>
           </a:xfrm>
           <a:prstGeom prst="rect">
@@ -8788,6 +9080,57 @@
           </a:prstGeom>
         </p:spPr>
       </p:pic>
+      <p:sp>
+        <p:nvSpPr>
+          <p:cNvPr id="9" name="CuadroTexto 8"/>
+          <p:cNvSpPr txBox="1"/>
+          <p:nvPr/>
+        </p:nvSpPr>
+        <p:spPr>
+          <a:xfrm>
+            <a:off x="971600" y="5996797"/>
+            <a:ext cx="6520503" cy="584775"/>
+          </a:xfrm>
+          <a:prstGeom prst="rect">
+            <a:avLst/>
+          </a:prstGeom>
+          <a:noFill/>
+        </p:spPr>
+        <p:txBody>
+          <a:bodyPr wrap="none" rtlCol="0">
+            <a:spAutoFit/>
+          </a:bodyPr>
+          <a:lstStyle/>
+          <a:p>
+            <a:r>
+              <a:rPr lang="es-ES" sz="1600" i="1" dirty="0"/>
+              <a:t>Resultados de </a:t>
+            </a:r>
+            <a:r>
+              <a:rPr lang="es-ES" sz="1600" i="1" dirty="0" smtClean="0"/>
+              <a:t>conducción </a:t>
+            </a:r>
+            <a:r>
+              <a:rPr lang="es-ES" sz="1600" i="1" dirty="0"/>
+              <a:t>con redes neuronales de </a:t>
+            </a:r>
+            <a:r>
+              <a:rPr lang="es-ES" sz="1600" i="1" dirty="0" smtClean="0"/>
+              <a:t>regresión </a:t>
+            </a:r>
+            <a:r>
+              <a:rPr lang="es-ES" sz="1600" i="1" dirty="0"/>
+              <a:t>introduciendo</a:t>
+            </a:r>
+          </a:p>
+          <a:p>
+            <a:r>
+              <a:rPr lang="es-ES" sz="1600" i="1" dirty="0"/>
+              <a:t>temporalidad (imagen completa)</a:t>
+            </a:r>
+          </a:p>
+        </p:txBody>
+      </p:sp>
     </p:spTree>
     <p:extLst>
       <p:ext uri="{BB962C8B-B14F-4D97-AF65-F5344CB8AC3E}">
@@ -9017,7 +9360,7 @@
           <a:p>
             <a:r>
               <a:rPr lang="es-ES" dirty="0" smtClean="0"/>
-              <a:t>24</a:t>
+              <a:t>24/28</a:t>
             </a:r>
             <a:endParaRPr lang="es-ES" dirty="0"/>
           </a:p>
@@ -9273,7 +9616,7 @@
           <a:p>
             <a:r>
               <a:rPr lang="es-ES" dirty="0" smtClean="0"/>
-              <a:t>25</a:t>
+              <a:t>25/28</a:t>
             </a:r>
             <a:endParaRPr lang="es-ES" dirty="0"/>
           </a:p>
@@ -9773,7 +10116,7 @@
           <a:p>
             <a:r>
               <a:rPr lang="es-ES" dirty="0" smtClean="0"/>
-              <a:t>26</a:t>
+              <a:t>26/28</a:t>
             </a:r>
             <a:endParaRPr lang="es-ES" dirty="0"/>
           </a:p>
@@ -10090,7 +10433,7 @@
           <a:p>
             <a:r>
               <a:rPr lang="es-ES" dirty="0" smtClean="0"/>
-              <a:t>27</a:t>
+              <a:t>27/28</a:t>
             </a:r>
             <a:endParaRPr lang="es-ES" dirty="0"/>
           </a:p>
@@ -10387,7 +10730,7 @@
           <a:p>
             <a:r>
               <a:rPr lang="es-ES" dirty="0" smtClean="0"/>
-              <a:t>28</a:t>
+              <a:t>28/28</a:t>
             </a:r>
             <a:endParaRPr lang="es-ES" dirty="0"/>
           </a:p>
@@ -10588,9 +10931,10 @@
           <a:lstStyle/>
           <a:p>
             <a:r>
-              <a:rPr lang="es-ES" dirty="0"/>
-              <a:t>2</a:t>
-            </a:r>
+              <a:rPr lang="es-ES" dirty="0" smtClean="0"/>
+              <a:t>2/28</a:t>
+            </a:r>
+            <a:endParaRPr lang="es-ES" dirty="0"/>
           </a:p>
         </p:txBody>
       </p:sp>
@@ -10963,9 +11307,10 @@
           <a:lstStyle/>
           <a:p>
             <a:r>
-              <a:rPr lang="es-ES" dirty="0"/>
-              <a:t>3</a:t>
-            </a:r>
+              <a:rPr lang="es-ES" dirty="0" smtClean="0"/>
+              <a:t>3/28</a:t>
+            </a:r>
+            <a:endParaRPr lang="es-ES" dirty="0"/>
           </a:p>
         </p:txBody>
       </p:sp>
@@ -11289,7 +11634,7 @@
           <a:p>
             <a:r>
               <a:rPr lang="es-ES" dirty="0" smtClean="0"/>
-              <a:t>4</a:t>
+              <a:t>4/28</a:t>
             </a:r>
             <a:endParaRPr lang="es-ES" dirty="0"/>
           </a:p>
@@ -11670,9 +12015,10 @@
           <a:lstStyle/>
           <a:p>
             <a:r>
-              <a:rPr lang="es-ES" dirty="0"/>
-              <a:t>5</a:t>
-            </a:r>
+              <a:rPr lang="es-ES" dirty="0" smtClean="0"/>
+              <a:t>5/28</a:t>
+            </a:r>
+            <a:endParaRPr lang="es-ES" dirty="0"/>
           </a:p>
         </p:txBody>
       </p:sp>
@@ -12015,7 +12361,7 @@
           <a:p>
             <a:r>
               <a:rPr lang="es-ES" dirty="0" smtClean="0"/>
-              <a:t>6</a:t>
+              <a:t>6/28</a:t>
             </a:r>
             <a:endParaRPr lang="es-ES" dirty="0"/>
           </a:p>
@@ -12454,7 +12800,7 @@
           <a:p>
             <a:r>
               <a:rPr lang="es-ES" dirty="0" smtClean="0"/>
-              <a:t>7</a:t>
+              <a:t>7/28</a:t>
             </a:r>
             <a:endParaRPr lang="es-ES" dirty="0"/>
           </a:p>
@@ -13123,9 +13469,10 @@
           <a:lstStyle/>
           <a:p>
             <a:r>
-              <a:rPr lang="es-ES" dirty="0"/>
-              <a:t>8</a:t>
-            </a:r>
+              <a:rPr lang="es-ES" dirty="0" smtClean="0"/>
+              <a:t>8/28</a:t>
+            </a:r>
+            <a:endParaRPr lang="es-ES" dirty="0"/>
           </a:p>
         </p:txBody>
       </p:sp>

--- a/Memoria/Presentación.pptx
+++ b/Memoria/Presentación.pptx
@@ -3773,13 +3773,7 @@
               <a:rPr lang="es-ES" i="1" dirty="0" smtClean="0">
                 <a:latin typeface="+mj-lt"/>
               </a:rPr>
-              <a:t>25 </a:t>
-            </a:r>
-            <a:r>
-              <a:rPr lang="es-ES" i="1" dirty="0" smtClean="0">
-                <a:latin typeface="+mj-lt"/>
-              </a:rPr>
-              <a:t>de julio de 2019</a:t>
+              <a:t>25 de julio de 2019</a:t>
             </a:r>
             <a:endParaRPr lang="es-ES" i="1" dirty="0">
               <a:latin typeface="+mj-lt"/>
@@ -3852,7 +3846,15 @@
             </a:pPr>
             <a:r>
               <a:rPr lang="es-ES" sz="2400" dirty="0"/>
-              <a:t>Buenos resultados en métricas no implican buen rendimiento</a:t>
+              <a:t>Buenos resultados en </a:t>
+            </a:r>
+            <a:r>
+              <a:rPr lang="es-ES" sz="2400" dirty="0" smtClean="0"/>
+              <a:t>métricas neuronales </a:t>
+            </a:r>
+            <a:r>
+              <a:rPr lang="es-ES" sz="2400" dirty="0"/>
+              <a:t>no implican buen rendimiento</a:t>
             </a:r>
             <a:r>
               <a:rPr lang="es-ES" sz="2400" dirty="0" smtClean="0"/>
@@ -4405,7 +4407,6 @@
               <a:rPr lang="es-ES" sz="1600" i="1" dirty="0"/>
               <a:t>recortada)</a:t>
             </a:r>
-            <a:endParaRPr lang="es-ES" sz="1600" i="1" dirty="0"/>
           </a:p>
         </p:txBody>
       </p:sp>
@@ -7664,7 +7665,15 @@
             </a:pPr>
             <a:r>
               <a:rPr lang="es-ES" sz="2400" dirty="0"/>
-              <a:t>Buenos resultados en métricas no implican buen rendimiento</a:t>
+              <a:t>Buenos resultados en </a:t>
+            </a:r>
+            <a:r>
+              <a:rPr lang="es-ES" sz="2400" dirty="0" smtClean="0"/>
+              <a:t>métricas neuronales </a:t>
+            </a:r>
+            <a:r>
+              <a:rPr lang="es-ES" sz="2400" dirty="0"/>
+              <a:t>no implican buen rendimiento</a:t>
             </a:r>
             <a:r>
               <a:rPr lang="es-ES" sz="2400" dirty="0" smtClean="0"/>

--- a/Memoria/Presentación.pptx
+++ b/Memoria/Presentación.pptx
@@ -5,7 +5,7 @@
     <p:sldMasterId id="2147483672" r:id="rId1"/>
   </p:sldMasterIdLst>
   <p:notesMasterIdLst>
-    <p:notesMasterId r:id="rId31"/>
+    <p:notesMasterId r:id="rId29"/>
   </p:notesMasterIdLst>
   <p:sldIdLst>
     <p:sldId id="256" r:id="rId2"/>
@@ -15,28 +15,26 @@
     <p:sldId id="260" r:id="rId6"/>
     <p:sldId id="261" r:id="rId7"/>
     <p:sldId id="282" r:id="rId8"/>
-    <p:sldId id="283" r:id="rId9"/>
-    <p:sldId id="262" r:id="rId10"/>
-    <p:sldId id="264" r:id="rId11"/>
-    <p:sldId id="265" r:id="rId12"/>
-    <p:sldId id="285" r:id="rId13"/>
-    <p:sldId id="286" r:id="rId14"/>
-    <p:sldId id="287" r:id="rId15"/>
-    <p:sldId id="288" r:id="rId16"/>
-    <p:sldId id="266" r:id="rId17"/>
-    <p:sldId id="267" r:id="rId18"/>
-    <p:sldId id="268" r:id="rId19"/>
-    <p:sldId id="269" r:id="rId20"/>
-    <p:sldId id="289" r:id="rId21"/>
-    <p:sldId id="290" r:id="rId22"/>
-    <p:sldId id="291" r:id="rId23"/>
-    <p:sldId id="292" r:id="rId24"/>
-    <p:sldId id="293" r:id="rId25"/>
-    <p:sldId id="272" r:id="rId26"/>
-    <p:sldId id="273" r:id="rId27"/>
-    <p:sldId id="279" r:id="rId28"/>
-    <p:sldId id="280" r:id="rId29"/>
-    <p:sldId id="281" r:id="rId30"/>
+    <p:sldId id="262" r:id="rId9"/>
+    <p:sldId id="264" r:id="rId10"/>
+    <p:sldId id="265" r:id="rId11"/>
+    <p:sldId id="285" r:id="rId12"/>
+    <p:sldId id="286" r:id="rId13"/>
+    <p:sldId id="287" r:id="rId14"/>
+    <p:sldId id="288" r:id="rId15"/>
+    <p:sldId id="266" r:id="rId16"/>
+    <p:sldId id="267" r:id="rId17"/>
+    <p:sldId id="268" r:id="rId18"/>
+    <p:sldId id="289" r:id="rId19"/>
+    <p:sldId id="290" r:id="rId20"/>
+    <p:sldId id="291" r:id="rId21"/>
+    <p:sldId id="292" r:id="rId22"/>
+    <p:sldId id="293" r:id="rId23"/>
+    <p:sldId id="272" r:id="rId24"/>
+    <p:sldId id="273" r:id="rId25"/>
+    <p:sldId id="279" r:id="rId26"/>
+    <p:sldId id="280" r:id="rId27"/>
+    <p:sldId id="281" r:id="rId28"/>
   </p:sldIdLst>
   <p:sldSz cx="9144000" cy="6858000" type="screen4x3"/>
   <p:notesSz cx="6858000" cy="9144000"/>
@@ -236,7 +234,7 @@
           <a:p>
             <a:fld id="{7799B470-7265-476E-AEAE-B994A4C99C3B}" type="datetimeFigureOut">
               <a:rPr lang="es-ES" smtClean="0"/>
-              <a:t>21/07/2019</a:t>
+              <a:t>22/07/2019</a:t>
             </a:fld>
             <a:endParaRPr lang="es-ES"/>
           </a:p>
@@ -769,7 +767,7 @@
           <a:p>
             <a:fld id="{FAC0EC8D-17F2-4955-98FB-8B3A05AE6EC2}" type="datetimeFigureOut">
               <a:rPr lang="es-ES" smtClean="0"/>
-              <a:t>21/07/2019</a:t>
+              <a:t>22/07/2019</a:t>
             </a:fld>
             <a:endParaRPr lang="es-ES"/>
           </a:p>
@@ -939,7 +937,7 @@
           <a:p>
             <a:fld id="{FAC0EC8D-17F2-4955-98FB-8B3A05AE6EC2}" type="datetimeFigureOut">
               <a:rPr lang="es-ES" smtClean="0"/>
-              <a:t>21/07/2019</a:t>
+              <a:t>22/07/2019</a:t>
             </a:fld>
             <a:endParaRPr lang="es-ES"/>
           </a:p>
@@ -1119,7 +1117,7 @@
           <a:p>
             <a:fld id="{FAC0EC8D-17F2-4955-98FB-8B3A05AE6EC2}" type="datetimeFigureOut">
               <a:rPr lang="es-ES" smtClean="0"/>
-              <a:t>21/07/2019</a:t>
+              <a:t>22/07/2019</a:t>
             </a:fld>
             <a:endParaRPr lang="es-ES"/>
           </a:p>
@@ -1289,7 +1287,7 @@
           <a:p>
             <a:fld id="{FAC0EC8D-17F2-4955-98FB-8B3A05AE6EC2}" type="datetimeFigureOut">
               <a:rPr lang="es-ES" smtClean="0"/>
-              <a:t>21/07/2019</a:t>
+              <a:t>22/07/2019</a:t>
             </a:fld>
             <a:endParaRPr lang="es-ES"/>
           </a:p>
@@ -1535,7 +1533,7 @@
           <a:p>
             <a:fld id="{FAC0EC8D-17F2-4955-98FB-8B3A05AE6EC2}" type="datetimeFigureOut">
               <a:rPr lang="es-ES" smtClean="0"/>
-              <a:t>21/07/2019</a:t>
+              <a:t>22/07/2019</a:t>
             </a:fld>
             <a:endParaRPr lang="es-ES"/>
           </a:p>
@@ -1823,7 +1821,7 @@
           <a:p>
             <a:fld id="{FAC0EC8D-17F2-4955-98FB-8B3A05AE6EC2}" type="datetimeFigureOut">
               <a:rPr lang="es-ES" smtClean="0"/>
-              <a:t>21/07/2019</a:t>
+              <a:t>22/07/2019</a:t>
             </a:fld>
             <a:endParaRPr lang="es-ES"/>
           </a:p>
@@ -2245,7 +2243,7 @@
           <a:p>
             <a:fld id="{FAC0EC8D-17F2-4955-98FB-8B3A05AE6EC2}" type="datetimeFigureOut">
               <a:rPr lang="es-ES" smtClean="0"/>
-              <a:t>21/07/2019</a:t>
+              <a:t>22/07/2019</a:t>
             </a:fld>
             <a:endParaRPr lang="es-ES"/>
           </a:p>
@@ -2363,7 +2361,7 @@
           <a:p>
             <a:fld id="{FAC0EC8D-17F2-4955-98FB-8B3A05AE6EC2}" type="datetimeFigureOut">
               <a:rPr lang="es-ES" smtClean="0"/>
-              <a:t>21/07/2019</a:t>
+              <a:t>22/07/2019</a:t>
             </a:fld>
             <a:endParaRPr lang="es-ES"/>
           </a:p>
@@ -2458,7 +2456,7 @@
           <a:p>
             <a:fld id="{FAC0EC8D-17F2-4955-98FB-8B3A05AE6EC2}" type="datetimeFigureOut">
               <a:rPr lang="es-ES" smtClean="0"/>
-              <a:t>21/07/2019</a:t>
+              <a:t>22/07/2019</a:t>
             </a:fld>
             <a:endParaRPr lang="es-ES"/>
           </a:p>
@@ -2735,7 +2733,7 @@
           <a:p>
             <a:fld id="{FAC0EC8D-17F2-4955-98FB-8B3A05AE6EC2}" type="datetimeFigureOut">
               <a:rPr lang="es-ES" smtClean="0"/>
-              <a:t>21/07/2019</a:t>
+              <a:t>22/07/2019</a:t>
             </a:fld>
             <a:endParaRPr lang="es-ES"/>
           </a:p>
@@ -2988,7 +2986,7 @@
           <a:p>
             <a:fld id="{FAC0EC8D-17F2-4955-98FB-8B3A05AE6EC2}" type="datetimeFigureOut">
               <a:rPr lang="es-ES" smtClean="0"/>
-              <a:t>21/07/2019</a:t>
+              <a:t>22/07/2019</a:t>
             </a:fld>
             <a:endParaRPr lang="es-ES"/>
           </a:p>
@@ -3201,7 +3199,7 @@
           <a:p>
             <a:fld id="{FAC0EC8D-17F2-4955-98FB-8B3A05AE6EC2}" type="datetimeFigureOut">
               <a:rPr lang="es-ES" smtClean="0"/>
-              <a:t>21/07/2019</a:t>
+              <a:t>22/07/2019</a:t>
             </a:fld>
             <a:endParaRPr lang="es-ES"/>
           </a:p>
@@ -3818,84 +3816,6 @@
           <a:chExt cx="0" cy="0"/>
         </a:xfrm>
       </p:grpSpPr>
-      <p:sp>
-        <p:nvSpPr>
-          <p:cNvPr id="3" name="2 Marcador de contenido"/>
-          <p:cNvSpPr>
-            <a:spLocks noGrp="1"/>
-          </p:cNvSpPr>
-          <p:nvPr>
-            <p:ph idx="1"/>
-          </p:nvPr>
-        </p:nvSpPr>
-        <p:spPr>
-          <a:xfrm>
-            <a:off x="881755" y="2669100"/>
-            <a:ext cx="7996960" cy="3777283"/>
-          </a:xfrm>
-        </p:spPr>
-        <p:txBody>
-          <a:bodyPr>
-            <a:normAutofit/>
-          </a:bodyPr>
-          <a:lstStyle/>
-          <a:p>
-            <a:pPr>
-              <a:buFont typeface="Wingdings" panose="05000000000000000000" pitchFamily="2" charset="2"/>
-              <a:buChar char="§"/>
-            </a:pPr>
-            <a:r>
-              <a:rPr lang="es-ES" sz="2400" dirty="0"/>
-              <a:t>Buenos resultados en </a:t>
-            </a:r>
-            <a:r>
-              <a:rPr lang="es-ES" sz="2400" dirty="0" smtClean="0"/>
-              <a:t>métricas neuronales </a:t>
-            </a:r>
-            <a:r>
-              <a:rPr lang="es-ES" sz="2400" dirty="0"/>
-              <a:t>no implican buen rendimiento</a:t>
-            </a:r>
-            <a:r>
-              <a:rPr lang="es-ES" sz="2400" dirty="0" smtClean="0"/>
-              <a:t>.</a:t>
-            </a:r>
-          </a:p>
-          <a:p>
-            <a:pPr>
-              <a:buFont typeface="Wingdings" panose="05000000000000000000" pitchFamily="2" charset="2"/>
-              <a:buChar char="§"/>
-            </a:pPr>
-            <a:r>
-              <a:rPr lang="es-ES" sz="2400" dirty="0" smtClean="0"/>
-              <a:t>Imágenes de distintas dimensiones:</a:t>
-            </a:r>
-          </a:p>
-          <a:p>
-            <a:pPr lvl="1">
-              <a:buFont typeface="Wingdings" panose="05000000000000000000" pitchFamily="2" charset="2"/>
-              <a:buChar char="§"/>
-            </a:pPr>
-            <a:r>
-              <a:rPr lang="es-ES" sz="2000" dirty="0"/>
-              <a:t>La imagen recortada mejora el rendimiento.</a:t>
-            </a:r>
-          </a:p>
-          <a:p>
-            <a:pPr marL="457200" lvl="1" indent="0">
-              <a:buNone/>
-            </a:pPr>
-            <a:endParaRPr lang="es-ES" sz="2000" dirty="0" smtClean="0"/>
-          </a:p>
-          <a:p>
-            <a:pPr>
-              <a:buFont typeface="Wingdings" panose="05000000000000000000" pitchFamily="2" charset="2"/>
-              <a:buChar char="§"/>
-            </a:pPr>
-            <a:endParaRPr lang="es-ES" sz="2400" dirty="0" smtClean="0"/>
-          </a:p>
-        </p:txBody>
-      </p:sp>
       <p:cxnSp>
         <p:nvCxnSpPr>
           <p:cNvPr id="4" name="3 Conector recto"/>
@@ -4003,7 +3923,11 @@
           <a:p>
             <a:r>
               <a:rPr lang="es-ES" dirty="0" smtClean="0"/>
-              <a:t>9/28</a:t>
+              <a:t>9</a:t>
+            </a:r>
+            <a:r>
+              <a:rPr lang="es-ES" dirty="0"/>
+              <a:t>/26</a:t>
             </a:r>
             <a:endParaRPr lang="es-ES" dirty="0"/>
           </a:p>
@@ -4011,13 +3935,52 @@
       </p:sp>
       <p:sp>
         <p:nvSpPr>
-          <p:cNvPr id="8" name="7 CuadroTexto"/>
+          <p:cNvPr id="13" name="1 Título"/>
+          <p:cNvSpPr>
+            <a:spLocks noGrp="1"/>
+          </p:cNvSpPr>
+          <p:nvPr>
+            <p:ph type="title"/>
+          </p:nvPr>
+        </p:nvSpPr>
+        <p:spPr>
+          <a:xfrm>
+            <a:off x="457200" y="274638"/>
+            <a:ext cx="8229600" cy="1143000"/>
+          </a:xfrm>
+        </p:spPr>
+        <p:txBody>
+          <a:bodyPr>
+            <a:normAutofit/>
+          </a:bodyPr>
+          <a:lstStyle/>
+          <a:p>
+            <a:pPr algn="l"/>
+            <a:r>
+              <a:rPr lang="es-ES" dirty="0" smtClean="0">
+                <a:solidFill>
+                  <a:srgbClr val="0070C0"/>
+                </a:solidFill>
+              </a:rPr>
+              <a:t>          Redes de clasificación </a:t>
+            </a:r>
+            <a:endParaRPr lang="es-ES" dirty="0">
+              <a:solidFill>
+                <a:srgbClr val="0070C0"/>
+              </a:solidFill>
+            </a:endParaRPr>
+          </a:p>
+        </p:txBody>
+      </p:sp>
+      <p:sp>
+        <p:nvSpPr>
+          <p:cNvPr id="9" name="7 CuadroTexto"/>
           <p:cNvSpPr txBox="1"/>
           <p:nvPr/>
         </p:nvSpPr>
         <p:spPr>
           <a:xfrm>
-            <a:off x="3308577" y="1807326"/>
+            <a:off x="3308577" y="1587444"/>
             <a:ext cx="2526846" cy="861774"/>
           </a:xfrm>
           <a:prstGeom prst="rect">
@@ -4046,48 +4009,9 @@
           </a:p>
         </p:txBody>
       </p:sp>
-      <p:sp>
-        <p:nvSpPr>
-          <p:cNvPr id="11" name="1 Título"/>
-          <p:cNvSpPr>
-            <a:spLocks noGrp="1"/>
-          </p:cNvSpPr>
-          <p:nvPr>
-            <p:ph type="title"/>
-          </p:nvPr>
-        </p:nvSpPr>
-        <p:spPr>
-          <a:xfrm>
-            <a:off x="457200" y="274638"/>
-            <a:ext cx="8229600" cy="1143000"/>
-          </a:xfrm>
-        </p:spPr>
-        <p:txBody>
-          <a:bodyPr>
-            <a:normAutofit/>
-          </a:bodyPr>
-          <a:lstStyle/>
-          <a:p>
-            <a:pPr algn="l"/>
-            <a:r>
-              <a:rPr lang="es-ES" dirty="0" smtClean="0">
-                <a:solidFill>
-                  <a:srgbClr val="0070C0"/>
-                </a:solidFill>
-              </a:rPr>
-              <a:t>          Redes de clasificación </a:t>
-            </a:r>
-            <a:endParaRPr lang="es-ES" dirty="0">
-              <a:solidFill>
-                <a:srgbClr val="0070C0"/>
-              </a:solidFill>
-            </a:endParaRPr>
-          </a:p>
-        </p:txBody>
-      </p:sp>
       <p:pic>
         <p:nvPicPr>
-          <p:cNvPr id="2" name="Imagen 1"/>
+          <p:cNvPr id="8" name="Imagen 7"/>
           <p:cNvPicPr>
             <a:picLocks noChangeAspect="1"/>
           </p:cNvPicPr>
@@ -4101,18 +4025,69 @@
         </p:blipFill>
         <p:spPr>
           <a:xfrm>
-            <a:off x="2069544" y="4560737"/>
-            <a:ext cx="4789512" cy="1888591"/>
+            <a:off x="971600" y="2188536"/>
+            <a:ext cx="6840760" cy="3587165"/>
           </a:xfrm>
           <a:prstGeom prst="rect">
             <a:avLst/>
           </a:prstGeom>
         </p:spPr>
       </p:pic>
+      <p:sp>
+        <p:nvSpPr>
+          <p:cNvPr id="2" name="CuadroTexto 1"/>
+          <p:cNvSpPr txBox="1"/>
+          <p:nvPr/>
+        </p:nvSpPr>
+        <p:spPr>
+          <a:xfrm>
+            <a:off x="1043608" y="5792018"/>
+            <a:ext cx="6856044" cy="584775"/>
+          </a:xfrm>
+          <a:prstGeom prst="rect">
+            <a:avLst/>
+          </a:prstGeom>
+          <a:noFill/>
+        </p:spPr>
+        <p:txBody>
+          <a:bodyPr wrap="none" rtlCol="0">
+            <a:spAutoFit/>
+          </a:bodyPr>
+          <a:lstStyle/>
+          <a:p>
+            <a:r>
+              <a:rPr lang="es-ES" sz="1600" i="1" dirty="0"/>
+              <a:t>Resultados de </a:t>
+            </a:r>
+            <a:r>
+              <a:rPr lang="es-ES" sz="1600" i="1" dirty="0" smtClean="0"/>
+              <a:t>conducción </a:t>
+            </a:r>
+            <a:r>
+              <a:rPr lang="es-ES" sz="1600" i="1" dirty="0"/>
+              <a:t>con redes de </a:t>
+            </a:r>
+            <a:r>
+              <a:rPr lang="es-ES" sz="1600" i="1" dirty="0" smtClean="0"/>
+              <a:t>clasificación </a:t>
+            </a:r>
+            <a:r>
+              <a:rPr lang="es-ES" sz="1600" i="1" dirty="0"/>
+              <a:t>(imagen completa e imagen</a:t>
+            </a:r>
+          </a:p>
+          <a:p>
+            <a:r>
+              <a:rPr lang="es-ES" sz="1600" i="1" dirty="0"/>
+              <a:t>recortada)</a:t>
+            </a:r>
+          </a:p>
+        </p:txBody>
+      </p:sp>
     </p:spTree>
     <p:extLst>
       <p:ext uri="{BB962C8B-B14F-4D97-AF65-F5344CB8AC3E}">
-        <p14:creationId xmlns:p14="http://schemas.microsoft.com/office/powerpoint/2010/main" val="1410363966"/>
+        <p14:creationId xmlns:p14="http://schemas.microsoft.com/office/powerpoint/2010/main" val="181758262"/>
       </p:ext>
     </p:extLst>
   </p:cSld>
@@ -4252,8 +4227,8 @@
           <a:lstStyle/>
           <a:p>
             <a:r>
-              <a:rPr lang="es-ES" dirty="0" smtClean="0"/>
-              <a:t>10/28</a:t>
+              <a:rPr lang="es-ES" dirty="0"/>
+              <a:t>10/26</a:t>
             </a:r>
             <a:endParaRPr lang="es-ES" dirty="0"/>
           </a:p>
@@ -4306,7 +4281,7 @@
         </p:nvSpPr>
         <p:spPr>
           <a:xfrm>
-            <a:off x="3308577" y="1587444"/>
+            <a:off x="3308577" y="1807326"/>
             <a:ext cx="2526846" cy="861774"/>
           </a:xfrm>
           <a:prstGeom prst="rect">
@@ -4335,85 +4310,131 @@
           </a:p>
         </p:txBody>
       </p:sp>
-      <p:pic>
-        <p:nvPicPr>
-          <p:cNvPr id="8" name="Imagen 7"/>
-          <p:cNvPicPr>
-            <a:picLocks noChangeAspect="1"/>
-          </p:cNvPicPr>
-          <p:nvPr/>
-        </p:nvPicPr>
-        <p:blipFill>
-          <a:blip r:embed="rId4"/>
-          <a:stretch>
-            <a:fillRect/>
-          </a:stretch>
-        </p:blipFill>
-        <p:spPr>
-          <a:xfrm>
-            <a:off x="971600" y="2188536"/>
-            <a:ext cx="6840760" cy="3587165"/>
-          </a:xfrm>
-          <a:prstGeom prst="rect">
-            <a:avLst/>
-          </a:prstGeom>
-        </p:spPr>
-      </p:pic>
-      <p:sp>
-        <p:nvSpPr>
-          <p:cNvPr id="2" name="CuadroTexto 1"/>
-          <p:cNvSpPr txBox="1"/>
-          <p:nvPr/>
-        </p:nvSpPr>
-        <p:spPr>
-          <a:xfrm>
-            <a:off x="1043608" y="5792018"/>
-            <a:ext cx="6856044" cy="584775"/>
-          </a:xfrm>
-          <a:prstGeom prst="rect">
-            <a:avLst/>
-          </a:prstGeom>
-          <a:noFill/>
-        </p:spPr>
-        <p:txBody>
-          <a:bodyPr wrap="none" rtlCol="0">
-            <a:spAutoFit/>
+      <p:sp>
+        <p:nvSpPr>
+          <p:cNvPr id="10" name="2 Marcador de contenido"/>
+          <p:cNvSpPr>
+            <a:spLocks noGrp="1"/>
+          </p:cNvSpPr>
+          <p:nvPr>
+            <p:ph idx="1"/>
+          </p:nvPr>
+        </p:nvSpPr>
+        <p:spPr>
+          <a:xfrm>
+            <a:off x="755576" y="2439217"/>
+            <a:ext cx="7996960" cy="3777283"/>
+          </a:xfrm>
+        </p:spPr>
+        <p:txBody>
+          <a:bodyPr>
+            <a:normAutofit lnSpcReduction="10000"/>
           </a:bodyPr>
           <a:lstStyle/>
           <a:p>
-            <a:r>
-              <a:rPr lang="es-ES" sz="1600" i="1" dirty="0"/>
-              <a:t>Resultados de </a:t>
-            </a:r>
-            <a:r>
-              <a:rPr lang="es-ES" sz="1600" i="1" dirty="0" smtClean="0"/>
-              <a:t>conducción </a:t>
-            </a:r>
-            <a:r>
-              <a:rPr lang="es-ES" sz="1600" i="1" dirty="0"/>
-              <a:t>con redes de </a:t>
-            </a:r>
-            <a:r>
-              <a:rPr lang="es-ES" sz="1600" i="1" dirty="0" smtClean="0"/>
-              <a:t>clasificación </a:t>
-            </a:r>
-            <a:r>
-              <a:rPr lang="es-ES" sz="1600" i="1" dirty="0"/>
-              <a:t>(imagen completa e imagen</a:t>
-            </a:r>
-          </a:p>
-          <a:p>
-            <a:r>
-              <a:rPr lang="es-ES" sz="1600" i="1" dirty="0"/>
-              <a:t>recortada)</a:t>
-            </a:r>
+            <a:pPr>
+              <a:buFont typeface="Wingdings" panose="05000000000000000000" pitchFamily="2" charset="2"/>
+              <a:buChar char="§"/>
+            </a:pPr>
+            <a:endParaRPr lang="es-ES" sz="2000" dirty="0" smtClean="0"/>
+          </a:p>
+          <a:p>
+            <a:pPr>
+              <a:buFont typeface="Wingdings" panose="05000000000000000000" pitchFamily="2" charset="2"/>
+              <a:buChar char="§"/>
+            </a:pPr>
+            <a:r>
+              <a:rPr lang="es-ES" sz="2400" dirty="0" smtClean="0"/>
+              <a:t>Número de clases:</a:t>
+            </a:r>
+          </a:p>
+          <a:p>
+            <a:pPr lvl="1">
+              <a:buFont typeface="Wingdings" panose="05000000000000000000" pitchFamily="2" charset="2"/>
+              <a:buChar char="§"/>
+            </a:pPr>
+            <a:r>
+              <a:rPr lang="es-ES" sz="2000" dirty="0" smtClean="0"/>
+              <a:t>4 clases de velocidad de tracción (v) y 7 clases de velocidad de rotación (w).</a:t>
+            </a:r>
+          </a:p>
+          <a:p>
+            <a:pPr marL="457200" lvl="1" indent="0">
+              <a:buNone/>
+            </a:pPr>
+            <a:endParaRPr lang="es-ES" sz="2000" dirty="0" smtClean="0"/>
+          </a:p>
+          <a:p>
+            <a:pPr lvl="1">
+              <a:buFont typeface="Wingdings" panose="05000000000000000000" pitchFamily="2" charset="2"/>
+              <a:buChar char="§"/>
+            </a:pPr>
+            <a:r>
+              <a:rPr lang="es-ES" sz="2000" dirty="0" smtClean="0"/>
+              <a:t>4 clases de v y 9 clases de w.</a:t>
+            </a:r>
+          </a:p>
+          <a:p>
+            <a:pPr lvl="1">
+              <a:buFont typeface="Wingdings" panose="05000000000000000000" pitchFamily="2" charset="2"/>
+              <a:buChar char="§"/>
+            </a:pPr>
+            <a:endParaRPr lang="es-ES" sz="2000" dirty="0" smtClean="0"/>
+          </a:p>
+          <a:p>
+            <a:pPr lvl="1">
+              <a:buFont typeface="Wingdings" panose="05000000000000000000" pitchFamily="2" charset="2"/>
+              <a:buChar char="§"/>
+            </a:pPr>
+            <a:r>
+              <a:rPr lang="es-ES" sz="2000" dirty="0" smtClean="0"/>
+              <a:t>5 clases de v y 7 clases de w.</a:t>
+            </a:r>
+          </a:p>
+          <a:p>
+            <a:pPr marL="457200" lvl="1" indent="0">
+              <a:buNone/>
+            </a:pPr>
+            <a:endParaRPr lang="es-ES" sz="2000" dirty="0" smtClean="0"/>
+          </a:p>
+          <a:p>
+            <a:pPr lvl="1">
+              <a:buFont typeface="Wingdings" panose="05000000000000000000" pitchFamily="2" charset="2"/>
+              <a:buChar char="§"/>
+            </a:pPr>
+            <a:r>
+              <a:rPr lang="es-ES" sz="2000" dirty="0" smtClean="0"/>
+              <a:t>Gran influencia </a:t>
+            </a:r>
+            <a:r>
+              <a:rPr lang="es-ES" sz="2000" dirty="0"/>
+              <a:t>del número de clases y el rango de </a:t>
+            </a:r>
+            <a:r>
+              <a:rPr lang="es-ES" sz="2000" dirty="0" smtClean="0"/>
+              <a:t>clases en el rendimiento.</a:t>
+            </a:r>
+          </a:p>
+          <a:p>
+            <a:pPr lvl="1">
+              <a:buFont typeface="Wingdings" panose="05000000000000000000" pitchFamily="2" charset="2"/>
+              <a:buChar char="§"/>
+            </a:pPr>
+            <a:endParaRPr lang="es-ES" sz="2000" dirty="0" smtClean="0"/>
+          </a:p>
+          <a:p>
+            <a:pPr>
+              <a:buFont typeface="Wingdings" panose="05000000000000000000" pitchFamily="2" charset="2"/>
+              <a:buChar char="§"/>
+            </a:pPr>
+            <a:endParaRPr lang="es-ES" sz="2400" dirty="0" smtClean="0"/>
           </a:p>
         </p:txBody>
       </p:sp>
     </p:spTree>
     <p:extLst>
       <p:ext uri="{BB962C8B-B14F-4D97-AF65-F5344CB8AC3E}">
-        <p14:creationId xmlns:p14="http://schemas.microsoft.com/office/powerpoint/2010/main" val="181758262"/>
+        <p14:creationId xmlns:p14="http://schemas.microsoft.com/office/powerpoint/2010/main" val="3723803433"/>
       </p:ext>
     </p:extLst>
   </p:cSld>
@@ -4553,8 +4574,8 @@
           <a:lstStyle/>
           <a:p>
             <a:r>
-              <a:rPr lang="es-ES" dirty="0" smtClean="0"/>
-              <a:t>11/28</a:t>
+              <a:rPr lang="es-ES" dirty="0"/>
+              <a:t>11/26</a:t>
             </a:r>
             <a:endParaRPr lang="es-ES" dirty="0"/>
           </a:p>
@@ -4607,7 +4628,7 @@
         </p:nvSpPr>
         <p:spPr>
           <a:xfrm>
-            <a:off x="3308577" y="1807326"/>
+            <a:off x="3308577" y="1549986"/>
             <a:ext cx="2526846" cy="861774"/>
           </a:xfrm>
           <a:prstGeom prst="rect">
@@ -4636,131 +4657,98 @@
           </a:p>
         </p:txBody>
       </p:sp>
-      <p:sp>
-        <p:nvSpPr>
-          <p:cNvPr id="10" name="2 Marcador de contenido"/>
-          <p:cNvSpPr>
-            <a:spLocks noGrp="1"/>
-          </p:cNvSpPr>
-          <p:nvPr>
-            <p:ph idx="1"/>
-          </p:nvPr>
-        </p:nvSpPr>
-        <p:spPr>
-          <a:xfrm>
-            <a:off x="755576" y="2439217"/>
-            <a:ext cx="7996960" cy="3777283"/>
-          </a:xfrm>
-        </p:spPr>
-        <p:txBody>
-          <a:bodyPr>
-            <a:normAutofit lnSpcReduction="10000"/>
+      <p:pic>
+        <p:nvPicPr>
+          <p:cNvPr id="2" name="Imagen 1"/>
+          <p:cNvPicPr>
+            <a:picLocks noChangeAspect="1"/>
+          </p:cNvPicPr>
+          <p:nvPr/>
+        </p:nvPicPr>
+        <p:blipFill>
+          <a:blip r:embed="rId4"/>
+          <a:stretch>
+            <a:fillRect/>
+          </a:stretch>
+        </p:blipFill>
+        <p:spPr>
+          <a:xfrm>
+            <a:off x="1115616" y="2236243"/>
+            <a:ext cx="6683284" cy="3615048"/>
+          </a:xfrm>
+          <a:prstGeom prst="rect">
+            <a:avLst/>
+          </a:prstGeom>
+        </p:spPr>
+      </p:pic>
+      <p:sp>
+        <p:nvSpPr>
+          <p:cNvPr id="10" name="CuadroTexto 9"/>
+          <p:cNvSpPr txBox="1"/>
+          <p:nvPr/>
+        </p:nvSpPr>
+        <p:spPr>
+          <a:xfrm>
+            <a:off x="1043608" y="5792018"/>
+            <a:ext cx="6843605" cy="584775"/>
+          </a:xfrm>
+          <a:prstGeom prst="rect">
+            <a:avLst/>
+          </a:prstGeom>
+          <a:noFill/>
+        </p:spPr>
+        <p:txBody>
+          <a:bodyPr wrap="none" rtlCol="0">
+            <a:spAutoFit/>
           </a:bodyPr>
           <a:lstStyle/>
           <a:p>
-            <a:pPr>
-              <a:buFont typeface="Wingdings" panose="05000000000000000000" pitchFamily="2" charset="2"/>
-              <a:buChar char="§"/>
-            </a:pPr>
-            <a:endParaRPr lang="es-ES" sz="2000" dirty="0" smtClean="0"/>
-          </a:p>
-          <a:p>
-            <a:pPr>
-              <a:buFont typeface="Wingdings" panose="05000000000000000000" pitchFamily="2" charset="2"/>
-              <a:buChar char="§"/>
-            </a:pPr>
-            <a:r>
-              <a:rPr lang="es-ES" sz="2400" dirty="0" smtClean="0"/>
-              <a:t>Número de clases:</a:t>
-            </a:r>
-          </a:p>
-          <a:p>
-            <a:pPr lvl="1">
-              <a:buFont typeface="Wingdings" panose="05000000000000000000" pitchFamily="2" charset="2"/>
-              <a:buChar char="§"/>
-            </a:pPr>
-            <a:r>
-              <a:rPr lang="es-ES" sz="2000" dirty="0" smtClean="0"/>
-              <a:t>4 clases de velocidad de tracción (v) y 7 clases de velocidad de rotación (w).</a:t>
-            </a:r>
-          </a:p>
-          <a:p>
-            <a:pPr marL="457200" lvl="1" indent="0">
-              <a:buNone/>
-            </a:pPr>
-            <a:endParaRPr lang="es-ES" sz="2000" dirty="0" smtClean="0"/>
-          </a:p>
-          <a:p>
-            <a:pPr lvl="1">
-              <a:buFont typeface="Wingdings" panose="05000000000000000000" pitchFamily="2" charset="2"/>
-              <a:buChar char="§"/>
-            </a:pPr>
-            <a:r>
-              <a:rPr lang="es-ES" sz="2000" dirty="0" smtClean="0"/>
-              <a:t>4 clases de v y 9 clases de w.</a:t>
-            </a:r>
-          </a:p>
-          <a:p>
-            <a:pPr lvl="1">
-              <a:buFont typeface="Wingdings" panose="05000000000000000000" pitchFamily="2" charset="2"/>
-              <a:buChar char="§"/>
-            </a:pPr>
-            <a:endParaRPr lang="es-ES" sz="2000" dirty="0" smtClean="0"/>
-          </a:p>
-          <a:p>
-            <a:pPr lvl="1">
-              <a:buFont typeface="Wingdings" panose="05000000000000000000" pitchFamily="2" charset="2"/>
-              <a:buChar char="§"/>
-            </a:pPr>
-            <a:r>
-              <a:rPr lang="es-ES" sz="2000" dirty="0" smtClean="0"/>
-              <a:t>5 clases de v y 7 clases de w.</a:t>
-            </a:r>
-          </a:p>
-          <a:p>
-            <a:pPr marL="457200" lvl="1" indent="0">
-              <a:buNone/>
-            </a:pPr>
-            <a:endParaRPr lang="es-ES" sz="2000" dirty="0" smtClean="0"/>
-          </a:p>
-          <a:p>
-            <a:pPr lvl="1">
-              <a:buFont typeface="Wingdings" panose="05000000000000000000" pitchFamily="2" charset="2"/>
-              <a:buChar char="§"/>
-            </a:pPr>
-            <a:r>
-              <a:rPr lang="es-ES" sz="2000" dirty="0" smtClean="0"/>
-              <a:t>Gran influencia </a:t>
-            </a:r>
-            <a:r>
-              <a:rPr lang="es-ES" sz="2000" dirty="0"/>
-              <a:t>del número de clases y el rango de </a:t>
-            </a:r>
-            <a:r>
-              <a:rPr lang="es-ES" sz="2000" dirty="0" smtClean="0"/>
-              <a:t>clases en el rendimiento.</a:t>
-            </a:r>
-          </a:p>
-          <a:p>
-            <a:pPr lvl="1">
-              <a:buFont typeface="Wingdings" panose="05000000000000000000" pitchFamily="2" charset="2"/>
-              <a:buChar char="§"/>
-            </a:pPr>
-            <a:endParaRPr lang="es-ES" sz="2000" dirty="0" smtClean="0"/>
-          </a:p>
-          <a:p>
-            <a:pPr>
-              <a:buFont typeface="Wingdings" panose="05000000000000000000" pitchFamily="2" charset="2"/>
-              <a:buChar char="§"/>
-            </a:pPr>
-            <a:endParaRPr lang="es-ES" sz="2400" dirty="0" smtClean="0"/>
+            <a:r>
+              <a:rPr lang="es-ES" sz="1600" i="1" dirty="0"/>
+              <a:t>Resultados de </a:t>
+            </a:r>
+            <a:r>
+              <a:rPr lang="es-ES" sz="1600" i="1" dirty="0" smtClean="0"/>
+              <a:t>conducción </a:t>
+            </a:r>
+            <a:r>
+              <a:rPr lang="es-ES" sz="1600" i="1" dirty="0"/>
+              <a:t>con redes de </a:t>
+            </a:r>
+            <a:r>
+              <a:rPr lang="es-ES" sz="1600" i="1" dirty="0" smtClean="0"/>
+              <a:t>clasificación </a:t>
+            </a:r>
+            <a:r>
+              <a:rPr lang="es-ES" sz="1600" i="1" dirty="0"/>
+              <a:t>modificando la </a:t>
+            </a:r>
+            <a:r>
+              <a:rPr lang="es-ES" sz="1600" i="1" dirty="0" smtClean="0"/>
+              <a:t>combinación</a:t>
+            </a:r>
+            <a:endParaRPr lang="es-ES" sz="1600" i="1" dirty="0"/>
+          </a:p>
+          <a:p>
+            <a:r>
+              <a:rPr lang="es-ES" sz="1600" i="1" dirty="0"/>
+              <a:t>del </a:t>
+            </a:r>
+            <a:r>
+              <a:rPr lang="es-ES" sz="1600" i="1" dirty="0" smtClean="0"/>
+              <a:t>número </a:t>
+            </a:r>
+            <a:r>
+              <a:rPr lang="es-ES" sz="1600" i="1" dirty="0"/>
+              <a:t>de clases (imagen recortada)</a:t>
+            </a:r>
           </a:p>
         </p:txBody>
       </p:sp>
     </p:spTree>
     <p:extLst>
       <p:ext uri="{BB962C8B-B14F-4D97-AF65-F5344CB8AC3E}">
-        <p14:creationId xmlns:p14="http://schemas.microsoft.com/office/powerpoint/2010/main" val="3723803433"/>
+        <p14:creationId xmlns:p14="http://schemas.microsoft.com/office/powerpoint/2010/main" val="974873181"/>
       </p:ext>
     </p:extLst>
   </p:cSld>
@@ -4900,8 +4888,8 @@
           <a:lstStyle/>
           <a:p>
             <a:r>
-              <a:rPr lang="es-ES" dirty="0" smtClean="0"/>
-              <a:t>12/28</a:t>
+              <a:rPr lang="es-ES" dirty="0"/>
+              <a:t>12/26</a:t>
             </a:r>
             <a:endParaRPr lang="es-ES" dirty="0"/>
           </a:p>
@@ -4954,7 +4942,7 @@
         </p:nvSpPr>
         <p:spPr>
           <a:xfrm>
-            <a:off x="3308577" y="1549986"/>
+            <a:off x="3308577" y="1807326"/>
             <a:ext cx="2526846" cy="861774"/>
           </a:xfrm>
           <a:prstGeom prst="rect">
@@ -4983,98 +4971,140 @@
           </a:p>
         </p:txBody>
       </p:sp>
-      <p:pic>
-        <p:nvPicPr>
-          <p:cNvPr id="2" name="Imagen 1"/>
-          <p:cNvPicPr>
-            <a:picLocks noChangeAspect="1"/>
-          </p:cNvPicPr>
-          <p:nvPr/>
-        </p:nvPicPr>
-        <p:blipFill>
-          <a:blip r:embed="rId4"/>
-          <a:stretch>
-            <a:fillRect/>
-          </a:stretch>
-        </p:blipFill>
-        <p:spPr>
-          <a:xfrm>
-            <a:off x="1115616" y="2236243"/>
-            <a:ext cx="6683284" cy="3615048"/>
-          </a:xfrm>
-          <a:prstGeom prst="rect">
-            <a:avLst/>
-          </a:prstGeom>
-        </p:spPr>
-      </p:pic>
-      <p:sp>
-        <p:nvSpPr>
-          <p:cNvPr id="10" name="CuadroTexto 9"/>
-          <p:cNvSpPr txBox="1"/>
-          <p:nvPr/>
-        </p:nvSpPr>
-        <p:spPr>
-          <a:xfrm>
-            <a:off x="1043608" y="5792018"/>
-            <a:ext cx="6843605" cy="584775"/>
-          </a:xfrm>
-          <a:prstGeom prst="rect">
-            <a:avLst/>
-          </a:prstGeom>
-          <a:noFill/>
-        </p:spPr>
-        <p:txBody>
-          <a:bodyPr wrap="none" rtlCol="0">
-            <a:spAutoFit/>
+      <p:sp>
+        <p:nvSpPr>
+          <p:cNvPr id="10" name="2 Marcador de contenido"/>
+          <p:cNvSpPr>
+            <a:spLocks noGrp="1"/>
+          </p:cNvSpPr>
+          <p:nvPr>
+            <p:ph idx="1"/>
+          </p:nvPr>
+        </p:nvSpPr>
+        <p:spPr>
+          <a:xfrm>
+            <a:off x="703020" y="2290340"/>
+            <a:ext cx="7996960" cy="3917133"/>
+          </a:xfrm>
+        </p:spPr>
+        <p:txBody>
+          <a:bodyPr>
+            <a:normAutofit lnSpcReduction="10000"/>
           </a:bodyPr>
           <a:lstStyle/>
           <a:p>
-            <a:r>
-              <a:rPr lang="es-ES" sz="1600" i="1" dirty="0"/>
-              <a:t>Resultados de </a:t>
-            </a:r>
-            <a:r>
-              <a:rPr lang="es-ES" sz="1600" i="1" dirty="0" smtClean="0"/>
-              <a:t>conducción </a:t>
-            </a:r>
-            <a:r>
-              <a:rPr lang="es-ES" sz="1600" i="1" dirty="0"/>
-              <a:t>con redes de </a:t>
-            </a:r>
-            <a:r>
-              <a:rPr lang="es-ES" sz="1600" i="1" dirty="0" smtClean="0"/>
-              <a:t>clasificación </a:t>
-            </a:r>
-            <a:r>
-              <a:rPr lang="es-ES" sz="1600" i="1" dirty="0"/>
-              <a:t>modificando la </a:t>
-            </a:r>
-            <a:r>
-              <a:rPr lang="es-ES" sz="1600" i="1" dirty="0" smtClean="0"/>
-              <a:t>combinación</a:t>
-            </a:r>
-            <a:endParaRPr lang="es-ES" sz="1600" i="1" dirty="0"/>
-          </a:p>
-          <a:p>
-            <a:r>
-              <a:rPr lang="es-ES" sz="1600" i="1" dirty="0"/>
-              <a:t>del </a:t>
-            </a:r>
-            <a:r>
-              <a:rPr lang="es-ES" sz="1600" i="1" dirty="0" smtClean="0"/>
-              <a:t>número </a:t>
-            </a:r>
-            <a:r>
-              <a:rPr lang="es-ES" sz="1600" i="1" dirty="0"/>
-              <a:t>de clases (imagen recortada)</a:t>
-            </a:r>
+            <a:pPr>
+              <a:buFont typeface="Wingdings" panose="05000000000000000000" pitchFamily="2" charset="2"/>
+              <a:buChar char="§"/>
+            </a:pPr>
+            <a:endParaRPr lang="es-ES" sz="2000" dirty="0" smtClean="0"/>
+          </a:p>
+          <a:p>
+            <a:pPr>
+              <a:buFont typeface="Wingdings" panose="05000000000000000000" pitchFamily="2" charset="2"/>
+              <a:buChar char="§"/>
+            </a:pPr>
+            <a:r>
+              <a:rPr lang="es-ES" sz="2400" dirty="0"/>
+              <a:t>Influencia de los datos de entrenamiento</a:t>
+            </a:r>
+            <a:r>
+              <a:rPr lang="es-ES" sz="2400" dirty="0" smtClean="0"/>
+              <a:t>:</a:t>
+            </a:r>
+          </a:p>
+          <a:p>
+            <a:pPr marL="0" indent="0">
+              <a:buNone/>
+            </a:pPr>
+            <a:endParaRPr lang="es-ES" sz="2400" dirty="0" smtClean="0"/>
+          </a:p>
+          <a:p>
+            <a:pPr lvl="1">
+              <a:buFont typeface="Wingdings" panose="05000000000000000000" pitchFamily="2" charset="2"/>
+              <a:buChar char="§"/>
+            </a:pPr>
+            <a:r>
+              <a:rPr lang="es-ES" sz="2000" dirty="0" smtClean="0"/>
+              <a:t>Conjunto de entrenamiento sin </a:t>
+            </a:r>
+            <a:r>
+              <a:rPr lang="es-ES" sz="2000" dirty="0"/>
+              <a:t>ninguna </a:t>
+            </a:r>
+            <a:r>
+              <a:rPr lang="es-ES" sz="2000" dirty="0" smtClean="0"/>
+              <a:t>modificación (red desbalanceada).</a:t>
+            </a:r>
+          </a:p>
+          <a:p>
+            <a:pPr marL="457200" lvl="1" indent="0">
+              <a:buNone/>
+            </a:pPr>
+            <a:endParaRPr lang="es-ES" sz="2000" dirty="0" smtClean="0"/>
+          </a:p>
+          <a:p>
+            <a:pPr lvl="1">
+              <a:buFont typeface="Wingdings" panose="05000000000000000000" pitchFamily="2" charset="2"/>
+              <a:buChar char="§"/>
+            </a:pPr>
+            <a:r>
+              <a:rPr lang="es-ES" sz="2000" dirty="0" smtClean="0"/>
+              <a:t>Conjunto de entrenamiento balanceado (red balanceada).</a:t>
+            </a:r>
+          </a:p>
+          <a:p>
+            <a:pPr lvl="1">
+              <a:buFont typeface="Wingdings" panose="05000000000000000000" pitchFamily="2" charset="2"/>
+              <a:buChar char="§"/>
+            </a:pPr>
+            <a:endParaRPr lang="es-ES" sz="2000" dirty="0" smtClean="0"/>
+          </a:p>
+          <a:p>
+            <a:pPr lvl="1">
+              <a:buFont typeface="Wingdings" panose="05000000000000000000" pitchFamily="2" charset="2"/>
+              <a:buChar char="§"/>
+            </a:pPr>
+            <a:r>
+              <a:rPr lang="es-ES" sz="2000" dirty="0" smtClean="0"/>
+              <a:t>Entrenamiento con pesos diferentes para cada clase (red sesgada).</a:t>
+            </a:r>
+          </a:p>
+          <a:p>
+            <a:pPr marL="457200" lvl="1" indent="0">
+              <a:buNone/>
+            </a:pPr>
+            <a:endParaRPr lang="es-ES" sz="2000" dirty="0" smtClean="0"/>
+          </a:p>
+          <a:p>
+            <a:pPr lvl="1">
+              <a:buFont typeface="Wingdings" panose="05000000000000000000" pitchFamily="2" charset="2"/>
+              <a:buChar char="§"/>
+            </a:pPr>
+            <a:r>
+              <a:rPr lang="es-ES" sz="2000" dirty="0"/>
+              <a:t>Redes sesgadas mejoran el entrenamiento.</a:t>
+            </a:r>
+          </a:p>
+          <a:p>
+            <a:pPr marL="457200" lvl="1" indent="0">
+              <a:buNone/>
+            </a:pPr>
+            <a:endParaRPr lang="es-ES" sz="2000" dirty="0" smtClean="0"/>
+          </a:p>
+          <a:p>
+            <a:pPr>
+              <a:buFont typeface="Wingdings" panose="05000000000000000000" pitchFamily="2" charset="2"/>
+              <a:buChar char="§"/>
+            </a:pPr>
+            <a:endParaRPr lang="es-ES" sz="2400" dirty="0" smtClean="0"/>
           </a:p>
         </p:txBody>
       </p:sp>
     </p:spTree>
     <p:extLst>
       <p:ext uri="{BB962C8B-B14F-4D97-AF65-F5344CB8AC3E}">
-        <p14:creationId xmlns:p14="http://schemas.microsoft.com/office/powerpoint/2010/main" val="974873181"/>
+        <p14:creationId xmlns:p14="http://schemas.microsoft.com/office/powerpoint/2010/main" val="2752462402"/>
       </p:ext>
     </p:extLst>
   </p:cSld>
@@ -5214,8 +5244,8 @@
           <a:lstStyle/>
           <a:p>
             <a:r>
-              <a:rPr lang="es-ES" dirty="0" smtClean="0"/>
-              <a:t>13/28</a:t>
+              <a:rPr lang="es-ES" dirty="0"/>
+              <a:t>13/26</a:t>
             </a:r>
             <a:endParaRPr lang="es-ES" dirty="0"/>
           </a:p>
@@ -5268,7 +5298,7 @@
         </p:nvSpPr>
         <p:spPr>
           <a:xfrm>
-            <a:off x="3308577" y="1807326"/>
+            <a:off x="3308577" y="1532307"/>
             <a:ext cx="2526846" cy="861774"/>
           </a:xfrm>
           <a:prstGeom prst="rect">
@@ -5297,140 +5327,85 @@
           </a:p>
         </p:txBody>
       </p:sp>
-      <p:sp>
-        <p:nvSpPr>
-          <p:cNvPr id="10" name="2 Marcador de contenido"/>
-          <p:cNvSpPr>
-            <a:spLocks noGrp="1"/>
-          </p:cNvSpPr>
-          <p:nvPr>
-            <p:ph idx="1"/>
-          </p:nvPr>
-        </p:nvSpPr>
-        <p:spPr>
-          <a:xfrm>
-            <a:off x="703020" y="2290340"/>
-            <a:ext cx="7996960" cy="3917133"/>
-          </a:xfrm>
-        </p:spPr>
-        <p:txBody>
-          <a:bodyPr>
-            <a:normAutofit lnSpcReduction="10000"/>
+      <p:pic>
+        <p:nvPicPr>
+          <p:cNvPr id="2" name="Imagen 1"/>
+          <p:cNvPicPr>
+            <a:picLocks noChangeAspect="1"/>
+          </p:cNvPicPr>
+          <p:nvPr/>
+        </p:nvPicPr>
+        <p:blipFill>
+          <a:blip r:embed="rId4"/>
+          <a:stretch>
+            <a:fillRect/>
+          </a:stretch>
+        </p:blipFill>
+        <p:spPr>
+          <a:xfrm>
+            <a:off x="683568" y="2148213"/>
+            <a:ext cx="7297178" cy="3605808"/>
+          </a:xfrm>
+          <a:prstGeom prst="rect">
+            <a:avLst/>
+          </a:prstGeom>
+        </p:spPr>
+      </p:pic>
+      <p:sp>
+        <p:nvSpPr>
+          <p:cNvPr id="10" name="CuadroTexto 9"/>
+          <p:cNvSpPr txBox="1"/>
+          <p:nvPr/>
+        </p:nvSpPr>
+        <p:spPr>
+          <a:xfrm>
+            <a:off x="1043608" y="5792018"/>
+            <a:ext cx="6843605" cy="584775"/>
+          </a:xfrm>
+          <a:prstGeom prst="rect">
+            <a:avLst/>
+          </a:prstGeom>
+          <a:noFill/>
+        </p:spPr>
+        <p:txBody>
+          <a:bodyPr wrap="none" rtlCol="0">
+            <a:spAutoFit/>
           </a:bodyPr>
           <a:lstStyle/>
           <a:p>
-            <a:pPr>
-              <a:buFont typeface="Wingdings" panose="05000000000000000000" pitchFamily="2" charset="2"/>
-              <a:buChar char="§"/>
-            </a:pPr>
-            <a:endParaRPr lang="es-ES" sz="2000" dirty="0" smtClean="0"/>
-          </a:p>
-          <a:p>
-            <a:pPr>
-              <a:buFont typeface="Wingdings" panose="05000000000000000000" pitchFamily="2" charset="2"/>
-              <a:buChar char="§"/>
-            </a:pPr>
-            <a:r>
-              <a:rPr lang="es-ES" sz="2400" dirty="0"/>
-              <a:t>Influencia de los datos de entrenamiento</a:t>
-            </a:r>
-            <a:r>
-              <a:rPr lang="es-ES" sz="2400" dirty="0" smtClean="0"/>
-              <a:t>:</a:t>
-            </a:r>
-          </a:p>
-          <a:p>
-            <a:pPr marL="0" indent="0">
-              <a:buNone/>
-            </a:pPr>
-            <a:endParaRPr lang="es-ES" sz="2400" dirty="0" smtClean="0"/>
-          </a:p>
-          <a:p>
-            <a:pPr lvl="1">
-              <a:buFont typeface="Wingdings" panose="05000000000000000000" pitchFamily="2" charset="2"/>
-              <a:buChar char="§"/>
-            </a:pPr>
-            <a:r>
-              <a:rPr lang="es-ES" sz="2000" dirty="0" smtClean="0"/>
-              <a:t>Conjunto de entrenamiento sin </a:t>
-            </a:r>
-            <a:r>
-              <a:rPr lang="es-ES" sz="2000" dirty="0"/>
-              <a:t>ninguna </a:t>
-            </a:r>
-            <a:r>
-              <a:rPr lang="es-ES" sz="2000" dirty="0" smtClean="0"/>
-              <a:t>modificación (red desbalanceada).</a:t>
-            </a:r>
-          </a:p>
-          <a:p>
-            <a:pPr marL="457200" lvl="1" indent="0">
-              <a:buNone/>
-            </a:pPr>
-            <a:endParaRPr lang="es-ES" sz="2000" dirty="0" smtClean="0"/>
-          </a:p>
-          <a:p>
-            <a:pPr lvl="1">
-              <a:buFont typeface="Wingdings" panose="05000000000000000000" pitchFamily="2" charset="2"/>
-              <a:buChar char="§"/>
-            </a:pPr>
-            <a:r>
-              <a:rPr lang="es-ES" sz="2000" dirty="0" smtClean="0"/>
-              <a:t>Conjunto de entrenamiento balanceado (red balanceada).</a:t>
-            </a:r>
-          </a:p>
-          <a:p>
-            <a:pPr lvl="1">
-              <a:buFont typeface="Wingdings" panose="05000000000000000000" pitchFamily="2" charset="2"/>
-              <a:buChar char="§"/>
-            </a:pPr>
-            <a:endParaRPr lang="es-ES" sz="2000" dirty="0" smtClean="0"/>
-          </a:p>
-          <a:p>
-            <a:pPr lvl="1">
-              <a:buFont typeface="Wingdings" panose="05000000000000000000" pitchFamily="2" charset="2"/>
-              <a:buChar char="§"/>
-            </a:pPr>
-            <a:r>
-              <a:rPr lang="es-ES" sz="2000" dirty="0" smtClean="0"/>
-              <a:t>Entrenamiento con pesos diferentes para cada clase (red sesgada).</a:t>
-            </a:r>
-          </a:p>
-          <a:p>
-            <a:pPr marL="457200" lvl="1" indent="0">
-              <a:buNone/>
-            </a:pPr>
-            <a:endParaRPr lang="es-ES" sz="2000" dirty="0" smtClean="0"/>
-          </a:p>
-          <a:p>
-            <a:pPr lvl="1">
-              <a:buFont typeface="Wingdings" panose="05000000000000000000" pitchFamily="2" charset="2"/>
-              <a:buChar char="§"/>
-            </a:pPr>
-            <a:r>
-              <a:rPr lang="es-ES" sz="2000" dirty="0"/>
-              <a:t>Redes sesgadas mejoran el entrenamiento.</a:t>
-            </a:r>
-          </a:p>
-          <a:p>
-            <a:pPr marL="457200" lvl="1" indent="0">
-              <a:buNone/>
-            </a:pPr>
-            <a:endParaRPr lang="es-ES" sz="2000" dirty="0" smtClean="0"/>
-          </a:p>
-          <a:p>
-            <a:pPr>
-              <a:buFont typeface="Wingdings" panose="05000000000000000000" pitchFamily="2" charset="2"/>
-              <a:buChar char="§"/>
-            </a:pPr>
-            <a:endParaRPr lang="es-ES" sz="2400" dirty="0" smtClean="0"/>
+            <a:r>
+              <a:rPr lang="es-ES" sz="1600" i="1" dirty="0"/>
+              <a:t>Resultados de </a:t>
+            </a:r>
+            <a:r>
+              <a:rPr lang="es-ES" sz="1600" i="1" dirty="0" smtClean="0"/>
+              <a:t>conducción </a:t>
+            </a:r>
+            <a:r>
+              <a:rPr lang="es-ES" sz="1600" i="1" dirty="0"/>
+              <a:t>con redes de </a:t>
+            </a:r>
+            <a:r>
+              <a:rPr lang="es-ES" sz="1600" i="1" dirty="0" smtClean="0"/>
+              <a:t>clasificación </a:t>
+            </a:r>
+            <a:r>
+              <a:rPr lang="es-ES" sz="1600" i="1" dirty="0"/>
+              <a:t>(estudio de la influencia de</a:t>
+            </a:r>
+          </a:p>
+          <a:p>
+            <a:r>
+              <a:rPr lang="es-ES" sz="1600" i="1" dirty="0"/>
+              <a:t>los datos de entrenamiento)</a:t>
+            </a:r>
           </a:p>
         </p:txBody>
       </p:sp>
     </p:spTree>
     <p:extLst>
       <p:ext uri="{BB962C8B-B14F-4D97-AF65-F5344CB8AC3E}">
-        <p14:creationId xmlns:p14="http://schemas.microsoft.com/office/powerpoint/2010/main" val="2752462402"/>
+        <p14:creationId xmlns:p14="http://schemas.microsoft.com/office/powerpoint/2010/main" val="4007781943"/>
       </p:ext>
     </p:extLst>
   </p:cSld>
@@ -5464,6 +5439,71 @@
           <a:chExt cx="0" cy="0"/>
         </a:xfrm>
       </p:grpSpPr>
+      <p:sp>
+        <p:nvSpPr>
+          <p:cNvPr id="3" name="2 Marcador de contenido"/>
+          <p:cNvSpPr>
+            <a:spLocks noGrp="1"/>
+          </p:cNvSpPr>
+          <p:nvPr>
+            <p:ph idx="1"/>
+          </p:nvPr>
+        </p:nvSpPr>
+        <p:spPr>
+          <a:xfrm>
+            <a:off x="1248255" y="3035277"/>
+            <a:ext cx="7643192" cy="3705275"/>
+          </a:xfrm>
+        </p:spPr>
+        <p:txBody>
+          <a:bodyPr>
+            <a:normAutofit/>
+          </a:bodyPr>
+          <a:lstStyle/>
+          <a:p>
+            <a:pPr>
+              <a:buFont typeface="Wingdings" panose="05000000000000000000" pitchFamily="2" charset="2"/>
+              <a:buChar char="§"/>
+            </a:pPr>
+            <a:r>
+              <a:rPr lang="es-ES" sz="2400" dirty="0"/>
+              <a:t>Red 5v+7w sesgada.</a:t>
+            </a:r>
+            <a:endParaRPr lang="es-ES" sz="2400" dirty="0" smtClean="0"/>
+          </a:p>
+          <a:p>
+            <a:pPr>
+              <a:buFont typeface="Wingdings" panose="05000000000000000000" pitchFamily="2" charset="2"/>
+              <a:buChar char="§"/>
+            </a:pPr>
+            <a:r>
+              <a:rPr lang="es-ES" sz="2400" dirty="0" smtClean="0"/>
+              <a:t>Estimar velocidades del vehículo.</a:t>
+            </a:r>
+          </a:p>
+          <a:p>
+            <a:pPr>
+              <a:buFont typeface="Wingdings" panose="05000000000000000000" pitchFamily="2" charset="2"/>
+              <a:buChar char="§"/>
+            </a:pPr>
+            <a:r>
+              <a:rPr lang="es-ES" sz="2400" dirty="0"/>
+              <a:t>Entrenamiento </a:t>
+            </a:r>
+            <a:r>
+              <a:rPr lang="es-ES" sz="2400" dirty="0" smtClean="0"/>
+              <a:t>complejo al combinar redes de v y de w en el pilotaje.</a:t>
+            </a:r>
+            <a:endParaRPr lang="es-ES" sz="2400" dirty="0"/>
+          </a:p>
+          <a:p>
+            <a:pPr marL="0" indent="0">
+              <a:buNone/>
+            </a:pPr>
+            <a:endParaRPr lang="es-ES" sz="2400" dirty="0" smtClean="0"/>
+          </a:p>
+        </p:txBody>
+      </p:sp>
       <p:cxnSp>
         <p:nvCxnSpPr>
           <p:cNvPr id="4" name="3 Conector recto"/>
@@ -5570,8 +5610,8 @@
           <a:lstStyle/>
           <a:p>
             <a:r>
-              <a:rPr lang="es-ES" dirty="0" smtClean="0"/>
-              <a:t>14/28</a:t>
+              <a:rPr lang="es-ES" dirty="0"/>
+              <a:t>14/26</a:t>
             </a:r>
             <a:endParaRPr lang="es-ES" dirty="0"/>
           </a:p>
@@ -5579,7 +5619,44 @@
       </p:sp>
       <p:sp>
         <p:nvSpPr>
-          <p:cNvPr id="13" name="1 Título"/>
+          <p:cNvPr id="8" name="7 CuadroTexto"/>
+          <p:cNvSpPr txBox="1"/>
+          <p:nvPr/>
+        </p:nvSpPr>
+        <p:spPr>
+          <a:xfrm>
+            <a:off x="2339752" y="1926630"/>
+            <a:ext cx="3962688" cy="1077218"/>
+          </a:xfrm>
+          <a:prstGeom prst="rect">
+            <a:avLst/>
+          </a:prstGeom>
+          <a:noFill/>
+        </p:spPr>
+        <p:txBody>
+          <a:bodyPr wrap="none" rtlCol="0">
+            <a:spAutoFit/>
+          </a:bodyPr>
+          <a:lstStyle/>
+          <a:p>
+            <a:r>
+              <a:rPr lang="es-ES" sz="3200" b="1" dirty="0" smtClean="0">
+                <a:solidFill>
+                  <a:srgbClr val="586E2C"/>
+                </a:solidFill>
+              </a:rPr>
+              <a:t>Solución de referencia</a:t>
+            </a:r>
+            <a:endParaRPr lang="es-ES" sz="3200" dirty="0"/>
+          </a:p>
+          <a:p>
+            <a:endParaRPr lang="es-ES" sz="3200" dirty="0"/>
+          </a:p>
+        </p:txBody>
+      </p:sp>
+      <p:sp>
+        <p:nvSpPr>
+          <p:cNvPr id="10" name="1 Título"/>
           <p:cNvSpPr>
             <a:spLocks noGrp="1"/>
           </p:cNvSpPr>
@@ -5616,122 +5693,10 @@
           </a:p>
         </p:txBody>
       </p:sp>
-      <p:sp>
-        <p:nvSpPr>
-          <p:cNvPr id="9" name="7 CuadroTexto"/>
-          <p:cNvSpPr txBox="1"/>
-          <p:nvPr/>
-        </p:nvSpPr>
-        <p:spPr>
-          <a:xfrm>
-            <a:off x="3308577" y="1532307"/>
-            <a:ext cx="2526846" cy="861774"/>
-          </a:xfrm>
-          <a:prstGeom prst="rect">
-            <a:avLst/>
-          </a:prstGeom>
-          <a:noFill/>
-        </p:spPr>
-        <p:txBody>
-          <a:bodyPr wrap="none" rtlCol="0">
-            <a:spAutoFit/>
-          </a:bodyPr>
-          <a:lstStyle/>
-          <a:p>
-            <a:r>
-              <a:rPr lang="es-ES" sz="3200" b="1" dirty="0" smtClean="0">
-                <a:solidFill>
-                  <a:srgbClr val="586E2C"/>
-                </a:solidFill>
-              </a:rPr>
-              <a:t>Experimentos</a:t>
-            </a:r>
-            <a:endParaRPr lang="es-ES" sz="3200" dirty="0"/>
-          </a:p>
-          <a:p>
-            <a:endParaRPr lang="es-ES" dirty="0"/>
-          </a:p>
-        </p:txBody>
-      </p:sp>
-      <p:pic>
-        <p:nvPicPr>
-          <p:cNvPr id="2" name="Imagen 1"/>
-          <p:cNvPicPr>
-            <a:picLocks noChangeAspect="1"/>
-          </p:cNvPicPr>
-          <p:nvPr/>
-        </p:nvPicPr>
-        <p:blipFill>
-          <a:blip r:embed="rId4"/>
-          <a:stretch>
-            <a:fillRect/>
-          </a:stretch>
-        </p:blipFill>
-        <p:spPr>
-          <a:xfrm>
-            <a:off x="683568" y="2148213"/>
-            <a:ext cx="7297178" cy="3605808"/>
-          </a:xfrm>
-          <a:prstGeom prst="rect">
-            <a:avLst/>
-          </a:prstGeom>
-        </p:spPr>
-      </p:pic>
-      <p:sp>
-        <p:nvSpPr>
-          <p:cNvPr id="10" name="CuadroTexto 9"/>
-          <p:cNvSpPr txBox="1"/>
-          <p:nvPr/>
-        </p:nvSpPr>
-        <p:spPr>
-          <a:xfrm>
-            <a:off x="1043608" y="5792018"/>
-            <a:ext cx="6843605" cy="584775"/>
-          </a:xfrm>
-          <a:prstGeom prst="rect">
-            <a:avLst/>
-          </a:prstGeom>
-          <a:noFill/>
-        </p:spPr>
-        <p:txBody>
-          <a:bodyPr wrap="none" rtlCol="0">
-            <a:spAutoFit/>
-          </a:bodyPr>
-          <a:lstStyle/>
-          <a:p>
-            <a:r>
-              <a:rPr lang="es-ES" sz="1600" i="1" dirty="0"/>
-              <a:t>Resultados de </a:t>
-            </a:r>
-            <a:r>
-              <a:rPr lang="es-ES" sz="1600" i="1" dirty="0" smtClean="0"/>
-              <a:t>conducción </a:t>
-            </a:r>
-            <a:r>
-              <a:rPr lang="es-ES" sz="1600" i="1" dirty="0"/>
-              <a:t>con redes de </a:t>
-            </a:r>
-            <a:r>
-              <a:rPr lang="es-ES" sz="1600" i="1" dirty="0" smtClean="0"/>
-              <a:t>clasificación </a:t>
-            </a:r>
-            <a:r>
-              <a:rPr lang="es-ES" sz="1600" i="1" dirty="0"/>
-              <a:t>(estudio de la influencia de</a:t>
-            </a:r>
-          </a:p>
-          <a:p>
-            <a:r>
-              <a:rPr lang="es-ES" sz="1600" i="1" dirty="0"/>
-              <a:t>los datos de entrenamiento)</a:t>
-            </a:r>
-          </a:p>
-        </p:txBody>
-      </p:sp>
     </p:spTree>
     <p:extLst>
       <p:ext uri="{BB962C8B-B14F-4D97-AF65-F5344CB8AC3E}">
-        <p14:creationId xmlns:p14="http://schemas.microsoft.com/office/powerpoint/2010/main" val="4007781943"/>
+        <p14:creationId xmlns:p14="http://schemas.microsoft.com/office/powerpoint/2010/main" val="3734523681"/>
       </p:ext>
     </p:extLst>
   </p:cSld>
@@ -5765,71 +5730,6 @@
           <a:chExt cx="0" cy="0"/>
         </a:xfrm>
       </p:grpSpPr>
-      <p:sp>
-        <p:nvSpPr>
-          <p:cNvPr id="3" name="2 Marcador de contenido"/>
-          <p:cNvSpPr>
-            <a:spLocks noGrp="1"/>
-          </p:cNvSpPr>
-          <p:nvPr>
-            <p:ph idx="1"/>
-          </p:nvPr>
-        </p:nvSpPr>
-        <p:spPr>
-          <a:xfrm>
-            <a:off x="1248255" y="3035277"/>
-            <a:ext cx="7643192" cy="3705275"/>
-          </a:xfrm>
-        </p:spPr>
-        <p:txBody>
-          <a:bodyPr>
-            <a:normAutofit/>
-          </a:bodyPr>
-          <a:lstStyle/>
-          <a:p>
-            <a:pPr>
-              <a:buFont typeface="Wingdings" panose="05000000000000000000" pitchFamily="2" charset="2"/>
-              <a:buChar char="§"/>
-            </a:pPr>
-            <a:r>
-              <a:rPr lang="es-ES" sz="2400" dirty="0"/>
-              <a:t>Red 5v+7w sesgada.</a:t>
-            </a:r>
-            <a:endParaRPr lang="es-ES" sz="2400" dirty="0" smtClean="0"/>
-          </a:p>
-          <a:p>
-            <a:pPr>
-              <a:buFont typeface="Wingdings" panose="05000000000000000000" pitchFamily="2" charset="2"/>
-              <a:buChar char="§"/>
-            </a:pPr>
-            <a:r>
-              <a:rPr lang="es-ES" sz="2400" dirty="0" smtClean="0"/>
-              <a:t>Estimar velocidades del vehículo.</a:t>
-            </a:r>
-          </a:p>
-          <a:p>
-            <a:pPr>
-              <a:buFont typeface="Wingdings" panose="05000000000000000000" pitchFamily="2" charset="2"/>
-              <a:buChar char="§"/>
-            </a:pPr>
-            <a:r>
-              <a:rPr lang="es-ES" sz="2400" dirty="0"/>
-              <a:t>Entrenamiento </a:t>
-            </a:r>
-            <a:r>
-              <a:rPr lang="es-ES" sz="2400" dirty="0" smtClean="0"/>
-              <a:t>complejo al combinar redes de v y de w en el pilotaje.</a:t>
-            </a:r>
-            <a:endParaRPr lang="es-ES" sz="2400" dirty="0"/>
-          </a:p>
-          <a:p>
-            <a:pPr marL="0" indent="0">
-              <a:buNone/>
-            </a:pPr>
-            <a:endParaRPr lang="es-ES" sz="2400" dirty="0" smtClean="0"/>
-          </a:p>
-        </p:txBody>
-      </p:sp>
       <p:cxnSp>
         <p:nvCxnSpPr>
           <p:cNvPr id="4" name="3 Conector recto"/>
@@ -5936,8 +5836,8 @@
           <a:lstStyle/>
           <a:p>
             <a:r>
-              <a:rPr lang="es-ES" dirty="0" smtClean="0"/>
-              <a:t>15/28</a:t>
+              <a:rPr lang="es-ES" dirty="0"/>
+              <a:t>15/26</a:t>
             </a:r>
             <a:endParaRPr lang="es-ES" dirty="0"/>
           </a:p>
@@ -5951,8 +5851,8 @@
         </p:nvSpPr>
         <p:spPr>
           <a:xfrm>
-            <a:off x="2339752" y="1926630"/>
-            <a:ext cx="3962688" cy="1077218"/>
+            <a:off x="2501145" y="1491750"/>
+            <a:ext cx="3962688" cy="584775"/>
           </a:xfrm>
           <a:prstGeom prst="rect">
             <a:avLst/>
@@ -5975,14 +5875,50 @@
             </a:r>
             <a:endParaRPr lang="es-ES" sz="3200" dirty="0"/>
           </a:p>
-          <a:p>
-            <a:endParaRPr lang="es-ES" sz="3200" dirty="0"/>
-          </a:p>
-        </p:txBody>
-      </p:sp>
-      <p:sp>
-        <p:nvSpPr>
-          <p:cNvPr id="10" name="1 Título"/>
+        </p:txBody>
+      </p:sp>
+      <p:sp>
+        <p:nvSpPr>
+          <p:cNvPr id="13" name="12 CuadroTexto"/>
+          <p:cNvSpPr txBox="1"/>
+          <p:nvPr/>
+        </p:nvSpPr>
+        <p:spPr>
+          <a:xfrm>
+            <a:off x="827584" y="2492896"/>
+            <a:ext cx="5413470" cy="646331"/>
+          </a:xfrm>
+          <a:prstGeom prst="rect">
+            <a:avLst/>
+          </a:prstGeom>
+          <a:noFill/>
+        </p:spPr>
+        <p:txBody>
+          <a:bodyPr wrap="none" rtlCol="0">
+            <a:spAutoFit/>
+          </a:bodyPr>
+          <a:lstStyle/>
+          <a:p>
+            <a:pPr marL="285750" indent="-285750">
+              <a:buFont typeface="Wingdings" panose="05000000000000000000" pitchFamily="2" charset="2"/>
+              <a:buChar char="§"/>
+            </a:pPr>
+            <a:r>
+              <a:rPr lang="es-ES" dirty="0">
+                <a:hlinkClick r:id="rId4"/>
+              </a:rPr>
+              <a:t>https://www.youtube.com/watch?v=7s4vpMGU2Mg</a:t>
+            </a:r>
+            <a:endParaRPr lang="es-ES" dirty="0" smtClean="0"/>
+          </a:p>
+          <a:p>
+            <a:endParaRPr lang="es-ES" dirty="0"/>
+          </a:p>
+        </p:txBody>
+      </p:sp>
+      <p:sp>
+        <p:nvSpPr>
+          <p:cNvPr id="12" name="1 Título"/>
           <p:cNvSpPr>
             <a:spLocks noGrp="1"/>
           </p:cNvSpPr>
@@ -6019,10 +5955,51 @@
           </a:p>
         </p:txBody>
       </p:sp>
+      <p:pic>
+        <p:nvPicPr>
+          <p:cNvPr id="1026" name="Picture 2" descr="https://raw.githubusercontent.com/RoboticsURJC-students/2017-tfm-vanessa-fernandez/master/Memoria/figures/Clasificacion/frame1.png"/>
+          <p:cNvPicPr>
+            <a:picLocks noChangeAspect="1" noChangeArrowheads="1"/>
+          </p:cNvPicPr>
+          <p:nvPr/>
+        </p:nvPicPr>
+        <p:blipFill>
+          <a:blip r:embed="rId5">
+            <a:extLst>
+              <a:ext uri="{28A0092B-C50C-407E-A947-70E740481C1C}">
+                <a14:useLocalDpi xmlns:a14="http://schemas.microsoft.com/office/drawing/2010/main" val="0"/>
+              </a:ext>
+            </a:extLst>
+          </a:blip>
+          <a:srcRect/>
+          <a:stretch>
+            <a:fillRect/>
+          </a:stretch>
+        </p:blipFill>
+        <p:spPr bwMode="auto">
+          <a:xfrm>
+            <a:off x="1253548" y="3455074"/>
+            <a:ext cx="7248930" cy="1846764"/>
+          </a:xfrm>
+          <a:prstGeom prst="rect">
+            <a:avLst/>
+          </a:prstGeom>
+          <a:noFill/>
+          <a:extLst>
+            <a:ext uri="{909E8E84-426E-40DD-AFC4-6F175D3DCCD1}">
+              <a14:hiddenFill xmlns:a14="http://schemas.microsoft.com/office/drawing/2010/main">
+                <a:solidFill>
+                  <a:srgbClr val="FFFFFF"/>
+                </a:solidFill>
+              </a14:hiddenFill>
+            </a:ext>
+          </a:extLst>
+        </p:spPr>
+      </p:pic>
     </p:spTree>
     <p:extLst>
       <p:ext uri="{BB962C8B-B14F-4D97-AF65-F5344CB8AC3E}">
-        <p14:creationId xmlns:p14="http://schemas.microsoft.com/office/powerpoint/2010/main" val="3734523681"/>
+        <p14:creationId xmlns:p14="http://schemas.microsoft.com/office/powerpoint/2010/main" val="1689939897"/>
       </p:ext>
     </p:extLst>
   </p:cSld>
@@ -6056,6 +6033,256 @@
           <a:chExt cx="0" cy="0"/>
         </a:xfrm>
       </p:grpSpPr>
+      <p:sp>
+        <p:nvSpPr>
+          <p:cNvPr id="3" name="2 Marcador de contenido"/>
+          <p:cNvSpPr>
+            <a:spLocks noGrp="1"/>
+          </p:cNvSpPr>
+          <p:nvPr>
+            <p:ph idx="1"/>
+          </p:nvPr>
+        </p:nvSpPr>
+        <p:spPr>
+          <a:xfrm>
+            <a:off x="755576" y="1845248"/>
+            <a:ext cx="8229600" cy="4511102"/>
+          </a:xfrm>
+        </p:spPr>
+        <p:txBody>
+          <a:bodyPr>
+            <a:normAutofit fontScale="92500" lnSpcReduction="10000"/>
+          </a:bodyPr>
+          <a:lstStyle/>
+          <a:p>
+            <a:pPr>
+              <a:buFont typeface="Wingdings" panose="05000000000000000000" pitchFamily="2" charset="2"/>
+              <a:buChar char="§"/>
+            </a:pPr>
+            <a:r>
+              <a:rPr lang="es-ES" sz="2400" dirty="0" smtClean="0"/>
+              <a:t>Predecir valores de velocidades.</a:t>
+            </a:r>
+          </a:p>
+          <a:p>
+            <a:pPr>
+              <a:buFont typeface="Wingdings" panose="05000000000000000000" pitchFamily="2" charset="2"/>
+              <a:buChar char="§"/>
+            </a:pPr>
+            <a:endParaRPr lang="es-ES" sz="2400" dirty="0" smtClean="0"/>
+          </a:p>
+          <a:p>
+            <a:pPr>
+              <a:buFont typeface="Wingdings" panose="05000000000000000000" pitchFamily="2" charset="2"/>
+              <a:buChar char="§"/>
+            </a:pPr>
+            <a:r>
+              <a:rPr lang="es-ES" sz="2400" dirty="0" smtClean="0"/>
+              <a:t>Arquitecturas de red:</a:t>
+            </a:r>
+          </a:p>
+          <a:p>
+            <a:pPr lvl="1">
+              <a:buFont typeface="Wingdings" panose="05000000000000000000" pitchFamily="2" charset="2"/>
+              <a:buChar char="§"/>
+            </a:pPr>
+            <a:r>
+              <a:rPr lang="es-ES" sz="2000" i="1" dirty="0" err="1" smtClean="0"/>
+              <a:t>PilotNet</a:t>
+            </a:r>
+            <a:r>
+              <a:rPr lang="es-ES" sz="2000" dirty="0" smtClean="0"/>
+              <a:t>: capa de normalización, 5 capas </a:t>
+            </a:r>
+            <a:r>
+              <a:rPr lang="es-ES" sz="2000" dirty="0" err="1" smtClean="0"/>
+              <a:t>convolucionales</a:t>
+            </a:r>
+            <a:r>
+              <a:rPr lang="es-ES" sz="2000" dirty="0" smtClean="0"/>
+              <a:t>, 3 capas </a:t>
+            </a:r>
+            <a:r>
+              <a:rPr lang="es-ES" sz="2000" dirty="0" err="1" smtClean="0"/>
+              <a:t>fully-connected</a:t>
+            </a:r>
+            <a:r>
+              <a:rPr lang="es-ES" sz="2000" dirty="0" smtClean="0"/>
+              <a:t>.</a:t>
+            </a:r>
+          </a:p>
+          <a:p>
+            <a:pPr lvl="1">
+              <a:buFont typeface="Wingdings" panose="05000000000000000000" pitchFamily="2" charset="2"/>
+              <a:buChar char="§"/>
+            </a:pPr>
+            <a:endParaRPr lang="es-ES" sz="2000" dirty="0" smtClean="0"/>
+          </a:p>
+          <a:p>
+            <a:pPr lvl="1">
+              <a:buFont typeface="Wingdings" panose="05000000000000000000" pitchFamily="2" charset="2"/>
+              <a:buChar char="§"/>
+            </a:pPr>
+            <a:r>
+              <a:rPr lang="es-ES" sz="2000" i="1" dirty="0" err="1" smtClean="0"/>
+              <a:t>TinyPilotNet</a:t>
+            </a:r>
+            <a:r>
+              <a:rPr lang="es-ES" sz="2000" dirty="0" smtClean="0"/>
+              <a:t>: 2 capas </a:t>
+            </a:r>
+            <a:r>
+              <a:rPr lang="es-ES" sz="2000" dirty="0" err="1" smtClean="0"/>
+              <a:t>convolucionales</a:t>
+            </a:r>
+            <a:r>
+              <a:rPr lang="es-ES" sz="2000" dirty="0" smtClean="0"/>
+              <a:t>, capa </a:t>
+            </a:r>
+            <a:r>
+              <a:rPr lang="es-ES" sz="2000" dirty="0" err="1" smtClean="0"/>
+              <a:t>dropout</a:t>
+            </a:r>
+            <a:r>
+              <a:rPr lang="es-ES" sz="2000" dirty="0" smtClean="0"/>
+              <a:t>, 2 capas </a:t>
+            </a:r>
+            <a:r>
+              <a:rPr lang="es-ES" sz="2000" dirty="0" err="1" smtClean="0"/>
+              <a:t>fully-connected</a:t>
+            </a:r>
+            <a:r>
+              <a:rPr lang="es-ES" sz="2000" dirty="0" smtClean="0"/>
+              <a:t>.</a:t>
+            </a:r>
+          </a:p>
+          <a:p>
+            <a:pPr lvl="1">
+              <a:buFont typeface="Wingdings" panose="05000000000000000000" pitchFamily="2" charset="2"/>
+              <a:buChar char="§"/>
+            </a:pPr>
+            <a:endParaRPr lang="es-ES" sz="2000" dirty="0" smtClean="0"/>
+          </a:p>
+          <a:p>
+            <a:pPr lvl="1">
+              <a:buFont typeface="Wingdings" panose="05000000000000000000" pitchFamily="2" charset="2"/>
+              <a:buChar char="§"/>
+            </a:pPr>
+            <a:r>
+              <a:rPr lang="es-ES" sz="2000" i="1" dirty="0" smtClean="0"/>
+              <a:t>LSTM-</a:t>
+            </a:r>
+            <a:r>
+              <a:rPr lang="es-ES" sz="2000" i="1" dirty="0" err="1" smtClean="0"/>
+              <a:t>TinyPilotnet</a:t>
+            </a:r>
+            <a:r>
+              <a:rPr lang="es-ES" sz="2000" dirty="0"/>
+              <a:t>: </a:t>
+            </a:r>
+            <a:r>
+              <a:rPr lang="es-ES" sz="2000" dirty="0" smtClean="0"/>
+              <a:t>3 </a:t>
+            </a:r>
+            <a:r>
+              <a:rPr lang="es-ES" sz="2000" dirty="0"/>
+              <a:t>capas </a:t>
+            </a:r>
+            <a:r>
+              <a:rPr lang="es-ES" sz="2000" dirty="0" err="1"/>
+              <a:t>convolucionales</a:t>
+            </a:r>
+            <a:r>
+              <a:rPr lang="es-ES" sz="2000" dirty="0"/>
+              <a:t>, capa </a:t>
+            </a:r>
+            <a:r>
+              <a:rPr lang="es-ES" sz="2000" dirty="0" smtClean="0"/>
+              <a:t>ConvLSTM2D, 1 capa </a:t>
+            </a:r>
+            <a:r>
+              <a:rPr lang="es-ES" sz="2000" dirty="0" err="1" smtClean="0"/>
+              <a:t>convolucional</a:t>
+            </a:r>
+            <a:r>
+              <a:rPr lang="es-ES" sz="2000" dirty="0" smtClean="0"/>
+              <a:t>, 1 capa </a:t>
+            </a:r>
+            <a:r>
+              <a:rPr lang="es-ES" sz="2000" dirty="0" err="1" smtClean="0"/>
+              <a:t>fully-connected</a:t>
+            </a:r>
+            <a:r>
+              <a:rPr lang="es-ES" sz="2000" dirty="0" smtClean="0"/>
+              <a:t>.</a:t>
+            </a:r>
+          </a:p>
+          <a:p>
+            <a:pPr lvl="1">
+              <a:buFont typeface="Wingdings" panose="05000000000000000000" pitchFamily="2" charset="2"/>
+              <a:buChar char="§"/>
+            </a:pPr>
+            <a:endParaRPr lang="es-ES" sz="2000" dirty="0" smtClean="0"/>
+          </a:p>
+          <a:p>
+            <a:pPr lvl="1">
+              <a:buFont typeface="Wingdings" panose="05000000000000000000" pitchFamily="2" charset="2"/>
+              <a:buChar char="§"/>
+            </a:pPr>
+            <a:r>
+              <a:rPr lang="es-ES" sz="2000" i="1" dirty="0" err="1" smtClean="0"/>
+              <a:t>DeepestLSTM-TinyPilotNet</a:t>
+            </a:r>
+            <a:r>
+              <a:rPr lang="es-ES" sz="2000" dirty="0" smtClean="0"/>
+              <a:t>: </a:t>
+            </a:r>
+            <a:r>
+              <a:rPr lang="es-ES" sz="2000" dirty="0"/>
+              <a:t>3 capas </a:t>
+            </a:r>
+            <a:r>
+              <a:rPr lang="es-ES" sz="2000" dirty="0" err="1" smtClean="0"/>
+              <a:t>convolucionales</a:t>
+            </a:r>
+            <a:r>
+              <a:rPr lang="es-ES" sz="2000" dirty="0" smtClean="0"/>
+              <a:t>, 3 capas ConvLSTM2D, </a:t>
+            </a:r>
+            <a:r>
+              <a:rPr lang="es-ES" sz="2000" dirty="0"/>
+              <a:t>2 capas </a:t>
+            </a:r>
+            <a:r>
+              <a:rPr lang="es-ES" sz="2000" dirty="0" err="1"/>
+              <a:t>fully-connected</a:t>
+            </a:r>
+            <a:r>
+              <a:rPr lang="es-ES" sz="2000" dirty="0"/>
+              <a:t>.</a:t>
+            </a:r>
+            <a:endParaRPr lang="es-ES" sz="2000" i="1" dirty="0" smtClean="0"/>
+          </a:p>
+          <a:p>
+            <a:pPr marL="457200" lvl="1" indent="0">
+              <a:buNone/>
+            </a:pPr>
+            <a:endParaRPr lang="es-ES" sz="2000" dirty="0" smtClean="0"/>
+          </a:p>
+          <a:p>
+            <a:pPr marL="457200" lvl="1" indent="0">
+              <a:buNone/>
+            </a:pPr>
+            <a:endParaRPr lang="es-ES" sz="2000" dirty="0" smtClean="0"/>
+          </a:p>
+          <a:p>
+            <a:pPr marL="457200" lvl="1" indent="0">
+              <a:buNone/>
+            </a:pPr>
+            <a:endParaRPr lang="es-ES" sz="2400" dirty="0" smtClean="0"/>
+          </a:p>
+        </p:txBody>
+      </p:sp>
       <p:cxnSp>
         <p:nvCxnSpPr>
           <p:cNvPr id="4" name="3 Conector recto"/>
@@ -6116,9 +6343,32 @@
           </a:prstGeom>
         </p:spPr>
       </p:pic>
+      <p:sp>
+        <p:nvSpPr>
+          <p:cNvPr id="7" name="6 Marcador de número de diapositiva"/>
+          <p:cNvSpPr>
+            <a:spLocks noGrp="1"/>
+          </p:cNvSpPr>
+          <p:nvPr>
+            <p:ph type="sldNum" sz="quarter" idx="12"/>
+          </p:nvPr>
+        </p:nvSpPr>
+        <p:spPr/>
+        <p:txBody>
+          <a:bodyPr/>
+          <a:lstStyle/>
+          <a:p>
+            <a:r>
+              <a:rPr lang="es-ES" dirty="0"/>
+              <a:t>16/26</a:t>
+            </a:r>
+            <a:endParaRPr lang="es-ES" dirty="0"/>
+          </a:p>
+        </p:txBody>
+      </p:sp>
       <p:pic>
         <p:nvPicPr>
-          <p:cNvPr id="6" name="5 Imagen"/>
+          <p:cNvPr id="11" name="5 Imagen"/>
           <p:cNvPicPr>
             <a:picLocks noChangeAspect="1"/>
           </p:cNvPicPr>
@@ -6138,7 +6388,7 @@
         </p:blipFill>
         <p:spPr>
           <a:xfrm>
-            <a:off x="6880124" y="497064"/>
+            <a:off x="7322516" y="506571"/>
             <a:ext cx="1364284" cy="601890"/>
           </a:xfrm>
           <a:prstGeom prst="rect">
@@ -6146,102 +6396,6 @@
           </a:prstGeom>
         </p:spPr>
       </p:pic>
-      <p:sp>
-        <p:nvSpPr>
-          <p:cNvPr id="7" name="6 Marcador de número de diapositiva"/>
-          <p:cNvSpPr>
-            <a:spLocks noGrp="1"/>
-          </p:cNvSpPr>
-          <p:nvPr>
-            <p:ph type="sldNum" sz="quarter" idx="12"/>
-          </p:nvPr>
-        </p:nvSpPr>
-        <p:spPr/>
-        <p:txBody>
-          <a:bodyPr/>
-          <a:lstStyle/>
-          <a:p>
-            <a:r>
-              <a:rPr lang="es-ES" dirty="0" smtClean="0"/>
-              <a:t>16/28</a:t>
-            </a:r>
-            <a:endParaRPr lang="es-ES" dirty="0"/>
-          </a:p>
-        </p:txBody>
-      </p:sp>
-      <p:sp>
-        <p:nvSpPr>
-          <p:cNvPr id="8" name="7 CuadroTexto"/>
-          <p:cNvSpPr txBox="1"/>
-          <p:nvPr/>
-        </p:nvSpPr>
-        <p:spPr>
-          <a:xfrm>
-            <a:off x="2501145" y="1491750"/>
-            <a:ext cx="3962688" cy="584775"/>
-          </a:xfrm>
-          <a:prstGeom prst="rect">
-            <a:avLst/>
-          </a:prstGeom>
-          <a:noFill/>
-        </p:spPr>
-        <p:txBody>
-          <a:bodyPr wrap="none" rtlCol="0">
-            <a:spAutoFit/>
-          </a:bodyPr>
-          <a:lstStyle/>
-          <a:p>
-            <a:r>
-              <a:rPr lang="es-ES" sz="3200" b="1" dirty="0" smtClean="0">
-                <a:solidFill>
-                  <a:srgbClr val="586E2C"/>
-                </a:solidFill>
-              </a:rPr>
-              <a:t>Solución de referencia</a:t>
-            </a:r>
-            <a:endParaRPr lang="es-ES" sz="3200" dirty="0"/>
-          </a:p>
-        </p:txBody>
-      </p:sp>
-      <p:sp>
-        <p:nvSpPr>
-          <p:cNvPr id="13" name="12 CuadroTexto"/>
-          <p:cNvSpPr txBox="1"/>
-          <p:nvPr/>
-        </p:nvSpPr>
-        <p:spPr>
-          <a:xfrm>
-            <a:off x="827584" y="2492896"/>
-            <a:ext cx="5413470" cy="646331"/>
-          </a:xfrm>
-          <a:prstGeom prst="rect">
-            <a:avLst/>
-          </a:prstGeom>
-          <a:noFill/>
-        </p:spPr>
-        <p:txBody>
-          <a:bodyPr wrap="none" rtlCol="0">
-            <a:spAutoFit/>
-          </a:bodyPr>
-          <a:lstStyle/>
-          <a:p>
-            <a:pPr marL="285750" indent="-285750">
-              <a:buFont typeface="Wingdings" panose="05000000000000000000" pitchFamily="2" charset="2"/>
-              <a:buChar char="§"/>
-            </a:pPr>
-            <a:r>
-              <a:rPr lang="es-ES" dirty="0">
-                <a:hlinkClick r:id="rId4"/>
-              </a:rPr>
-              <a:t>https://www.youtube.com/watch?v=7s4vpMGU2Mg</a:t>
-            </a:r>
-            <a:endParaRPr lang="es-ES" dirty="0" smtClean="0"/>
-          </a:p>
-          <a:p>
-            <a:endParaRPr lang="es-ES" dirty="0"/>
-          </a:p>
-        </p:txBody>
-      </p:sp>
       <p:sp>
         <p:nvSpPr>
           <p:cNvPr id="12" name="1 Título"/>
@@ -6271,7 +6425,7 @@
                   <a:srgbClr val="0070C0"/>
                 </a:solidFill>
               </a:rPr>
-              <a:t>          Redes de clasificación </a:t>
+              <a:t>             Redes de regresión </a:t>
             </a:r>
             <a:endParaRPr lang="es-ES" dirty="0">
               <a:solidFill>
@@ -6281,51 +6435,10 @@
           </a:p>
         </p:txBody>
       </p:sp>
-      <p:pic>
-        <p:nvPicPr>
-          <p:cNvPr id="1026" name="Picture 2" descr="https://raw.githubusercontent.com/RoboticsURJC-students/2017-tfm-vanessa-fernandez/master/Memoria/figures/Clasificacion/frame1.png"/>
-          <p:cNvPicPr>
-            <a:picLocks noChangeAspect="1" noChangeArrowheads="1"/>
-          </p:cNvPicPr>
-          <p:nvPr/>
-        </p:nvPicPr>
-        <p:blipFill>
-          <a:blip r:embed="rId5">
-            <a:extLst>
-              <a:ext uri="{28A0092B-C50C-407E-A947-70E740481C1C}">
-                <a14:useLocalDpi xmlns:a14="http://schemas.microsoft.com/office/drawing/2010/main" val="0"/>
-              </a:ext>
-            </a:extLst>
-          </a:blip>
-          <a:srcRect/>
-          <a:stretch>
-            <a:fillRect/>
-          </a:stretch>
-        </p:blipFill>
-        <p:spPr bwMode="auto">
-          <a:xfrm>
-            <a:off x="1253548" y="3455074"/>
-            <a:ext cx="7248930" cy="1846764"/>
-          </a:xfrm>
-          <a:prstGeom prst="rect">
-            <a:avLst/>
-          </a:prstGeom>
-          <a:noFill/>
-          <a:extLst>
-            <a:ext uri="{909E8E84-426E-40DD-AFC4-6F175D3DCCD1}">
-              <a14:hiddenFill xmlns:a14="http://schemas.microsoft.com/office/drawing/2010/main">
-                <a:solidFill>
-                  <a:srgbClr val="FFFFFF"/>
-                </a:solidFill>
-              </a14:hiddenFill>
-            </a:ext>
-          </a:extLst>
-        </p:spPr>
-      </p:pic>
     </p:spTree>
     <p:extLst>
       <p:ext uri="{BB962C8B-B14F-4D97-AF65-F5344CB8AC3E}">
-        <p14:creationId xmlns:p14="http://schemas.microsoft.com/office/powerpoint/2010/main" val="1689939897"/>
+        <p14:creationId xmlns:p14="http://schemas.microsoft.com/office/powerpoint/2010/main" val="1313479655"/>
       </p:ext>
     </p:extLst>
   </p:cSld>
@@ -6359,256 +6472,6 @@
           <a:chExt cx="0" cy="0"/>
         </a:xfrm>
       </p:grpSpPr>
-      <p:sp>
-        <p:nvSpPr>
-          <p:cNvPr id="3" name="2 Marcador de contenido"/>
-          <p:cNvSpPr>
-            <a:spLocks noGrp="1"/>
-          </p:cNvSpPr>
-          <p:nvPr>
-            <p:ph idx="1"/>
-          </p:nvPr>
-        </p:nvSpPr>
-        <p:spPr>
-          <a:xfrm>
-            <a:off x="755576" y="1845248"/>
-            <a:ext cx="8229600" cy="4511102"/>
-          </a:xfrm>
-        </p:spPr>
-        <p:txBody>
-          <a:bodyPr>
-            <a:normAutofit fontScale="92500" lnSpcReduction="10000"/>
-          </a:bodyPr>
-          <a:lstStyle/>
-          <a:p>
-            <a:pPr>
-              <a:buFont typeface="Wingdings" panose="05000000000000000000" pitchFamily="2" charset="2"/>
-              <a:buChar char="§"/>
-            </a:pPr>
-            <a:r>
-              <a:rPr lang="es-ES" sz="2400" dirty="0" smtClean="0"/>
-              <a:t>Predecir valores de velocidades.</a:t>
-            </a:r>
-          </a:p>
-          <a:p>
-            <a:pPr>
-              <a:buFont typeface="Wingdings" panose="05000000000000000000" pitchFamily="2" charset="2"/>
-              <a:buChar char="§"/>
-            </a:pPr>
-            <a:endParaRPr lang="es-ES" sz="2400" dirty="0" smtClean="0"/>
-          </a:p>
-          <a:p>
-            <a:pPr>
-              <a:buFont typeface="Wingdings" panose="05000000000000000000" pitchFamily="2" charset="2"/>
-              <a:buChar char="§"/>
-            </a:pPr>
-            <a:r>
-              <a:rPr lang="es-ES" sz="2400" dirty="0" smtClean="0"/>
-              <a:t>Arquitecturas de red:</a:t>
-            </a:r>
-          </a:p>
-          <a:p>
-            <a:pPr lvl="1">
-              <a:buFont typeface="Wingdings" panose="05000000000000000000" pitchFamily="2" charset="2"/>
-              <a:buChar char="§"/>
-            </a:pPr>
-            <a:r>
-              <a:rPr lang="es-ES" sz="2000" i="1" dirty="0" err="1" smtClean="0"/>
-              <a:t>PilotNet</a:t>
-            </a:r>
-            <a:r>
-              <a:rPr lang="es-ES" sz="2000" dirty="0" smtClean="0"/>
-              <a:t>: capa de normalización, 5 capas </a:t>
-            </a:r>
-            <a:r>
-              <a:rPr lang="es-ES" sz="2000" dirty="0" err="1" smtClean="0"/>
-              <a:t>convolucionales</a:t>
-            </a:r>
-            <a:r>
-              <a:rPr lang="es-ES" sz="2000" dirty="0" smtClean="0"/>
-              <a:t>, 3 capas </a:t>
-            </a:r>
-            <a:r>
-              <a:rPr lang="es-ES" sz="2000" dirty="0" err="1" smtClean="0"/>
-              <a:t>fully-connected</a:t>
-            </a:r>
-            <a:r>
-              <a:rPr lang="es-ES" sz="2000" dirty="0" smtClean="0"/>
-              <a:t>.</a:t>
-            </a:r>
-          </a:p>
-          <a:p>
-            <a:pPr lvl="1">
-              <a:buFont typeface="Wingdings" panose="05000000000000000000" pitchFamily="2" charset="2"/>
-              <a:buChar char="§"/>
-            </a:pPr>
-            <a:endParaRPr lang="es-ES" sz="2000" dirty="0" smtClean="0"/>
-          </a:p>
-          <a:p>
-            <a:pPr lvl="1">
-              <a:buFont typeface="Wingdings" panose="05000000000000000000" pitchFamily="2" charset="2"/>
-              <a:buChar char="§"/>
-            </a:pPr>
-            <a:r>
-              <a:rPr lang="es-ES" sz="2000" i="1" dirty="0" err="1" smtClean="0"/>
-              <a:t>TinyPilotNet</a:t>
-            </a:r>
-            <a:r>
-              <a:rPr lang="es-ES" sz="2000" dirty="0" smtClean="0"/>
-              <a:t>: 2 capas </a:t>
-            </a:r>
-            <a:r>
-              <a:rPr lang="es-ES" sz="2000" dirty="0" err="1" smtClean="0"/>
-              <a:t>convolucionales</a:t>
-            </a:r>
-            <a:r>
-              <a:rPr lang="es-ES" sz="2000" dirty="0" smtClean="0"/>
-              <a:t>, capa </a:t>
-            </a:r>
-            <a:r>
-              <a:rPr lang="es-ES" sz="2000" dirty="0" err="1" smtClean="0"/>
-              <a:t>dropout</a:t>
-            </a:r>
-            <a:r>
-              <a:rPr lang="es-ES" sz="2000" dirty="0" smtClean="0"/>
-              <a:t>, 2 capas </a:t>
-            </a:r>
-            <a:r>
-              <a:rPr lang="es-ES" sz="2000" dirty="0" err="1" smtClean="0"/>
-              <a:t>fully-connected</a:t>
-            </a:r>
-            <a:r>
-              <a:rPr lang="es-ES" sz="2000" dirty="0" smtClean="0"/>
-              <a:t>.</a:t>
-            </a:r>
-          </a:p>
-          <a:p>
-            <a:pPr lvl="1">
-              <a:buFont typeface="Wingdings" panose="05000000000000000000" pitchFamily="2" charset="2"/>
-              <a:buChar char="§"/>
-            </a:pPr>
-            <a:endParaRPr lang="es-ES" sz="2000" dirty="0" smtClean="0"/>
-          </a:p>
-          <a:p>
-            <a:pPr lvl="1">
-              <a:buFont typeface="Wingdings" panose="05000000000000000000" pitchFamily="2" charset="2"/>
-              <a:buChar char="§"/>
-            </a:pPr>
-            <a:r>
-              <a:rPr lang="es-ES" sz="2000" i="1" dirty="0" smtClean="0"/>
-              <a:t>LSTM-</a:t>
-            </a:r>
-            <a:r>
-              <a:rPr lang="es-ES" sz="2000" i="1" dirty="0" err="1" smtClean="0"/>
-              <a:t>TinyPilotnet</a:t>
-            </a:r>
-            <a:r>
-              <a:rPr lang="es-ES" sz="2000" dirty="0"/>
-              <a:t>: </a:t>
-            </a:r>
-            <a:r>
-              <a:rPr lang="es-ES" sz="2000" dirty="0" smtClean="0"/>
-              <a:t>3 </a:t>
-            </a:r>
-            <a:r>
-              <a:rPr lang="es-ES" sz="2000" dirty="0"/>
-              <a:t>capas </a:t>
-            </a:r>
-            <a:r>
-              <a:rPr lang="es-ES" sz="2000" dirty="0" err="1"/>
-              <a:t>convolucionales</a:t>
-            </a:r>
-            <a:r>
-              <a:rPr lang="es-ES" sz="2000" dirty="0"/>
-              <a:t>, capa </a:t>
-            </a:r>
-            <a:r>
-              <a:rPr lang="es-ES" sz="2000" dirty="0" smtClean="0"/>
-              <a:t>ConvLSTM2D, 1 capa </a:t>
-            </a:r>
-            <a:r>
-              <a:rPr lang="es-ES" sz="2000" dirty="0" err="1" smtClean="0"/>
-              <a:t>convolucional</a:t>
-            </a:r>
-            <a:r>
-              <a:rPr lang="es-ES" sz="2000" dirty="0" smtClean="0"/>
-              <a:t>, 1 capa </a:t>
-            </a:r>
-            <a:r>
-              <a:rPr lang="es-ES" sz="2000" dirty="0" err="1" smtClean="0"/>
-              <a:t>fully-connected</a:t>
-            </a:r>
-            <a:r>
-              <a:rPr lang="es-ES" sz="2000" dirty="0" smtClean="0"/>
-              <a:t>.</a:t>
-            </a:r>
-          </a:p>
-          <a:p>
-            <a:pPr lvl="1">
-              <a:buFont typeface="Wingdings" panose="05000000000000000000" pitchFamily="2" charset="2"/>
-              <a:buChar char="§"/>
-            </a:pPr>
-            <a:endParaRPr lang="es-ES" sz="2000" dirty="0" smtClean="0"/>
-          </a:p>
-          <a:p>
-            <a:pPr lvl="1">
-              <a:buFont typeface="Wingdings" panose="05000000000000000000" pitchFamily="2" charset="2"/>
-              <a:buChar char="§"/>
-            </a:pPr>
-            <a:r>
-              <a:rPr lang="es-ES" sz="2000" i="1" dirty="0" err="1" smtClean="0"/>
-              <a:t>DeepestLSTM-TinyPilotNet</a:t>
-            </a:r>
-            <a:r>
-              <a:rPr lang="es-ES" sz="2000" dirty="0" smtClean="0"/>
-              <a:t>: </a:t>
-            </a:r>
-            <a:r>
-              <a:rPr lang="es-ES" sz="2000" dirty="0"/>
-              <a:t>3 capas </a:t>
-            </a:r>
-            <a:r>
-              <a:rPr lang="es-ES" sz="2000" dirty="0" err="1" smtClean="0"/>
-              <a:t>convolucionales</a:t>
-            </a:r>
-            <a:r>
-              <a:rPr lang="es-ES" sz="2000" dirty="0" smtClean="0"/>
-              <a:t>, 3 capas ConvLSTM2D, </a:t>
-            </a:r>
-            <a:r>
-              <a:rPr lang="es-ES" sz="2000" dirty="0"/>
-              <a:t>2 capas </a:t>
-            </a:r>
-            <a:r>
-              <a:rPr lang="es-ES" sz="2000" dirty="0" err="1"/>
-              <a:t>fully-connected</a:t>
-            </a:r>
-            <a:r>
-              <a:rPr lang="es-ES" sz="2000" dirty="0"/>
-              <a:t>.</a:t>
-            </a:r>
-            <a:endParaRPr lang="es-ES" sz="2000" i="1" dirty="0" smtClean="0"/>
-          </a:p>
-          <a:p>
-            <a:pPr marL="457200" lvl="1" indent="0">
-              <a:buNone/>
-            </a:pPr>
-            <a:endParaRPr lang="es-ES" sz="2000" dirty="0" smtClean="0"/>
-          </a:p>
-          <a:p>
-            <a:pPr marL="457200" lvl="1" indent="0">
-              <a:buNone/>
-            </a:pPr>
-            <a:endParaRPr lang="es-ES" sz="2000" dirty="0" smtClean="0"/>
-          </a:p>
-          <a:p>
-            <a:pPr marL="457200" lvl="1" indent="0">
-              <a:buNone/>
-            </a:pPr>
-            <a:endParaRPr lang="es-ES" sz="2400" dirty="0" smtClean="0"/>
-          </a:p>
-        </p:txBody>
-      </p:sp>
       <p:cxnSp>
         <p:nvCxnSpPr>
           <p:cNvPr id="4" name="3 Conector recto"/>
@@ -6685,8 +6548,8 @@
           <a:lstStyle/>
           <a:p>
             <a:r>
-              <a:rPr lang="es-ES" dirty="0" smtClean="0"/>
-              <a:t>17/28</a:t>
+              <a:rPr lang="es-ES" dirty="0"/>
+              <a:t>17/26</a:t>
             </a:r>
             <a:endParaRPr lang="es-ES" dirty="0"/>
           </a:p>
@@ -6761,10 +6624,159 @@
           </a:p>
         </p:txBody>
       </p:sp>
+      <p:sp>
+        <p:nvSpPr>
+          <p:cNvPr id="8" name="7 CuadroTexto"/>
+          <p:cNvSpPr txBox="1"/>
+          <p:nvPr/>
+        </p:nvSpPr>
+        <p:spPr>
+          <a:xfrm>
+            <a:off x="3308577" y="1807326"/>
+            <a:ext cx="2526846" cy="861774"/>
+          </a:xfrm>
+          <a:prstGeom prst="rect">
+            <a:avLst/>
+          </a:prstGeom>
+          <a:noFill/>
+        </p:spPr>
+        <p:txBody>
+          <a:bodyPr wrap="none" rtlCol="0">
+            <a:spAutoFit/>
+          </a:bodyPr>
+          <a:lstStyle/>
+          <a:p>
+            <a:r>
+              <a:rPr lang="es-ES" sz="3200" b="1" dirty="0" smtClean="0">
+                <a:solidFill>
+                  <a:srgbClr val="586E2C"/>
+                </a:solidFill>
+              </a:rPr>
+              <a:t>Experimentos</a:t>
+            </a:r>
+            <a:endParaRPr lang="es-ES" sz="3200" dirty="0"/>
+          </a:p>
+          <a:p>
+            <a:endParaRPr lang="es-ES" dirty="0"/>
+          </a:p>
+        </p:txBody>
+      </p:sp>
+      <p:sp>
+        <p:nvSpPr>
+          <p:cNvPr id="9" name="2 Marcador de contenido"/>
+          <p:cNvSpPr>
+            <a:spLocks noGrp="1"/>
+          </p:cNvSpPr>
+          <p:nvPr>
+            <p:ph idx="1"/>
+          </p:nvPr>
+        </p:nvSpPr>
+        <p:spPr>
+          <a:xfrm>
+            <a:off x="881755" y="2669100"/>
+            <a:ext cx="7996960" cy="3777283"/>
+          </a:xfrm>
+        </p:spPr>
+        <p:txBody>
+          <a:bodyPr>
+            <a:normAutofit/>
+          </a:bodyPr>
+          <a:lstStyle/>
+          <a:p>
+            <a:pPr>
+              <a:buFont typeface="Wingdings" panose="05000000000000000000" pitchFamily="2" charset="2"/>
+              <a:buChar char="§"/>
+            </a:pPr>
+            <a:r>
+              <a:rPr lang="es-ES" sz="2400" dirty="0"/>
+              <a:t>Buenos resultados en </a:t>
+            </a:r>
+            <a:r>
+              <a:rPr lang="es-ES" sz="2400" dirty="0" smtClean="0"/>
+              <a:t>métricas neuronales </a:t>
+            </a:r>
+            <a:r>
+              <a:rPr lang="es-ES" sz="2400" dirty="0"/>
+              <a:t>no implican buen rendimiento</a:t>
+            </a:r>
+            <a:r>
+              <a:rPr lang="es-ES" sz="2400" dirty="0" smtClean="0"/>
+              <a:t>.</a:t>
+            </a:r>
+          </a:p>
+          <a:p>
+            <a:pPr marL="0" indent="0">
+              <a:buNone/>
+            </a:pPr>
+            <a:endParaRPr lang="es-ES" sz="2400" dirty="0" smtClean="0"/>
+          </a:p>
+          <a:p>
+            <a:pPr>
+              <a:buFont typeface="Wingdings" panose="05000000000000000000" pitchFamily="2" charset="2"/>
+              <a:buChar char="§"/>
+            </a:pPr>
+            <a:r>
+              <a:rPr lang="es-ES" sz="2400" dirty="0"/>
+              <a:t>Comparativa entre redes de </a:t>
+            </a:r>
+            <a:r>
+              <a:rPr lang="es-ES" sz="2400" dirty="0" smtClean="0"/>
+              <a:t>regresión</a:t>
+            </a:r>
+            <a:r>
+              <a:rPr lang="es-ES" sz="2400" dirty="0"/>
+              <a:t>:</a:t>
+            </a:r>
+            <a:endParaRPr lang="es-ES" sz="2400" dirty="0" smtClean="0"/>
+          </a:p>
+          <a:p>
+            <a:pPr lvl="1">
+              <a:buFont typeface="Wingdings" panose="05000000000000000000" pitchFamily="2" charset="2"/>
+              <a:buChar char="§"/>
+            </a:pPr>
+            <a:r>
+              <a:rPr lang="es-ES" sz="2000" dirty="0"/>
+              <a:t>Redes profundas mejoran el resultado</a:t>
+            </a:r>
+            <a:r>
+              <a:rPr lang="es-ES" sz="2000" dirty="0" smtClean="0"/>
+              <a:t>.</a:t>
+            </a:r>
+          </a:p>
+          <a:p>
+            <a:pPr lvl="1">
+              <a:buFont typeface="Wingdings" panose="05000000000000000000" pitchFamily="2" charset="2"/>
+              <a:buChar char="§"/>
+            </a:pPr>
+            <a:r>
+              <a:rPr lang="es-ES" sz="2000" dirty="0"/>
+              <a:t>Conducción más suave con </a:t>
+            </a:r>
+            <a:r>
+              <a:rPr lang="es-ES" sz="2000" dirty="0" smtClean="0"/>
+              <a:t>ConvLSTM2D.</a:t>
+            </a:r>
+            <a:endParaRPr lang="es-ES" sz="2000" dirty="0"/>
+          </a:p>
+          <a:p>
+            <a:pPr marL="457200" lvl="1" indent="0">
+              <a:buNone/>
+            </a:pPr>
+            <a:endParaRPr lang="es-ES" sz="2000" dirty="0" smtClean="0"/>
+          </a:p>
+          <a:p>
+            <a:pPr>
+              <a:buFont typeface="Wingdings" panose="05000000000000000000" pitchFamily="2" charset="2"/>
+              <a:buChar char="§"/>
+            </a:pPr>
+            <a:endParaRPr lang="es-ES" sz="2400" dirty="0" smtClean="0"/>
+          </a:p>
+        </p:txBody>
+      </p:sp>
     </p:spTree>
     <p:extLst>
       <p:ext uri="{BB962C8B-B14F-4D97-AF65-F5344CB8AC3E}">
-        <p14:creationId xmlns:p14="http://schemas.microsoft.com/office/powerpoint/2010/main" val="1313479655"/>
+        <p14:creationId xmlns:p14="http://schemas.microsoft.com/office/powerpoint/2010/main" val="3454405336"/>
       </p:ext>
     </p:extLst>
   </p:cSld>
@@ -6874,8 +6886,8 @@
           <a:lstStyle/>
           <a:p>
             <a:r>
-              <a:rPr lang="es-ES" dirty="0" smtClean="0"/>
-              <a:t>18/28</a:t>
+              <a:rPr lang="es-ES" dirty="0"/>
+              <a:t>18/26</a:t>
             </a:r>
             <a:endParaRPr lang="es-ES" dirty="0"/>
           </a:p>
@@ -6952,14 +6964,14 @@
       </p:sp>
       <p:sp>
         <p:nvSpPr>
-          <p:cNvPr id="13" name="7 CuadroTexto"/>
+          <p:cNvPr id="8" name="7 CuadroTexto"/>
           <p:cNvSpPr txBox="1"/>
           <p:nvPr/>
         </p:nvSpPr>
         <p:spPr>
           <a:xfrm>
-            <a:off x="2878411" y="1831996"/>
-            <a:ext cx="3674789" cy="861774"/>
+            <a:off x="3308577" y="1807326"/>
+            <a:ext cx="2526846" cy="861774"/>
           </a:xfrm>
           <a:prstGeom prst="rect">
             <a:avLst/>
@@ -6978,7 +6990,7 @@
                   <a:srgbClr val="586E2C"/>
                 </a:solidFill>
               </a:rPr>
-              <a:t>Arquitecturas de red</a:t>
+              <a:t>Experimentos</a:t>
             </a:r>
             <a:endParaRPr lang="es-ES" sz="3200" dirty="0"/>
           </a:p>
@@ -6989,7 +7001,7 @@
       </p:sp>
       <p:pic>
         <p:nvPicPr>
-          <p:cNvPr id="9" name="Imagen 8"/>
+          <p:cNvPr id="3" name="Imagen 2"/>
           <p:cNvPicPr>
             <a:picLocks noChangeAspect="1"/>
           </p:cNvPicPr>
@@ -7003,96 +7015,24 @@
         </p:blipFill>
         <p:spPr>
           <a:xfrm>
-            <a:off x="453779" y="2780929"/>
-            <a:ext cx="1885973" cy="2911407"/>
+            <a:off x="453779" y="2642987"/>
+            <a:ext cx="8201598" cy="3064156"/>
           </a:xfrm>
           <a:prstGeom prst="rect">
             <a:avLst/>
           </a:prstGeom>
         </p:spPr>
       </p:pic>
-      <p:pic>
-        <p:nvPicPr>
-          <p:cNvPr id="10" name="Imagen 9"/>
-          <p:cNvPicPr>
-            <a:picLocks noChangeAspect="1"/>
-          </p:cNvPicPr>
-          <p:nvPr/>
-        </p:nvPicPr>
-        <p:blipFill>
-          <a:blip r:embed="rId5"/>
-          <a:stretch>
-            <a:fillRect/>
-          </a:stretch>
-        </p:blipFill>
-        <p:spPr>
-          <a:xfrm>
-            <a:off x="2619987" y="2693770"/>
-            <a:ext cx="1901507" cy="1767458"/>
-          </a:xfrm>
-          <a:prstGeom prst="rect">
-            <a:avLst/>
-          </a:prstGeom>
-        </p:spPr>
-      </p:pic>
-      <p:pic>
-        <p:nvPicPr>
-          <p:cNvPr id="14" name="Imagen 13"/>
-          <p:cNvPicPr>
-            <a:picLocks noChangeAspect="1"/>
-          </p:cNvPicPr>
-          <p:nvPr/>
-        </p:nvPicPr>
-        <p:blipFill>
-          <a:blip r:embed="rId6"/>
-          <a:stretch>
-            <a:fillRect/>
-          </a:stretch>
-        </p:blipFill>
-        <p:spPr>
-          <a:xfrm>
-            <a:off x="4801729" y="2693770"/>
-            <a:ext cx="1853629" cy="2664295"/>
-          </a:xfrm>
-          <a:prstGeom prst="rect">
-            <a:avLst/>
-          </a:prstGeom>
-        </p:spPr>
-      </p:pic>
-      <p:pic>
-        <p:nvPicPr>
-          <p:cNvPr id="15" name="Imagen 14"/>
-          <p:cNvPicPr>
-            <a:picLocks noChangeAspect="1"/>
-          </p:cNvPicPr>
-          <p:nvPr/>
-        </p:nvPicPr>
-        <p:blipFill>
-          <a:blip r:embed="rId7"/>
-          <a:stretch>
-            <a:fillRect/>
-          </a:stretch>
-        </p:blipFill>
-        <p:spPr>
-          <a:xfrm>
-            <a:off x="6865122" y="2680659"/>
-            <a:ext cx="1976168" cy="2901286"/>
-          </a:xfrm>
-          <a:prstGeom prst="rect">
-            <a:avLst/>
-          </a:prstGeom>
-        </p:spPr>
-      </p:pic>
-      <p:sp>
-        <p:nvSpPr>
-          <p:cNvPr id="16" name="CuadroTexto 15"/>
+      <p:sp>
+        <p:nvSpPr>
+          <p:cNvPr id="9" name="CuadroTexto 8"/>
           <p:cNvSpPr txBox="1"/>
           <p:nvPr/>
         </p:nvSpPr>
         <p:spPr>
           <a:xfrm>
-            <a:off x="323528" y="5792018"/>
-            <a:ext cx="8517762" cy="584775"/>
+            <a:off x="1043608" y="5792018"/>
+            <a:ext cx="6933629" cy="338554"/>
           </a:xfrm>
           <a:prstGeom prst="rect">
             <a:avLst/>
@@ -7100,54 +7040,38 @@
           <a:noFill/>
         </p:spPr>
         <p:txBody>
-          <a:bodyPr wrap="square" rtlCol="0">
+          <a:bodyPr wrap="none" rtlCol="0">
             <a:spAutoFit/>
           </a:bodyPr>
           <a:lstStyle/>
           <a:p>
             <a:r>
+              <a:rPr lang="es-ES" sz="1600" i="1" dirty="0"/>
+              <a:t>Resultados de </a:t>
+            </a:r>
+            <a:r>
               <a:rPr lang="es-ES" sz="1600" i="1" dirty="0" smtClean="0"/>
-              <a:t>  </a:t>
-            </a:r>
-            <a:r>
-              <a:rPr lang="es-ES" sz="1600" i="1" dirty="0" err="1" smtClean="0"/>
-              <a:t>PilotNet</a:t>
+              <a:t>conducción </a:t>
+            </a:r>
+            <a:r>
+              <a:rPr lang="es-ES" sz="1600" i="1" dirty="0"/>
+              <a:t>con redes neuronales de </a:t>
             </a:r>
             <a:r>
               <a:rPr lang="es-ES" sz="1600" i="1" dirty="0" smtClean="0"/>
-              <a:t>                                   </a:t>
-            </a:r>
-            <a:r>
-              <a:rPr lang="es-ES" sz="1600" i="1" dirty="0" err="1" smtClean="0"/>
-              <a:t>TinyPilotNet</a:t>
-            </a:r>
-            <a:r>
-              <a:rPr lang="es-ES" sz="1600" i="1" dirty="0" smtClean="0"/>
-              <a:t>                     LSTM-</a:t>
-            </a:r>
-            <a:r>
-              <a:rPr lang="es-ES" sz="1600" i="1" dirty="0" err="1" smtClean="0"/>
-              <a:t>TinyPilotNet</a:t>
-            </a:r>
-            <a:r>
-              <a:rPr lang="es-ES" sz="1600" i="1" dirty="0" smtClean="0"/>
-              <a:t>     </a:t>
-            </a:r>
-            <a:r>
-              <a:rPr lang="es-ES" sz="1600" i="1" dirty="0" err="1" smtClean="0"/>
-              <a:t>DeepestLSTM-TinyPilotNet</a:t>
-            </a:r>
-            <a:endParaRPr lang="es-ES" sz="1600" i="1" dirty="0"/>
-          </a:p>
-          <a:p>
-            <a:endParaRPr lang="es-ES" sz="1600" i="1" dirty="0"/>
+              <a:t>regresión </a:t>
+            </a:r>
+            <a:r>
+              <a:rPr lang="es-ES" sz="1600" i="1" dirty="0"/>
+              <a:t>(imagen completa)</a:t>
+            </a:r>
           </a:p>
         </p:txBody>
       </p:sp>
     </p:spTree>
     <p:extLst>
       <p:ext uri="{BB962C8B-B14F-4D97-AF65-F5344CB8AC3E}">
-        <p14:creationId xmlns:p14="http://schemas.microsoft.com/office/powerpoint/2010/main" val="3996182831"/>
+        <p14:creationId xmlns:p14="http://schemas.microsoft.com/office/powerpoint/2010/main" val="4234291143"/>
       </p:ext>
     </p:extLst>
   </p:cSld>
@@ -7314,8 +7238,8 @@
           <a:lstStyle/>
           <a:p>
             <a:r>
-              <a:rPr lang="es-ES" dirty="0" smtClean="0"/>
-              <a:t>1/28</a:t>
+              <a:rPr lang="es-ES" dirty="0"/>
+              <a:t>1/26</a:t>
             </a:r>
             <a:endParaRPr lang="es-ES" dirty="0"/>
           </a:p>
@@ -7525,7 +7449,11 @@
           <a:p>
             <a:r>
               <a:rPr lang="es-ES" dirty="0" smtClean="0"/>
-              <a:t>19/28</a:t>
+              <a:t>19</a:t>
+            </a:r>
+            <a:r>
+              <a:rPr lang="es-ES" dirty="0"/>
+              <a:t>/26</a:t>
             </a:r>
             <a:endParaRPr lang="es-ES" dirty="0"/>
           </a:p>
@@ -7608,7 +7536,7 @@
         </p:nvSpPr>
         <p:spPr>
           <a:xfrm>
-            <a:off x="3308577" y="1807326"/>
+            <a:off x="3275856" y="1480697"/>
             <a:ext cx="2526846" cy="861774"/>
           </a:xfrm>
           <a:prstGeom prst="rect">
@@ -7649,7 +7577,7 @@
         </p:nvSpPr>
         <p:spPr>
           <a:xfrm>
-            <a:off x="881755" y="2669100"/>
+            <a:off x="858029" y="2194990"/>
             <a:ext cx="7996960" cy="3777283"/>
           </a:xfrm>
         </p:spPr>
@@ -7664,46 +7592,9 @@
               <a:buChar char="§"/>
             </a:pPr>
             <a:r>
-              <a:rPr lang="es-ES" sz="2400" dirty="0"/>
-              <a:t>Buenos resultados en </a:t>
-            </a:r>
-            <a:r>
               <a:rPr lang="es-ES" sz="2400" dirty="0" smtClean="0"/>
-              <a:t>métricas neuronales </a:t>
-            </a:r>
-            <a:r>
-              <a:rPr lang="es-ES" sz="2400" dirty="0"/>
-              <a:t>no implican buen rendimiento</a:t>
-            </a:r>
-            <a:r>
-              <a:rPr lang="es-ES" sz="2400" dirty="0" smtClean="0"/>
-              <a:t>.</a:t>
-            </a:r>
-          </a:p>
-          <a:p>
-            <a:pPr marL="0" indent="0">
-              <a:buNone/>
-            </a:pPr>
-            <a:endParaRPr lang="es-ES" sz="2400" dirty="0" smtClean="0"/>
-          </a:p>
-          <a:p>
-            <a:pPr>
-              <a:buFont typeface="Wingdings" panose="05000000000000000000" pitchFamily="2" charset="2"/>
-              <a:buChar char="§"/>
-            </a:pPr>
-            <a:r>
-              <a:rPr lang="es-ES" sz="2400" dirty="0"/>
-              <a:t>Comparativa entre redes de </a:t>
-            </a:r>
-            <a:r>
-              <a:rPr lang="es-ES" sz="2400" dirty="0" smtClean="0"/>
-              <a:t>regresión</a:t>
-            </a:r>
-            <a:r>
-              <a:rPr lang="es-ES" sz="2400" dirty="0"/>
-              <a:t>:</a:t>
-            </a:r>
-            <a:endParaRPr lang="es-ES" sz="2400" dirty="0" smtClean="0"/>
+              <a:t>Imágenes de distintas dimensiones:</a:t>
+            </a:r>
           </a:p>
           <a:p>
             <a:pPr lvl="1">
@@ -7712,47 +7603,102 @@
             </a:pPr>
             <a:r>
               <a:rPr lang="es-ES" sz="2000" dirty="0"/>
-              <a:t>Redes profundas mejoran el resultado</a:t>
+              <a:t>La imagen </a:t>
+            </a:r>
+            <a:r>
+              <a:rPr lang="es-ES" sz="2000" dirty="0" smtClean="0"/>
+              <a:t>completa </a:t>
+            </a:r>
+            <a:r>
+              <a:rPr lang="es-ES" sz="2000" dirty="0"/>
+              <a:t>mejora el rendimiento</a:t>
             </a:r>
             <a:r>
               <a:rPr lang="es-ES" sz="2000" dirty="0" smtClean="0"/>
               <a:t>.</a:t>
             </a:r>
-          </a:p>
-          <a:p>
-            <a:pPr lvl="1">
-              <a:buFont typeface="Wingdings" panose="05000000000000000000" pitchFamily="2" charset="2"/>
-              <a:buChar char="§"/>
-            </a:pPr>
-            <a:r>
-              <a:rPr lang="es-ES" sz="2000" dirty="0"/>
-              <a:t>Conducción más suave con </a:t>
-            </a:r>
-            <a:r>
-              <a:rPr lang="es-ES" sz="2000" dirty="0" smtClean="0"/>
-              <a:t>ConvLSTM2D.</a:t>
-            </a:r>
-            <a:endParaRPr lang="es-ES" sz="2000" dirty="0"/>
-          </a:p>
-          <a:p>
-            <a:pPr marL="457200" lvl="1" indent="0">
-              <a:buNone/>
-            </a:pPr>
-            <a:endParaRPr lang="es-ES" sz="2000" dirty="0" smtClean="0"/>
-          </a:p>
-          <a:p>
-            <a:pPr>
-              <a:buFont typeface="Wingdings" panose="05000000000000000000" pitchFamily="2" charset="2"/>
-              <a:buChar char="§"/>
-            </a:pPr>
             <a:endParaRPr lang="es-ES" sz="2400" dirty="0" smtClean="0"/>
+          </a:p>
+        </p:txBody>
+      </p:sp>
+      <p:pic>
+        <p:nvPicPr>
+          <p:cNvPr id="2" name="Imagen 1"/>
+          <p:cNvPicPr>
+            <a:picLocks noChangeAspect="1"/>
+          </p:cNvPicPr>
+          <p:nvPr/>
+        </p:nvPicPr>
+        <p:blipFill>
+          <a:blip r:embed="rId4"/>
+          <a:stretch>
+            <a:fillRect/>
+          </a:stretch>
+        </p:blipFill>
+        <p:spPr>
+          <a:xfrm>
+            <a:off x="755576" y="3177400"/>
+            <a:ext cx="7146629" cy="2778709"/>
+          </a:xfrm>
+          <a:prstGeom prst="rect">
+            <a:avLst/>
+          </a:prstGeom>
+        </p:spPr>
+      </p:pic>
+      <p:sp>
+        <p:nvSpPr>
+          <p:cNvPr id="10" name="CuadroTexto 9"/>
+          <p:cNvSpPr txBox="1"/>
+          <p:nvPr/>
+        </p:nvSpPr>
+        <p:spPr>
+          <a:xfrm>
+            <a:off x="1037493" y="6050333"/>
+            <a:ext cx="6854569" cy="338554"/>
+          </a:xfrm>
+          <a:prstGeom prst="rect">
+            <a:avLst/>
+          </a:prstGeom>
+          <a:noFill/>
+        </p:spPr>
+        <p:txBody>
+          <a:bodyPr wrap="none" rtlCol="0">
+            <a:spAutoFit/>
+          </a:bodyPr>
+          <a:lstStyle/>
+          <a:p>
+            <a:r>
+              <a:rPr lang="es-ES" sz="1600" i="1" dirty="0"/>
+              <a:t>Resultados de </a:t>
+            </a:r>
+            <a:r>
+              <a:rPr lang="es-ES" sz="1600" i="1" dirty="0" smtClean="0"/>
+              <a:t>conducción </a:t>
+            </a:r>
+            <a:r>
+              <a:rPr lang="es-ES" sz="1600" i="1" dirty="0"/>
+              <a:t>con redes neuronales de </a:t>
+            </a:r>
+            <a:r>
+              <a:rPr lang="es-ES" sz="1600" i="1" dirty="0" smtClean="0"/>
+              <a:t>regresión </a:t>
+            </a:r>
+            <a:r>
+              <a:rPr lang="es-ES" sz="1600" i="1" dirty="0"/>
+              <a:t>(imagen </a:t>
+            </a:r>
+            <a:r>
+              <a:rPr lang="es-ES" sz="1600" i="1" dirty="0" smtClean="0"/>
+              <a:t>recortada)</a:t>
+            </a:r>
+            <a:endParaRPr lang="es-ES" sz="1600" i="1" dirty="0"/>
           </a:p>
         </p:txBody>
       </p:sp>
     </p:spTree>
     <p:extLst>
       <p:ext uri="{BB962C8B-B14F-4D97-AF65-F5344CB8AC3E}">
-        <p14:creationId xmlns:p14="http://schemas.microsoft.com/office/powerpoint/2010/main" val="3454405336"/>
+        <p14:creationId xmlns:p14="http://schemas.microsoft.com/office/powerpoint/2010/main" val="1898978955"/>
       </p:ext>
     </p:extLst>
   </p:cSld>
@@ -7862,8 +7808,8 @@
           <a:lstStyle/>
           <a:p>
             <a:r>
-              <a:rPr lang="es-ES" dirty="0" smtClean="0"/>
-              <a:t>20/28</a:t>
+              <a:rPr lang="es-ES" dirty="0"/>
+              <a:t>20/26</a:t>
             </a:r>
             <a:endParaRPr lang="es-ES" dirty="0"/>
           </a:p>
@@ -7975,79 +7921,223 @@
           </a:p>
         </p:txBody>
       </p:sp>
-      <p:pic>
-        <p:nvPicPr>
-          <p:cNvPr id="3" name="Imagen 2"/>
-          <p:cNvPicPr>
-            <a:picLocks noChangeAspect="1"/>
-          </p:cNvPicPr>
-          <p:nvPr/>
-        </p:nvPicPr>
-        <p:blipFill>
-          <a:blip r:embed="rId4"/>
-          <a:stretch>
-            <a:fillRect/>
-          </a:stretch>
-        </p:blipFill>
-        <p:spPr>
-          <a:xfrm>
-            <a:off x="453779" y="2642987"/>
-            <a:ext cx="8201598" cy="3064156"/>
-          </a:xfrm>
-          <a:prstGeom prst="rect">
-            <a:avLst/>
-          </a:prstGeom>
-        </p:spPr>
-      </p:pic>
-      <p:sp>
-        <p:nvSpPr>
-          <p:cNvPr id="9" name="CuadroTexto 8"/>
-          <p:cNvSpPr txBox="1"/>
-          <p:nvPr/>
-        </p:nvSpPr>
-        <p:spPr>
-          <a:xfrm>
-            <a:off x="1043608" y="5792018"/>
-            <a:ext cx="6933629" cy="338554"/>
-          </a:xfrm>
-          <a:prstGeom prst="rect">
-            <a:avLst/>
-          </a:prstGeom>
-          <a:noFill/>
-        </p:spPr>
-        <p:txBody>
-          <a:bodyPr wrap="none" rtlCol="0">
-            <a:spAutoFit/>
+      <p:sp>
+        <p:nvSpPr>
+          <p:cNvPr id="9" name="2 Marcador de contenido"/>
+          <p:cNvSpPr>
+            <a:spLocks noGrp="1"/>
+          </p:cNvSpPr>
+          <p:nvPr>
+            <p:ph idx="1"/>
+          </p:nvPr>
+        </p:nvSpPr>
+        <p:spPr>
+          <a:xfrm>
+            <a:off x="881755" y="2669100"/>
+            <a:ext cx="7996960" cy="3777283"/>
+          </a:xfrm>
+        </p:spPr>
+        <p:txBody>
+          <a:bodyPr>
+            <a:normAutofit/>
           </a:bodyPr>
           <a:lstStyle/>
           <a:p>
-            <a:r>
-              <a:rPr lang="es-ES" sz="1600" i="1" dirty="0"/>
-              <a:t>Resultados de </a:t>
-            </a:r>
-            <a:r>
-              <a:rPr lang="es-ES" sz="1600" i="1" dirty="0" smtClean="0"/>
-              <a:t>conducción </a:t>
-            </a:r>
-            <a:r>
-              <a:rPr lang="es-ES" sz="1600" i="1" dirty="0"/>
-              <a:t>con redes neuronales de </a:t>
-            </a:r>
-            <a:r>
-              <a:rPr lang="es-ES" sz="1600" i="1" dirty="0" smtClean="0"/>
-              <a:t>regresión </a:t>
-            </a:r>
-            <a:r>
-              <a:rPr lang="es-ES" sz="1600" i="1" dirty="0"/>
-              <a:t>(imagen completa)</a:t>
-            </a:r>
+            <a:pPr>
+              <a:buFont typeface="Wingdings" panose="05000000000000000000" pitchFamily="2" charset="2"/>
+              <a:buChar char="§"/>
+            </a:pPr>
+            <a:r>
+              <a:rPr lang="es-ES" sz="2400" dirty="0"/>
+              <a:t>Tipo de imagen de entrada</a:t>
+            </a:r>
+            <a:r>
+              <a:rPr lang="es-ES" sz="2400" dirty="0" smtClean="0"/>
+              <a:t>:</a:t>
+            </a:r>
+          </a:p>
+          <a:p>
+            <a:pPr lvl="1">
+              <a:buFont typeface="Wingdings" panose="05000000000000000000" pitchFamily="2" charset="2"/>
+              <a:buChar char="§"/>
+            </a:pPr>
+            <a:r>
+              <a:rPr lang="es-ES" sz="2000" dirty="0" smtClean="0"/>
+              <a:t>Creación de imagen temporal.</a:t>
+            </a:r>
+          </a:p>
+          <a:p>
+            <a:pPr lvl="1">
+              <a:buFont typeface="Wingdings" panose="05000000000000000000" pitchFamily="2" charset="2"/>
+              <a:buChar char="§"/>
+            </a:pPr>
+            <a:endParaRPr lang="es-ES" sz="2000" dirty="0" smtClean="0"/>
+          </a:p>
+          <a:p>
+            <a:pPr lvl="1">
+              <a:buFont typeface="Wingdings" panose="05000000000000000000" pitchFamily="2" charset="2"/>
+              <a:buChar char="§"/>
+            </a:pPr>
+            <a:r>
+              <a:rPr lang="es-ES" sz="2000" dirty="0" smtClean="0"/>
+              <a:t>Imagen </a:t>
+            </a:r>
+            <a:r>
+              <a:rPr lang="es-ES" sz="2000" dirty="0"/>
+              <a:t>apilada (</a:t>
+            </a:r>
+            <a:r>
+              <a:rPr lang="es-ES" sz="2000" i="1" dirty="0" err="1"/>
+              <a:t>PilotNet</a:t>
+            </a:r>
+            <a:r>
+              <a:rPr lang="es-ES" sz="2000" i="1" dirty="0"/>
+              <a:t> (</a:t>
+            </a:r>
+            <a:r>
+              <a:rPr lang="es-ES" sz="2000" i="1" dirty="0" err="1"/>
+              <a:t>stacked</a:t>
+            </a:r>
+            <a:r>
+              <a:rPr lang="es-ES" sz="2000" dirty="0" smtClean="0"/>
+              <a:t>)).</a:t>
+            </a:r>
+          </a:p>
+          <a:p>
+            <a:pPr lvl="1">
+              <a:buFont typeface="Wingdings" panose="05000000000000000000" pitchFamily="2" charset="2"/>
+              <a:buChar char="§"/>
+            </a:pPr>
+            <a:r>
+              <a:rPr lang="es-ES" sz="2000" dirty="0" smtClean="0"/>
+              <a:t>Imagen </a:t>
+            </a:r>
+            <a:r>
+              <a:rPr lang="es-ES" sz="2000" dirty="0"/>
+              <a:t>diferencia (</a:t>
+            </a:r>
+            <a:r>
+              <a:rPr lang="es-ES" sz="2000" i="1" dirty="0"/>
+              <a:t>Temporal (</a:t>
+            </a:r>
+            <a:r>
+              <a:rPr lang="es-ES" sz="2000" i="1" dirty="0" err="1"/>
+              <a:t>dif</a:t>
+            </a:r>
+            <a:r>
+              <a:rPr lang="es-ES" sz="2000" i="1" dirty="0"/>
+              <a:t> </a:t>
+            </a:r>
+            <a:r>
+              <a:rPr lang="es-ES" sz="2000" i="1" dirty="0" smtClean="0"/>
+              <a:t>)</a:t>
+            </a:r>
+            <a:r>
+              <a:rPr lang="es-ES" sz="2000" dirty="0" smtClean="0"/>
+              <a:t>)</a:t>
+            </a:r>
+            <a:r>
+              <a:rPr lang="es-ES" sz="2000" i="1" dirty="0"/>
+              <a:t>.</a:t>
+            </a:r>
+            <a:endParaRPr lang="es-ES" sz="2000" i="1" dirty="0" smtClean="0"/>
+          </a:p>
+          <a:p>
+            <a:pPr lvl="1">
+              <a:buFont typeface="Wingdings" panose="05000000000000000000" pitchFamily="2" charset="2"/>
+              <a:buChar char="§"/>
+            </a:pPr>
+            <a:r>
+              <a:rPr lang="es-ES" sz="2000" dirty="0"/>
+              <a:t>Imagen apilada-diferencia (</a:t>
+            </a:r>
+            <a:r>
+              <a:rPr lang="es-ES" sz="2000" i="1" dirty="0" err="1"/>
+              <a:t>PilotNet</a:t>
+            </a:r>
+            <a:r>
+              <a:rPr lang="es-ES" sz="2000" i="1" dirty="0"/>
+              <a:t> (</a:t>
+            </a:r>
+            <a:r>
+              <a:rPr lang="es-ES" sz="2000" i="1" dirty="0" err="1"/>
+              <a:t>stacked</a:t>
+            </a:r>
+            <a:r>
+              <a:rPr lang="es-ES" sz="2000" i="1" dirty="0"/>
+              <a:t>, </a:t>
+            </a:r>
+            <a:r>
+              <a:rPr lang="es-ES" sz="2000" i="1" dirty="0" err="1"/>
+              <a:t>dif</a:t>
+            </a:r>
+            <a:r>
+              <a:rPr lang="es-ES" sz="2000" i="1" dirty="0"/>
+              <a:t> </a:t>
+            </a:r>
+            <a:r>
+              <a:rPr lang="es-ES" sz="2000" i="1" dirty="0" smtClean="0"/>
+              <a:t>)</a:t>
+            </a:r>
+            <a:r>
+              <a:rPr lang="es-ES" sz="2000" dirty="0" smtClean="0"/>
+              <a:t>)</a:t>
+            </a:r>
+            <a:r>
+              <a:rPr lang="es-ES" sz="2000" i="1" dirty="0" smtClean="0"/>
+              <a:t>.</a:t>
+            </a:r>
+          </a:p>
+          <a:p>
+            <a:pPr marL="457200" lvl="1" indent="0">
+              <a:buNone/>
+            </a:pPr>
+            <a:endParaRPr lang="es-ES" sz="2000" dirty="0" smtClean="0"/>
+          </a:p>
+          <a:p>
+            <a:pPr lvl="1">
+              <a:buFont typeface="Wingdings" panose="05000000000000000000" pitchFamily="2" charset="2"/>
+              <a:buChar char="§"/>
+            </a:pPr>
+            <a:r>
+              <a:rPr lang="es-ES" sz="2000" dirty="0"/>
+              <a:t>Complejidad </a:t>
+            </a:r>
+            <a:r>
+              <a:rPr lang="es-ES" sz="2000" dirty="0" smtClean="0"/>
+              <a:t>al </a:t>
+            </a:r>
+            <a:r>
+              <a:rPr lang="es-ES" sz="2000" dirty="0"/>
+              <a:t>introducir temporalidad en imágenes.</a:t>
+            </a:r>
+          </a:p>
+          <a:p>
+            <a:pPr lvl="1">
+              <a:buFont typeface="Wingdings" panose="05000000000000000000" pitchFamily="2" charset="2"/>
+              <a:buChar char="§"/>
+            </a:pPr>
+            <a:endParaRPr lang="es-ES" sz="2000" dirty="0" smtClean="0"/>
+          </a:p>
+          <a:p>
+            <a:pPr marL="457200" lvl="1" indent="0">
+              <a:buNone/>
+            </a:pPr>
+            <a:endParaRPr lang="es-ES" sz="2000" dirty="0" smtClean="0"/>
+          </a:p>
+          <a:p>
+            <a:pPr>
+              <a:buFont typeface="Wingdings" panose="05000000000000000000" pitchFamily="2" charset="2"/>
+              <a:buChar char="§"/>
+            </a:pPr>
+            <a:endParaRPr lang="es-ES" sz="2400" dirty="0" smtClean="0"/>
           </a:p>
         </p:txBody>
       </p:sp>
     </p:spTree>
     <p:extLst>
       <p:ext uri="{BB962C8B-B14F-4D97-AF65-F5344CB8AC3E}">
-        <p14:creationId xmlns:p14="http://schemas.microsoft.com/office/powerpoint/2010/main" val="4234291143"/>
+        <p14:creationId xmlns:p14="http://schemas.microsoft.com/office/powerpoint/2010/main" val="108250992"/>
       </p:ext>
     </p:extLst>
   </p:cSld>
@@ -8157,8 +8247,8 @@
           <a:lstStyle/>
           <a:p>
             <a:r>
-              <a:rPr lang="es-ES" dirty="0" smtClean="0"/>
-              <a:t>21/28</a:t>
+              <a:rPr lang="es-ES" dirty="0"/>
+              <a:t>21/26</a:t>
             </a:r>
             <a:endParaRPr lang="es-ES" dirty="0"/>
           </a:p>
@@ -8241,7 +8331,7 @@
         </p:nvSpPr>
         <p:spPr>
           <a:xfrm>
-            <a:off x="3275856" y="1480697"/>
+            <a:off x="3308577" y="1577937"/>
             <a:ext cx="2526846" cy="861774"/>
           </a:xfrm>
           <a:prstGeom prst="rect">
@@ -8270,65 +8360,9 @@
           </a:p>
         </p:txBody>
       </p:sp>
-      <p:sp>
-        <p:nvSpPr>
-          <p:cNvPr id="9" name="2 Marcador de contenido"/>
-          <p:cNvSpPr>
-            <a:spLocks noGrp="1"/>
-          </p:cNvSpPr>
-          <p:nvPr>
-            <p:ph idx="1"/>
-          </p:nvPr>
-        </p:nvSpPr>
-        <p:spPr>
-          <a:xfrm>
-            <a:off x="858029" y="2194990"/>
-            <a:ext cx="7996960" cy="3777283"/>
-          </a:xfrm>
-        </p:spPr>
-        <p:txBody>
-          <a:bodyPr>
-            <a:normAutofit/>
-          </a:bodyPr>
-          <a:lstStyle/>
-          <a:p>
-            <a:pPr>
-              <a:buFont typeface="Wingdings" panose="05000000000000000000" pitchFamily="2" charset="2"/>
-              <a:buChar char="§"/>
-            </a:pPr>
-            <a:r>
-              <a:rPr lang="es-ES" sz="2400" dirty="0" smtClean="0"/>
-              <a:t>Imágenes de distintas dimensiones:</a:t>
-            </a:r>
-          </a:p>
-          <a:p>
-            <a:pPr lvl="1">
-              <a:buFont typeface="Wingdings" panose="05000000000000000000" pitchFamily="2" charset="2"/>
-              <a:buChar char="§"/>
-            </a:pPr>
-            <a:r>
-              <a:rPr lang="es-ES" sz="2000" dirty="0"/>
-              <a:t>La imagen </a:t>
-            </a:r>
-            <a:r>
-              <a:rPr lang="es-ES" sz="2000" dirty="0" smtClean="0"/>
-              <a:t>completa </a:t>
-            </a:r>
-            <a:r>
-              <a:rPr lang="es-ES" sz="2000" dirty="0"/>
-              <a:t>mejora el rendimiento</a:t>
-            </a:r>
-            <a:r>
-              <a:rPr lang="es-ES" sz="2000" dirty="0" smtClean="0"/>
-              <a:t>.</a:t>
-            </a:r>
-            <a:endParaRPr lang="es-ES" sz="2400" dirty="0" smtClean="0"/>
-          </a:p>
-        </p:txBody>
-      </p:sp>
       <p:pic>
         <p:nvPicPr>
-          <p:cNvPr id="2" name="Imagen 1"/>
+          <p:cNvPr id="3" name="Imagen 2"/>
           <p:cNvPicPr>
             <a:picLocks noChangeAspect="1"/>
           </p:cNvPicPr>
@@ -8342,8 +8376,8 @@
         </p:blipFill>
         <p:spPr>
           <a:xfrm>
-            <a:off x="755576" y="3177400"/>
-            <a:ext cx="7146629" cy="2778709"/>
+            <a:off x="611560" y="2227249"/>
+            <a:ext cx="7592264" cy="3694901"/>
           </a:xfrm>
           <a:prstGeom prst="rect">
             <a:avLst/>
@@ -8352,14 +8386,14 @@
       </p:pic>
       <p:sp>
         <p:nvSpPr>
-          <p:cNvPr id="10" name="CuadroTexto 9"/>
+          <p:cNvPr id="9" name="CuadroTexto 8"/>
           <p:cNvSpPr txBox="1"/>
           <p:nvPr/>
         </p:nvSpPr>
         <p:spPr>
           <a:xfrm>
-            <a:off x="1037493" y="6050333"/>
-            <a:ext cx="6854569" cy="338554"/>
+            <a:off x="971600" y="5996797"/>
+            <a:ext cx="6520503" cy="584775"/>
           </a:xfrm>
           <a:prstGeom prst="rect">
             <a:avLst/>
@@ -8390,20 +8424,21 @@
             </a:r>
             <a:r>
               <a:rPr lang="es-ES" sz="1600" i="1" dirty="0"/>
-              <a:t>(imagen </a:t>
-            </a:r>
-            <a:r>
-              <a:rPr lang="es-ES" sz="1600" i="1" dirty="0" smtClean="0"/>
-              <a:t>recortada)</a:t>
-            </a:r>
-            <a:endParaRPr lang="es-ES" sz="1600" i="1" dirty="0"/>
+              <a:t>introduciendo</a:t>
+            </a:r>
+          </a:p>
+          <a:p>
+            <a:r>
+              <a:rPr lang="es-ES" sz="1600" i="1" dirty="0"/>
+              <a:t>temporalidad (imagen completa)</a:t>
+            </a:r>
           </a:p>
         </p:txBody>
       </p:sp>
     </p:spTree>
     <p:extLst>
       <p:ext uri="{BB962C8B-B14F-4D97-AF65-F5344CB8AC3E}">
-        <p14:creationId xmlns:p14="http://schemas.microsoft.com/office/powerpoint/2010/main" val="1898978955"/>
+        <p14:creationId xmlns:p14="http://schemas.microsoft.com/office/powerpoint/2010/main" val="2655785732"/>
       </p:ext>
     </p:extLst>
   </p:cSld>
@@ -8437,6 +8472,121 @@
           <a:chExt cx="0" cy="0"/>
         </a:xfrm>
       </p:grpSpPr>
+      <p:sp>
+        <p:nvSpPr>
+          <p:cNvPr id="3" name="2 Marcador de contenido"/>
+          <p:cNvSpPr>
+            <a:spLocks noGrp="1"/>
+          </p:cNvSpPr>
+          <p:nvPr>
+            <p:ph idx="1"/>
+          </p:nvPr>
+        </p:nvSpPr>
+        <p:spPr>
+          <a:xfrm>
+            <a:off x="1261792" y="2996952"/>
+            <a:ext cx="8229600" cy="3633267"/>
+          </a:xfrm>
+        </p:spPr>
+        <p:txBody>
+          <a:bodyPr>
+            <a:normAutofit/>
+          </a:bodyPr>
+          <a:lstStyle/>
+          <a:p>
+            <a:pPr>
+              <a:buFont typeface="Wingdings" panose="05000000000000000000" pitchFamily="2" charset="2"/>
+              <a:buChar char="§"/>
+            </a:pPr>
+            <a:r>
+              <a:rPr lang="es-ES" sz="2400" dirty="0" smtClean="0"/>
+              <a:t>Redes con buen rendimiento en pilotaje:</a:t>
+            </a:r>
+          </a:p>
+          <a:p>
+            <a:pPr>
+              <a:buFont typeface="Wingdings" panose="05000000000000000000" pitchFamily="2" charset="2"/>
+              <a:buChar char="§"/>
+            </a:pPr>
+            <a:endParaRPr lang="es-ES" sz="2400" dirty="0"/>
+          </a:p>
+          <a:p>
+            <a:pPr lvl="1">
+              <a:buFont typeface="Wingdings" panose="05000000000000000000" pitchFamily="2" charset="2"/>
+              <a:buChar char="§"/>
+            </a:pPr>
+            <a:r>
+              <a:rPr lang="es-ES" sz="2000" i="1" dirty="0" err="1" smtClean="0"/>
+              <a:t>PilotNet</a:t>
+            </a:r>
+            <a:r>
+              <a:rPr lang="es-ES" sz="2000" dirty="0" smtClean="0"/>
+              <a:t> (imagen completa y recortada BGR).</a:t>
+            </a:r>
+          </a:p>
+          <a:p>
+            <a:pPr lvl="1">
+              <a:buFont typeface="Wingdings" panose="05000000000000000000" pitchFamily="2" charset="2"/>
+              <a:buChar char="§"/>
+            </a:pPr>
+            <a:endParaRPr lang="es-ES" sz="2000" dirty="0" smtClean="0"/>
+          </a:p>
+          <a:p>
+            <a:pPr lvl="1">
+              <a:buFont typeface="Wingdings" panose="05000000000000000000" pitchFamily="2" charset="2"/>
+              <a:buChar char="§"/>
+            </a:pPr>
+            <a:r>
+              <a:rPr lang="es-ES" sz="2000" i="1" dirty="0" err="1" smtClean="0"/>
+              <a:t>TinyPilotNet</a:t>
+            </a:r>
+            <a:r>
+              <a:rPr lang="es-ES" sz="2000" dirty="0" smtClean="0"/>
+              <a:t> (imagen completa BGR).</a:t>
+            </a:r>
+          </a:p>
+          <a:p>
+            <a:pPr lvl="1">
+              <a:buFont typeface="Wingdings" panose="05000000000000000000" pitchFamily="2" charset="2"/>
+              <a:buChar char="§"/>
+            </a:pPr>
+            <a:endParaRPr lang="es-ES" sz="2000" dirty="0" smtClean="0"/>
+          </a:p>
+          <a:p>
+            <a:pPr lvl="1">
+              <a:buFont typeface="Wingdings" panose="05000000000000000000" pitchFamily="2" charset="2"/>
+              <a:buChar char="§"/>
+            </a:pPr>
+            <a:r>
+              <a:rPr lang="es-ES" sz="2000" i="1" dirty="0" err="1" smtClean="0"/>
+              <a:t>DeepestLSTM-TinyPilotNet</a:t>
+            </a:r>
+            <a:r>
+              <a:rPr lang="es-ES" sz="2000" dirty="0" smtClean="0"/>
+              <a:t> (imagen completa BGR).</a:t>
+            </a:r>
+          </a:p>
+          <a:p>
+            <a:pPr lvl="1">
+              <a:buFont typeface="Wingdings" panose="05000000000000000000" pitchFamily="2" charset="2"/>
+              <a:buChar char="§"/>
+            </a:pPr>
+            <a:endParaRPr lang="es-ES" sz="2000" dirty="0"/>
+          </a:p>
+          <a:p>
+            <a:pPr marL="0" indent="0">
+              <a:buNone/>
+            </a:pPr>
+            <a:endParaRPr lang="es-ES" sz="2400" dirty="0" smtClean="0"/>
+          </a:p>
+          <a:p>
+            <a:pPr marL="0" indent="0">
+              <a:buNone/>
+            </a:pPr>
+            <a:endParaRPr lang="es-ES" sz="2400" dirty="0"/>
+          </a:p>
+        </p:txBody>
+      </p:sp>
       <p:cxnSp>
         <p:nvCxnSpPr>
           <p:cNvPr id="4" name="3 Conector recto"/>
@@ -8513,16 +8663,53 @@
           <a:lstStyle/>
           <a:p>
             <a:r>
-              <a:rPr lang="es-ES" dirty="0" smtClean="0"/>
-              <a:t>22/28</a:t>
-            </a:r>
+              <a:rPr lang="es-ES" dirty="0"/>
+              <a:t>22/26</a:t>
+            </a:r>
+            <a:endParaRPr lang="es-ES" dirty="0"/>
+          </a:p>
+        </p:txBody>
+      </p:sp>
+      <p:sp>
+        <p:nvSpPr>
+          <p:cNvPr id="8" name="7 CuadroTexto"/>
+          <p:cNvSpPr txBox="1"/>
+          <p:nvPr/>
+        </p:nvSpPr>
+        <p:spPr>
+          <a:xfrm>
+            <a:off x="2267744" y="1980873"/>
+            <a:ext cx="3962688" cy="861774"/>
+          </a:xfrm>
+          <a:prstGeom prst="rect">
+            <a:avLst/>
+          </a:prstGeom>
+          <a:noFill/>
+        </p:spPr>
+        <p:txBody>
+          <a:bodyPr wrap="none" rtlCol="0">
+            <a:spAutoFit/>
+          </a:bodyPr>
+          <a:lstStyle/>
+          <a:p>
+            <a:r>
+              <a:rPr lang="es-ES" sz="3200" b="1" dirty="0" smtClean="0">
+                <a:solidFill>
+                  <a:srgbClr val="586E2C"/>
+                </a:solidFill>
+              </a:rPr>
+              <a:t>Solución de referencia</a:t>
+            </a:r>
+            <a:endParaRPr lang="es-ES" sz="3200" dirty="0"/>
+          </a:p>
+          <a:p>
             <a:endParaRPr lang="es-ES" dirty="0"/>
           </a:p>
         </p:txBody>
       </p:sp>
       <p:pic>
         <p:nvPicPr>
-          <p:cNvPr id="11" name="5 Imagen"/>
+          <p:cNvPr id="9" name="5 Imagen"/>
           <p:cNvPicPr>
             <a:picLocks noChangeAspect="1"/>
           </p:cNvPicPr>
@@ -8552,7 +8739,7 @@
       </p:pic>
       <p:sp>
         <p:nvSpPr>
-          <p:cNvPr id="12" name="1 Título"/>
+          <p:cNvPr id="10" name="1 Título"/>
           <p:cNvSpPr>
             <a:spLocks noGrp="1"/>
           </p:cNvSpPr>
@@ -8589,260 +8776,10 @@
           </a:p>
         </p:txBody>
       </p:sp>
-      <p:sp>
-        <p:nvSpPr>
-          <p:cNvPr id="8" name="7 CuadroTexto"/>
-          <p:cNvSpPr txBox="1"/>
-          <p:nvPr/>
-        </p:nvSpPr>
-        <p:spPr>
-          <a:xfrm>
-            <a:off x="3308577" y="1807326"/>
-            <a:ext cx="2526846" cy="861774"/>
-          </a:xfrm>
-          <a:prstGeom prst="rect">
-            <a:avLst/>
-          </a:prstGeom>
-          <a:noFill/>
-        </p:spPr>
-        <p:txBody>
-          <a:bodyPr wrap="none" rtlCol="0">
-            <a:spAutoFit/>
-          </a:bodyPr>
-          <a:lstStyle/>
-          <a:p>
-            <a:r>
-              <a:rPr lang="es-ES" sz="3200" b="1" dirty="0" smtClean="0">
-                <a:solidFill>
-                  <a:srgbClr val="586E2C"/>
-                </a:solidFill>
-              </a:rPr>
-              <a:t>Experimentos</a:t>
-            </a:r>
-            <a:endParaRPr lang="es-ES" sz="3200" dirty="0"/>
-          </a:p>
-          <a:p>
-            <a:endParaRPr lang="es-ES" dirty="0"/>
-          </a:p>
-        </p:txBody>
-      </p:sp>
-      <p:sp>
-        <p:nvSpPr>
-          <p:cNvPr id="9" name="2 Marcador de contenido"/>
-          <p:cNvSpPr>
-            <a:spLocks noGrp="1"/>
-          </p:cNvSpPr>
-          <p:nvPr>
-            <p:ph idx="1"/>
-          </p:nvPr>
-        </p:nvSpPr>
-        <p:spPr>
-          <a:xfrm>
-            <a:off x="881755" y="2669100"/>
-            <a:ext cx="7996960" cy="3777283"/>
-          </a:xfrm>
-        </p:spPr>
-        <p:txBody>
-          <a:bodyPr>
-            <a:normAutofit/>
-          </a:bodyPr>
-          <a:lstStyle/>
-          <a:p>
-            <a:pPr>
-              <a:buFont typeface="Wingdings" panose="05000000000000000000" pitchFamily="2" charset="2"/>
-              <a:buChar char="§"/>
-            </a:pPr>
-            <a:r>
-              <a:rPr lang="es-ES" sz="2400" dirty="0"/>
-              <a:t>Tipo de imagen de entrada</a:t>
-            </a:r>
-            <a:r>
-              <a:rPr lang="es-ES" sz="2400" dirty="0" smtClean="0"/>
-              <a:t>:</a:t>
-            </a:r>
-          </a:p>
-          <a:p>
-            <a:pPr lvl="1">
-              <a:buFont typeface="Wingdings" panose="05000000000000000000" pitchFamily="2" charset="2"/>
-              <a:buChar char="§"/>
-            </a:pPr>
-            <a:r>
-              <a:rPr lang="es-ES" sz="2000" dirty="0" smtClean="0"/>
-              <a:t>Creación de imagen temporal.</a:t>
-            </a:r>
-          </a:p>
-          <a:p>
-            <a:pPr lvl="1">
-              <a:buFont typeface="Wingdings" panose="05000000000000000000" pitchFamily="2" charset="2"/>
-              <a:buChar char="§"/>
-            </a:pPr>
-            <a:endParaRPr lang="es-ES" sz="2000" dirty="0" smtClean="0"/>
-          </a:p>
-          <a:p>
-            <a:pPr lvl="1">
-              <a:buFont typeface="Wingdings" panose="05000000000000000000" pitchFamily="2" charset="2"/>
-              <a:buChar char="§"/>
-            </a:pPr>
-            <a:r>
-              <a:rPr lang="es-ES" sz="2000" dirty="0" smtClean="0"/>
-              <a:t>Imagen </a:t>
-            </a:r>
-            <a:r>
-              <a:rPr lang="es-ES" sz="2000" dirty="0"/>
-              <a:t>apilada (</a:t>
-            </a:r>
-            <a:r>
-              <a:rPr lang="es-ES" sz="2000" i="1" dirty="0" err="1"/>
-              <a:t>PilotNet</a:t>
-            </a:r>
-            <a:r>
-              <a:rPr lang="es-ES" sz="2000" i="1" dirty="0"/>
-              <a:t> (</a:t>
-            </a:r>
-            <a:r>
-              <a:rPr lang="es-ES" sz="2000" i="1" dirty="0" err="1"/>
-              <a:t>stacked</a:t>
-            </a:r>
-            <a:r>
-              <a:rPr lang="es-ES" sz="2000" dirty="0" smtClean="0"/>
-              <a:t>)).</a:t>
-            </a:r>
-          </a:p>
-          <a:p>
-            <a:pPr lvl="1">
-              <a:buFont typeface="Wingdings" panose="05000000000000000000" pitchFamily="2" charset="2"/>
-              <a:buChar char="§"/>
-            </a:pPr>
-            <a:r>
-              <a:rPr lang="es-ES" sz="2000" dirty="0" smtClean="0"/>
-              <a:t>Imagen </a:t>
-            </a:r>
-            <a:r>
-              <a:rPr lang="es-ES" sz="2000" dirty="0"/>
-              <a:t>diferencia (</a:t>
-            </a:r>
-            <a:r>
-              <a:rPr lang="es-ES" sz="2000" i="1" dirty="0"/>
-              <a:t>Temporal (</a:t>
-            </a:r>
-            <a:r>
-              <a:rPr lang="es-ES" sz="2000" i="1" dirty="0" err="1"/>
-              <a:t>dif</a:t>
-            </a:r>
-            <a:r>
-              <a:rPr lang="es-ES" sz="2000" i="1" dirty="0"/>
-              <a:t> </a:t>
-            </a:r>
-            <a:r>
-              <a:rPr lang="es-ES" sz="2000" i="1" dirty="0" smtClean="0"/>
-              <a:t>)</a:t>
-            </a:r>
-            <a:r>
-              <a:rPr lang="es-ES" sz="2000" dirty="0" smtClean="0"/>
-              <a:t>)</a:t>
-            </a:r>
-            <a:r>
-              <a:rPr lang="es-ES" sz="2000" i="1" dirty="0"/>
-              <a:t>.</a:t>
-            </a:r>
-            <a:endParaRPr lang="es-ES" sz="2000" i="1" dirty="0" smtClean="0"/>
-          </a:p>
-          <a:p>
-            <a:pPr lvl="1">
-              <a:buFont typeface="Wingdings" panose="05000000000000000000" pitchFamily="2" charset="2"/>
-              <a:buChar char="§"/>
-            </a:pPr>
-            <a:r>
-              <a:rPr lang="es-ES" sz="2000" dirty="0"/>
-              <a:t>Imagen apilada-diferencia (</a:t>
-            </a:r>
-            <a:r>
-              <a:rPr lang="es-ES" sz="2000" i="1" dirty="0" err="1"/>
-              <a:t>PilotNet</a:t>
-            </a:r>
-            <a:r>
-              <a:rPr lang="es-ES" sz="2000" i="1" dirty="0"/>
-              <a:t> (</a:t>
-            </a:r>
-            <a:r>
-              <a:rPr lang="es-ES" sz="2000" i="1" dirty="0" err="1"/>
-              <a:t>stacked</a:t>
-            </a:r>
-            <a:r>
-              <a:rPr lang="es-ES" sz="2000" i="1" dirty="0"/>
-              <a:t>, </a:t>
-            </a:r>
-            <a:r>
-              <a:rPr lang="es-ES" sz="2000" i="1" dirty="0" err="1"/>
-              <a:t>dif</a:t>
-            </a:r>
-            <a:r>
-              <a:rPr lang="es-ES" sz="2000" i="1" dirty="0"/>
-              <a:t> </a:t>
-            </a:r>
-            <a:r>
-              <a:rPr lang="es-ES" sz="2000" i="1" dirty="0" smtClean="0"/>
-              <a:t>)</a:t>
-            </a:r>
-            <a:r>
-              <a:rPr lang="es-ES" sz="2000" dirty="0" smtClean="0"/>
-              <a:t>)</a:t>
-            </a:r>
-            <a:r>
-              <a:rPr lang="es-ES" sz="2000" i="1" dirty="0" smtClean="0"/>
-              <a:t>.</a:t>
-            </a:r>
-          </a:p>
-          <a:p>
-            <a:pPr marL="457200" lvl="1" indent="0">
-              <a:buNone/>
-            </a:pPr>
-            <a:endParaRPr lang="es-ES" sz="2000" dirty="0" smtClean="0"/>
-          </a:p>
-          <a:p>
-            <a:pPr lvl="1">
-              <a:buFont typeface="Wingdings" panose="05000000000000000000" pitchFamily="2" charset="2"/>
-              <a:buChar char="§"/>
-            </a:pPr>
-            <a:r>
-              <a:rPr lang="es-ES" sz="2000" dirty="0"/>
-              <a:t>Complejidad </a:t>
-            </a:r>
-            <a:r>
-              <a:rPr lang="es-ES" sz="2000" dirty="0" smtClean="0"/>
-              <a:t>al </a:t>
-            </a:r>
-            <a:r>
-              <a:rPr lang="es-ES" sz="2000" dirty="0"/>
-              <a:t>introducir temporalidad en imágenes.</a:t>
-            </a:r>
-          </a:p>
-          <a:p>
-            <a:pPr lvl="1">
-              <a:buFont typeface="Wingdings" panose="05000000000000000000" pitchFamily="2" charset="2"/>
-              <a:buChar char="§"/>
-            </a:pPr>
-            <a:endParaRPr lang="es-ES" sz="2000" dirty="0" smtClean="0"/>
-          </a:p>
-          <a:p>
-            <a:pPr marL="457200" lvl="1" indent="0">
-              <a:buNone/>
-            </a:pPr>
-            <a:endParaRPr lang="es-ES" sz="2000" dirty="0" smtClean="0"/>
-          </a:p>
-          <a:p>
-            <a:pPr>
-              <a:buFont typeface="Wingdings" panose="05000000000000000000" pitchFamily="2" charset="2"/>
-              <a:buChar char="§"/>
-            </a:pPr>
-            <a:endParaRPr lang="es-ES" sz="2400" dirty="0" smtClean="0"/>
-          </a:p>
-        </p:txBody>
-      </p:sp>
     </p:spTree>
     <p:extLst>
       <p:ext uri="{BB962C8B-B14F-4D97-AF65-F5344CB8AC3E}">
-        <p14:creationId xmlns:p14="http://schemas.microsoft.com/office/powerpoint/2010/main" val="108250992"/>
+        <p14:creationId xmlns:p14="http://schemas.microsoft.com/office/powerpoint/2010/main" val="3980169220"/>
       </p:ext>
     </p:extLst>
   </p:cSld>
@@ -8884,7 +8821,7 @@
         </p:nvCxnSpPr>
         <p:spPr>
           <a:xfrm>
-            <a:off x="453779" y="1268760"/>
+            <a:off x="457200" y="1268760"/>
             <a:ext cx="8424936" cy="0"/>
           </a:xfrm>
           <a:prstGeom prst="line">
@@ -8936,32 +8873,9 @@
           </a:prstGeom>
         </p:spPr>
       </p:pic>
-      <p:sp>
-        <p:nvSpPr>
-          <p:cNvPr id="7" name="6 Marcador de número de diapositiva"/>
-          <p:cNvSpPr>
-            <a:spLocks noGrp="1"/>
-          </p:cNvSpPr>
-          <p:nvPr>
-            <p:ph type="sldNum" sz="quarter" idx="12"/>
-          </p:nvPr>
-        </p:nvSpPr>
-        <p:spPr/>
-        <p:txBody>
-          <a:bodyPr/>
-          <a:lstStyle/>
-          <a:p>
-            <a:r>
-              <a:rPr lang="es-ES" dirty="0" smtClean="0"/>
-              <a:t>23/28</a:t>
-            </a:r>
-            <a:endParaRPr lang="es-ES" dirty="0"/>
-          </a:p>
-        </p:txBody>
-      </p:sp>
       <p:pic>
         <p:nvPicPr>
-          <p:cNvPr id="11" name="5 Imagen"/>
+          <p:cNvPr id="6" name="5 Imagen"/>
           <p:cNvPicPr>
             <a:picLocks noChangeAspect="1"/>
           </p:cNvPicPr>
@@ -8991,6 +8905,66 @@
       </p:pic>
       <p:sp>
         <p:nvSpPr>
+          <p:cNvPr id="7" name="6 Marcador de número de diapositiva"/>
+          <p:cNvSpPr>
+            <a:spLocks noGrp="1"/>
+          </p:cNvSpPr>
+          <p:nvPr>
+            <p:ph type="sldNum" sz="quarter" idx="12"/>
+          </p:nvPr>
+        </p:nvSpPr>
+        <p:spPr/>
+        <p:txBody>
+          <a:bodyPr/>
+          <a:lstStyle/>
+          <a:p>
+            <a:r>
+              <a:rPr lang="es-ES" dirty="0"/>
+              <a:t>23/26</a:t>
+            </a:r>
+            <a:endParaRPr lang="es-ES" dirty="0"/>
+          </a:p>
+        </p:txBody>
+      </p:sp>
+      <p:sp>
+        <p:nvSpPr>
+          <p:cNvPr id="8" name="7 CuadroTexto"/>
+          <p:cNvSpPr txBox="1"/>
+          <p:nvPr/>
+        </p:nvSpPr>
+        <p:spPr>
+          <a:xfrm>
+            <a:off x="2483768" y="1468119"/>
+            <a:ext cx="3962688" cy="861774"/>
+          </a:xfrm>
+          <a:prstGeom prst="rect">
+            <a:avLst/>
+          </a:prstGeom>
+          <a:noFill/>
+        </p:spPr>
+        <p:txBody>
+          <a:bodyPr wrap="none" rtlCol="0">
+            <a:spAutoFit/>
+          </a:bodyPr>
+          <a:lstStyle/>
+          <a:p>
+            <a:r>
+              <a:rPr lang="es-ES" sz="3200" b="1" dirty="0" smtClean="0">
+                <a:solidFill>
+                  <a:srgbClr val="586E2C"/>
+                </a:solidFill>
+              </a:rPr>
+              <a:t>Solución de referencia</a:t>
+            </a:r>
+            <a:endParaRPr lang="es-ES" sz="3200" dirty="0"/>
+          </a:p>
+          <a:p>
+            <a:endParaRPr lang="es-ES" dirty="0"/>
+          </a:p>
+        </p:txBody>
+      </p:sp>
+      <p:sp>
+        <p:nvSpPr>
           <p:cNvPr id="12" name="1 Título"/>
           <p:cNvSpPr>
             <a:spLocks noGrp="1"/>
@@ -9030,120 +9004,110 @@
       </p:sp>
       <p:sp>
         <p:nvSpPr>
-          <p:cNvPr id="8" name="7 CuadroTexto"/>
-          <p:cNvSpPr txBox="1"/>
-          <p:nvPr/>
-        </p:nvSpPr>
-        <p:spPr>
-          <a:xfrm>
-            <a:off x="3308577" y="1577937"/>
-            <a:ext cx="2526846" cy="861774"/>
-          </a:xfrm>
-          <a:prstGeom prst="rect">
-            <a:avLst/>
-          </a:prstGeom>
-          <a:noFill/>
-        </p:spPr>
-        <p:txBody>
-          <a:bodyPr wrap="none" rtlCol="0">
-            <a:spAutoFit/>
+          <p:cNvPr id="13" name="2 Marcador de contenido"/>
+          <p:cNvSpPr>
+            <a:spLocks noGrp="1"/>
+          </p:cNvSpPr>
+          <p:nvPr>
+            <p:ph idx="1"/>
+          </p:nvPr>
+        </p:nvSpPr>
+        <p:spPr>
+          <a:xfrm>
+            <a:off x="827584" y="2326910"/>
+            <a:ext cx="8229600" cy="3633267"/>
+          </a:xfrm>
+        </p:spPr>
+        <p:txBody>
+          <a:bodyPr>
+            <a:normAutofit/>
           </a:bodyPr>
           <a:lstStyle/>
           <a:p>
-            <a:r>
-              <a:rPr lang="es-ES" sz="3200" b="1" dirty="0" smtClean="0">
-                <a:solidFill>
-                  <a:srgbClr val="586E2C"/>
-                </a:solidFill>
+            <a:pPr>
+              <a:buFont typeface="Wingdings" panose="05000000000000000000" pitchFamily="2" charset="2"/>
+              <a:buChar char="§"/>
+            </a:pPr>
+            <a:r>
+              <a:rPr lang="es-ES" sz="2400" dirty="0">
+                <a:hlinkClick r:id="rId4"/>
               </a:rPr>
-              <a:t>Experimentos</a:t>
-            </a:r>
-            <a:endParaRPr lang="es-ES" sz="3200" dirty="0"/>
-          </a:p>
-          <a:p>
-            <a:endParaRPr lang="es-ES" dirty="0"/>
+              <a:t>https://</a:t>
+            </a:r>
+            <a:r>
+              <a:rPr lang="es-ES" sz="2400" dirty="0" smtClean="0">
+                <a:hlinkClick r:id="rId4"/>
+              </a:rPr>
+              <a:t>www.youtube.com/watch?v=J6bDlE7TofE</a:t>
+            </a:r>
+            <a:endParaRPr lang="es-ES" sz="2400" dirty="0" smtClean="0"/>
+          </a:p>
+          <a:p>
+            <a:pPr>
+              <a:buFont typeface="Wingdings" panose="05000000000000000000" pitchFamily="2" charset="2"/>
+              <a:buChar char="§"/>
+            </a:pPr>
+            <a:endParaRPr lang="es-ES" sz="2400" dirty="0"/>
+          </a:p>
+          <a:p>
+            <a:pPr marL="0" indent="0">
+              <a:buNone/>
+            </a:pPr>
+            <a:endParaRPr lang="es-ES" sz="2400" dirty="0" smtClean="0"/>
+          </a:p>
+          <a:p>
+            <a:pPr marL="0" indent="0">
+              <a:buNone/>
+            </a:pPr>
+            <a:endParaRPr lang="es-ES" sz="2400" dirty="0"/>
           </a:p>
         </p:txBody>
       </p:sp>
       <p:pic>
         <p:nvPicPr>
-          <p:cNvPr id="3" name="Imagen 2"/>
+          <p:cNvPr id="2054" name="Picture 6" descr="monaco_reg.png"/>
           <p:cNvPicPr>
-            <a:picLocks noChangeAspect="1"/>
+            <a:picLocks noChangeAspect="1" noChangeArrowheads="1"/>
           </p:cNvPicPr>
           <p:nvPr/>
         </p:nvPicPr>
         <p:blipFill>
-          <a:blip r:embed="rId4"/>
+          <a:blip r:embed="rId5">
+            <a:extLst>
+              <a:ext uri="{28A0092B-C50C-407E-A947-70E740481C1C}">
+                <a14:useLocalDpi xmlns:a14="http://schemas.microsoft.com/office/drawing/2010/main" val="0"/>
+              </a:ext>
+            </a:extLst>
+          </a:blip>
+          <a:srcRect/>
           <a:stretch>
             <a:fillRect/>
           </a:stretch>
         </p:blipFill>
-        <p:spPr>
-          <a:xfrm>
-            <a:off x="611560" y="2227249"/>
-            <a:ext cx="7592264" cy="3694901"/>
+        <p:spPr bwMode="auto">
+          <a:xfrm>
+            <a:off x="1551984" y="3239165"/>
+            <a:ext cx="5893709" cy="2980940"/>
           </a:xfrm>
           <a:prstGeom prst="rect">
             <a:avLst/>
           </a:prstGeom>
+          <a:noFill/>
+          <a:extLst>
+            <a:ext uri="{909E8E84-426E-40DD-AFC4-6F175D3DCCD1}">
+              <a14:hiddenFill xmlns:a14="http://schemas.microsoft.com/office/drawing/2010/main">
+                <a:solidFill>
+                  <a:srgbClr val="FFFFFF"/>
+                </a:solidFill>
+              </a14:hiddenFill>
+            </a:ext>
+          </a:extLst>
         </p:spPr>
       </p:pic>
-      <p:sp>
-        <p:nvSpPr>
-          <p:cNvPr id="9" name="CuadroTexto 8"/>
-          <p:cNvSpPr txBox="1"/>
-          <p:nvPr/>
-        </p:nvSpPr>
-        <p:spPr>
-          <a:xfrm>
-            <a:off x="971600" y="5996797"/>
-            <a:ext cx="6520503" cy="584775"/>
-          </a:xfrm>
-          <a:prstGeom prst="rect">
-            <a:avLst/>
-          </a:prstGeom>
-          <a:noFill/>
-        </p:spPr>
-        <p:txBody>
-          <a:bodyPr wrap="none" rtlCol="0">
-            <a:spAutoFit/>
-          </a:bodyPr>
-          <a:lstStyle/>
-          <a:p>
-            <a:r>
-              <a:rPr lang="es-ES" sz="1600" i="1" dirty="0"/>
-              <a:t>Resultados de </a:t>
-            </a:r>
-            <a:r>
-              <a:rPr lang="es-ES" sz="1600" i="1" dirty="0" smtClean="0"/>
-              <a:t>conducción </a:t>
-            </a:r>
-            <a:r>
-              <a:rPr lang="es-ES" sz="1600" i="1" dirty="0"/>
-              <a:t>con redes neuronales de </a:t>
-            </a:r>
-            <a:r>
-              <a:rPr lang="es-ES" sz="1600" i="1" dirty="0" smtClean="0"/>
-              <a:t>regresión </a:t>
-            </a:r>
-            <a:r>
-              <a:rPr lang="es-ES" sz="1600" i="1" dirty="0"/>
-              <a:t>introduciendo</a:t>
-            </a:r>
-          </a:p>
-          <a:p>
-            <a:r>
-              <a:rPr lang="es-ES" sz="1600" i="1" dirty="0"/>
-              <a:t>temporalidad (imagen completa)</a:t>
-            </a:r>
-          </a:p>
-        </p:txBody>
-      </p:sp>
     </p:spTree>
     <p:extLst>
       <p:ext uri="{BB962C8B-B14F-4D97-AF65-F5344CB8AC3E}">
-        <p14:creationId xmlns:p14="http://schemas.microsoft.com/office/powerpoint/2010/main" val="2655785732"/>
+        <p14:creationId xmlns:p14="http://schemas.microsoft.com/office/powerpoint/2010/main" val="1542517160"/>
       </p:ext>
     </p:extLst>
   </p:cSld>
@@ -9179,6 +9143,33 @@
       </p:grpSpPr>
       <p:sp>
         <p:nvSpPr>
+          <p:cNvPr id="2" name="1 Título"/>
+          <p:cNvSpPr>
+            <a:spLocks noGrp="1"/>
+          </p:cNvSpPr>
+          <p:nvPr>
+            <p:ph type="title"/>
+          </p:nvPr>
+        </p:nvSpPr>
+        <p:spPr/>
+        <p:txBody>
+          <a:bodyPr/>
+          <a:lstStyle/>
+          <a:p>
+            <a:r>
+              <a:rPr lang="es-ES" dirty="0" smtClean="0">
+                <a:solidFill>
+                  <a:srgbClr val="0070C0"/>
+                </a:solidFill>
+              </a:rPr>
+              <a:t>Conclusiones</a:t>
+            </a:r>
+            <a:endParaRPr lang="es-ES" dirty="0"/>
+          </a:p>
+        </p:txBody>
+      </p:sp>
+      <p:sp>
+        <p:nvSpPr>
           <p:cNvPr id="3" name="2 Marcador de contenido"/>
           <p:cNvSpPr>
             <a:spLocks noGrp="1"/>
@@ -9189,8 +9180,8 @@
         </p:nvSpPr>
         <p:spPr>
           <a:xfrm>
-            <a:off x="1261792" y="2996952"/>
-            <a:ext cx="8229600" cy="3633267"/>
+            <a:off x="551447" y="2426598"/>
+            <a:ext cx="8229600" cy="3714403"/>
           </a:xfrm>
         </p:spPr>
         <p:txBody>
@@ -9204,91 +9195,121 @@
               <a:buChar char="§"/>
             </a:pPr>
             <a:r>
+              <a:rPr lang="es-ES" sz="2400" b="1" dirty="0" smtClean="0"/>
+              <a:t>Objetivo cumplido: </a:t>
+            </a:r>
+            <a:r>
               <a:rPr lang="es-ES" sz="2400" dirty="0" smtClean="0"/>
-              <a:t>Redes con buen rendimiento en pilotaje:</a:t>
-            </a:r>
+              <a:t>Estudio de redes neuronales para conducción autónoma en simulación.</a:t>
+            </a:r>
+          </a:p>
+          <a:p>
+            <a:pPr marL="0" indent="0">
+              <a:buNone/>
+            </a:pPr>
+            <a:endParaRPr lang="es-ES" sz="2400" dirty="0" smtClean="0"/>
           </a:p>
           <a:p>
             <a:pPr>
               <a:buFont typeface="Wingdings" panose="05000000000000000000" pitchFamily="2" charset="2"/>
               <a:buChar char="§"/>
             </a:pPr>
-            <a:endParaRPr lang="es-ES" sz="2400" dirty="0"/>
-          </a:p>
-          <a:p>
-            <a:pPr lvl="1">
+            <a:r>
+              <a:rPr lang="es-ES" sz="2400" dirty="0"/>
+              <a:t>Aplicación de control visual</a:t>
+            </a:r>
+            <a:r>
+              <a:rPr lang="es-ES" sz="2400" dirty="0" smtClean="0"/>
+              <a:t>.</a:t>
+            </a:r>
+          </a:p>
+          <a:p>
+            <a:pPr>
               <a:buFont typeface="Wingdings" panose="05000000000000000000" pitchFamily="2" charset="2"/>
               <a:buChar char="§"/>
             </a:pPr>
             <a:r>
-              <a:rPr lang="es-ES" sz="2000" i="1" dirty="0" err="1" smtClean="0"/>
-              <a:t>PilotNet</a:t>
-            </a:r>
-            <a:r>
-              <a:rPr lang="es-ES" sz="2000" dirty="0" smtClean="0"/>
-              <a:t> (imagen completa y recortada BGR).</a:t>
-            </a:r>
-          </a:p>
-          <a:p>
-            <a:pPr lvl="1">
+              <a:rPr lang="es-ES" sz="2400" dirty="0"/>
+              <a:t>Creación de bases de datos propias</a:t>
+            </a:r>
+            <a:r>
+              <a:rPr lang="es-ES" sz="2400" dirty="0" smtClean="0"/>
+              <a:t>.</a:t>
+            </a:r>
+          </a:p>
+          <a:p>
+            <a:pPr>
               <a:buFont typeface="Wingdings" panose="05000000000000000000" pitchFamily="2" charset="2"/>
               <a:buChar char="§"/>
             </a:pPr>
-            <a:endParaRPr lang="es-ES" sz="2000" dirty="0" smtClean="0"/>
-          </a:p>
-          <a:p>
-            <a:pPr lvl="1">
+            <a:r>
+              <a:rPr lang="es-ES" sz="2400" dirty="0"/>
+              <a:t>Estudio de redes neuronales </a:t>
+            </a:r>
+            <a:r>
+              <a:rPr lang="es-ES" sz="2400" dirty="0" err="1"/>
+              <a:t>convolucionales</a:t>
+            </a:r>
+            <a:r>
+              <a:rPr lang="es-ES" sz="2400" dirty="0"/>
+              <a:t> de clasificación</a:t>
+            </a:r>
+            <a:r>
+              <a:rPr lang="es-ES" sz="2400" dirty="0" smtClean="0"/>
+              <a:t>.</a:t>
+            </a:r>
+          </a:p>
+          <a:p>
+            <a:pPr>
               <a:buFont typeface="Wingdings" panose="05000000000000000000" pitchFamily="2" charset="2"/>
               <a:buChar char="§"/>
             </a:pPr>
             <a:r>
-              <a:rPr lang="es-ES" sz="2000" i="1" dirty="0" err="1" smtClean="0"/>
-              <a:t>TinyPilotNet</a:t>
-            </a:r>
-            <a:r>
-              <a:rPr lang="es-ES" sz="2000" dirty="0" smtClean="0"/>
-              <a:t> (imagen completa BGR).</a:t>
-            </a:r>
-          </a:p>
-          <a:p>
-            <a:pPr lvl="1">
+              <a:rPr lang="es-ES" sz="2400" dirty="0"/>
+              <a:t>Estudio de redes neuronales </a:t>
+            </a:r>
+            <a:r>
+              <a:rPr lang="es-ES" sz="2400" dirty="0" err="1"/>
+              <a:t>convolucionales</a:t>
+            </a:r>
+            <a:r>
+              <a:rPr lang="es-ES" sz="2400" dirty="0"/>
+              <a:t> y recurrentes de regresión.</a:t>
+            </a:r>
+          </a:p>
+          <a:p>
+            <a:pPr>
               <a:buFont typeface="Wingdings" panose="05000000000000000000" pitchFamily="2" charset="2"/>
               <a:buChar char="§"/>
             </a:pPr>
-            <a:endParaRPr lang="es-ES" sz="2000" dirty="0" smtClean="0"/>
-          </a:p>
-          <a:p>
-            <a:pPr lvl="1">
+            <a:endParaRPr lang="es-ES" sz="2400" dirty="0"/>
+          </a:p>
+          <a:p>
+            <a:pPr>
               <a:buFont typeface="Wingdings" panose="05000000000000000000" pitchFamily="2" charset="2"/>
               <a:buChar char="§"/>
             </a:pPr>
-            <a:r>
-              <a:rPr lang="es-ES" sz="2000" i="1" dirty="0" err="1" smtClean="0"/>
-              <a:t>DeepestLSTM-TinyPilotNet</a:t>
-            </a:r>
-            <a:r>
-              <a:rPr lang="es-ES" sz="2000" dirty="0" smtClean="0"/>
-              <a:t> (imagen completa BGR).</a:t>
-            </a:r>
-          </a:p>
-          <a:p>
-            <a:pPr lvl="1">
+            <a:endParaRPr lang="es-ES" sz="2400" dirty="0"/>
+          </a:p>
+          <a:p>
+            <a:pPr>
               <a:buFont typeface="Wingdings" panose="05000000000000000000" pitchFamily="2" charset="2"/>
               <a:buChar char="§"/>
             </a:pPr>
-            <a:endParaRPr lang="es-ES" sz="2000" dirty="0"/>
+            <a:endParaRPr lang="es-ES" sz="2400" dirty="0" smtClean="0"/>
+          </a:p>
+          <a:p>
+            <a:pPr>
+              <a:buFont typeface="Wingdings" panose="05000000000000000000" pitchFamily="2" charset="2"/>
+              <a:buChar char="§"/>
+            </a:pPr>
+            <a:endParaRPr lang="es-ES" sz="2400" dirty="0"/>
           </a:p>
           <a:p>
             <a:pPr marL="0" indent="0">
               <a:buNone/>
             </a:pPr>
             <a:endParaRPr lang="es-ES" sz="2400" dirty="0" smtClean="0"/>
-          </a:p>
-          <a:p>
-            <a:pPr marL="0" indent="0">
-              <a:buNone/>
-            </a:pPr>
-            <a:endParaRPr lang="es-ES" sz="2400" dirty="0"/>
           </a:p>
         </p:txBody>
       </p:sp>
@@ -9352,69 +9373,9 @@
           </a:prstGeom>
         </p:spPr>
       </p:pic>
-      <p:sp>
-        <p:nvSpPr>
-          <p:cNvPr id="7" name="6 Marcador de número de diapositiva"/>
-          <p:cNvSpPr>
-            <a:spLocks noGrp="1"/>
-          </p:cNvSpPr>
-          <p:nvPr>
-            <p:ph type="sldNum" sz="quarter" idx="12"/>
-          </p:nvPr>
-        </p:nvSpPr>
-        <p:spPr/>
-        <p:txBody>
-          <a:bodyPr/>
-          <a:lstStyle/>
-          <a:p>
-            <a:r>
-              <a:rPr lang="es-ES" dirty="0" smtClean="0"/>
-              <a:t>24/28</a:t>
-            </a:r>
-            <a:endParaRPr lang="es-ES" dirty="0"/>
-          </a:p>
-        </p:txBody>
-      </p:sp>
-      <p:sp>
-        <p:nvSpPr>
-          <p:cNvPr id="8" name="7 CuadroTexto"/>
-          <p:cNvSpPr txBox="1"/>
-          <p:nvPr/>
-        </p:nvSpPr>
-        <p:spPr>
-          <a:xfrm>
-            <a:off x="2267744" y="1980873"/>
-            <a:ext cx="3962688" cy="861774"/>
-          </a:xfrm>
-          <a:prstGeom prst="rect">
-            <a:avLst/>
-          </a:prstGeom>
-          <a:noFill/>
-        </p:spPr>
-        <p:txBody>
-          <a:bodyPr wrap="none" rtlCol="0">
-            <a:spAutoFit/>
-          </a:bodyPr>
-          <a:lstStyle/>
-          <a:p>
-            <a:r>
-              <a:rPr lang="es-ES" sz="3200" b="1" dirty="0" smtClean="0">
-                <a:solidFill>
-                  <a:srgbClr val="586E2C"/>
-                </a:solidFill>
-              </a:rPr>
-              <a:t>Solución de referencia</a:t>
-            </a:r>
-            <a:endParaRPr lang="es-ES" sz="3200" dirty="0"/>
-          </a:p>
-          <a:p>
-            <a:endParaRPr lang="es-ES" dirty="0"/>
-          </a:p>
-        </p:txBody>
-      </p:sp>
       <p:pic>
         <p:nvPicPr>
-          <p:cNvPr id="9" name="5 Imagen"/>
+          <p:cNvPr id="6" name="5 Imagen"/>
           <p:cNvPicPr>
             <a:picLocks noChangeAspect="1"/>
           </p:cNvPicPr>
@@ -9434,7 +9395,7 @@
         </p:blipFill>
         <p:spPr>
           <a:xfrm>
-            <a:off x="7322516" y="506571"/>
+            <a:off x="6880124" y="497064"/>
             <a:ext cx="1364284" cy="601890"/>
           </a:xfrm>
           <a:prstGeom prst="rect">
@@ -9444,47 +9405,68 @@
       </p:pic>
       <p:sp>
         <p:nvSpPr>
-          <p:cNvPr id="10" name="1 Título"/>
-          <p:cNvSpPr>
-            <a:spLocks noGrp="1"/>
-          </p:cNvSpPr>
-          <p:nvPr>
-            <p:ph type="title"/>
-          </p:nvPr>
-        </p:nvSpPr>
-        <p:spPr>
-          <a:xfrm>
-            <a:off x="457200" y="274638"/>
-            <a:ext cx="8229600" cy="1143000"/>
-          </a:xfrm>
-        </p:spPr>
-        <p:txBody>
-          <a:bodyPr>
-            <a:normAutofit/>
+          <p:cNvPr id="7" name="6 Marcador de número de diapositiva"/>
+          <p:cNvSpPr>
+            <a:spLocks noGrp="1"/>
+          </p:cNvSpPr>
+          <p:nvPr>
+            <p:ph type="sldNum" sz="quarter" idx="12"/>
+          </p:nvPr>
+        </p:nvSpPr>
+        <p:spPr/>
+        <p:txBody>
+          <a:bodyPr/>
+          <a:lstStyle/>
+          <a:p>
+            <a:r>
+              <a:rPr lang="es-ES" dirty="0"/>
+              <a:t>24/26</a:t>
+            </a:r>
+            <a:endParaRPr lang="es-ES" dirty="0"/>
+          </a:p>
+        </p:txBody>
+      </p:sp>
+      <p:sp>
+        <p:nvSpPr>
+          <p:cNvPr id="8" name="CuadroTexto 7"/>
+          <p:cNvSpPr txBox="1"/>
+          <p:nvPr/>
+        </p:nvSpPr>
+        <p:spPr>
+          <a:xfrm>
+            <a:off x="3366380" y="1582778"/>
+            <a:ext cx="2411238" cy="861774"/>
+          </a:xfrm>
+          <a:prstGeom prst="rect">
+            <a:avLst/>
+          </a:prstGeom>
+          <a:noFill/>
+        </p:spPr>
+        <p:txBody>
+          <a:bodyPr wrap="none" rtlCol="0">
+            <a:spAutoFit/>
           </a:bodyPr>
           <a:lstStyle/>
           <a:p>
-            <a:pPr algn="l"/>
-            <a:r>
-              <a:rPr lang="es-ES" dirty="0" smtClean="0">
+            <a:r>
+              <a:rPr lang="es-ES" sz="3200" b="1" dirty="0" smtClean="0">
                 <a:solidFill>
-                  <a:srgbClr val="0070C0"/>
+                  <a:srgbClr val="586E2C"/>
                 </a:solidFill>
               </a:rPr>
-              <a:t>             Redes de regresión </a:t>
-            </a:r>
-            <a:endParaRPr lang="es-ES" dirty="0">
-              <a:solidFill>
-                <a:srgbClr val="0070C0"/>
-              </a:solidFill>
-            </a:endParaRPr>
+              <a:t>Conclusiones</a:t>
+            </a:r>
+            <a:endParaRPr lang="es-ES" sz="3200" dirty="0"/>
+          </a:p>
+          <a:p>
+            <a:endParaRPr lang="es-ES" dirty="0"/>
           </a:p>
         </p:txBody>
       </p:sp>
     </p:spTree>
     <p:extLst>
       <p:ext uri="{BB962C8B-B14F-4D97-AF65-F5344CB8AC3E}">
-        <p14:creationId xmlns:p14="http://schemas.microsoft.com/office/powerpoint/2010/main" val="3980169220"/>
+        <p14:creationId xmlns:p14="http://schemas.microsoft.com/office/powerpoint/2010/main" val="3363463598"/>
       </p:ext>
     </p:extLst>
   </p:cSld>
@@ -9518,6 +9500,136 @@
           <a:chExt cx="0" cy="0"/>
         </a:xfrm>
       </p:grpSpPr>
+      <p:sp>
+        <p:nvSpPr>
+          <p:cNvPr id="2" name="Título 1"/>
+          <p:cNvSpPr>
+            <a:spLocks noGrp="1"/>
+          </p:cNvSpPr>
+          <p:nvPr>
+            <p:ph type="title"/>
+          </p:nvPr>
+        </p:nvSpPr>
+        <p:spPr/>
+        <p:txBody>
+          <a:bodyPr/>
+          <a:lstStyle/>
+          <a:p>
+            <a:r>
+              <a:rPr lang="es-ES" dirty="0">
+                <a:solidFill>
+                  <a:srgbClr val="0070C0"/>
+                </a:solidFill>
+              </a:rPr>
+              <a:t>Conclusiones</a:t>
+            </a:r>
+            <a:endParaRPr lang="es-ES" dirty="0"/>
+          </a:p>
+        </p:txBody>
+      </p:sp>
+      <p:sp>
+        <p:nvSpPr>
+          <p:cNvPr id="3" name="Marcador de contenido 2"/>
+          <p:cNvSpPr>
+            <a:spLocks noGrp="1"/>
+          </p:cNvSpPr>
+          <p:nvPr>
+            <p:ph idx="1"/>
+          </p:nvPr>
+        </p:nvSpPr>
+        <p:spPr>
+          <a:xfrm>
+            <a:off x="971600" y="2654532"/>
+            <a:ext cx="8229600" cy="3863280"/>
+          </a:xfrm>
+        </p:spPr>
+        <p:txBody>
+          <a:bodyPr>
+            <a:normAutofit/>
+          </a:bodyPr>
+          <a:lstStyle/>
+          <a:p>
+            <a:pPr>
+              <a:buFont typeface="Wingdings" panose="05000000000000000000" pitchFamily="2" charset="2"/>
+              <a:buChar char="§"/>
+            </a:pPr>
+            <a:r>
+              <a:rPr lang="es-ES" sz="2400" dirty="0" smtClean="0"/>
+              <a:t>Uso de robots reales.</a:t>
+            </a:r>
+          </a:p>
+          <a:p>
+            <a:pPr>
+              <a:buFont typeface="Wingdings" panose="05000000000000000000" pitchFamily="2" charset="2"/>
+              <a:buChar char="§"/>
+            </a:pPr>
+            <a:r>
+              <a:rPr lang="es-ES" sz="2400" dirty="0" smtClean="0"/>
+              <a:t>Grabar </a:t>
+            </a:r>
+            <a:r>
+              <a:rPr lang="es-ES" sz="2400" dirty="0" smtClean="0"/>
+              <a:t>un conjunto de datos</a:t>
+            </a:r>
+            <a:r>
+              <a:rPr lang="es-ES" sz="2400" i="1" dirty="0" smtClean="0"/>
+              <a:t> </a:t>
+            </a:r>
+            <a:r>
+              <a:rPr lang="es-ES" sz="2400" dirty="0" smtClean="0"/>
+              <a:t>de situaciones complejas.</a:t>
+            </a:r>
+          </a:p>
+          <a:p>
+            <a:pPr>
+              <a:buFont typeface="Wingdings" panose="05000000000000000000" pitchFamily="2" charset="2"/>
+              <a:buChar char="§"/>
+            </a:pPr>
+            <a:r>
+              <a:rPr lang="es-ES" sz="2400" dirty="0" smtClean="0"/>
+              <a:t>Estudio más amplio de la </a:t>
+            </a:r>
+            <a:r>
+              <a:rPr lang="es-ES" sz="2400" dirty="0" err="1" smtClean="0"/>
+              <a:t>cuantización</a:t>
+            </a:r>
+            <a:r>
+              <a:rPr lang="es-ES" sz="2400" dirty="0" smtClean="0"/>
+              <a:t> de clases.</a:t>
+            </a:r>
+          </a:p>
+          <a:p>
+            <a:pPr>
+              <a:buFont typeface="Wingdings" panose="05000000000000000000" pitchFamily="2" charset="2"/>
+              <a:buChar char="§"/>
+            </a:pPr>
+            <a:r>
+              <a:rPr lang="es-ES" sz="2400" dirty="0" smtClean="0"/>
+              <a:t>Estudio de imágenes apiladas.</a:t>
+            </a:r>
+          </a:p>
+          <a:p>
+            <a:pPr>
+              <a:buFont typeface="Wingdings" panose="05000000000000000000" pitchFamily="2" charset="2"/>
+              <a:buChar char="§"/>
+            </a:pPr>
+            <a:r>
+              <a:rPr lang="es-ES" sz="2400" dirty="0" smtClean="0"/>
+              <a:t>Estudio más amplio de imagen diferencia.</a:t>
+            </a:r>
+          </a:p>
+          <a:p>
+            <a:pPr>
+              <a:buFont typeface="Wingdings" panose="05000000000000000000" pitchFamily="2" charset="2"/>
+              <a:buChar char="§"/>
+            </a:pPr>
+            <a:r>
+              <a:rPr lang="es-ES" sz="2400" dirty="0" smtClean="0"/>
+              <a:t>Empleo de algoritmo de objetos salientes en la imagen.</a:t>
+            </a:r>
+          </a:p>
+        </p:txBody>
+      </p:sp>
       <p:cxnSp>
         <p:nvCxnSpPr>
           <p:cNvPr id="4" name="3 Conector recto"/>
@@ -9526,7 +9638,7 @@
         </p:nvCxnSpPr>
         <p:spPr>
           <a:xfrm>
-            <a:off x="457200" y="1268760"/>
+            <a:off x="453779" y="1268760"/>
             <a:ext cx="8424936" cy="0"/>
           </a:xfrm>
           <a:prstGeom prst="line">
@@ -9600,506 +9712,6 @@
         </p:blipFill>
         <p:spPr>
           <a:xfrm>
-            <a:off x="7322516" y="506571"/>
-            <a:ext cx="1364284" cy="601890"/>
-          </a:xfrm>
-          <a:prstGeom prst="rect">
-            <a:avLst/>
-          </a:prstGeom>
-        </p:spPr>
-      </p:pic>
-      <p:sp>
-        <p:nvSpPr>
-          <p:cNvPr id="7" name="6 Marcador de número de diapositiva"/>
-          <p:cNvSpPr>
-            <a:spLocks noGrp="1"/>
-          </p:cNvSpPr>
-          <p:nvPr>
-            <p:ph type="sldNum" sz="quarter" idx="12"/>
-          </p:nvPr>
-        </p:nvSpPr>
-        <p:spPr/>
-        <p:txBody>
-          <a:bodyPr/>
-          <a:lstStyle/>
-          <a:p>
-            <a:r>
-              <a:rPr lang="es-ES" dirty="0" smtClean="0"/>
-              <a:t>25/28</a:t>
-            </a:r>
-            <a:endParaRPr lang="es-ES" dirty="0"/>
-          </a:p>
-        </p:txBody>
-      </p:sp>
-      <p:sp>
-        <p:nvSpPr>
-          <p:cNvPr id="8" name="7 CuadroTexto"/>
-          <p:cNvSpPr txBox="1"/>
-          <p:nvPr/>
-        </p:nvSpPr>
-        <p:spPr>
-          <a:xfrm>
-            <a:off x="2483768" y="1468119"/>
-            <a:ext cx="3962688" cy="861774"/>
-          </a:xfrm>
-          <a:prstGeom prst="rect">
-            <a:avLst/>
-          </a:prstGeom>
-          <a:noFill/>
-        </p:spPr>
-        <p:txBody>
-          <a:bodyPr wrap="none" rtlCol="0">
-            <a:spAutoFit/>
-          </a:bodyPr>
-          <a:lstStyle/>
-          <a:p>
-            <a:r>
-              <a:rPr lang="es-ES" sz="3200" b="1" dirty="0" smtClean="0">
-                <a:solidFill>
-                  <a:srgbClr val="586E2C"/>
-                </a:solidFill>
-              </a:rPr>
-              <a:t>Solución de referencia</a:t>
-            </a:r>
-            <a:endParaRPr lang="es-ES" sz="3200" dirty="0"/>
-          </a:p>
-          <a:p>
-            <a:endParaRPr lang="es-ES" dirty="0"/>
-          </a:p>
-        </p:txBody>
-      </p:sp>
-      <p:sp>
-        <p:nvSpPr>
-          <p:cNvPr id="12" name="1 Título"/>
-          <p:cNvSpPr>
-            <a:spLocks noGrp="1"/>
-          </p:cNvSpPr>
-          <p:nvPr>
-            <p:ph type="title"/>
-          </p:nvPr>
-        </p:nvSpPr>
-        <p:spPr>
-          <a:xfrm>
-            <a:off x="457200" y="274638"/>
-            <a:ext cx="8229600" cy="1143000"/>
-          </a:xfrm>
-        </p:spPr>
-        <p:txBody>
-          <a:bodyPr>
-            <a:normAutofit/>
-          </a:bodyPr>
-          <a:lstStyle/>
-          <a:p>
-            <a:pPr algn="l"/>
-            <a:r>
-              <a:rPr lang="es-ES" dirty="0" smtClean="0">
-                <a:solidFill>
-                  <a:srgbClr val="0070C0"/>
-                </a:solidFill>
-              </a:rPr>
-              <a:t>             Redes de regresión </a:t>
-            </a:r>
-            <a:endParaRPr lang="es-ES" dirty="0">
-              <a:solidFill>
-                <a:srgbClr val="0070C0"/>
-              </a:solidFill>
-            </a:endParaRPr>
-          </a:p>
-        </p:txBody>
-      </p:sp>
-      <p:sp>
-        <p:nvSpPr>
-          <p:cNvPr id="13" name="2 Marcador de contenido"/>
-          <p:cNvSpPr>
-            <a:spLocks noGrp="1"/>
-          </p:cNvSpPr>
-          <p:nvPr>
-            <p:ph idx="1"/>
-          </p:nvPr>
-        </p:nvSpPr>
-        <p:spPr>
-          <a:xfrm>
-            <a:off x="827584" y="2326910"/>
-            <a:ext cx="8229600" cy="3633267"/>
-          </a:xfrm>
-        </p:spPr>
-        <p:txBody>
-          <a:bodyPr>
-            <a:normAutofit/>
-          </a:bodyPr>
-          <a:lstStyle/>
-          <a:p>
-            <a:pPr>
-              <a:buFont typeface="Wingdings" panose="05000000000000000000" pitchFamily="2" charset="2"/>
-              <a:buChar char="§"/>
-            </a:pPr>
-            <a:r>
-              <a:rPr lang="es-ES" sz="2400" dirty="0">
-                <a:hlinkClick r:id="rId4"/>
-              </a:rPr>
-              <a:t>https://</a:t>
-            </a:r>
-            <a:r>
-              <a:rPr lang="es-ES" sz="2400" dirty="0" smtClean="0">
-                <a:hlinkClick r:id="rId4"/>
-              </a:rPr>
-              <a:t>www.youtube.com/watch?v=J6bDlE7TofE</a:t>
-            </a:r>
-            <a:endParaRPr lang="es-ES" sz="2400" dirty="0" smtClean="0"/>
-          </a:p>
-          <a:p>
-            <a:pPr>
-              <a:buFont typeface="Wingdings" panose="05000000000000000000" pitchFamily="2" charset="2"/>
-              <a:buChar char="§"/>
-            </a:pPr>
-            <a:endParaRPr lang="es-ES" sz="2400" dirty="0"/>
-          </a:p>
-          <a:p>
-            <a:pPr marL="0" indent="0">
-              <a:buNone/>
-            </a:pPr>
-            <a:endParaRPr lang="es-ES" sz="2400" dirty="0" smtClean="0"/>
-          </a:p>
-          <a:p>
-            <a:pPr marL="0" indent="0">
-              <a:buNone/>
-            </a:pPr>
-            <a:endParaRPr lang="es-ES" sz="2400" dirty="0"/>
-          </a:p>
-        </p:txBody>
-      </p:sp>
-      <p:pic>
-        <p:nvPicPr>
-          <p:cNvPr id="2054" name="Picture 6" descr="monaco_reg.png"/>
-          <p:cNvPicPr>
-            <a:picLocks noChangeAspect="1" noChangeArrowheads="1"/>
-          </p:cNvPicPr>
-          <p:nvPr/>
-        </p:nvPicPr>
-        <p:blipFill>
-          <a:blip r:embed="rId5">
-            <a:extLst>
-              <a:ext uri="{28A0092B-C50C-407E-A947-70E740481C1C}">
-                <a14:useLocalDpi xmlns:a14="http://schemas.microsoft.com/office/drawing/2010/main" val="0"/>
-              </a:ext>
-            </a:extLst>
-          </a:blip>
-          <a:srcRect/>
-          <a:stretch>
-            <a:fillRect/>
-          </a:stretch>
-        </p:blipFill>
-        <p:spPr bwMode="auto">
-          <a:xfrm>
-            <a:off x="1551984" y="3239165"/>
-            <a:ext cx="5893709" cy="2980940"/>
-          </a:xfrm>
-          <a:prstGeom prst="rect">
-            <a:avLst/>
-          </a:prstGeom>
-          <a:noFill/>
-          <a:extLst>
-            <a:ext uri="{909E8E84-426E-40DD-AFC4-6F175D3DCCD1}">
-              <a14:hiddenFill xmlns:a14="http://schemas.microsoft.com/office/drawing/2010/main">
-                <a:solidFill>
-                  <a:srgbClr val="FFFFFF"/>
-                </a:solidFill>
-              </a14:hiddenFill>
-            </a:ext>
-          </a:extLst>
-        </p:spPr>
-      </p:pic>
-    </p:spTree>
-    <p:extLst>
-      <p:ext uri="{BB962C8B-B14F-4D97-AF65-F5344CB8AC3E}">
-        <p14:creationId xmlns:p14="http://schemas.microsoft.com/office/powerpoint/2010/main" val="1542517160"/>
-      </p:ext>
-    </p:extLst>
-  </p:cSld>
-  <p:clrMapOvr>
-    <a:masterClrMapping/>
-  </p:clrMapOvr>
-  <p:timing>
-    <p:tnLst>
-      <p:par>
-        <p:cTn id="1" dur="indefinite" restart="never" nodeType="tmRoot"/>
-      </p:par>
-    </p:tnLst>
-  </p:timing>
-</p:sld>
-</file>
-
-<file path=ppt/slides/slide27.xml><?xml version="1.0" encoding="utf-8"?>
-<p:sld xmlns:a="http://schemas.openxmlformats.org/drawingml/2006/main" xmlns:r="http://schemas.openxmlformats.org/officeDocument/2006/relationships" xmlns:p="http://schemas.openxmlformats.org/presentationml/2006/main">
-  <p:cSld>
-    <p:spTree>
-      <p:nvGrpSpPr>
-        <p:cNvPr id="1" name=""/>
-        <p:cNvGrpSpPr/>
-        <p:nvPr/>
-      </p:nvGrpSpPr>
-      <p:grpSpPr>
-        <a:xfrm>
-          <a:off x="0" y="0"/>
-          <a:ext cx="0" cy="0"/>
-          <a:chOff x="0" y="0"/>
-          <a:chExt cx="0" cy="0"/>
-        </a:xfrm>
-      </p:grpSpPr>
-      <p:sp>
-        <p:nvSpPr>
-          <p:cNvPr id="2" name="1 Título"/>
-          <p:cNvSpPr>
-            <a:spLocks noGrp="1"/>
-          </p:cNvSpPr>
-          <p:nvPr>
-            <p:ph type="title"/>
-          </p:nvPr>
-        </p:nvSpPr>
-        <p:spPr/>
-        <p:txBody>
-          <a:bodyPr/>
-          <a:lstStyle/>
-          <a:p>
-            <a:r>
-              <a:rPr lang="es-ES" dirty="0" smtClean="0">
-                <a:solidFill>
-                  <a:srgbClr val="0070C0"/>
-                </a:solidFill>
-              </a:rPr>
-              <a:t>Conclusiones</a:t>
-            </a:r>
-            <a:endParaRPr lang="es-ES" dirty="0"/>
-          </a:p>
-        </p:txBody>
-      </p:sp>
-      <p:sp>
-        <p:nvSpPr>
-          <p:cNvPr id="3" name="2 Marcador de contenido"/>
-          <p:cNvSpPr>
-            <a:spLocks noGrp="1"/>
-          </p:cNvSpPr>
-          <p:nvPr>
-            <p:ph idx="1"/>
-          </p:nvPr>
-        </p:nvSpPr>
-        <p:spPr>
-          <a:xfrm>
-            <a:off x="551447" y="2426598"/>
-            <a:ext cx="8229600" cy="3714403"/>
-          </a:xfrm>
-        </p:spPr>
-        <p:txBody>
-          <a:bodyPr>
-            <a:normAutofit/>
-          </a:bodyPr>
-          <a:lstStyle/>
-          <a:p>
-            <a:pPr>
-              <a:buFont typeface="Wingdings" panose="05000000000000000000" pitchFamily="2" charset="2"/>
-              <a:buChar char="§"/>
-            </a:pPr>
-            <a:r>
-              <a:rPr lang="es-ES" sz="2400" b="1" dirty="0" smtClean="0"/>
-              <a:t>Objetivo cumplido: </a:t>
-            </a:r>
-            <a:r>
-              <a:rPr lang="es-ES" sz="2400" dirty="0" smtClean="0"/>
-              <a:t>Estudio de redes neuronales para conducción autónoma en simulación.</a:t>
-            </a:r>
-          </a:p>
-          <a:p>
-            <a:pPr marL="0" indent="0">
-              <a:buNone/>
-            </a:pPr>
-            <a:endParaRPr lang="es-ES" sz="2400" dirty="0" smtClean="0"/>
-          </a:p>
-          <a:p>
-            <a:pPr>
-              <a:buFont typeface="Wingdings" panose="05000000000000000000" pitchFamily="2" charset="2"/>
-              <a:buChar char="§"/>
-            </a:pPr>
-            <a:r>
-              <a:rPr lang="es-ES" sz="2400" dirty="0"/>
-              <a:t>Aplicación de control visual</a:t>
-            </a:r>
-            <a:r>
-              <a:rPr lang="es-ES" sz="2400" dirty="0" smtClean="0"/>
-              <a:t>.</a:t>
-            </a:r>
-          </a:p>
-          <a:p>
-            <a:pPr>
-              <a:buFont typeface="Wingdings" panose="05000000000000000000" pitchFamily="2" charset="2"/>
-              <a:buChar char="§"/>
-            </a:pPr>
-            <a:r>
-              <a:rPr lang="es-ES" sz="2400" dirty="0"/>
-              <a:t>Creación de bases de datos propias</a:t>
-            </a:r>
-            <a:r>
-              <a:rPr lang="es-ES" sz="2400" dirty="0" smtClean="0"/>
-              <a:t>.</a:t>
-            </a:r>
-          </a:p>
-          <a:p>
-            <a:pPr>
-              <a:buFont typeface="Wingdings" panose="05000000000000000000" pitchFamily="2" charset="2"/>
-              <a:buChar char="§"/>
-            </a:pPr>
-            <a:r>
-              <a:rPr lang="es-ES" sz="2400" dirty="0"/>
-              <a:t>Estudio de redes neuronales </a:t>
-            </a:r>
-            <a:r>
-              <a:rPr lang="es-ES" sz="2400" dirty="0" err="1"/>
-              <a:t>convolucionales</a:t>
-            </a:r>
-            <a:r>
-              <a:rPr lang="es-ES" sz="2400" dirty="0"/>
-              <a:t> de clasificación</a:t>
-            </a:r>
-            <a:r>
-              <a:rPr lang="es-ES" sz="2400" dirty="0" smtClean="0"/>
-              <a:t>.</a:t>
-            </a:r>
-          </a:p>
-          <a:p>
-            <a:pPr>
-              <a:buFont typeface="Wingdings" panose="05000000000000000000" pitchFamily="2" charset="2"/>
-              <a:buChar char="§"/>
-            </a:pPr>
-            <a:r>
-              <a:rPr lang="es-ES" sz="2400" dirty="0"/>
-              <a:t>Estudio de redes neuronales </a:t>
-            </a:r>
-            <a:r>
-              <a:rPr lang="es-ES" sz="2400" dirty="0" err="1"/>
-              <a:t>convolucionales</a:t>
-            </a:r>
-            <a:r>
-              <a:rPr lang="es-ES" sz="2400" dirty="0"/>
-              <a:t> y recurrentes de regresión.</a:t>
-            </a:r>
-          </a:p>
-          <a:p>
-            <a:pPr>
-              <a:buFont typeface="Wingdings" panose="05000000000000000000" pitchFamily="2" charset="2"/>
-              <a:buChar char="§"/>
-            </a:pPr>
-            <a:endParaRPr lang="es-ES" sz="2400" dirty="0"/>
-          </a:p>
-          <a:p>
-            <a:pPr>
-              <a:buFont typeface="Wingdings" panose="05000000000000000000" pitchFamily="2" charset="2"/>
-              <a:buChar char="§"/>
-            </a:pPr>
-            <a:endParaRPr lang="es-ES" sz="2400" dirty="0"/>
-          </a:p>
-          <a:p>
-            <a:pPr>
-              <a:buFont typeface="Wingdings" panose="05000000000000000000" pitchFamily="2" charset="2"/>
-              <a:buChar char="§"/>
-            </a:pPr>
-            <a:endParaRPr lang="es-ES" sz="2400" dirty="0" smtClean="0"/>
-          </a:p>
-          <a:p>
-            <a:pPr>
-              <a:buFont typeface="Wingdings" panose="05000000000000000000" pitchFamily="2" charset="2"/>
-              <a:buChar char="§"/>
-            </a:pPr>
-            <a:endParaRPr lang="es-ES" sz="2400" dirty="0"/>
-          </a:p>
-          <a:p>
-            <a:pPr marL="0" indent="0">
-              <a:buNone/>
-            </a:pPr>
-            <a:endParaRPr lang="es-ES" sz="2400" dirty="0" smtClean="0"/>
-          </a:p>
-        </p:txBody>
-      </p:sp>
-      <p:cxnSp>
-        <p:nvCxnSpPr>
-          <p:cNvPr id="4" name="3 Conector recto"/>
-          <p:cNvCxnSpPr/>
-          <p:nvPr/>
-        </p:nvCxnSpPr>
-        <p:spPr>
-          <a:xfrm>
-            <a:off x="453779" y="1268760"/>
-            <a:ext cx="8424936" cy="0"/>
-          </a:xfrm>
-          <a:prstGeom prst="line">
-            <a:avLst/>
-          </a:prstGeom>
-        </p:spPr>
-        <p:style>
-          <a:lnRef idx="1">
-            <a:schemeClr val="dk1"/>
-          </a:lnRef>
-          <a:fillRef idx="0">
-            <a:schemeClr val="dk1"/>
-          </a:fillRef>
-          <a:effectRef idx="0">
-            <a:schemeClr val="dk1"/>
-          </a:effectRef>
-          <a:fontRef idx="minor">
-            <a:schemeClr val="tx1"/>
-          </a:fontRef>
-        </p:style>
-      </p:cxnSp>
-      <p:pic>
-        <p:nvPicPr>
-          <p:cNvPr id="5" name="4 Imagen"/>
-          <p:cNvPicPr>
-            <a:picLocks noChangeAspect="1"/>
-          </p:cNvPicPr>
-          <p:nvPr/>
-        </p:nvPicPr>
-        <p:blipFill>
-          <a:blip r:embed="rId2">
-            <a:extLst>
-              <a:ext uri="{28A0092B-C50C-407E-A947-70E740481C1C}">
-                <a14:useLocalDpi xmlns:a14="http://schemas.microsoft.com/office/drawing/2010/main" val="0"/>
-              </a:ext>
-            </a:extLst>
-          </a:blip>
-          <a:stretch>
-            <a:fillRect/>
-          </a:stretch>
-        </p:blipFill>
-        <p:spPr>
-          <a:xfrm>
-            <a:off x="971600" y="404664"/>
-            <a:ext cx="580384" cy="749427"/>
-          </a:xfrm>
-          <a:prstGeom prst="rect">
-            <a:avLst/>
-          </a:prstGeom>
-        </p:spPr>
-      </p:pic>
-      <p:pic>
-        <p:nvPicPr>
-          <p:cNvPr id="6" name="5 Imagen"/>
-          <p:cNvPicPr>
-            <a:picLocks noChangeAspect="1"/>
-          </p:cNvPicPr>
-          <p:nvPr/>
-        </p:nvPicPr>
-        <p:blipFill>
-          <a:blip r:embed="rId3" cstate="print">
-            <a:extLst>
-              <a:ext uri="{28A0092B-C50C-407E-A947-70E740481C1C}">
-                <a14:useLocalDpi xmlns:a14="http://schemas.microsoft.com/office/drawing/2010/main" val="0"/>
-              </a:ext>
-            </a:extLst>
-          </a:blip>
-          <a:stretch>
-            <a:fillRect/>
-          </a:stretch>
-        </p:blipFill>
-        <p:spPr>
-          <a:xfrm>
             <a:off x="6880124" y="497064"/>
             <a:ext cx="1364284" cy="601890"/>
           </a:xfrm>
@@ -10110,7 +9722,7 @@
       </p:pic>
       <p:sp>
         <p:nvSpPr>
-          <p:cNvPr id="7" name="6 Marcador de número de diapositiva"/>
+          <p:cNvPr id="7" name="Marcador de número de diapositiva 6"/>
           <p:cNvSpPr>
             <a:spLocks noGrp="1"/>
           </p:cNvSpPr>
@@ -10124,325 +9736,8 @@
           <a:lstStyle/>
           <a:p>
             <a:r>
-              <a:rPr lang="es-ES" dirty="0" smtClean="0"/>
-              <a:t>26/28</a:t>
-            </a:r>
-            <a:endParaRPr lang="es-ES" dirty="0"/>
-          </a:p>
-        </p:txBody>
-      </p:sp>
-      <p:sp>
-        <p:nvSpPr>
-          <p:cNvPr id="8" name="CuadroTexto 7"/>
-          <p:cNvSpPr txBox="1"/>
-          <p:nvPr/>
-        </p:nvSpPr>
-        <p:spPr>
-          <a:xfrm>
-            <a:off x="3366380" y="1582778"/>
-            <a:ext cx="2411238" cy="861774"/>
-          </a:xfrm>
-          <a:prstGeom prst="rect">
-            <a:avLst/>
-          </a:prstGeom>
-          <a:noFill/>
-        </p:spPr>
-        <p:txBody>
-          <a:bodyPr wrap="none" rtlCol="0">
-            <a:spAutoFit/>
-          </a:bodyPr>
-          <a:lstStyle/>
-          <a:p>
-            <a:r>
-              <a:rPr lang="es-ES" sz="3200" b="1" dirty="0" smtClean="0">
-                <a:solidFill>
-                  <a:srgbClr val="586E2C"/>
-                </a:solidFill>
-              </a:rPr>
-              <a:t>Conclusiones</a:t>
-            </a:r>
-            <a:endParaRPr lang="es-ES" sz="3200" dirty="0"/>
-          </a:p>
-          <a:p>
-            <a:endParaRPr lang="es-ES" dirty="0"/>
-          </a:p>
-        </p:txBody>
-      </p:sp>
-    </p:spTree>
-    <p:extLst>
-      <p:ext uri="{BB962C8B-B14F-4D97-AF65-F5344CB8AC3E}">
-        <p14:creationId xmlns:p14="http://schemas.microsoft.com/office/powerpoint/2010/main" val="3363463598"/>
-      </p:ext>
-    </p:extLst>
-  </p:cSld>
-  <p:clrMapOvr>
-    <a:masterClrMapping/>
-  </p:clrMapOvr>
-  <p:timing>
-    <p:tnLst>
-      <p:par>
-        <p:cTn id="1" dur="indefinite" restart="never" nodeType="tmRoot"/>
-      </p:par>
-    </p:tnLst>
-  </p:timing>
-</p:sld>
-</file>
-
-<file path=ppt/slides/slide28.xml><?xml version="1.0" encoding="utf-8"?>
-<p:sld xmlns:a="http://schemas.openxmlformats.org/drawingml/2006/main" xmlns:r="http://schemas.openxmlformats.org/officeDocument/2006/relationships" xmlns:p="http://schemas.openxmlformats.org/presentationml/2006/main">
-  <p:cSld>
-    <p:spTree>
-      <p:nvGrpSpPr>
-        <p:cNvPr id="1" name=""/>
-        <p:cNvGrpSpPr/>
-        <p:nvPr/>
-      </p:nvGrpSpPr>
-      <p:grpSpPr>
-        <a:xfrm>
-          <a:off x="0" y="0"/>
-          <a:ext cx="0" cy="0"/>
-          <a:chOff x="0" y="0"/>
-          <a:chExt cx="0" cy="0"/>
-        </a:xfrm>
-      </p:grpSpPr>
-      <p:sp>
-        <p:nvSpPr>
-          <p:cNvPr id="2" name="Título 1"/>
-          <p:cNvSpPr>
-            <a:spLocks noGrp="1"/>
-          </p:cNvSpPr>
-          <p:nvPr>
-            <p:ph type="title"/>
-          </p:nvPr>
-        </p:nvSpPr>
-        <p:spPr/>
-        <p:txBody>
-          <a:bodyPr/>
-          <a:lstStyle/>
-          <a:p>
-            <a:r>
-              <a:rPr lang="es-ES" dirty="0">
-                <a:solidFill>
-                  <a:srgbClr val="0070C0"/>
-                </a:solidFill>
-              </a:rPr>
-              <a:t>Conclusiones</a:t>
-            </a:r>
-            <a:endParaRPr lang="es-ES" dirty="0"/>
-          </a:p>
-        </p:txBody>
-      </p:sp>
-      <p:sp>
-        <p:nvSpPr>
-          <p:cNvPr id="3" name="Marcador de contenido 2"/>
-          <p:cNvSpPr>
-            <a:spLocks noGrp="1"/>
-          </p:cNvSpPr>
-          <p:nvPr>
-            <p:ph idx="1"/>
-          </p:nvPr>
-        </p:nvSpPr>
-        <p:spPr>
-          <a:xfrm>
-            <a:off x="971600" y="2654532"/>
-            <a:ext cx="8229600" cy="3863280"/>
-          </a:xfrm>
-        </p:spPr>
-        <p:txBody>
-          <a:bodyPr>
-            <a:normAutofit/>
-          </a:bodyPr>
-          <a:lstStyle/>
-          <a:p>
-            <a:pPr>
-              <a:buFont typeface="Wingdings" panose="05000000000000000000" pitchFamily="2" charset="2"/>
-              <a:buChar char="§"/>
-            </a:pPr>
-            <a:r>
-              <a:rPr lang="es-ES" sz="2400" dirty="0" smtClean="0"/>
-              <a:t>Uso de robots reales.</a:t>
-            </a:r>
-          </a:p>
-          <a:p>
-            <a:pPr>
-              <a:buFont typeface="Wingdings" panose="05000000000000000000" pitchFamily="2" charset="2"/>
-              <a:buChar char="§"/>
-            </a:pPr>
-            <a:r>
-              <a:rPr lang="es-ES" sz="2400" dirty="0" smtClean="0"/>
-              <a:t>Grabar </a:t>
-            </a:r>
-            <a:r>
-              <a:rPr lang="es-ES" sz="2400" i="1" dirty="0" err="1" smtClean="0"/>
-              <a:t>dataset</a:t>
-            </a:r>
-            <a:r>
-              <a:rPr lang="es-ES" sz="2400" i="1" dirty="0" smtClean="0"/>
-              <a:t> </a:t>
-            </a:r>
-            <a:r>
-              <a:rPr lang="es-ES" sz="2400" dirty="0" smtClean="0"/>
-              <a:t>de situaciones complejas.</a:t>
-            </a:r>
-          </a:p>
-          <a:p>
-            <a:pPr>
-              <a:buFont typeface="Wingdings" panose="05000000000000000000" pitchFamily="2" charset="2"/>
-              <a:buChar char="§"/>
-            </a:pPr>
-            <a:r>
-              <a:rPr lang="es-ES" sz="2400" dirty="0" smtClean="0"/>
-              <a:t>Estudio más amplio de la </a:t>
-            </a:r>
-            <a:r>
-              <a:rPr lang="es-ES" sz="2400" dirty="0" err="1" smtClean="0"/>
-              <a:t>cuantización</a:t>
-            </a:r>
-            <a:r>
-              <a:rPr lang="es-ES" sz="2400" dirty="0" smtClean="0"/>
-              <a:t> de clases.</a:t>
-            </a:r>
-          </a:p>
-          <a:p>
-            <a:pPr>
-              <a:buFont typeface="Wingdings" panose="05000000000000000000" pitchFamily="2" charset="2"/>
-              <a:buChar char="§"/>
-            </a:pPr>
-            <a:r>
-              <a:rPr lang="es-ES" sz="2400" dirty="0" smtClean="0"/>
-              <a:t>Estudio de imágenes apiladas.</a:t>
-            </a:r>
-          </a:p>
-          <a:p>
-            <a:pPr>
-              <a:buFont typeface="Wingdings" panose="05000000000000000000" pitchFamily="2" charset="2"/>
-              <a:buChar char="§"/>
-            </a:pPr>
-            <a:r>
-              <a:rPr lang="es-ES" sz="2400" dirty="0" smtClean="0"/>
-              <a:t>Estudio más amplio de imagen diferencia.</a:t>
-            </a:r>
-          </a:p>
-          <a:p>
-            <a:pPr>
-              <a:buFont typeface="Wingdings" panose="05000000000000000000" pitchFamily="2" charset="2"/>
-              <a:buChar char="§"/>
-            </a:pPr>
-            <a:r>
-              <a:rPr lang="es-ES" sz="2400" dirty="0" smtClean="0"/>
-              <a:t>Empleo de algoritmo de objetos salientes en la imagen.</a:t>
-            </a:r>
-          </a:p>
-        </p:txBody>
-      </p:sp>
-      <p:cxnSp>
-        <p:nvCxnSpPr>
-          <p:cNvPr id="4" name="3 Conector recto"/>
-          <p:cNvCxnSpPr/>
-          <p:nvPr/>
-        </p:nvCxnSpPr>
-        <p:spPr>
-          <a:xfrm>
-            <a:off x="453779" y="1268760"/>
-            <a:ext cx="8424936" cy="0"/>
-          </a:xfrm>
-          <a:prstGeom prst="line">
-            <a:avLst/>
-          </a:prstGeom>
-        </p:spPr>
-        <p:style>
-          <a:lnRef idx="1">
-            <a:schemeClr val="dk1"/>
-          </a:lnRef>
-          <a:fillRef idx="0">
-            <a:schemeClr val="dk1"/>
-          </a:fillRef>
-          <a:effectRef idx="0">
-            <a:schemeClr val="dk1"/>
-          </a:effectRef>
-          <a:fontRef idx="minor">
-            <a:schemeClr val="tx1"/>
-          </a:fontRef>
-        </p:style>
-      </p:cxnSp>
-      <p:pic>
-        <p:nvPicPr>
-          <p:cNvPr id="5" name="4 Imagen"/>
-          <p:cNvPicPr>
-            <a:picLocks noChangeAspect="1"/>
-          </p:cNvPicPr>
-          <p:nvPr/>
-        </p:nvPicPr>
-        <p:blipFill>
-          <a:blip r:embed="rId2">
-            <a:extLst>
-              <a:ext uri="{28A0092B-C50C-407E-A947-70E740481C1C}">
-                <a14:useLocalDpi xmlns:a14="http://schemas.microsoft.com/office/drawing/2010/main" val="0"/>
-              </a:ext>
-            </a:extLst>
-          </a:blip>
-          <a:stretch>
-            <a:fillRect/>
-          </a:stretch>
-        </p:blipFill>
-        <p:spPr>
-          <a:xfrm>
-            <a:off x="971600" y="404664"/>
-            <a:ext cx="580384" cy="749427"/>
-          </a:xfrm>
-          <a:prstGeom prst="rect">
-            <a:avLst/>
-          </a:prstGeom>
-        </p:spPr>
-      </p:pic>
-      <p:pic>
-        <p:nvPicPr>
-          <p:cNvPr id="6" name="5 Imagen"/>
-          <p:cNvPicPr>
-            <a:picLocks noChangeAspect="1"/>
-          </p:cNvPicPr>
-          <p:nvPr/>
-        </p:nvPicPr>
-        <p:blipFill>
-          <a:blip r:embed="rId3" cstate="print">
-            <a:extLst>
-              <a:ext uri="{28A0092B-C50C-407E-A947-70E740481C1C}">
-                <a14:useLocalDpi xmlns:a14="http://schemas.microsoft.com/office/drawing/2010/main" val="0"/>
-              </a:ext>
-            </a:extLst>
-          </a:blip>
-          <a:stretch>
-            <a:fillRect/>
-          </a:stretch>
-        </p:blipFill>
-        <p:spPr>
-          <a:xfrm>
-            <a:off x="6880124" y="497064"/>
-            <a:ext cx="1364284" cy="601890"/>
-          </a:xfrm>
-          <a:prstGeom prst="rect">
-            <a:avLst/>
-          </a:prstGeom>
-        </p:spPr>
-      </p:pic>
-      <p:sp>
-        <p:nvSpPr>
-          <p:cNvPr id="7" name="Marcador de número de diapositiva 6"/>
-          <p:cNvSpPr>
-            <a:spLocks noGrp="1"/>
-          </p:cNvSpPr>
-          <p:nvPr>
-            <p:ph type="sldNum" sz="quarter" idx="12"/>
-          </p:nvPr>
-        </p:nvSpPr>
-        <p:spPr/>
-        <p:txBody>
-          <a:bodyPr/>
-          <a:lstStyle/>
-          <a:p>
-            <a:r>
-              <a:rPr lang="es-ES" dirty="0" smtClean="0"/>
-              <a:t>27/28</a:t>
+              <a:rPr lang="es-ES" dirty="0"/>
+              <a:t>25/26</a:t>
             </a:r>
             <a:endParaRPr lang="es-ES" dirty="0"/>
           </a:p>
@@ -10505,7 +9800,7 @@
 </p:sld>
 </file>
 
-<file path=ppt/slides/slide29.xml><?xml version="1.0" encoding="utf-8"?>
+<file path=ppt/slides/slide27.xml><?xml version="1.0" encoding="utf-8"?>
 <p:sld xmlns:a="http://schemas.openxmlformats.org/drawingml/2006/main" xmlns:r="http://schemas.openxmlformats.org/officeDocument/2006/relationships" xmlns:p="http://schemas.openxmlformats.org/presentationml/2006/main">
   <p:cSld>
     <p:spTree>
@@ -10738,8 +10033,8 @@
           <a:lstStyle/>
           <a:p>
             <a:r>
-              <a:rPr lang="es-ES" dirty="0" smtClean="0"/>
-              <a:t>28/28</a:t>
+              <a:rPr lang="es-ES" dirty="0"/>
+              <a:t>26/26</a:t>
             </a:r>
             <a:endParaRPr lang="es-ES" dirty="0"/>
           </a:p>
@@ -10940,8 +10235,8 @@
           <a:lstStyle/>
           <a:p>
             <a:r>
-              <a:rPr lang="es-ES" dirty="0" smtClean="0"/>
-              <a:t>2/28</a:t>
+              <a:rPr lang="es-ES" dirty="0"/>
+              <a:t>2/26</a:t>
             </a:r>
             <a:endParaRPr lang="es-ES" dirty="0"/>
           </a:p>
@@ -11316,8 +10611,8 @@
           <a:lstStyle/>
           <a:p>
             <a:r>
-              <a:rPr lang="es-ES" dirty="0" smtClean="0"/>
-              <a:t>3/28</a:t>
+              <a:rPr lang="es-ES" dirty="0"/>
+              <a:t>3/26</a:t>
             </a:r>
             <a:endParaRPr lang="es-ES" dirty="0"/>
           </a:p>
@@ -11642,8 +10937,8 @@
           <a:lstStyle/>
           <a:p>
             <a:r>
-              <a:rPr lang="es-ES" dirty="0" smtClean="0"/>
-              <a:t>4/28</a:t>
+              <a:rPr lang="es-ES" dirty="0"/>
+              <a:t>4/26</a:t>
             </a:r>
             <a:endParaRPr lang="es-ES" dirty="0"/>
           </a:p>
@@ -12024,8 +11319,8 @@
           <a:lstStyle/>
           <a:p>
             <a:r>
-              <a:rPr lang="es-ES" dirty="0" smtClean="0"/>
-              <a:t>5/28</a:t>
+              <a:rPr lang="es-ES" dirty="0"/>
+              <a:t>5/26</a:t>
             </a:r>
             <a:endParaRPr lang="es-ES" dirty="0"/>
           </a:p>
@@ -12369,8 +11664,8 @@
           <a:lstStyle/>
           <a:p>
             <a:r>
-              <a:rPr lang="es-ES" dirty="0" smtClean="0"/>
-              <a:t>6/28</a:t>
+              <a:rPr lang="es-ES" dirty="0"/>
+              <a:t>6/26</a:t>
             </a:r>
             <a:endParaRPr lang="es-ES" dirty="0"/>
           </a:p>
@@ -12662,466 +11957,6 @@
           <a:chExt cx="0" cy="0"/>
         </a:xfrm>
       </p:grpSpPr>
-      <p:cxnSp>
-        <p:nvCxnSpPr>
-          <p:cNvPr id="4" name="3 Conector recto"/>
-          <p:cNvCxnSpPr/>
-          <p:nvPr/>
-        </p:nvCxnSpPr>
-        <p:spPr>
-          <a:xfrm>
-            <a:off x="453779" y="1268760"/>
-            <a:ext cx="8424936" cy="0"/>
-          </a:xfrm>
-          <a:prstGeom prst="line">
-            <a:avLst/>
-          </a:prstGeom>
-        </p:spPr>
-        <p:style>
-          <a:lnRef idx="1">
-            <a:schemeClr val="dk1"/>
-          </a:lnRef>
-          <a:fillRef idx="0">
-            <a:schemeClr val="dk1"/>
-          </a:fillRef>
-          <a:effectRef idx="0">
-            <a:schemeClr val="dk1"/>
-          </a:effectRef>
-          <a:fontRef idx="minor">
-            <a:schemeClr val="tx1"/>
-          </a:fontRef>
-        </p:style>
-      </p:cxnSp>
-      <p:sp>
-        <p:nvSpPr>
-          <p:cNvPr id="5" name="1 Título"/>
-          <p:cNvSpPr>
-            <a:spLocks noGrp="1"/>
-          </p:cNvSpPr>
-          <p:nvPr>
-            <p:ph type="title"/>
-          </p:nvPr>
-        </p:nvSpPr>
-        <p:spPr>
-          <a:xfrm>
-            <a:off x="457200" y="274638"/>
-            <a:ext cx="8229600" cy="1143000"/>
-          </a:xfrm>
-        </p:spPr>
-        <p:txBody>
-          <a:bodyPr>
-            <a:normAutofit/>
-          </a:bodyPr>
-          <a:lstStyle/>
-          <a:p>
-            <a:pPr algn="l"/>
-            <a:r>
-              <a:rPr lang="es-ES" sz="3600" dirty="0" smtClean="0">
-                <a:solidFill>
-                  <a:srgbClr val="0070C0"/>
-                </a:solidFill>
-              </a:rPr>
-              <a:t>          Infraestructura desarrollada</a:t>
-            </a:r>
-            <a:endParaRPr lang="es-ES" sz="3600" dirty="0"/>
-          </a:p>
-        </p:txBody>
-      </p:sp>
-      <p:pic>
-        <p:nvPicPr>
-          <p:cNvPr id="6" name="5 Imagen"/>
-          <p:cNvPicPr>
-            <a:picLocks noChangeAspect="1"/>
-          </p:cNvPicPr>
-          <p:nvPr/>
-        </p:nvPicPr>
-        <p:blipFill>
-          <a:blip r:embed="rId2" cstate="print">
-            <a:extLst>
-              <a:ext uri="{28A0092B-C50C-407E-A947-70E740481C1C}">
-                <a14:useLocalDpi xmlns:a14="http://schemas.microsoft.com/office/drawing/2010/main" val="0"/>
-              </a:ext>
-            </a:extLst>
-          </a:blip>
-          <a:stretch>
-            <a:fillRect/>
-          </a:stretch>
-        </p:blipFill>
-        <p:spPr>
-          <a:xfrm>
-            <a:off x="6880124" y="497064"/>
-            <a:ext cx="1364284" cy="601890"/>
-          </a:xfrm>
-          <a:prstGeom prst="rect">
-            <a:avLst/>
-          </a:prstGeom>
-        </p:spPr>
-      </p:pic>
-      <p:pic>
-        <p:nvPicPr>
-          <p:cNvPr id="7" name="4 Imagen"/>
-          <p:cNvPicPr>
-            <a:picLocks noChangeAspect="1"/>
-          </p:cNvPicPr>
-          <p:nvPr/>
-        </p:nvPicPr>
-        <p:blipFill>
-          <a:blip r:embed="rId3">
-            <a:extLst>
-              <a:ext uri="{28A0092B-C50C-407E-A947-70E740481C1C}">
-                <a14:useLocalDpi xmlns:a14="http://schemas.microsoft.com/office/drawing/2010/main" val="0"/>
-              </a:ext>
-            </a:extLst>
-          </a:blip>
-          <a:stretch>
-            <a:fillRect/>
-          </a:stretch>
-        </p:blipFill>
-        <p:spPr>
-          <a:xfrm>
-            <a:off x="971600" y="404664"/>
-            <a:ext cx="580384" cy="749427"/>
-          </a:xfrm>
-          <a:prstGeom prst="rect">
-            <a:avLst/>
-          </a:prstGeom>
-        </p:spPr>
-      </p:pic>
-      <p:sp>
-        <p:nvSpPr>
-          <p:cNvPr id="8" name="6 Marcador de número de diapositiva"/>
-          <p:cNvSpPr>
-            <a:spLocks noGrp="1"/>
-          </p:cNvSpPr>
-          <p:nvPr>
-            <p:ph type="sldNum" sz="quarter" idx="12"/>
-          </p:nvPr>
-        </p:nvSpPr>
-        <p:spPr>
-          <a:xfrm>
-            <a:off x="6553200" y="6356350"/>
-            <a:ext cx="2133600" cy="365125"/>
-          </a:xfrm>
-        </p:spPr>
-        <p:txBody>
-          <a:bodyPr/>
-          <a:lstStyle/>
-          <a:p>
-            <a:r>
-              <a:rPr lang="es-ES" dirty="0" smtClean="0"/>
-              <a:t>7/28</a:t>
-            </a:r>
-            <a:endParaRPr lang="es-ES" dirty="0"/>
-          </a:p>
-        </p:txBody>
-      </p:sp>
-      <p:sp>
-        <p:nvSpPr>
-          <p:cNvPr id="9" name="7 CuadroTexto"/>
-          <p:cNvSpPr txBox="1"/>
-          <p:nvPr/>
-        </p:nvSpPr>
-        <p:spPr>
-          <a:xfrm>
-            <a:off x="3303149" y="1556792"/>
-            <a:ext cx="2714013" cy="861774"/>
-          </a:xfrm>
-          <a:prstGeom prst="rect">
-            <a:avLst/>
-          </a:prstGeom>
-          <a:noFill/>
-        </p:spPr>
-        <p:txBody>
-          <a:bodyPr wrap="none" rtlCol="0">
-            <a:spAutoFit/>
-          </a:bodyPr>
-          <a:lstStyle/>
-          <a:p>
-            <a:r>
-              <a:rPr lang="es-ES" sz="3200" b="1" dirty="0" smtClean="0">
-                <a:solidFill>
-                  <a:srgbClr val="586E2C"/>
-                </a:solidFill>
-              </a:rPr>
-              <a:t>Interfaz gráfica</a:t>
-            </a:r>
-            <a:endParaRPr lang="es-ES" sz="3200" b="1" dirty="0">
-              <a:solidFill>
-                <a:srgbClr val="586E2C"/>
-              </a:solidFill>
-            </a:endParaRPr>
-          </a:p>
-          <a:p>
-            <a:endParaRPr lang="es-ES" dirty="0"/>
-          </a:p>
-        </p:txBody>
-      </p:sp>
-      <p:pic>
-        <p:nvPicPr>
-          <p:cNvPr id="10" name="Imagen 9"/>
-          <p:cNvPicPr>
-            <a:picLocks noChangeAspect="1"/>
-          </p:cNvPicPr>
-          <p:nvPr/>
-        </p:nvPicPr>
-        <p:blipFill>
-          <a:blip r:embed="rId4"/>
-          <a:stretch>
-            <a:fillRect/>
-          </a:stretch>
-        </p:blipFill>
-        <p:spPr>
-          <a:xfrm>
-            <a:off x="5450102" y="2536877"/>
-            <a:ext cx="2730615" cy="3500789"/>
-          </a:xfrm>
-          <a:prstGeom prst="rect">
-            <a:avLst/>
-          </a:prstGeom>
-        </p:spPr>
-      </p:pic>
-      <p:sp>
-        <p:nvSpPr>
-          <p:cNvPr id="11" name="2 Marcador de contenido"/>
-          <p:cNvSpPr txBox="1">
-            <a:spLocks/>
-          </p:cNvSpPr>
-          <p:nvPr/>
-        </p:nvSpPr>
-        <p:spPr>
-          <a:xfrm>
-            <a:off x="539552" y="2708920"/>
-            <a:ext cx="4458693" cy="3561259"/>
-          </a:xfrm>
-          <a:prstGeom prst="rect">
-            <a:avLst/>
-          </a:prstGeom>
-        </p:spPr>
-        <p:txBody>
-          <a:bodyPr vert="horz" lIns="91440" tIns="45720" rIns="91440" bIns="45720" rtlCol="0">
-            <a:normAutofit/>
-          </a:bodyPr>
-          <a:lstStyle>
-            <a:lvl1pPr marL="342900" indent="-342900" algn="l" defTabSz="914400" rtl="0" eaLnBrk="1" latinLnBrk="0" hangingPunct="1">
-              <a:spcBef>
-                <a:spcPct val="20000"/>
-              </a:spcBef>
-              <a:buFont typeface="Arial" panose="020B0604020202020204" pitchFamily="34" charset="0"/>
-              <a:buChar char="•"/>
-              <a:defRPr sz="3200" kern="1200">
-                <a:solidFill>
-                  <a:schemeClr val="tx1"/>
-                </a:solidFill>
-                <a:latin typeface="+mn-lt"/>
-                <a:ea typeface="+mn-ea"/>
-                <a:cs typeface="+mn-cs"/>
-              </a:defRPr>
-            </a:lvl1pPr>
-            <a:lvl2pPr marL="742950" indent="-285750" algn="l" defTabSz="914400" rtl="0" eaLnBrk="1" latinLnBrk="0" hangingPunct="1">
-              <a:spcBef>
-                <a:spcPct val="20000"/>
-              </a:spcBef>
-              <a:buFont typeface="Arial" panose="020B0604020202020204" pitchFamily="34" charset="0"/>
-              <a:buChar char="–"/>
-              <a:defRPr sz="2800" kern="1200">
-                <a:solidFill>
-                  <a:schemeClr val="tx1"/>
-                </a:solidFill>
-                <a:latin typeface="+mn-lt"/>
-                <a:ea typeface="+mn-ea"/>
-                <a:cs typeface="+mn-cs"/>
-              </a:defRPr>
-            </a:lvl2pPr>
-            <a:lvl3pPr marL="1143000" indent="-228600" algn="l" defTabSz="914400" rtl="0" eaLnBrk="1" latinLnBrk="0" hangingPunct="1">
-              <a:spcBef>
-                <a:spcPct val="20000"/>
-              </a:spcBef>
-              <a:buFont typeface="Arial" panose="020B0604020202020204" pitchFamily="34" charset="0"/>
-              <a:buChar char="•"/>
-              <a:defRPr sz="2400" kern="1200">
-                <a:solidFill>
-                  <a:schemeClr val="tx1"/>
-                </a:solidFill>
-                <a:latin typeface="+mn-lt"/>
-                <a:ea typeface="+mn-ea"/>
-                <a:cs typeface="+mn-cs"/>
-              </a:defRPr>
-            </a:lvl3pPr>
-            <a:lvl4pPr marL="1600200" indent="-228600" algn="l" defTabSz="914400" rtl="0" eaLnBrk="1" latinLnBrk="0" hangingPunct="1">
-              <a:spcBef>
-                <a:spcPct val="20000"/>
-              </a:spcBef>
-              <a:buFont typeface="Arial" panose="020B0604020202020204" pitchFamily="34" charset="0"/>
-              <a:buChar char="–"/>
-              <a:defRPr sz="2000" kern="1200">
-                <a:solidFill>
-                  <a:schemeClr val="tx1"/>
-                </a:solidFill>
-                <a:latin typeface="+mn-lt"/>
-                <a:ea typeface="+mn-ea"/>
-                <a:cs typeface="+mn-cs"/>
-              </a:defRPr>
-            </a:lvl4pPr>
-            <a:lvl5pPr marL="2057400" indent="-228600" algn="l" defTabSz="914400" rtl="0" eaLnBrk="1" latinLnBrk="0" hangingPunct="1">
-              <a:spcBef>
-                <a:spcPct val="20000"/>
-              </a:spcBef>
-              <a:buFont typeface="Arial" panose="020B0604020202020204" pitchFamily="34" charset="0"/>
-              <a:buChar char="»"/>
-              <a:defRPr sz="2000" kern="1200">
-                <a:solidFill>
-                  <a:schemeClr val="tx1"/>
-                </a:solidFill>
-                <a:latin typeface="+mn-lt"/>
-                <a:ea typeface="+mn-ea"/>
-                <a:cs typeface="+mn-cs"/>
-              </a:defRPr>
-            </a:lvl5pPr>
-            <a:lvl6pPr marL="2514600" indent="-228600" algn="l" defTabSz="914400" rtl="0" eaLnBrk="1" latinLnBrk="0" hangingPunct="1">
-              <a:spcBef>
-                <a:spcPct val="20000"/>
-              </a:spcBef>
-              <a:buFont typeface="Arial" panose="020B0604020202020204" pitchFamily="34" charset="0"/>
-              <a:buChar char="•"/>
-              <a:defRPr sz="2000" kern="1200">
-                <a:solidFill>
-                  <a:schemeClr val="tx1"/>
-                </a:solidFill>
-                <a:latin typeface="+mn-lt"/>
-                <a:ea typeface="+mn-ea"/>
-                <a:cs typeface="+mn-cs"/>
-              </a:defRPr>
-            </a:lvl6pPr>
-            <a:lvl7pPr marL="2971800" indent="-228600" algn="l" defTabSz="914400" rtl="0" eaLnBrk="1" latinLnBrk="0" hangingPunct="1">
-              <a:spcBef>
-                <a:spcPct val="20000"/>
-              </a:spcBef>
-              <a:buFont typeface="Arial" panose="020B0604020202020204" pitchFamily="34" charset="0"/>
-              <a:buChar char="•"/>
-              <a:defRPr sz="2000" kern="1200">
-                <a:solidFill>
-                  <a:schemeClr val="tx1"/>
-                </a:solidFill>
-                <a:latin typeface="+mn-lt"/>
-                <a:ea typeface="+mn-ea"/>
-                <a:cs typeface="+mn-cs"/>
-              </a:defRPr>
-            </a:lvl7pPr>
-            <a:lvl8pPr marL="3429000" indent="-228600" algn="l" defTabSz="914400" rtl="0" eaLnBrk="1" latinLnBrk="0" hangingPunct="1">
-              <a:spcBef>
-                <a:spcPct val="20000"/>
-              </a:spcBef>
-              <a:buFont typeface="Arial" panose="020B0604020202020204" pitchFamily="34" charset="0"/>
-              <a:buChar char="•"/>
-              <a:defRPr sz="2000" kern="1200">
-                <a:solidFill>
-                  <a:schemeClr val="tx1"/>
-                </a:solidFill>
-                <a:latin typeface="+mn-lt"/>
-                <a:ea typeface="+mn-ea"/>
-                <a:cs typeface="+mn-cs"/>
-              </a:defRPr>
-            </a:lvl8pPr>
-            <a:lvl9pPr marL="3886200" indent="-228600" algn="l" defTabSz="914400" rtl="0" eaLnBrk="1" latinLnBrk="0" hangingPunct="1">
-              <a:spcBef>
-                <a:spcPct val="20000"/>
-              </a:spcBef>
-              <a:buFont typeface="Arial" panose="020B0604020202020204" pitchFamily="34" charset="0"/>
-              <a:buChar char="•"/>
-              <a:defRPr sz="2000" kern="1200">
-                <a:solidFill>
-                  <a:schemeClr val="tx1"/>
-                </a:solidFill>
-                <a:latin typeface="+mn-lt"/>
-                <a:ea typeface="+mn-ea"/>
-                <a:cs typeface="+mn-cs"/>
-              </a:defRPr>
-            </a:lvl9pPr>
-          </a:lstStyle>
-          <a:p>
-            <a:pPr>
-              <a:buFont typeface="Wingdings" panose="05000000000000000000" pitchFamily="2" charset="2"/>
-              <a:buChar char="§"/>
-            </a:pPr>
-            <a:r>
-              <a:rPr lang="es-ES" sz="2400" dirty="0" smtClean="0"/>
-              <a:t>Imagen de la cámara del coche.</a:t>
-            </a:r>
-          </a:p>
-          <a:p>
-            <a:pPr>
-              <a:buFont typeface="Wingdings" panose="05000000000000000000" pitchFamily="2" charset="2"/>
-              <a:buChar char="§"/>
-            </a:pPr>
-            <a:r>
-              <a:rPr lang="es-ES" sz="2400" dirty="0" smtClean="0"/>
-              <a:t>Botones de manejo del </a:t>
-            </a:r>
-            <a:r>
-              <a:rPr lang="es-ES" sz="2400" i="1" dirty="0" err="1" smtClean="0"/>
-              <a:t>Dataset</a:t>
-            </a:r>
-            <a:r>
-              <a:rPr lang="es-ES" sz="2400" dirty="0" smtClean="0"/>
-              <a:t>. </a:t>
-            </a:r>
-          </a:p>
-          <a:p>
-            <a:pPr>
-              <a:buFont typeface="Wingdings" panose="05000000000000000000" pitchFamily="2" charset="2"/>
-              <a:buChar char="§"/>
-            </a:pPr>
-            <a:r>
-              <a:rPr lang="es-ES" sz="2400" dirty="0" smtClean="0"/>
-              <a:t>Leds indicadores de velocidad.</a:t>
-            </a:r>
-          </a:p>
-          <a:p>
-            <a:pPr>
-              <a:buFont typeface="Wingdings" panose="05000000000000000000" pitchFamily="2" charset="2"/>
-              <a:buChar char="§"/>
-            </a:pPr>
-            <a:r>
-              <a:rPr lang="es-ES" sz="2400" dirty="0" err="1" smtClean="0"/>
-              <a:t>Teleoperador</a:t>
-            </a:r>
-            <a:r>
-              <a:rPr lang="es-ES" sz="2400" dirty="0" smtClean="0"/>
-              <a:t>.</a:t>
-            </a:r>
-          </a:p>
-        </p:txBody>
-      </p:sp>
-    </p:spTree>
-    <p:extLst>
-      <p:ext uri="{BB962C8B-B14F-4D97-AF65-F5344CB8AC3E}">
-        <p14:creationId xmlns:p14="http://schemas.microsoft.com/office/powerpoint/2010/main" val="3984483624"/>
-      </p:ext>
-    </p:extLst>
-  </p:cSld>
-  <p:clrMapOvr>
-    <a:masterClrMapping/>
-  </p:clrMapOvr>
-</p:sld>
-</file>
-
-<file path=ppt/slides/slide9.xml><?xml version="1.0" encoding="utf-8"?>
-<p:sld xmlns:a="http://schemas.openxmlformats.org/drawingml/2006/main" xmlns:r="http://schemas.openxmlformats.org/officeDocument/2006/relationships" xmlns:p="http://schemas.openxmlformats.org/presentationml/2006/main">
-  <p:cSld>
-    <p:spTree>
-      <p:nvGrpSpPr>
-        <p:cNvPr id="1" name=""/>
-        <p:cNvGrpSpPr/>
-        <p:nvPr/>
-      </p:nvGrpSpPr>
-      <p:grpSpPr>
-        <a:xfrm>
-          <a:off x="0" y="0"/>
-          <a:ext cx="0" cy="0"/>
-          <a:chOff x="0" y="0"/>
-          <a:chExt cx="0" cy="0"/>
-        </a:xfrm>
-      </p:grpSpPr>
       <p:sp>
         <p:nvSpPr>
           <p:cNvPr id="2" name="1 Título"/>
@@ -13478,8 +12313,8 @@
           <a:lstStyle/>
           <a:p>
             <a:r>
-              <a:rPr lang="es-ES" dirty="0" smtClean="0"/>
-              <a:t>8/28</a:t>
+              <a:rPr lang="es-ES" dirty="0"/>
+              <a:t>7/26</a:t>
             </a:r>
             <a:endParaRPr lang="es-ES" dirty="0"/>
           </a:p>
@@ -13489,6 +12324,338 @@
     <p:extLst>
       <p:ext uri="{BB962C8B-B14F-4D97-AF65-F5344CB8AC3E}">
         <p14:creationId xmlns:p14="http://schemas.microsoft.com/office/powerpoint/2010/main" val="4186414234"/>
+      </p:ext>
+    </p:extLst>
+  </p:cSld>
+  <p:clrMapOvr>
+    <a:masterClrMapping/>
+  </p:clrMapOvr>
+  <p:timing>
+    <p:tnLst>
+      <p:par>
+        <p:cTn id="1" dur="indefinite" restart="never" nodeType="tmRoot"/>
+      </p:par>
+    </p:tnLst>
+  </p:timing>
+</p:sld>
+</file>
+
+<file path=ppt/slides/slide9.xml><?xml version="1.0" encoding="utf-8"?>
+<p:sld xmlns:a="http://schemas.openxmlformats.org/drawingml/2006/main" xmlns:r="http://schemas.openxmlformats.org/officeDocument/2006/relationships" xmlns:p="http://schemas.openxmlformats.org/presentationml/2006/main">
+  <p:cSld>
+    <p:spTree>
+      <p:nvGrpSpPr>
+        <p:cNvPr id="1" name=""/>
+        <p:cNvGrpSpPr/>
+        <p:nvPr/>
+      </p:nvGrpSpPr>
+      <p:grpSpPr>
+        <a:xfrm>
+          <a:off x="0" y="0"/>
+          <a:ext cx="0" cy="0"/>
+          <a:chOff x="0" y="0"/>
+          <a:chExt cx="0" cy="0"/>
+        </a:xfrm>
+      </p:grpSpPr>
+      <p:sp>
+        <p:nvSpPr>
+          <p:cNvPr id="3" name="2 Marcador de contenido"/>
+          <p:cNvSpPr>
+            <a:spLocks noGrp="1"/>
+          </p:cNvSpPr>
+          <p:nvPr>
+            <p:ph idx="1"/>
+          </p:nvPr>
+        </p:nvSpPr>
+        <p:spPr>
+          <a:xfrm>
+            <a:off x="881755" y="2669100"/>
+            <a:ext cx="7996960" cy="3777283"/>
+          </a:xfrm>
+        </p:spPr>
+        <p:txBody>
+          <a:bodyPr>
+            <a:normAutofit/>
+          </a:bodyPr>
+          <a:lstStyle/>
+          <a:p>
+            <a:pPr>
+              <a:buFont typeface="Wingdings" panose="05000000000000000000" pitchFamily="2" charset="2"/>
+              <a:buChar char="§"/>
+            </a:pPr>
+            <a:r>
+              <a:rPr lang="es-ES" sz="2400" dirty="0"/>
+              <a:t>Buenos resultados en </a:t>
+            </a:r>
+            <a:r>
+              <a:rPr lang="es-ES" sz="2400" dirty="0" smtClean="0"/>
+              <a:t>métricas neuronales </a:t>
+            </a:r>
+            <a:r>
+              <a:rPr lang="es-ES" sz="2400" dirty="0"/>
+              <a:t>no implican buen rendimiento</a:t>
+            </a:r>
+            <a:r>
+              <a:rPr lang="es-ES" sz="2400" dirty="0" smtClean="0"/>
+              <a:t>.</a:t>
+            </a:r>
+          </a:p>
+          <a:p>
+            <a:pPr>
+              <a:buFont typeface="Wingdings" panose="05000000000000000000" pitchFamily="2" charset="2"/>
+              <a:buChar char="§"/>
+            </a:pPr>
+            <a:r>
+              <a:rPr lang="es-ES" sz="2400" dirty="0" smtClean="0"/>
+              <a:t>Imágenes de distintas dimensiones:</a:t>
+            </a:r>
+          </a:p>
+          <a:p>
+            <a:pPr lvl="1">
+              <a:buFont typeface="Wingdings" panose="05000000000000000000" pitchFamily="2" charset="2"/>
+              <a:buChar char="§"/>
+            </a:pPr>
+            <a:r>
+              <a:rPr lang="es-ES" sz="2000" dirty="0"/>
+              <a:t>La imagen recortada mejora el rendimiento.</a:t>
+            </a:r>
+          </a:p>
+          <a:p>
+            <a:pPr marL="457200" lvl="1" indent="0">
+              <a:buNone/>
+            </a:pPr>
+            <a:endParaRPr lang="es-ES" sz="2000" dirty="0" smtClean="0"/>
+          </a:p>
+          <a:p>
+            <a:pPr>
+              <a:buFont typeface="Wingdings" panose="05000000000000000000" pitchFamily="2" charset="2"/>
+              <a:buChar char="§"/>
+            </a:pPr>
+            <a:endParaRPr lang="es-ES" sz="2400" dirty="0" smtClean="0"/>
+          </a:p>
+        </p:txBody>
+      </p:sp>
+      <p:cxnSp>
+        <p:nvCxnSpPr>
+          <p:cNvPr id="4" name="3 Conector recto"/>
+          <p:cNvCxnSpPr/>
+          <p:nvPr/>
+        </p:nvCxnSpPr>
+        <p:spPr>
+          <a:xfrm>
+            <a:off x="453779" y="1268760"/>
+            <a:ext cx="8424936" cy="0"/>
+          </a:xfrm>
+          <a:prstGeom prst="line">
+            <a:avLst/>
+          </a:prstGeom>
+        </p:spPr>
+        <p:style>
+          <a:lnRef idx="1">
+            <a:schemeClr val="dk1"/>
+          </a:lnRef>
+          <a:fillRef idx="0">
+            <a:schemeClr val="dk1"/>
+          </a:fillRef>
+          <a:effectRef idx="0">
+            <a:schemeClr val="dk1"/>
+          </a:effectRef>
+          <a:fontRef idx="minor">
+            <a:schemeClr val="tx1"/>
+          </a:fontRef>
+        </p:style>
+      </p:cxnSp>
+      <p:pic>
+        <p:nvPicPr>
+          <p:cNvPr id="5" name="4 Imagen"/>
+          <p:cNvPicPr>
+            <a:picLocks noChangeAspect="1"/>
+          </p:cNvPicPr>
+          <p:nvPr/>
+        </p:nvPicPr>
+        <p:blipFill>
+          <a:blip r:embed="rId2">
+            <a:extLst>
+              <a:ext uri="{28A0092B-C50C-407E-A947-70E740481C1C}">
+                <a14:useLocalDpi xmlns:a14="http://schemas.microsoft.com/office/drawing/2010/main" val="0"/>
+              </a:ext>
+            </a:extLst>
+          </a:blip>
+          <a:stretch>
+            <a:fillRect/>
+          </a:stretch>
+        </p:blipFill>
+        <p:spPr>
+          <a:xfrm>
+            <a:off x="971600" y="404664"/>
+            <a:ext cx="580384" cy="749427"/>
+          </a:xfrm>
+          <a:prstGeom prst="rect">
+            <a:avLst/>
+          </a:prstGeom>
+        </p:spPr>
+      </p:pic>
+      <p:pic>
+        <p:nvPicPr>
+          <p:cNvPr id="6" name="5 Imagen"/>
+          <p:cNvPicPr>
+            <a:picLocks noChangeAspect="1"/>
+          </p:cNvPicPr>
+          <p:nvPr/>
+        </p:nvPicPr>
+        <p:blipFill>
+          <a:blip r:embed="rId3" cstate="print">
+            <a:extLst>
+              <a:ext uri="{28A0092B-C50C-407E-A947-70E740481C1C}">
+                <a14:useLocalDpi xmlns:a14="http://schemas.microsoft.com/office/drawing/2010/main" val="0"/>
+              </a:ext>
+            </a:extLst>
+          </a:blip>
+          <a:stretch>
+            <a:fillRect/>
+          </a:stretch>
+        </p:blipFill>
+        <p:spPr>
+          <a:xfrm>
+            <a:off x="6880124" y="497064"/>
+            <a:ext cx="1364284" cy="601890"/>
+          </a:xfrm>
+          <a:prstGeom prst="rect">
+            <a:avLst/>
+          </a:prstGeom>
+        </p:spPr>
+      </p:pic>
+      <p:sp>
+        <p:nvSpPr>
+          <p:cNvPr id="7" name="6 Marcador de número de diapositiva"/>
+          <p:cNvSpPr>
+            <a:spLocks noGrp="1"/>
+          </p:cNvSpPr>
+          <p:nvPr>
+            <p:ph type="sldNum" sz="quarter" idx="12"/>
+          </p:nvPr>
+        </p:nvSpPr>
+        <p:spPr/>
+        <p:txBody>
+          <a:bodyPr/>
+          <a:lstStyle/>
+          <a:p>
+            <a:r>
+              <a:rPr lang="es-ES" dirty="0" smtClean="0"/>
+              <a:t>8</a:t>
+            </a:r>
+            <a:r>
+              <a:rPr lang="es-ES" dirty="0"/>
+              <a:t>/26</a:t>
+            </a:r>
+            <a:endParaRPr lang="es-ES" dirty="0"/>
+          </a:p>
+        </p:txBody>
+      </p:sp>
+      <p:sp>
+        <p:nvSpPr>
+          <p:cNvPr id="8" name="7 CuadroTexto"/>
+          <p:cNvSpPr txBox="1"/>
+          <p:nvPr/>
+        </p:nvSpPr>
+        <p:spPr>
+          <a:xfrm>
+            <a:off x="3308577" y="1807326"/>
+            <a:ext cx="2526846" cy="861774"/>
+          </a:xfrm>
+          <a:prstGeom prst="rect">
+            <a:avLst/>
+          </a:prstGeom>
+          <a:noFill/>
+        </p:spPr>
+        <p:txBody>
+          <a:bodyPr wrap="none" rtlCol="0">
+            <a:spAutoFit/>
+          </a:bodyPr>
+          <a:lstStyle/>
+          <a:p>
+            <a:r>
+              <a:rPr lang="es-ES" sz="3200" b="1" dirty="0" smtClean="0">
+                <a:solidFill>
+                  <a:srgbClr val="586E2C"/>
+                </a:solidFill>
+              </a:rPr>
+              <a:t>Experimentos</a:t>
+            </a:r>
+            <a:endParaRPr lang="es-ES" sz="3200" dirty="0"/>
+          </a:p>
+          <a:p>
+            <a:endParaRPr lang="es-ES" dirty="0"/>
+          </a:p>
+        </p:txBody>
+      </p:sp>
+      <p:sp>
+        <p:nvSpPr>
+          <p:cNvPr id="11" name="1 Título"/>
+          <p:cNvSpPr>
+            <a:spLocks noGrp="1"/>
+          </p:cNvSpPr>
+          <p:nvPr>
+            <p:ph type="title"/>
+          </p:nvPr>
+        </p:nvSpPr>
+        <p:spPr>
+          <a:xfrm>
+            <a:off x="457200" y="274638"/>
+            <a:ext cx="8229600" cy="1143000"/>
+          </a:xfrm>
+        </p:spPr>
+        <p:txBody>
+          <a:bodyPr>
+            <a:normAutofit/>
+          </a:bodyPr>
+          <a:lstStyle/>
+          <a:p>
+            <a:pPr algn="l"/>
+            <a:r>
+              <a:rPr lang="es-ES" dirty="0" smtClean="0">
+                <a:solidFill>
+                  <a:srgbClr val="0070C0"/>
+                </a:solidFill>
+              </a:rPr>
+              <a:t>          Redes de clasificación </a:t>
+            </a:r>
+            <a:endParaRPr lang="es-ES" dirty="0">
+              <a:solidFill>
+                <a:srgbClr val="0070C0"/>
+              </a:solidFill>
+            </a:endParaRPr>
+          </a:p>
+        </p:txBody>
+      </p:sp>
+      <p:pic>
+        <p:nvPicPr>
+          <p:cNvPr id="2" name="Imagen 1"/>
+          <p:cNvPicPr>
+            <a:picLocks noChangeAspect="1"/>
+          </p:cNvPicPr>
+          <p:nvPr/>
+        </p:nvPicPr>
+        <p:blipFill>
+          <a:blip r:embed="rId4"/>
+          <a:stretch>
+            <a:fillRect/>
+          </a:stretch>
+        </p:blipFill>
+        <p:spPr>
+          <a:xfrm>
+            <a:off x="2069544" y="4560737"/>
+            <a:ext cx="4789512" cy="1888591"/>
+          </a:xfrm>
+          <a:prstGeom prst="rect">
+            <a:avLst/>
+          </a:prstGeom>
+        </p:spPr>
+      </p:pic>
+    </p:spTree>
+    <p:extLst>
+      <p:ext uri="{BB962C8B-B14F-4D97-AF65-F5344CB8AC3E}">
+        <p14:creationId xmlns:p14="http://schemas.microsoft.com/office/powerpoint/2010/main" val="1410363966"/>
       </p:ext>
     </p:extLst>
   </p:cSld>

--- a/Memoria/Presentación.pptx
+++ b/Memoria/Presentación.pptx
@@ -5,7 +5,7 @@
     <p:sldMasterId id="2147483672" r:id="rId1"/>
   </p:sldMasterIdLst>
   <p:notesMasterIdLst>
-    <p:notesMasterId r:id="rId29"/>
+    <p:notesMasterId r:id="rId25"/>
   </p:notesMasterIdLst>
   <p:sldIdLst>
     <p:sldId id="256" r:id="rId2"/>
@@ -22,19 +22,15 @@
     <p:sldId id="286" r:id="rId13"/>
     <p:sldId id="287" r:id="rId14"/>
     <p:sldId id="288" r:id="rId15"/>
-    <p:sldId id="266" r:id="rId16"/>
-    <p:sldId id="267" r:id="rId17"/>
-    <p:sldId id="268" r:id="rId18"/>
-    <p:sldId id="289" r:id="rId19"/>
-    <p:sldId id="290" r:id="rId20"/>
-    <p:sldId id="291" r:id="rId21"/>
-    <p:sldId id="292" r:id="rId22"/>
-    <p:sldId id="293" r:id="rId23"/>
-    <p:sldId id="272" r:id="rId24"/>
-    <p:sldId id="273" r:id="rId25"/>
-    <p:sldId id="279" r:id="rId26"/>
-    <p:sldId id="280" r:id="rId27"/>
-    <p:sldId id="281" r:id="rId28"/>
+    <p:sldId id="268" r:id="rId16"/>
+    <p:sldId id="289" r:id="rId17"/>
+    <p:sldId id="290" r:id="rId18"/>
+    <p:sldId id="291" r:id="rId19"/>
+    <p:sldId id="292" r:id="rId20"/>
+    <p:sldId id="293" r:id="rId21"/>
+    <p:sldId id="279" r:id="rId22"/>
+    <p:sldId id="280" r:id="rId23"/>
+    <p:sldId id="281" r:id="rId24"/>
   </p:sldIdLst>
   <p:sldSz cx="9144000" cy="6858000" type="screen4x3"/>
   <p:notesSz cx="6858000" cy="9144000"/>
@@ -234,7 +230,7 @@
           <a:p>
             <a:fld id="{7799B470-7265-476E-AEAE-B994A4C99C3B}" type="datetimeFigureOut">
               <a:rPr lang="es-ES" smtClean="0"/>
-              <a:t>22/07/2019</a:t>
+              <a:t>23/07/2019</a:t>
             </a:fld>
             <a:endParaRPr lang="es-ES"/>
           </a:p>
@@ -767,7 +763,7 @@
           <a:p>
             <a:fld id="{FAC0EC8D-17F2-4955-98FB-8B3A05AE6EC2}" type="datetimeFigureOut">
               <a:rPr lang="es-ES" smtClean="0"/>
-              <a:t>22/07/2019</a:t>
+              <a:t>23/07/2019</a:t>
             </a:fld>
             <a:endParaRPr lang="es-ES"/>
           </a:p>
@@ -937,7 +933,7 @@
           <a:p>
             <a:fld id="{FAC0EC8D-17F2-4955-98FB-8B3A05AE6EC2}" type="datetimeFigureOut">
               <a:rPr lang="es-ES" smtClean="0"/>
-              <a:t>22/07/2019</a:t>
+              <a:t>23/07/2019</a:t>
             </a:fld>
             <a:endParaRPr lang="es-ES"/>
           </a:p>
@@ -1117,7 +1113,7 @@
           <a:p>
             <a:fld id="{FAC0EC8D-17F2-4955-98FB-8B3A05AE6EC2}" type="datetimeFigureOut">
               <a:rPr lang="es-ES" smtClean="0"/>
-              <a:t>22/07/2019</a:t>
+              <a:t>23/07/2019</a:t>
             </a:fld>
             <a:endParaRPr lang="es-ES"/>
           </a:p>
@@ -1287,7 +1283,7 @@
           <a:p>
             <a:fld id="{FAC0EC8D-17F2-4955-98FB-8B3A05AE6EC2}" type="datetimeFigureOut">
               <a:rPr lang="es-ES" smtClean="0"/>
-              <a:t>22/07/2019</a:t>
+              <a:t>23/07/2019</a:t>
             </a:fld>
             <a:endParaRPr lang="es-ES"/>
           </a:p>
@@ -1533,7 +1529,7 @@
           <a:p>
             <a:fld id="{FAC0EC8D-17F2-4955-98FB-8B3A05AE6EC2}" type="datetimeFigureOut">
               <a:rPr lang="es-ES" smtClean="0"/>
-              <a:t>22/07/2019</a:t>
+              <a:t>23/07/2019</a:t>
             </a:fld>
             <a:endParaRPr lang="es-ES"/>
           </a:p>
@@ -1821,7 +1817,7 @@
           <a:p>
             <a:fld id="{FAC0EC8D-17F2-4955-98FB-8B3A05AE6EC2}" type="datetimeFigureOut">
               <a:rPr lang="es-ES" smtClean="0"/>
-              <a:t>22/07/2019</a:t>
+              <a:t>23/07/2019</a:t>
             </a:fld>
             <a:endParaRPr lang="es-ES"/>
           </a:p>
@@ -2243,7 +2239,7 @@
           <a:p>
             <a:fld id="{FAC0EC8D-17F2-4955-98FB-8B3A05AE6EC2}" type="datetimeFigureOut">
               <a:rPr lang="es-ES" smtClean="0"/>
-              <a:t>22/07/2019</a:t>
+              <a:t>23/07/2019</a:t>
             </a:fld>
             <a:endParaRPr lang="es-ES"/>
           </a:p>
@@ -2361,7 +2357,7 @@
           <a:p>
             <a:fld id="{FAC0EC8D-17F2-4955-98FB-8B3A05AE6EC2}" type="datetimeFigureOut">
               <a:rPr lang="es-ES" smtClean="0"/>
-              <a:t>22/07/2019</a:t>
+              <a:t>23/07/2019</a:t>
             </a:fld>
             <a:endParaRPr lang="es-ES"/>
           </a:p>
@@ -2456,7 +2452,7 @@
           <a:p>
             <a:fld id="{FAC0EC8D-17F2-4955-98FB-8B3A05AE6EC2}" type="datetimeFigureOut">
               <a:rPr lang="es-ES" smtClean="0"/>
-              <a:t>22/07/2019</a:t>
+              <a:t>23/07/2019</a:t>
             </a:fld>
             <a:endParaRPr lang="es-ES"/>
           </a:p>
@@ -2733,7 +2729,7 @@
           <a:p>
             <a:fld id="{FAC0EC8D-17F2-4955-98FB-8B3A05AE6EC2}" type="datetimeFigureOut">
               <a:rPr lang="es-ES" smtClean="0"/>
-              <a:t>22/07/2019</a:t>
+              <a:t>23/07/2019</a:t>
             </a:fld>
             <a:endParaRPr lang="es-ES"/>
           </a:p>
@@ -2986,7 +2982,7 @@
           <a:p>
             <a:fld id="{FAC0EC8D-17F2-4955-98FB-8B3A05AE6EC2}" type="datetimeFigureOut">
               <a:rPr lang="es-ES" smtClean="0"/>
-              <a:t>22/07/2019</a:t>
+              <a:t>23/07/2019</a:t>
             </a:fld>
             <a:endParaRPr lang="es-ES"/>
           </a:p>
@@ -3199,7 +3195,7 @@
           <a:p>
             <a:fld id="{FAC0EC8D-17F2-4955-98FB-8B3A05AE6EC2}" type="datetimeFigureOut">
               <a:rPr lang="es-ES" smtClean="0"/>
-              <a:t>22/07/2019</a:t>
+              <a:t>23/07/2019</a:t>
             </a:fld>
             <a:endParaRPr lang="es-ES"/>
           </a:p>
@@ -3923,11 +3919,7 @@
           <a:p>
             <a:r>
               <a:rPr lang="es-ES" dirty="0" smtClean="0"/>
-              <a:t>9</a:t>
-            </a:r>
-            <a:r>
-              <a:rPr lang="es-ES" dirty="0"/>
-              <a:t>/26</a:t>
+              <a:t>9/22</a:t>
             </a:r>
             <a:endParaRPr lang="es-ES" dirty="0"/>
           </a:p>
@@ -4227,8 +4219,8 @@
           <a:lstStyle/>
           <a:p>
             <a:r>
-              <a:rPr lang="es-ES" dirty="0"/>
-              <a:t>10/26</a:t>
+              <a:rPr lang="es-ES" dirty="0" smtClean="0"/>
+              <a:t>10/22</a:t>
             </a:r>
             <a:endParaRPr lang="es-ES" dirty="0"/>
           </a:p>
@@ -4574,8 +4566,8 @@
           <a:lstStyle/>
           <a:p>
             <a:r>
-              <a:rPr lang="es-ES" dirty="0"/>
-              <a:t>11/26</a:t>
+              <a:rPr lang="es-ES" dirty="0" smtClean="0"/>
+              <a:t>11/22</a:t>
             </a:r>
             <a:endParaRPr lang="es-ES" dirty="0"/>
           </a:p>
@@ -4888,8 +4880,8 @@
           <a:lstStyle/>
           <a:p>
             <a:r>
-              <a:rPr lang="es-ES" dirty="0"/>
-              <a:t>12/26</a:t>
+              <a:rPr lang="es-ES" dirty="0" smtClean="0"/>
+              <a:t>12/22</a:t>
             </a:r>
             <a:endParaRPr lang="es-ES" dirty="0"/>
           </a:p>
@@ -5244,8 +5236,8 @@
           <a:lstStyle/>
           <a:p>
             <a:r>
-              <a:rPr lang="es-ES" dirty="0"/>
-              <a:t>13/26</a:t>
+              <a:rPr lang="es-ES" dirty="0" smtClean="0"/>
+              <a:t>13/22</a:t>
             </a:r>
             <a:endParaRPr lang="es-ES" dirty="0"/>
           </a:p>
@@ -5451,13 +5443,13 @@
         </p:nvSpPr>
         <p:spPr>
           <a:xfrm>
-            <a:off x="1248255" y="3035277"/>
-            <a:ext cx="7643192" cy="3705275"/>
+            <a:off x="755576" y="1845248"/>
+            <a:ext cx="8229600" cy="4511102"/>
           </a:xfrm>
         </p:spPr>
         <p:txBody>
           <a:bodyPr>
-            <a:normAutofit/>
+            <a:normAutofit fontScale="92500" lnSpcReduction="10000"/>
           </a:bodyPr>
           <a:lstStyle/>
           <a:p>
@@ -5466,20 +5458,16 @@
               <a:buChar char="§"/>
             </a:pPr>
             <a:r>
-              <a:rPr lang="es-ES" sz="2400" dirty="0"/>
-              <a:t>Red 5v+7w sesgada.</a:t>
-            </a:r>
-            <a:endParaRPr lang="es-ES" sz="2400" dirty="0" smtClean="0"/>
+              <a:rPr lang="es-ES" sz="2400" dirty="0" smtClean="0"/>
+              <a:t>Predecir valores de velocidades.</a:t>
+            </a:r>
           </a:p>
           <a:p>
             <a:pPr>
               <a:buFont typeface="Wingdings" panose="05000000000000000000" pitchFamily="2" charset="2"/>
               <a:buChar char="§"/>
             </a:pPr>
-            <a:r>
-              <a:rPr lang="es-ES" sz="2400" dirty="0" smtClean="0"/>
-              <a:t>Estimar velocidades del vehículo.</a:t>
-            </a:r>
+            <a:endParaRPr lang="es-ES" sz="2400" dirty="0" smtClean="0"/>
           </a:p>
           <a:p>
             <a:pPr>
@@ -5487,17 +5475,206 @@
               <a:buChar char="§"/>
             </a:pPr>
             <a:r>
-              <a:rPr lang="es-ES" sz="2400" dirty="0"/>
-              <a:t>Entrenamiento </a:t>
-            </a:r>
-            <a:r>
               <a:rPr lang="es-ES" sz="2400" dirty="0" smtClean="0"/>
-              <a:t>complejo al combinar redes de v y de w en el pilotaje.</a:t>
-            </a:r>
-            <a:endParaRPr lang="es-ES" sz="2400" dirty="0"/>
-          </a:p>
-          <a:p>
-            <a:pPr marL="0" indent="0">
+              <a:t>Arquitecturas de red:</a:t>
+            </a:r>
+          </a:p>
+          <a:p>
+            <a:pPr lvl="1">
+              <a:buFont typeface="Wingdings" panose="05000000000000000000" pitchFamily="2" charset="2"/>
+              <a:buChar char="§"/>
+            </a:pPr>
+            <a:r>
+              <a:rPr lang="es-ES" sz="2000" i="1" dirty="0" err="1" smtClean="0"/>
+              <a:t>PilotNet</a:t>
+            </a:r>
+            <a:r>
+              <a:rPr lang="es-ES" sz="2000" dirty="0" smtClean="0"/>
+              <a:t>: capa de normalización, 5 capas </a:t>
+            </a:r>
+            <a:r>
+              <a:rPr lang="es-ES" sz="2000" dirty="0" err="1" smtClean="0"/>
+              <a:t>convolucionales</a:t>
+            </a:r>
+            <a:r>
+              <a:rPr lang="es-ES" sz="2000" dirty="0" smtClean="0"/>
+              <a:t>, 3 capas </a:t>
+            </a:r>
+            <a:r>
+              <a:rPr lang="es-ES" sz="2000" dirty="0" err="1" smtClean="0"/>
+              <a:t>fully-connected</a:t>
+            </a:r>
+            <a:r>
+              <a:rPr lang="es-ES" sz="2000" dirty="0" smtClean="0"/>
+              <a:t>.</a:t>
+            </a:r>
+          </a:p>
+          <a:p>
+            <a:pPr lvl="1">
+              <a:buFont typeface="Wingdings" panose="05000000000000000000" pitchFamily="2" charset="2"/>
+              <a:buChar char="§"/>
+            </a:pPr>
+            <a:endParaRPr lang="es-ES" sz="2000" dirty="0" smtClean="0"/>
+          </a:p>
+          <a:p>
+            <a:pPr lvl="1">
+              <a:buFont typeface="Wingdings" panose="05000000000000000000" pitchFamily="2" charset="2"/>
+              <a:buChar char="§"/>
+            </a:pPr>
+            <a:r>
+              <a:rPr lang="es-ES" sz="2000" i="1" dirty="0" err="1" smtClean="0"/>
+              <a:t>TinyPilotNet</a:t>
+            </a:r>
+            <a:r>
+              <a:rPr lang="es-ES" sz="2000" dirty="0" smtClean="0"/>
+              <a:t>: 2 capas </a:t>
+            </a:r>
+            <a:r>
+              <a:rPr lang="es-ES" sz="2000" dirty="0" err="1" smtClean="0"/>
+              <a:t>convolucionales</a:t>
+            </a:r>
+            <a:r>
+              <a:rPr lang="es-ES" sz="2000" dirty="0" smtClean="0"/>
+              <a:t>, capa </a:t>
+            </a:r>
+            <a:r>
+              <a:rPr lang="es-ES" sz="2000" dirty="0" err="1" smtClean="0"/>
+              <a:t>dropout</a:t>
+            </a:r>
+            <a:r>
+              <a:rPr lang="es-ES" sz="2000" dirty="0" smtClean="0"/>
+              <a:t>, 2 capas </a:t>
+            </a:r>
+            <a:r>
+              <a:rPr lang="es-ES" sz="2000" dirty="0" err="1" smtClean="0"/>
+              <a:t>fully-connected</a:t>
+            </a:r>
+            <a:r>
+              <a:rPr lang="es-ES" sz="2000" dirty="0" smtClean="0"/>
+              <a:t>.</a:t>
+            </a:r>
+          </a:p>
+          <a:p>
+            <a:pPr lvl="1">
+              <a:buFont typeface="Wingdings" panose="05000000000000000000" pitchFamily="2" charset="2"/>
+              <a:buChar char="§"/>
+            </a:pPr>
+            <a:endParaRPr lang="es-ES" sz="2000" dirty="0" smtClean="0"/>
+          </a:p>
+          <a:p>
+            <a:pPr lvl="1">
+              <a:buFont typeface="Wingdings" panose="05000000000000000000" pitchFamily="2" charset="2"/>
+              <a:buChar char="§"/>
+            </a:pPr>
+            <a:r>
+              <a:rPr lang="es-ES" sz="2000" i="1" dirty="0" smtClean="0"/>
+              <a:t>LSTM-</a:t>
+            </a:r>
+            <a:r>
+              <a:rPr lang="es-ES" sz="2000" i="1" dirty="0" err="1" smtClean="0"/>
+              <a:t>TinyPilotnet</a:t>
+            </a:r>
+            <a:r>
+              <a:rPr lang="es-ES" sz="2000" dirty="0"/>
+              <a:t>: </a:t>
+            </a:r>
+            <a:r>
+              <a:rPr lang="es-ES" sz="2000" dirty="0" smtClean="0"/>
+              <a:t>3 </a:t>
+            </a:r>
+            <a:r>
+              <a:rPr lang="es-ES" sz="2000" dirty="0"/>
+              <a:t>capas </a:t>
+            </a:r>
+            <a:r>
+              <a:rPr lang="es-ES" sz="2000" dirty="0" err="1"/>
+              <a:t>convolucionales</a:t>
+            </a:r>
+            <a:r>
+              <a:rPr lang="es-ES" sz="2000" dirty="0"/>
+              <a:t>, capa </a:t>
+            </a:r>
+            <a:r>
+              <a:rPr lang="es-ES" sz="2000" dirty="0" smtClean="0"/>
+              <a:t>ConvLSTM2D, 1 capa </a:t>
+            </a:r>
+            <a:r>
+              <a:rPr lang="es-ES" sz="2000" dirty="0" err="1" smtClean="0"/>
+              <a:t>convolucional</a:t>
+            </a:r>
+            <a:r>
+              <a:rPr lang="es-ES" sz="2000" dirty="0" smtClean="0"/>
+              <a:t>, 1 capa </a:t>
+            </a:r>
+            <a:r>
+              <a:rPr lang="es-ES" sz="2000" dirty="0" err="1" smtClean="0"/>
+              <a:t>fully-connected</a:t>
+            </a:r>
+            <a:r>
+              <a:rPr lang="es-ES" sz="2000" dirty="0" smtClean="0"/>
+              <a:t>.</a:t>
+            </a:r>
+          </a:p>
+          <a:p>
+            <a:pPr lvl="1">
+              <a:buFont typeface="Wingdings" panose="05000000000000000000" pitchFamily="2" charset="2"/>
+              <a:buChar char="§"/>
+            </a:pPr>
+            <a:endParaRPr lang="es-ES" sz="2000" dirty="0" smtClean="0"/>
+          </a:p>
+          <a:p>
+            <a:pPr lvl="1">
+              <a:buFont typeface="Wingdings" panose="05000000000000000000" pitchFamily="2" charset="2"/>
+              <a:buChar char="§"/>
+            </a:pPr>
+            <a:r>
+              <a:rPr lang="es-ES" sz="2000" i="1" dirty="0" err="1" smtClean="0"/>
+              <a:t>DeepestLSTM-TinyPilotNet</a:t>
+            </a:r>
+            <a:r>
+              <a:rPr lang="es-ES" sz="2000" dirty="0" smtClean="0"/>
+              <a:t>: </a:t>
+            </a:r>
+            <a:r>
+              <a:rPr lang="es-ES" sz="2000" dirty="0"/>
+              <a:t>3 capas </a:t>
+            </a:r>
+            <a:r>
+              <a:rPr lang="es-ES" sz="2000" dirty="0" err="1" smtClean="0"/>
+              <a:t>convolucionales</a:t>
+            </a:r>
+            <a:r>
+              <a:rPr lang="es-ES" sz="2000" dirty="0" smtClean="0"/>
+              <a:t>, 3 capas ConvLSTM2D, </a:t>
+            </a:r>
+            <a:r>
+              <a:rPr lang="es-ES" sz="2000" dirty="0"/>
+              <a:t>2 capas </a:t>
+            </a:r>
+            <a:r>
+              <a:rPr lang="es-ES" sz="2000" dirty="0" err="1"/>
+              <a:t>fully-connected</a:t>
+            </a:r>
+            <a:r>
+              <a:rPr lang="es-ES" sz="2000" dirty="0"/>
+              <a:t>.</a:t>
+            </a:r>
+            <a:endParaRPr lang="es-ES" sz="2000" i="1" dirty="0" smtClean="0"/>
+          </a:p>
+          <a:p>
+            <a:pPr marL="457200" lvl="1" indent="0">
+              <a:buNone/>
+            </a:pPr>
+            <a:endParaRPr lang="es-ES" sz="2000" dirty="0" smtClean="0"/>
+          </a:p>
+          <a:p>
+            <a:pPr marL="457200" lvl="1" indent="0">
+              <a:buNone/>
+            </a:pPr>
+            <a:endParaRPr lang="es-ES" sz="2000" dirty="0" smtClean="0"/>
+          </a:p>
+          <a:p>
+            <a:pPr marL="457200" lvl="1" indent="0">
               <a:buNone/>
             </a:pPr>
             <a:endParaRPr lang="es-ES" sz="2400" dirty="0" smtClean="0"/>
@@ -5564,9 +5741,32 @@
           </a:prstGeom>
         </p:spPr>
       </p:pic>
+      <p:sp>
+        <p:nvSpPr>
+          <p:cNvPr id="7" name="6 Marcador de número de diapositiva"/>
+          <p:cNvSpPr>
+            <a:spLocks noGrp="1"/>
+          </p:cNvSpPr>
+          <p:nvPr>
+            <p:ph type="sldNum" sz="quarter" idx="12"/>
+          </p:nvPr>
+        </p:nvSpPr>
+        <p:spPr/>
+        <p:txBody>
+          <a:bodyPr/>
+          <a:lstStyle/>
+          <a:p>
+            <a:r>
+              <a:rPr lang="es-ES" dirty="0" smtClean="0"/>
+              <a:t>14/22</a:t>
+            </a:r>
+            <a:endParaRPr lang="es-ES" dirty="0"/>
+          </a:p>
+        </p:txBody>
+      </p:sp>
       <p:pic>
         <p:nvPicPr>
-          <p:cNvPr id="6" name="5 Imagen"/>
+          <p:cNvPr id="11" name="5 Imagen"/>
           <p:cNvPicPr>
             <a:picLocks noChangeAspect="1"/>
           </p:cNvPicPr>
@@ -5586,7 +5786,7 @@
         </p:blipFill>
         <p:spPr>
           <a:xfrm>
-            <a:off x="6880124" y="497064"/>
+            <a:off x="7322516" y="506571"/>
             <a:ext cx="1364284" cy="601890"/>
           </a:xfrm>
           <a:prstGeom prst="rect">
@@ -5596,67 +5796,7 @@
       </p:pic>
       <p:sp>
         <p:nvSpPr>
-          <p:cNvPr id="7" name="6 Marcador de número de diapositiva"/>
-          <p:cNvSpPr>
-            <a:spLocks noGrp="1"/>
-          </p:cNvSpPr>
-          <p:nvPr>
-            <p:ph type="sldNum" sz="quarter" idx="12"/>
-          </p:nvPr>
-        </p:nvSpPr>
-        <p:spPr/>
-        <p:txBody>
-          <a:bodyPr/>
-          <a:lstStyle/>
-          <a:p>
-            <a:r>
-              <a:rPr lang="es-ES" dirty="0"/>
-              <a:t>14/26</a:t>
-            </a:r>
-            <a:endParaRPr lang="es-ES" dirty="0"/>
-          </a:p>
-        </p:txBody>
-      </p:sp>
-      <p:sp>
-        <p:nvSpPr>
-          <p:cNvPr id="8" name="7 CuadroTexto"/>
-          <p:cNvSpPr txBox="1"/>
-          <p:nvPr/>
-        </p:nvSpPr>
-        <p:spPr>
-          <a:xfrm>
-            <a:off x="2339752" y="1926630"/>
-            <a:ext cx="3962688" cy="1077218"/>
-          </a:xfrm>
-          <a:prstGeom prst="rect">
-            <a:avLst/>
-          </a:prstGeom>
-          <a:noFill/>
-        </p:spPr>
-        <p:txBody>
-          <a:bodyPr wrap="none" rtlCol="0">
-            <a:spAutoFit/>
-          </a:bodyPr>
-          <a:lstStyle/>
-          <a:p>
-            <a:r>
-              <a:rPr lang="es-ES" sz="3200" b="1" dirty="0" smtClean="0">
-                <a:solidFill>
-                  <a:srgbClr val="586E2C"/>
-                </a:solidFill>
-              </a:rPr>
-              <a:t>Solución de referencia</a:t>
-            </a:r>
-            <a:endParaRPr lang="es-ES" sz="3200" dirty="0"/>
-          </a:p>
-          <a:p>
-            <a:endParaRPr lang="es-ES" sz="3200" dirty="0"/>
-          </a:p>
-        </p:txBody>
-      </p:sp>
-      <p:sp>
-        <p:nvSpPr>
-          <p:cNvPr id="10" name="1 Título"/>
+          <p:cNvPr id="12" name="1 Título"/>
           <p:cNvSpPr>
             <a:spLocks noGrp="1"/>
           </p:cNvSpPr>
@@ -5683,7 +5823,7 @@
                   <a:srgbClr val="0070C0"/>
                 </a:solidFill>
               </a:rPr>
-              <a:t>          Redes de clasificación </a:t>
+              <a:t>             Redes de regresión </a:t>
             </a:r>
             <a:endParaRPr lang="es-ES" dirty="0">
               <a:solidFill>
@@ -5696,7 +5836,7 @@
     </p:spTree>
     <p:extLst>
       <p:ext uri="{BB962C8B-B14F-4D97-AF65-F5344CB8AC3E}">
-        <p14:creationId xmlns:p14="http://schemas.microsoft.com/office/powerpoint/2010/main" val="3734523681"/>
+        <p14:creationId xmlns:p14="http://schemas.microsoft.com/office/powerpoint/2010/main" val="1313479655"/>
       </p:ext>
     </p:extLst>
   </p:cSld>
@@ -5790,9 +5930,32 @@
           </a:prstGeom>
         </p:spPr>
       </p:pic>
+      <p:sp>
+        <p:nvSpPr>
+          <p:cNvPr id="7" name="6 Marcador de número de diapositiva"/>
+          <p:cNvSpPr>
+            <a:spLocks noGrp="1"/>
+          </p:cNvSpPr>
+          <p:nvPr>
+            <p:ph type="sldNum" sz="quarter" idx="12"/>
+          </p:nvPr>
+        </p:nvSpPr>
+        <p:spPr/>
+        <p:txBody>
+          <a:bodyPr/>
+          <a:lstStyle/>
+          <a:p>
+            <a:r>
+              <a:rPr lang="es-ES" dirty="0" smtClean="0"/>
+              <a:t>15/22</a:t>
+            </a:r>
+            <a:endParaRPr lang="es-ES" dirty="0"/>
+          </a:p>
+        </p:txBody>
+      </p:sp>
       <p:pic>
         <p:nvPicPr>
-          <p:cNvPr id="6" name="5 Imagen"/>
+          <p:cNvPr id="11" name="5 Imagen"/>
           <p:cNvPicPr>
             <a:picLocks noChangeAspect="1"/>
           </p:cNvPicPr>
@@ -5812,7 +5975,7 @@
         </p:blipFill>
         <p:spPr>
           <a:xfrm>
-            <a:off x="6880124" y="497064"/>
+            <a:off x="7322516" y="506571"/>
             <a:ext cx="1364284" cy="601890"/>
           </a:xfrm>
           <a:prstGeom prst="rect">
@@ -5822,24 +5985,40 @@
       </p:pic>
       <p:sp>
         <p:nvSpPr>
-          <p:cNvPr id="7" name="6 Marcador de número de diapositiva"/>
-          <p:cNvSpPr>
-            <a:spLocks noGrp="1"/>
-          </p:cNvSpPr>
-          <p:nvPr>
-            <p:ph type="sldNum" sz="quarter" idx="12"/>
-          </p:nvPr>
-        </p:nvSpPr>
-        <p:spPr/>
-        <p:txBody>
-          <a:bodyPr/>
-          <a:lstStyle/>
-          <a:p>
-            <a:r>
-              <a:rPr lang="es-ES" dirty="0"/>
-              <a:t>15/26</a:t>
-            </a:r>
-            <a:endParaRPr lang="es-ES" dirty="0"/>
+          <p:cNvPr id="12" name="1 Título"/>
+          <p:cNvSpPr>
+            <a:spLocks noGrp="1"/>
+          </p:cNvSpPr>
+          <p:nvPr>
+            <p:ph type="title"/>
+          </p:nvPr>
+        </p:nvSpPr>
+        <p:spPr>
+          <a:xfrm>
+            <a:off x="457200" y="274638"/>
+            <a:ext cx="8229600" cy="1143000"/>
+          </a:xfrm>
+        </p:spPr>
+        <p:txBody>
+          <a:bodyPr>
+            <a:normAutofit/>
+          </a:bodyPr>
+          <a:lstStyle/>
+          <a:p>
+            <a:pPr algn="l"/>
+            <a:r>
+              <a:rPr lang="es-ES" dirty="0" smtClean="0">
+                <a:solidFill>
+                  <a:srgbClr val="0070C0"/>
+                </a:solidFill>
+              </a:rPr>
+              <a:t>             Redes de regresión </a:t>
+            </a:r>
+            <a:endParaRPr lang="es-ES" dirty="0">
+              <a:solidFill>
+                <a:srgbClr val="0070C0"/>
+              </a:solidFill>
+            </a:endParaRPr>
           </a:p>
         </p:txBody>
       </p:sp>
@@ -5851,8 +6030,8 @@
         </p:nvSpPr>
         <p:spPr>
           <a:xfrm>
-            <a:off x="2501145" y="1491750"/>
-            <a:ext cx="3962688" cy="584775"/>
+            <a:off x="3308577" y="1807326"/>
+            <a:ext cx="2526846" cy="861774"/>
           </a:xfrm>
           <a:prstGeom prst="rect">
             <a:avLst/>
@@ -5871,46 +6050,10 @@
                   <a:srgbClr val="586E2C"/>
                 </a:solidFill>
               </a:rPr>
-              <a:t>Solución de referencia</a:t>
+              <a:t>Experimentos</a:t>
             </a:r>
             <a:endParaRPr lang="es-ES" sz="3200" dirty="0"/>
           </a:p>
-        </p:txBody>
-      </p:sp>
-      <p:sp>
-        <p:nvSpPr>
-          <p:cNvPr id="13" name="12 CuadroTexto"/>
-          <p:cNvSpPr txBox="1"/>
-          <p:nvPr/>
-        </p:nvSpPr>
-        <p:spPr>
-          <a:xfrm>
-            <a:off x="827584" y="2492896"/>
-            <a:ext cx="5413470" cy="646331"/>
-          </a:xfrm>
-          <a:prstGeom prst="rect">
-            <a:avLst/>
-          </a:prstGeom>
-          <a:noFill/>
-        </p:spPr>
-        <p:txBody>
-          <a:bodyPr wrap="none" rtlCol="0">
-            <a:spAutoFit/>
-          </a:bodyPr>
-          <a:lstStyle/>
-          <a:p>
-            <a:pPr marL="285750" indent="-285750">
-              <a:buFont typeface="Wingdings" panose="05000000000000000000" pitchFamily="2" charset="2"/>
-              <a:buChar char="§"/>
-            </a:pPr>
-            <a:r>
-              <a:rPr lang="es-ES" dirty="0">
-                <a:hlinkClick r:id="rId4"/>
-              </a:rPr>
-              <a:t>https://www.youtube.com/watch?v=7s4vpMGU2Mg</a:t>
-            </a:r>
-            <a:endParaRPr lang="es-ES" dirty="0" smtClean="0"/>
-          </a:p>
           <a:p>
             <a:endParaRPr lang="es-ES" dirty="0"/>
           </a:p>
@@ -5918,18 +6061,18 @@
       </p:sp>
       <p:sp>
         <p:nvSpPr>
-          <p:cNvPr id="12" name="1 Título"/>
-          <p:cNvSpPr>
-            <a:spLocks noGrp="1"/>
-          </p:cNvSpPr>
-          <p:nvPr>
-            <p:ph type="title"/>
-          </p:nvPr>
-        </p:nvSpPr>
-        <p:spPr>
-          <a:xfrm>
-            <a:off x="457200" y="274638"/>
-            <a:ext cx="8229600" cy="1143000"/>
+          <p:cNvPr id="9" name="2 Marcador de contenido"/>
+          <p:cNvSpPr>
+            <a:spLocks noGrp="1"/>
+          </p:cNvSpPr>
+          <p:nvPr>
+            <p:ph idx="1"/>
+          </p:nvPr>
+        </p:nvSpPr>
+        <p:spPr>
+          <a:xfrm>
+            <a:off x="881755" y="2669100"/>
+            <a:ext cx="7996960" cy="3777283"/>
           </a:xfrm>
         </p:spPr>
         <p:txBody>
@@ -5938,68 +6081,100 @@
           </a:bodyPr>
           <a:lstStyle/>
           <a:p>
-            <a:pPr algn="l"/>
-            <a:r>
-              <a:rPr lang="es-ES" dirty="0" smtClean="0">
-                <a:solidFill>
-                  <a:srgbClr val="0070C0"/>
-                </a:solidFill>
-              </a:rPr>
-              <a:t>          Redes de clasificación </a:t>
-            </a:r>
-            <a:endParaRPr lang="es-ES" dirty="0">
-              <a:solidFill>
-                <a:srgbClr val="0070C0"/>
-              </a:solidFill>
-            </a:endParaRPr>
-          </a:p>
-        </p:txBody>
-      </p:sp>
-      <p:pic>
-        <p:nvPicPr>
-          <p:cNvPr id="1026" name="Picture 2" descr="https://raw.githubusercontent.com/RoboticsURJC-students/2017-tfm-vanessa-fernandez/master/Memoria/figures/Clasificacion/frame1.png"/>
-          <p:cNvPicPr>
-            <a:picLocks noChangeAspect="1" noChangeArrowheads="1"/>
-          </p:cNvPicPr>
-          <p:nvPr/>
-        </p:nvPicPr>
-        <p:blipFill>
-          <a:blip r:embed="rId5">
-            <a:extLst>
-              <a:ext uri="{28A0092B-C50C-407E-A947-70E740481C1C}">
-                <a14:useLocalDpi xmlns:a14="http://schemas.microsoft.com/office/drawing/2010/main" val="0"/>
-              </a:ext>
-            </a:extLst>
-          </a:blip>
-          <a:srcRect/>
-          <a:stretch>
-            <a:fillRect/>
-          </a:stretch>
-        </p:blipFill>
-        <p:spPr bwMode="auto">
-          <a:xfrm>
-            <a:off x="1253548" y="3455074"/>
-            <a:ext cx="7248930" cy="1846764"/>
-          </a:xfrm>
-          <a:prstGeom prst="rect">
-            <a:avLst/>
-          </a:prstGeom>
-          <a:noFill/>
-          <a:extLst>
-            <a:ext uri="{909E8E84-426E-40DD-AFC4-6F175D3DCCD1}">
-              <a14:hiddenFill xmlns:a14="http://schemas.microsoft.com/office/drawing/2010/main">
-                <a:solidFill>
-                  <a:srgbClr val="FFFFFF"/>
-                </a:solidFill>
-              </a14:hiddenFill>
-            </a:ext>
-          </a:extLst>
-        </p:spPr>
-      </p:pic>
+            <a:pPr>
+              <a:buFont typeface="Wingdings" panose="05000000000000000000" pitchFamily="2" charset="2"/>
+              <a:buChar char="§"/>
+            </a:pPr>
+            <a:r>
+              <a:rPr lang="es-ES" sz="2400" dirty="0"/>
+              <a:t>Buenos resultados en </a:t>
+            </a:r>
+            <a:r>
+              <a:rPr lang="es-ES" sz="2400" dirty="0" smtClean="0"/>
+              <a:t>métricas neuronales </a:t>
+            </a:r>
+            <a:r>
+              <a:rPr lang="es-ES" sz="2400" dirty="0"/>
+              <a:t>no implican buen rendimiento</a:t>
+            </a:r>
+            <a:r>
+              <a:rPr lang="es-ES" sz="2400" dirty="0" smtClean="0"/>
+              <a:t>.</a:t>
+            </a:r>
+          </a:p>
+          <a:p>
+            <a:pPr marL="0" indent="0">
+              <a:buNone/>
+            </a:pPr>
+            <a:endParaRPr lang="es-ES" sz="2400" dirty="0" smtClean="0"/>
+          </a:p>
+          <a:p>
+            <a:pPr>
+              <a:buFont typeface="Wingdings" panose="05000000000000000000" pitchFamily="2" charset="2"/>
+              <a:buChar char="§"/>
+            </a:pPr>
+            <a:r>
+              <a:rPr lang="es-ES" sz="2400" dirty="0"/>
+              <a:t>Comparativa entre redes de </a:t>
+            </a:r>
+            <a:r>
+              <a:rPr lang="es-ES" sz="2400" dirty="0" smtClean="0"/>
+              <a:t>regresión</a:t>
+            </a:r>
+            <a:r>
+              <a:rPr lang="es-ES" sz="2400" dirty="0"/>
+              <a:t>:</a:t>
+            </a:r>
+            <a:endParaRPr lang="es-ES" sz="2400" dirty="0" smtClean="0"/>
+          </a:p>
+          <a:p>
+            <a:pPr lvl="1">
+              <a:buFont typeface="Wingdings" panose="05000000000000000000" pitchFamily="2" charset="2"/>
+              <a:buChar char="§"/>
+            </a:pPr>
+            <a:r>
+              <a:rPr lang="es-ES" sz="2000" dirty="0"/>
+              <a:t>Redes profundas mejoran el resultado</a:t>
+            </a:r>
+            <a:r>
+              <a:rPr lang="es-ES" sz="2000" dirty="0" smtClean="0"/>
+              <a:t>.</a:t>
+            </a:r>
+          </a:p>
+          <a:p>
+            <a:pPr lvl="1">
+              <a:buFont typeface="Wingdings" panose="05000000000000000000" pitchFamily="2" charset="2"/>
+              <a:buChar char="§"/>
+            </a:pPr>
+            <a:r>
+              <a:rPr lang="es-ES" sz="2000" dirty="0"/>
+              <a:t>Conducción más suave con </a:t>
+            </a:r>
+            <a:r>
+              <a:rPr lang="es-ES" sz="2000" dirty="0" smtClean="0"/>
+              <a:t>ConvLSTM2D.</a:t>
+            </a:r>
+            <a:endParaRPr lang="es-ES" sz="2000" dirty="0"/>
+          </a:p>
+          <a:p>
+            <a:pPr marL="457200" lvl="1" indent="0">
+              <a:buNone/>
+            </a:pPr>
+            <a:endParaRPr lang="es-ES" sz="2000" dirty="0" smtClean="0"/>
+          </a:p>
+          <a:p>
+            <a:pPr>
+              <a:buFont typeface="Wingdings" panose="05000000000000000000" pitchFamily="2" charset="2"/>
+              <a:buChar char="§"/>
+            </a:pPr>
+            <a:endParaRPr lang="es-ES" sz="2400" dirty="0" smtClean="0"/>
+          </a:p>
+        </p:txBody>
+      </p:sp>
     </p:spTree>
     <p:extLst>
       <p:ext uri="{BB962C8B-B14F-4D97-AF65-F5344CB8AC3E}">
-        <p14:creationId xmlns:p14="http://schemas.microsoft.com/office/powerpoint/2010/main" val="1689939897"/>
+        <p14:creationId xmlns:p14="http://schemas.microsoft.com/office/powerpoint/2010/main" val="3454405336"/>
       </p:ext>
     </p:extLst>
   </p:cSld>
@@ -6033,256 +6208,6 @@
           <a:chExt cx="0" cy="0"/>
         </a:xfrm>
       </p:grpSpPr>
-      <p:sp>
-        <p:nvSpPr>
-          <p:cNvPr id="3" name="2 Marcador de contenido"/>
-          <p:cNvSpPr>
-            <a:spLocks noGrp="1"/>
-          </p:cNvSpPr>
-          <p:nvPr>
-            <p:ph idx="1"/>
-          </p:nvPr>
-        </p:nvSpPr>
-        <p:spPr>
-          <a:xfrm>
-            <a:off x="755576" y="1845248"/>
-            <a:ext cx="8229600" cy="4511102"/>
-          </a:xfrm>
-        </p:spPr>
-        <p:txBody>
-          <a:bodyPr>
-            <a:normAutofit fontScale="92500" lnSpcReduction="10000"/>
-          </a:bodyPr>
-          <a:lstStyle/>
-          <a:p>
-            <a:pPr>
-              <a:buFont typeface="Wingdings" panose="05000000000000000000" pitchFamily="2" charset="2"/>
-              <a:buChar char="§"/>
-            </a:pPr>
-            <a:r>
-              <a:rPr lang="es-ES" sz="2400" dirty="0" smtClean="0"/>
-              <a:t>Predecir valores de velocidades.</a:t>
-            </a:r>
-          </a:p>
-          <a:p>
-            <a:pPr>
-              <a:buFont typeface="Wingdings" panose="05000000000000000000" pitchFamily="2" charset="2"/>
-              <a:buChar char="§"/>
-            </a:pPr>
-            <a:endParaRPr lang="es-ES" sz="2400" dirty="0" smtClean="0"/>
-          </a:p>
-          <a:p>
-            <a:pPr>
-              <a:buFont typeface="Wingdings" panose="05000000000000000000" pitchFamily="2" charset="2"/>
-              <a:buChar char="§"/>
-            </a:pPr>
-            <a:r>
-              <a:rPr lang="es-ES" sz="2400" dirty="0" smtClean="0"/>
-              <a:t>Arquitecturas de red:</a:t>
-            </a:r>
-          </a:p>
-          <a:p>
-            <a:pPr lvl="1">
-              <a:buFont typeface="Wingdings" panose="05000000000000000000" pitchFamily="2" charset="2"/>
-              <a:buChar char="§"/>
-            </a:pPr>
-            <a:r>
-              <a:rPr lang="es-ES" sz="2000" i="1" dirty="0" err="1" smtClean="0"/>
-              <a:t>PilotNet</a:t>
-            </a:r>
-            <a:r>
-              <a:rPr lang="es-ES" sz="2000" dirty="0" smtClean="0"/>
-              <a:t>: capa de normalización, 5 capas </a:t>
-            </a:r>
-            <a:r>
-              <a:rPr lang="es-ES" sz="2000" dirty="0" err="1" smtClean="0"/>
-              <a:t>convolucionales</a:t>
-            </a:r>
-            <a:r>
-              <a:rPr lang="es-ES" sz="2000" dirty="0" smtClean="0"/>
-              <a:t>, 3 capas </a:t>
-            </a:r>
-            <a:r>
-              <a:rPr lang="es-ES" sz="2000" dirty="0" err="1" smtClean="0"/>
-              <a:t>fully-connected</a:t>
-            </a:r>
-            <a:r>
-              <a:rPr lang="es-ES" sz="2000" dirty="0" smtClean="0"/>
-              <a:t>.</a:t>
-            </a:r>
-          </a:p>
-          <a:p>
-            <a:pPr lvl="1">
-              <a:buFont typeface="Wingdings" panose="05000000000000000000" pitchFamily="2" charset="2"/>
-              <a:buChar char="§"/>
-            </a:pPr>
-            <a:endParaRPr lang="es-ES" sz="2000" dirty="0" smtClean="0"/>
-          </a:p>
-          <a:p>
-            <a:pPr lvl="1">
-              <a:buFont typeface="Wingdings" panose="05000000000000000000" pitchFamily="2" charset="2"/>
-              <a:buChar char="§"/>
-            </a:pPr>
-            <a:r>
-              <a:rPr lang="es-ES" sz="2000" i="1" dirty="0" err="1" smtClean="0"/>
-              <a:t>TinyPilotNet</a:t>
-            </a:r>
-            <a:r>
-              <a:rPr lang="es-ES" sz="2000" dirty="0" smtClean="0"/>
-              <a:t>: 2 capas </a:t>
-            </a:r>
-            <a:r>
-              <a:rPr lang="es-ES" sz="2000" dirty="0" err="1" smtClean="0"/>
-              <a:t>convolucionales</a:t>
-            </a:r>
-            <a:r>
-              <a:rPr lang="es-ES" sz="2000" dirty="0" smtClean="0"/>
-              <a:t>, capa </a:t>
-            </a:r>
-            <a:r>
-              <a:rPr lang="es-ES" sz="2000" dirty="0" err="1" smtClean="0"/>
-              <a:t>dropout</a:t>
-            </a:r>
-            <a:r>
-              <a:rPr lang="es-ES" sz="2000" dirty="0" smtClean="0"/>
-              <a:t>, 2 capas </a:t>
-            </a:r>
-            <a:r>
-              <a:rPr lang="es-ES" sz="2000" dirty="0" err="1" smtClean="0"/>
-              <a:t>fully-connected</a:t>
-            </a:r>
-            <a:r>
-              <a:rPr lang="es-ES" sz="2000" dirty="0" smtClean="0"/>
-              <a:t>.</a:t>
-            </a:r>
-          </a:p>
-          <a:p>
-            <a:pPr lvl="1">
-              <a:buFont typeface="Wingdings" panose="05000000000000000000" pitchFamily="2" charset="2"/>
-              <a:buChar char="§"/>
-            </a:pPr>
-            <a:endParaRPr lang="es-ES" sz="2000" dirty="0" smtClean="0"/>
-          </a:p>
-          <a:p>
-            <a:pPr lvl="1">
-              <a:buFont typeface="Wingdings" panose="05000000000000000000" pitchFamily="2" charset="2"/>
-              <a:buChar char="§"/>
-            </a:pPr>
-            <a:r>
-              <a:rPr lang="es-ES" sz="2000" i="1" dirty="0" smtClean="0"/>
-              <a:t>LSTM-</a:t>
-            </a:r>
-            <a:r>
-              <a:rPr lang="es-ES" sz="2000" i="1" dirty="0" err="1" smtClean="0"/>
-              <a:t>TinyPilotnet</a:t>
-            </a:r>
-            <a:r>
-              <a:rPr lang="es-ES" sz="2000" dirty="0"/>
-              <a:t>: </a:t>
-            </a:r>
-            <a:r>
-              <a:rPr lang="es-ES" sz="2000" dirty="0" smtClean="0"/>
-              <a:t>3 </a:t>
-            </a:r>
-            <a:r>
-              <a:rPr lang="es-ES" sz="2000" dirty="0"/>
-              <a:t>capas </a:t>
-            </a:r>
-            <a:r>
-              <a:rPr lang="es-ES" sz="2000" dirty="0" err="1"/>
-              <a:t>convolucionales</a:t>
-            </a:r>
-            <a:r>
-              <a:rPr lang="es-ES" sz="2000" dirty="0"/>
-              <a:t>, capa </a:t>
-            </a:r>
-            <a:r>
-              <a:rPr lang="es-ES" sz="2000" dirty="0" smtClean="0"/>
-              <a:t>ConvLSTM2D, 1 capa </a:t>
-            </a:r>
-            <a:r>
-              <a:rPr lang="es-ES" sz="2000" dirty="0" err="1" smtClean="0"/>
-              <a:t>convolucional</a:t>
-            </a:r>
-            <a:r>
-              <a:rPr lang="es-ES" sz="2000" dirty="0" smtClean="0"/>
-              <a:t>, 1 capa </a:t>
-            </a:r>
-            <a:r>
-              <a:rPr lang="es-ES" sz="2000" dirty="0" err="1" smtClean="0"/>
-              <a:t>fully-connected</a:t>
-            </a:r>
-            <a:r>
-              <a:rPr lang="es-ES" sz="2000" dirty="0" smtClean="0"/>
-              <a:t>.</a:t>
-            </a:r>
-          </a:p>
-          <a:p>
-            <a:pPr lvl="1">
-              <a:buFont typeface="Wingdings" panose="05000000000000000000" pitchFamily="2" charset="2"/>
-              <a:buChar char="§"/>
-            </a:pPr>
-            <a:endParaRPr lang="es-ES" sz="2000" dirty="0" smtClean="0"/>
-          </a:p>
-          <a:p>
-            <a:pPr lvl="1">
-              <a:buFont typeface="Wingdings" panose="05000000000000000000" pitchFamily="2" charset="2"/>
-              <a:buChar char="§"/>
-            </a:pPr>
-            <a:r>
-              <a:rPr lang="es-ES" sz="2000" i="1" dirty="0" err="1" smtClean="0"/>
-              <a:t>DeepestLSTM-TinyPilotNet</a:t>
-            </a:r>
-            <a:r>
-              <a:rPr lang="es-ES" sz="2000" dirty="0" smtClean="0"/>
-              <a:t>: </a:t>
-            </a:r>
-            <a:r>
-              <a:rPr lang="es-ES" sz="2000" dirty="0"/>
-              <a:t>3 capas </a:t>
-            </a:r>
-            <a:r>
-              <a:rPr lang="es-ES" sz="2000" dirty="0" err="1" smtClean="0"/>
-              <a:t>convolucionales</a:t>
-            </a:r>
-            <a:r>
-              <a:rPr lang="es-ES" sz="2000" dirty="0" smtClean="0"/>
-              <a:t>, 3 capas ConvLSTM2D, </a:t>
-            </a:r>
-            <a:r>
-              <a:rPr lang="es-ES" sz="2000" dirty="0"/>
-              <a:t>2 capas </a:t>
-            </a:r>
-            <a:r>
-              <a:rPr lang="es-ES" sz="2000" dirty="0" err="1"/>
-              <a:t>fully-connected</a:t>
-            </a:r>
-            <a:r>
-              <a:rPr lang="es-ES" sz="2000" dirty="0"/>
-              <a:t>.</a:t>
-            </a:r>
-            <a:endParaRPr lang="es-ES" sz="2000" i="1" dirty="0" smtClean="0"/>
-          </a:p>
-          <a:p>
-            <a:pPr marL="457200" lvl="1" indent="0">
-              <a:buNone/>
-            </a:pPr>
-            <a:endParaRPr lang="es-ES" sz="2000" dirty="0" smtClean="0"/>
-          </a:p>
-          <a:p>
-            <a:pPr marL="457200" lvl="1" indent="0">
-              <a:buNone/>
-            </a:pPr>
-            <a:endParaRPr lang="es-ES" sz="2000" dirty="0" smtClean="0"/>
-          </a:p>
-          <a:p>
-            <a:pPr marL="457200" lvl="1" indent="0">
-              <a:buNone/>
-            </a:pPr>
-            <a:endParaRPr lang="es-ES" sz="2400" dirty="0" smtClean="0"/>
-          </a:p>
-        </p:txBody>
-      </p:sp>
       <p:cxnSp>
         <p:nvCxnSpPr>
           <p:cNvPr id="4" name="3 Conector recto"/>
@@ -6359,8 +6284,8 @@
           <a:lstStyle/>
           <a:p>
             <a:r>
-              <a:rPr lang="es-ES" dirty="0"/>
-              <a:t>16/26</a:t>
+              <a:rPr lang="es-ES" dirty="0" smtClean="0"/>
+              <a:t>16/22</a:t>
             </a:r>
             <a:endParaRPr lang="es-ES" dirty="0"/>
           </a:p>
@@ -6435,10 +6360,116 @@
           </a:p>
         </p:txBody>
       </p:sp>
+      <p:sp>
+        <p:nvSpPr>
+          <p:cNvPr id="8" name="7 CuadroTexto"/>
+          <p:cNvSpPr txBox="1"/>
+          <p:nvPr/>
+        </p:nvSpPr>
+        <p:spPr>
+          <a:xfrm>
+            <a:off x="3308577" y="1807326"/>
+            <a:ext cx="2526846" cy="861774"/>
+          </a:xfrm>
+          <a:prstGeom prst="rect">
+            <a:avLst/>
+          </a:prstGeom>
+          <a:noFill/>
+        </p:spPr>
+        <p:txBody>
+          <a:bodyPr wrap="none" rtlCol="0">
+            <a:spAutoFit/>
+          </a:bodyPr>
+          <a:lstStyle/>
+          <a:p>
+            <a:r>
+              <a:rPr lang="es-ES" sz="3200" b="1" dirty="0" smtClean="0">
+                <a:solidFill>
+                  <a:srgbClr val="586E2C"/>
+                </a:solidFill>
+              </a:rPr>
+              <a:t>Experimentos</a:t>
+            </a:r>
+            <a:endParaRPr lang="es-ES" sz="3200" dirty="0"/>
+          </a:p>
+          <a:p>
+            <a:endParaRPr lang="es-ES" dirty="0"/>
+          </a:p>
+        </p:txBody>
+      </p:sp>
+      <p:pic>
+        <p:nvPicPr>
+          <p:cNvPr id="3" name="Imagen 2"/>
+          <p:cNvPicPr>
+            <a:picLocks noChangeAspect="1"/>
+          </p:cNvPicPr>
+          <p:nvPr/>
+        </p:nvPicPr>
+        <p:blipFill>
+          <a:blip r:embed="rId4"/>
+          <a:stretch>
+            <a:fillRect/>
+          </a:stretch>
+        </p:blipFill>
+        <p:spPr>
+          <a:xfrm>
+            <a:off x="453779" y="2642987"/>
+            <a:ext cx="8201598" cy="3064156"/>
+          </a:xfrm>
+          <a:prstGeom prst="rect">
+            <a:avLst/>
+          </a:prstGeom>
+        </p:spPr>
+      </p:pic>
+      <p:sp>
+        <p:nvSpPr>
+          <p:cNvPr id="9" name="CuadroTexto 8"/>
+          <p:cNvSpPr txBox="1"/>
+          <p:nvPr/>
+        </p:nvSpPr>
+        <p:spPr>
+          <a:xfrm>
+            <a:off x="1043608" y="5792018"/>
+            <a:ext cx="6933629" cy="338554"/>
+          </a:xfrm>
+          <a:prstGeom prst="rect">
+            <a:avLst/>
+          </a:prstGeom>
+          <a:noFill/>
+        </p:spPr>
+        <p:txBody>
+          <a:bodyPr wrap="none" rtlCol="0">
+            <a:spAutoFit/>
+          </a:bodyPr>
+          <a:lstStyle/>
+          <a:p>
+            <a:r>
+              <a:rPr lang="es-ES" sz="1600" i="1" dirty="0"/>
+              <a:t>Resultados de </a:t>
+            </a:r>
+            <a:r>
+              <a:rPr lang="es-ES" sz="1600" i="1" dirty="0" smtClean="0"/>
+              <a:t>conducción </a:t>
+            </a:r>
+            <a:r>
+              <a:rPr lang="es-ES" sz="1600" i="1" dirty="0"/>
+              <a:t>con redes neuronales de </a:t>
+            </a:r>
+            <a:r>
+              <a:rPr lang="es-ES" sz="1600" i="1" dirty="0" smtClean="0"/>
+              <a:t>regresión </a:t>
+            </a:r>
+            <a:r>
+              <a:rPr lang="es-ES" sz="1600" i="1" dirty="0"/>
+              <a:t>(imagen completa)</a:t>
+            </a:r>
+          </a:p>
+        </p:txBody>
+      </p:sp>
     </p:spTree>
     <p:extLst>
       <p:ext uri="{BB962C8B-B14F-4D97-AF65-F5344CB8AC3E}">
-        <p14:creationId xmlns:p14="http://schemas.microsoft.com/office/powerpoint/2010/main" val="1313479655"/>
+        <p14:creationId xmlns:p14="http://schemas.microsoft.com/office/powerpoint/2010/main" val="4234291143"/>
       </p:ext>
     </p:extLst>
   </p:cSld>
@@ -6548,8 +6579,8 @@
           <a:lstStyle/>
           <a:p>
             <a:r>
-              <a:rPr lang="es-ES" dirty="0"/>
-              <a:t>17/26</a:t>
+              <a:rPr lang="es-ES" dirty="0" smtClean="0"/>
+              <a:t>17/22</a:t>
             </a:r>
             <a:endParaRPr lang="es-ES" dirty="0"/>
           </a:p>
@@ -6632,7 +6663,7 @@
         </p:nvSpPr>
         <p:spPr>
           <a:xfrm>
-            <a:off x="3308577" y="1807326"/>
+            <a:off x="3275856" y="1480697"/>
             <a:ext cx="2526846" cy="861774"/>
           </a:xfrm>
           <a:prstGeom prst="rect">
@@ -6673,7 +6704,7 @@
         </p:nvSpPr>
         <p:spPr>
           <a:xfrm>
-            <a:off x="881755" y="2669100"/>
+            <a:off x="858029" y="2194990"/>
             <a:ext cx="7996960" cy="3777283"/>
           </a:xfrm>
         </p:spPr>
@@ -6688,46 +6719,9 @@
               <a:buChar char="§"/>
             </a:pPr>
             <a:r>
-              <a:rPr lang="es-ES" sz="2400" dirty="0"/>
-              <a:t>Buenos resultados en </a:t>
-            </a:r>
-            <a:r>
               <a:rPr lang="es-ES" sz="2400" dirty="0" smtClean="0"/>
-              <a:t>métricas neuronales </a:t>
-            </a:r>
-            <a:r>
-              <a:rPr lang="es-ES" sz="2400" dirty="0"/>
-              <a:t>no implican buen rendimiento</a:t>
-            </a:r>
-            <a:r>
-              <a:rPr lang="es-ES" sz="2400" dirty="0" smtClean="0"/>
-              <a:t>.</a:t>
-            </a:r>
-          </a:p>
-          <a:p>
-            <a:pPr marL="0" indent="0">
-              <a:buNone/>
-            </a:pPr>
-            <a:endParaRPr lang="es-ES" sz="2400" dirty="0" smtClean="0"/>
-          </a:p>
-          <a:p>
-            <a:pPr>
-              <a:buFont typeface="Wingdings" panose="05000000000000000000" pitchFamily="2" charset="2"/>
-              <a:buChar char="§"/>
-            </a:pPr>
-            <a:r>
-              <a:rPr lang="es-ES" sz="2400" dirty="0"/>
-              <a:t>Comparativa entre redes de </a:t>
-            </a:r>
-            <a:r>
-              <a:rPr lang="es-ES" sz="2400" dirty="0" smtClean="0"/>
-              <a:t>regresión</a:t>
-            </a:r>
-            <a:r>
-              <a:rPr lang="es-ES" sz="2400" dirty="0"/>
-              <a:t>:</a:t>
-            </a:r>
-            <a:endParaRPr lang="es-ES" sz="2400" dirty="0" smtClean="0"/>
+              <a:t>Imágenes de distintas dimensiones:</a:t>
+            </a:r>
           </a:p>
           <a:p>
             <a:pPr lvl="1">
@@ -6736,47 +6730,102 @@
             </a:pPr>
             <a:r>
               <a:rPr lang="es-ES" sz="2000" dirty="0"/>
-              <a:t>Redes profundas mejoran el resultado</a:t>
+              <a:t>La imagen </a:t>
+            </a:r>
+            <a:r>
+              <a:rPr lang="es-ES" sz="2000" dirty="0" smtClean="0"/>
+              <a:t>completa </a:t>
+            </a:r>
+            <a:r>
+              <a:rPr lang="es-ES" sz="2000" dirty="0"/>
+              <a:t>mejora el rendimiento</a:t>
             </a:r>
             <a:r>
               <a:rPr lang="es-ES" sz="2000" dirty="0" smtClean="0"/>
               <a:t>.</a:t>
             </a:r>
-          </a:p>
-          <a:p>
-            <a:pPr lvl="1">
-              <a:buFont typeface="Wingdings" panose="05000000000000000000" pitchFamily="2" charset="2"/>
-              <a:buChar char="§"/>
-            </a:pPr>
-            <a:r>
-              <a:rPr lang="es-ES" sz="2000" dirty="0"/>
-              <a:t>Conducción más suave con </a:t>
-            </a:r>
-            <a:r>
-              <a:rPr lang="es-ES" sz="2000" dirty="0" smtClean="0"/>
-              <a:t>ConvLSTM2D.</a:t>
-            </a:r>
-            <a:endParaRPr lang="es-ES" sz="2000" dirty="0"/>
-          </a:p>
-          <a:p>
-            <a:pPr marL="457200" lvl="1" indent="0">
-              <a:buNone/>
-            </a:pPr>
-            <a:endParaRPr lang="es-ES" sz="2000" dirty="0" smtClean="0"/>
-          </a:p>
-          <a:p>
-            <a:pPr>
-              <a:buFont typeface="Wingdings" panose="05000000000000000000" pitchFamily="2" charset="2"/>
-              <a:buChar char="§"/>
-            </a:pPr>
             <a:endParaRPr lang="es-ES" sz="2400" dirty="0" smtClean="0"/>
+          </a:p>
+        </p:txBody>
+      </p:sp>
+      <p:pic>
+        <p:nvPicPr>
+          <p:cNvPr id="2" name="Imagen 1"/>
+          <p:cNvPicPr>
+            <a:picLocks noChangeAspect="1"/>
+          </p:cNvPicPr>
+          <p:nvPr/>
+        </p:nvPicPr>
+        <p:blipFill>
+          <a:blip r:embed="rId4"/>
+          <a:stretch>
+            <a:fillRect/>
+          </a:stretch>
+        </p:blipFill>
+        <p:spPr>
+          <a:xfrm>
+            <a:off x="755576" y="3177400"/>
+            <a:ext cx="7146629" cy="2778709"/>
+          </a:xfrm>
+          <a:prstGeom prst="rect">
+            <a:avLst/>
+          </a:prstGeom>
+        </p:spPr>
+      </p:pic>
+      <p:sp>
+        <p:nvSpPr>
+          <p:cNvPr id="10" name="CuadroTexto 9"/>
+          <p:cNvSpPr txBox="1"/>
+          <p:nvPr/>
+        </p:nvSpPr>
+        <p:spPr>
+          <a:xfrm>
+            <a:off x="1037493" y="6050333"/>
+            <a:ext cx="6854569" cy="338554"/>
+          </a:xfrm>
+          <a:prstGeom prst="rect">
+            <a:avLst/>
+          </a:prstGeom>
+          <a:noFill/>
+        </p:spPr>
+        <p:txBody>
+          <a:bodyPr wrap="none" rtlCol="0">
+            <a:spAutoFit/>
+          </a:bodyPr>
+          <a:lstStyle/>
+          <a:p>
+            <a:r>
+              <a:rPr lang="es-ES" sz="1600" i="1" dirty="0"/>
+              <a:t>Resultados de </a:t>
+            </a:r>
+            <a:r>
+              <a:rPr lang="es-ES" sz="1600" i="1" dirty="0" smtClean="0"/>
+              <a:t>conducción </a:t>
+            </a:r>
+            <a:r>
+              <a:rPr lang="es-ES" sz="1600" i="1" dirty="0"/>
+              <a:t>con redes neuronales de </a:t>
+            </a:r>
+            <a:r>
+              <a:rPr lang="es-ES" sz="1600" i="1" dirty="0" smtClean="0"/>
+              <a:t>regresión </a:t>
+            </a:r>
+            <a:r>
+              <a:rPr lang="es-ES" sz="1600" i="1" dirty="0"/>
+              <a:t>(imagen </a:t>
+            </a:r>
+            <a:r>
+              <a:rPr lang="es-ES" sz="1600" i="1" dirty="0" smtClean="0"/>
+              <a:t>recortada)</a:t>
+            </a:r>
+            <a:endParaRPr lang="es-ES" sz="1600" i="1" dirty="0"/>
           </a:p>
         </p:txBody>
       </p:sp>
     </p:spTree>
     <p:extLst>
       <p:ext uri="{BB962C8B-B14F-4D97-AF65-F5344CB8AC3E}">
-        <p14:creationId xmlns:p14="http://schemas.microsoft.com/office/powerpoint/2010/main" val="3454405336"/>
+        <p14:creationId xmlns:p14="http://schemas.microsoft.com/office/powerpoint/2010/main" val="1898978955"/>
       </p:ext>
     </p:extLst>
   </p:cSld>
@@ -6886,8 +6935,12 @@
           <a:lstStyle/>
           <a:p>
             <a:r>
-              <a:rPr lang="es-ES" dirty="0"/>
-              <a:t>18/26</a:t>
+              <a:rPr lang="es-ES" dirty="0" smtClean="0"/>
+              <a:t>18</a:t>
+            </a:r>
+            <a:r>
+              <a:rPr lang="es-ES" dirty="0" smtClean="0"/>
+              <a:t>/22</a:t>
             </a:r>
             <a:endParaRPr lang="es-ES" dirty="0"/>
           </a:p>
@@ -6999,79 +7052,223 @@
           </a:p>
         </p:txBody>
       </p:sp>
-      <p:pic>
-        <p:nvPicPr>
-          <p:cNvPr id="3" name="Imagen 2"/>
-          <p:cNvPicPr>
-            <a:picLocks noChangeAspect="1"/>
-          </p:cNvPicPr>
-          <p:nvPr/>
-        </p:nvPicPr>
-        <p:blipFill>
-          <a:blip r:embed="rId4"/>
-          <a:stretch>
-            <a:fillRect/>
-          </a:stretch>
-        </p:blipFill>
-        <p:spPr>
-          <a:xfrm>
-            <a:off x="453779" y="2642987"/>
-            <a:ext cx="8201598" cy="3064156"/>
-          </a:xfrm>
-          <a:prstGeom prst="rect">
-            <a:avLst/>
-          </a:prstGeom>
-        </p:spPr>
-      </p:pic>
-      <p:sp>
-        <p:nvSpPr>
-          <p:cNvPr id="9" name="CuadroTexto 8"/>
-          <p:cNvSpPr txBox="1"/>
-          <p:nvPr/>
-        </p:nvSpPr>
-        <p:spPr>
-          <a:xfrm>
-            <a:off x="1043608" y="5792018"/>
-            <a:ext cx="6933629" cy="338554"/>
-          </a:xfrm>
-          <a:prstGeom prst="rect">
-            <a:avLst/>
-          </a:prstGeom>
-          <a:noFill/>
-        </p:spPr>
-        <p:txBody>
-          <a:bodyPr wrap="none" rtlCol="0">
-            <a:spAutoFit/>
+      <p:sp>
+        <p:nvSpPr>
+          <p:cNvPr id="9" name="2 Marcador de contenido"/>
+          <p:cNvSpPr>
+            <a:spLocks noGrp="1"/>
+          </p:cNvSpPr>
+          <p:nvPr>
+            <p:ph idx="1"/>
+          </p:nvPr>
+        </p:nvSpPr>
+        <p:spPr>
+          <a:xfrm>
+            <a:off x="881755" y="2669100"/>
+            <a:ext cx="7996960" cy="3777283"/>
+          </a:xfrm>
+        </p:spPr>
+        <p:txBody>
+          <a:bodyPr>
+            <a:normAutofit/>
           </a:bodyPr>
           <a:lstStyle/>
           <a:p>
-            <a:r>
-              <a:rPr lang="es-ES" sz="1600" i="1" dirty="0"/>
-              <a:t>Resultados de </a:t>
-            </a:r>
-            <a:r>
-              <a:rPr lang="es-ES" sz="1600" i="1" dirty="0" smtClean="0"/>
-              <a:t>conducción </a:t>
-            </a:r>
-            <a:r>
-              <a:rPr lang="es-ES" sz="1600" i="1" dirty="0"/>
-              <a:t>con redes neuronales de </a:t>
-            </a:r>
-            <a:r>
-              <a:rPr lang="es-ES" sz="1600" i="1" dirty="0" smtClean="0"/>
-              <a:t>regresión </a:t>
-            </a:r>
-            <a:r>
-              <a:rPr lang="es-ES" sz="1600" i="1" dirty="0"/>
-              <a:t>(imagen completa)</a:t>
-            </a:r>
+            <a:pPr>
+              <a:buFont typeface="Wingdings" panose="05000000000000000000" pitchFamily="2" charset="2"/>
+              <a:buChar char="§"/>
+            </a:pPr>
+            <a:r>
+              <a:rPr lang="es-ES" sz="2400" dirty="0"/>
+              <a:t>Tipo de imagen de entrada</a:t>
+            </a:r>
+            <a:r>
+              <a:rPr lang="es-ES" sz="2400" dirty="0" smtClean="0"/>
+              <a:t>:</a:t>
+            </a:r>
+          </a:p>
+          <a:p>
+            <a:pPr lvl="1">
+              <a:buFont typeface="Wingdings" panose="05000000000000000000" pitchFamily="2" charset="2"/>
+              <a:buChar char="§"/>
+            </a:pPr>
+            <a:r>
+              <a:rPr lang="es-ES" sz="2000" dirty="0" smtClean="0"/>
+              <a:t>Creación de imagen temporal.</a:t>
+            </a:r>
+          </a:p>
+          <a:p>
+            <a:pPr lvl="1">
+              <a:buFont typeface="Wingdings" panose="05000000000000000000" pitchFamily="2" charset="2"/>
+              <a:buChar char="§"/>
+            </a:pPr>
+            <a:endParaRPr lang="es-ES" sz="2000" dirty="0" smtClean="0"/>
+          </a:p>
+          <a:p>
+            <a:pPr lvl="1">
+              <a:buFont typeface="Wingdings" panose="05000000000000000000" pitchFamily="2" charset="2"/>
+              <a:buChar char="§"/>
+            </a:pPr>
+            <a:r>
+              <a:rPr lang="es-ES" sz="2000" dirty="0" smtClean="0"/>
+              <a:t>Imagen </a:t>
+            </a:r>
+            <a:r>
+              <a:rPr lang="es-ES" sz="2000" dirty="0"/>
+              <a:t>apilada (</a:t>
+            </a:r>
+            <a:r>
+              <a:rPr lang="es-ES" sz="2000" i="1" dirty="0" err="1"/>
+              <a:t>PilotNet</a:t>
+            </a:r>
+            <a:r>
+              <a:rPr lang="es-ES" sz="2000" i="1" dirty="0"/>
+              <a:t> (</a:t>
+            </a:r>
+            <a:r>
+              <a:rPr lang="es-ES" sz="2000" i="1" dirty="0" err="1"/>
+              <a:t>stacked</a:t>
+            </a:r>
+            <a:r>
+              <a:rPr lang="es-ES" sz="2000" dirty="0" smtClean="0"/>
+              <a:t>)).</a:t>
+            </a:r>
+          </a:p>
+          <a:p>
+            <a:pPr lvl="1">
+              <a:buFont typeface="Wingdings" panose="05000000000000000000" pitchFamily="2" charset="2"/>
+              <a:buChar char="§"/>
+            </a:pPr>
+            <a:r>
+              <a:rPr lang="es-ES" sz="2000" dirty="0" smtClean="0"/>
+              <a:t>Imagen </a:t>
+            </a:r>
+            <a:r>
+              <a:rPr lang="es-ES" sz="2000" dirty="0"/>
+              <a:t>diferencia (</a:t>
+            </a:r>
+            <a:r>
+              <a:rPr lang="es-ES" sz="2000" i="1" dirty="0"/>
+              <a:t>Temporal (</a:t>
+            </a:r>
+            <a:r>
+              <a:rPr lang="es-ES" sz="2000" i="1" dirty="0" err="1"/>
+              <a:t>dif</a:t>
+            </a:r>
+            <a:r>
+              <a:rPr lang="es-ES" sz="2000" i="1" dirty="0"/>
+              <a:t> </a:t>
+            </a:r>
+            <a:r>
+              <a:rPr lang="es-ES" sz="2000" i="1" dirty="0" smtClean="0"/>
+              <a:t>)</a:t>
+            </a:r>
+            <a:r>
+              <a:rPr lang="es-ES" sz="2000" dirty="0" smtClean="0"/>
+              <a:t>)</a:t>
+            </a:r>
+            <a:r>
+              <a:rPr lang="es-ES" sz="2000" i="1" dirty="0"/>
+              <a:t>.</a:t>
+            </a:r>
+            <a:endParaRPr lang="es-ES" sz="2000" i="1" dirty="0" smtClean="0"/>
+          </a:p>
+          <a:p>
+            <a:pPr lvl="1">
+              <a:buFont typeface="Wingdings" panose="05000000000000000000" pitchFamily="2" charset="2"/>
+              <a:buChar char="§"/>
+            </a:pPr>
+            <a:r>
+              <a:rPr lang="es-ES" sz="2000" dirty="0"/>
+              <a:t>Imagen apilada-diferencia (</a:t>
+            </a:r>
+            <a:r>
+              <a:rPr lang="es-ES" sz="2000" i="1" dirty="0" err="1"/>
+              <a:t>PilotNet</a:t>
+            </a:r>
+            <a:r>
+              <a:rPr lang="es-ES" sz="2000" i="1" dirty="0"/>
+              <a:t> (</a:t>
+            </a:r>
+            <a:r>
+              <a:rPr lang="es-ES" sz="2000" i="1" dirty="0" err="1"/>
+              <a:t>stacked</a:t>
+            </a:r>
+            <a:r>
+              <a:rPr lang="es-ES" sz="2000" i="1" dirty="0"/>
+              <a:t>, </a:t>
+            </a:r>
+            <a:r>
+              <a:rPr lang="es-ES" sz="2000" i="1" dirty="0" err="1"/>
+              <a:t>dif</a:t>
+            </a:r>
+            <a:r>
+              <a:rPr lang="es-ES" sz="2000" i="1" dirty="0"/>
+              <a:t> </a:t>
+            </a:r>
+            <a:r>
+              <a:rPr lang="es-ES" sz="2000" i="1" dirty="0" smtClean="0"/>
+              <a:t>)</a:t>
+            </a:r>
+            <a:r>
+              <a:rPr lang="es-ES" sz="2000" dirty="0" smtClean="0"/>
+              <a:t>)</a:t>
+            </a:r>
+            <a:r>
+              <a:rPr lang="es-ES" sz="2000" i="1" dirty="0" smtClean="0"/>
+              <a:t>.</a:t>
+            </a:r>
+          </a:p>
+          <a:p>
+            <a:pPr marL="457200" lvl="1" indent="0">
+              <a:buNone/>
+            </a:pPr>
+            <a:endParaRPr lang="es-ES" sz="2000" dirty="0" smtClean="0"/>
+          </a:p>
+          <a:p>
+            <a:pPr lvl="1">
+              <a:buFont typeface="Wingdings" panose="05000000000000000000" pitchFamily="2" charset="2"/>
+              <a:buChar char="§"/>
+            </a:pPr>
+            <a:r>
+              <a:rPr lang="es-ES" sz="2000" dirty="0"/>
+              <a:t>Complejidad </a:t>
+            </a:r>
+            <a:r>
+              <a:rPr lang="es-ES" sz="2000" dirty="0" smtClean="0"/>
+              <a:t>al </a:t>
+            </a:r>
+            <a:r>
+              <a:rPr lang="es-ES" sz="2000" dirty="0"/>
+              <a:t>introducir temporalidad en imágenes.</a:t>
+            </a:r>
+          </a:p>
+          <a:p>
+            <a:pPr lvl="1">
+              <a:buFont typeface="Wingdings" panose="05000000000000000000" pitchFamily="2" charset="2"/>
+              <a:buChar char="§"/>
+            </a:pPr>
+            <a:endParaRPr lang="es-ES" sz="2000" dirty="0" smtClean="0"/>
+          </a:p>
+          <a:p>
+            <a:pPr marL="457200" lvl="1" indent="0">
+              <a:buNone/>
+            </a:pPr>
+            <a:endParaRPr lang="es-ES" sz="2000" dirty="0" smtClean="0"/>
+          </a:p>
+          <a:p>
+            <a:pPr>
+              <a:buFont typeface="Wingdings" panose="05000000000000000000" pitchFamily="2" charset="2"/>
+              <a:buChar char="§"/>
+            </a:pPr>
+            <a:endParaRPr lang="es-ES" sz="2400" dirty="0" smtClean="0"/>
           </a:p>
         </p:txBody>
       </p:sp>
     </p:spTree>
     <p:extLst>
       <p:ext uri="{BB962C8B-B14F-4D97-AF65-F5344CB8AC3E}">
-        <p14:creationId xmlns:p14="http://schemas.microsoft.com/office/powerpoint/2010/main" val="4234291143"/>
+        <p14:creationId xmlns:p14="http://schemas.microsoft.com/office/powerpoint/2010/main" val="108250992"/>
       </p:ext>
     </p:extLst>
   </p:cSld>
@@ -7238,8 +7435,8 @@
           <a:lstStyle/>
           <a:p>
             <a:r>
-              <a:rPr lang="es-ES" dirty="0"/>
-              <a:t>1/26</a:t>
+              <a:rPr lang="es-ES" dirty="0" smtClean="0"/>
+              <a:t>1/22</a:t>
             </a:r>
             <a:endParaRPr lang="es-ES" dirty="0"/>
           </a:p>
@@ -7452,8 +7649,8 @@
               <a:t>19</a:t>
             </a:r>
             <a:r>
-              <a:rPr lang="es-ES" dirty="0"/>
-              <a:t>/26</a:t>
+              <a:rPr lang="es-ES" dirty="0" smtClean="0"/>
+              <a:t>/22</a:t>
             </a:r>
             <a:endParaRPr lang="es-ES" dirty="0"/>
           </a:p>
@@ -7536,7 +7733,7 @@
         </p:nvSpPr>
         <p:spPr>
           <a:xfrm>
-            <a:off x="3275856" y="1480697"/>
+            <a:off x="3308577" y="1577937"/>
             <a:ext cx="2526846" cy="861774"/>
           </a:xfrm>
           <a:prstGeom prst="rect">
@@ -7565,65 +7762,9 @@
           </a:p>
         </p:txBody>
       </p:sp>
-      <p:sp>
-        <p:nvSpPr>
-          <p:cNvPr id="9" name="2 Marcador de contenido"/>
-          <p:cNvSpPr>
-            <a:spLocks noGrp="1"/>
-          </p:cNvSpPr>
-          <p:nvPr>
-            <p:ph idx="1"/>
-          </p:nvPr>
-        </p:nvSpPr>
-        <p:spPr>
-          <a:xfrm>
-            <a:off x="858029" y="2194990"/>
-            <a:ext cx="7996960" cy="3777283"/>
-          </a:xfrm>
-        </p:spPr>
-        <p:txBody>
-          <a:bodyPr>
-            <a:normAutofit/>
-          </a:bodyPr>
-          <a:lstStyle/>
-          <a:p>
-            <a:pPr>
-              <a:buFont typeface="Wingdings" panose="05000000000000000000" pitchFamily="2" charset="2"/>
-              <a:buChar char="§"/>
-            </a:pPr>
-            <a:r>
-              <a:rPr lang="es-ES" sz="2400" dirty="0" smtClean="0"/>
-              <a:t>Imágenes de distintas dimensiones:</a:t>
-            </a:r>
-          </a:p>
-          <a:p>
-            <a:pPr lvl="1">
-              <a:buFont typeface="Wingdings" panose="05000000000000000000" pitchFamily="2" charset="2"/>
-              <a:buChar char="§"/>
-            </a:pPr>
-            <a:r>
-              <a:rPr lang="es-ES" sz="2000" dirty="0"/>
-              <a:t>La imagen </a:t>
-            </a:r>
-            <a:r>
-              <a:rPr lang="es-ES" sz="2000" dirty="0" smtClean="0"/>
-              <a:t>completa </a:t>
-            </a:r>
-            <a:r>
-              <a:rPr lang="es-ES" sz="2000" dirty="0"/>
-              <a:t>mejora el rendimiento</a:t>
-            </a:r>
-            <a:r>
-              <a:rPr lang="es-ES" sz="2000" dirty="0" smtClean="0"/>
-              <a:t>.</a:t>
-            </a:r>
-            <a:endParaRPr lang="es-ES" sz="2400" dirty="0" smtClean="0"/>
-          </a:p>
-        </p:txBody>
-      </p:sp>
       <p:pic>
         <p:nvPicPr>
-          <p:cNvPr id="2" name="Imagen 1"/>
+          <p:cNvPr id="3" name="Imagen 2"/>
           <p:cNvPicPr>
             <a:picLocks noChangeAspect="1"/>
           </p:cNvPicPr>
@@ -7637,8 +7778,8 @@
         </p:blipFill>
         <p:spPr>
           <a:xfrm>
-            <a:off x="755576" y="3177400"/>
-            <a:ext cx="7146629" cy="2778709"/>
+            <a:off x="611560" y="2227249"/>
+            <a:ext cx="7592264" cy="3694901"/>
           </a:xfrm>
           <a:prstGeom prst="rect">
             <a:avLst/>
@@ -7647,14 +7788,14 @@
       </p:pic>
       <p:sp>
         <p:nvSpPr>
-          <p:cNvPr id="10" name="CuadroTexto 9"/>
+          <p:cNvPr id="9" name="CuadroTexto 8"/>
           <p:cNvSpPr txBox="1"/>
           <p:nvPr/>
         </p:nvSpPr>
         <p:spPr>
           <a:xfrm>
-            <a:off x="1037493" y="6050333"/>
-            <a:ext cx="6854569" cy="338554"/>
+            <a:off x="971600" y="5996797"/>
+            <a:ext cx="6520503" cy="584775"/>
           </a:xfrm>
           <a:prstGeom prst="rect">
             <a:avLst/>
@@ -7685,20 +7826,21 @@
             </a:r>
             <a:r>
               <a:rPr lang="es-ES" sz="1600" i="1" dirty="0"/>
-              <a:t>(imagen </a:t>
-            </a:r>
-            <a:r>
-              <a:rPr lang="es-ES" sz="1600" i="1" dirty="0" smtClean="0"/>
-              <a:t>recortada)</a:t>
-            </a:r>
-            <a:endParaRPr lang="es-ES" sz="1600" i="1" dirty="0"/>
+              <a:t>introduciendo</a:t>
+            </a:r>
+          </a:p>
+          <a:p>
+            <a:r>
+              <a:rPr lang="es-ES" sz="1600" i="1" dirty="0"/>
+              <a:t>temporalidad (imagen completa)</a:t>
+            </a:r>
           </a:p>
         </p:txBody>
       </p:sp>
     </p:spTree>
     <p:extLst>
       <p:ext uri="{BB962C8B-B14F-4D97-AF65-F5344CB8AC3E}">
-        <p14:creationId xmlns:p14="http://schemas.microsoft.com/office/powerpoint/2010/main" val="1898978955"/>
+        <p14:creationId xmlns:p14="http://schemas.microsoft.com/office/powerpoint/2010/main" val="2655785732"/>
       </p:ext>
     </p:extLst>
   </p:cSld>
@@ -7732,6 +7874,178 @@
           <a:chExt cx="0" cy="0"/>
         </a:xfrm>
       </p:grpSpPr>
+      <p:sp>
+        <p:nvSpPr>
+          <p:cNvPr id="2" name="1 Título"/>
+          <p:cNvSpPr>
+            <a:spLocks noGrp="1"/>
+          </p:cNvSpPr>
+          <p:nvPr>
+            <p:ph type="title"/>
+          </p:nvPr>
+        </p:nvSpPr>
+        <p:spPr/>
+        <p:txBody>
+          <a:bodyPr/>
+          <a:lstStyle/>
+          <a:p>
+            <a:r>
+              <a:rPr lang="es-ES" dirty="0" smtClean="0">
+                <a:solidFill>
+                  <a:srgbClr val="0070C0"/>
+                </a:solidFill>
+              </a:rPr>
+              <a:t>Conclusiones</a:t>
+            </a:r>
+            <a:endParaRPr lang="es-ES" dirty="0"/>
+          </a:p>
+        </p:txBody>
+      </p:sp>
+      <p:sp>
+        <p:nvSpPr>
+          <p:cNvPr id="3" name="2 Marcador de contenido"/>
+          <p:cNvSpPr>
+            <a:spLocks noGrp="1"/>
+          </p:cNvSpPr>
+          <p:nvPr>
+            <p:ph idx="1"/>
+          </p:nvPr>
+        </p:nvSpPr>
+        <p:spPr>
+          <a:xfrm>
+            <a:off x="551447" y="2426598"/>
+            <a:ext cx="8229600" cy="3714403"/>
+          </a:xfrm>
+        </p:spPr>
+        <p:txBody>
+          <a:bodyPr>
+            <a:normAutofit/>
+          </a:bodyPr>
+          <a:lstStyle/>
+          <a:p>
+            <a:pPr>
+              <a:buFont typeface="Wingdings" panose="05000000000000000000" pitchFamily="2" charset="2"/>
+              <a:buChar char="§"/>
+            </a:pPr>
+            <a:r>
+              <a:rPr lang="es-ES" sz="2400" b="1" dirty="0" smtClean="0"/>
+              <a:t>Objetivo cumplido: </a:t>
+            </a:r>
+            <a:r>
+              <a:rPr lang="es-ES" sz="2400" dirty="0" smtClean="0"/>
+              <a:t>Estudio de redes neuronales para conducción autónoma en simulación.</a:t>
+            </a:r>
+          </a:p>
+          <a:p>
+            <a:pPr marL="0" indent="0">
+              <a:buNone/>
+            </a:pPr>
+            <a:endParaRPr lang="es-ES" sz="2400" dirty="0" smtClean="0"/>
+          </a:p>
+          <a:p>
+            <a:pPr>
+              <a:buFont typeface="Wingdings" panose="05000000000000000000" pitchFamily="2" charset="2"/>
+              <a:buChar char="§"/>
+            </a:pPr>
+            <a:r>
+              <a:rPr lang="es-ES" sz="2400" dirty="0"/>
+              <a:t>Aplicación de control visual</a:t>
+            </a:r>
+            <a:r>
+              <a:rPr lang="es-ES" sz="2400" dirty="0" smtClean="0"/>
+              <a:t>.</a:t>
+            </a:r>
+          </a:p>
+          <a:p>
+            <a:pPr>
+              <a:buFont typeface="Wingdings" panose="05000000000000000000" pitchFamily="2" charset="2"/>
+              <a:buChar char="§"/>
+            </a:pPr>
+            <a:r>
+              <a:rPr lang="es-ES" sz="2400" dirty="0"/>
+              <a:t>Creación de bases de datos propias</a:t>
+            </a:r>
+            <a:r>
+              <a:rPr lang="es-ES" sz="2400" dirty="0" smtClean="0"/>
+              <a:t>.</a:t>
+            </a:r>
+          </a:p>
+          <a:p>
+            <a:pPr>
+              <a:buFont typeface="Wingdings" panose="05000000000000000000" pitchFamily="2" charset="2"/>
+              <a:buChar char="§"/>
+            </a:pPr>
+            <a:r>
+              <a:rPr lang="es-ES" sz="2400" dirty="0"/>
+              <a:t>Estudio de redes neuronales </a:t>
+            </a:r>
+            <a:r>
+              <a:rPr lang="es-ES" sz="2400" dirty="0" err="1"/>
+              <a:t>convolucionales</a:t>
+            </a:r>
+            <a:r>
+              <a:rPr lang="es-ES" sz="2400" dirty="0"/>
+              <a:t> de clasificación</a:t>
+            </a:r>
+            <a:r>
+              <a:rPr lang="es-ES" sz="2400" dirty="0" smtClean="0"/>
+              <a:t>.</a:t>
+            </a:r>
+          </a:p>
+          <a:p>
+            <a:pPr>
+              <a:buFont typeface="Wingdings" panose="05000000000000000000" pitchFamily="2" charset="2"/>
+              <a:buChar char="§"/>
+            </a:pPr>
+            <a:r>
+              <a:rPr lang="es-ES" sz="2400" dirty="0"/>
+              <a:t>Estudio de redes neuronales </a:t>
+            </a:r>
+            <a:r>
+              <a:rPr lang="es-ES" sz="2400" dirty="0" err="1"/>
+              <a:t>convolucionales</a:t>
+            </a:r>
+            <a:r>
+              <a:rPr lang="es-ES" sz="2400" dirty="0"/>
+              <a:t> y recurrentes de regresión.</a:t>
+            </a:r>
+          </a:p>
+          <a:p>
+            <a:pPr>
+              <a:buFont typeface="Wingdings" panose="05000000000000000000" pitchFamily="2" charset="2"/>
+              <a:buChar char="§"/>
+            </a:pPr>
+            <a:endParaRPr lang="es-ES" sz="2400" dirty="0"/>
+          </a:p>
+          <a:p>
+            <a:pPr>
+              <a:buFont typeface="Wingdings" panose="05000000000000000000" pitchFamily="2" charset="2"/>
+              <a:buChar char="§"/>
+            </a:pPr>
+            <a:endParaRPr lang="es-ES" sz="2400" dirty="0"/>
+          </a:p>
+          <a:p>
+            <a:pPr>
+              <a:buFont typeface="Wingdings" panose="05000000000000000000" pitchFamily="2" charset="2"/>
+              <a:buChar char="§"/>
+            </a:pPr>
+            <a:endParaRPr lang="es-ES" sz="2400" dirty="0" smtClean="0"/>
+          </a:p>
+          <a:p>
+            <a:pPr>
+              <a:buFont typeface="Wingdings" panose="05000000000000000000" pitchFamily="2" charset="2"/>
+              <a:buChar char="§"/>
+            </a:pPr>
+            <a:endParaRPr lang="es-ES" sz="2400" dirty="0"/>
+          </a:p>
+          <a:p>
+            <a:pPr marL="0" indent="0">
+              <a:buNone/>
+            </a:pPr>
+            <a:endParaRPr lang="es-ES" sz="2400" dirty="0" smtClean="0"/>
+          </a:p>
+        </p:txBody>
+      </p:sp>
       <p:cxnSp>
         <p:nvCxnSpPr>
           <p:cNvPr id="4" name="3 Conector recto"/>
@@ -7792,32 +8106,9 @@
           </a:prstGeom>
         </p:spPr>
       </p:pic>
-      <p:sp>
-        <p:nvSpPr>
-          <p:cNvPr id="7" name="6 Marcador de número de diapositiva"/>
-          <p:cNvSpPr>
-            <a:spLocks noGrp="1"/>
-          </p:cNvSpPr>
-          <p:nvPr>
-            <p:ph type="sldNum" sz="quarter" idx="12"/>
-          </p:nvPr>
-        </p:nvSpPr>
-        <p:spPr/>
-        <p:txBody>
-          <a:bodyPr/>
-          <a:lstStyle/>
-          <a:p>
-            <a:r>
-              <a:rPr lang="es-ES" dirty="0"/>
-              <a:t>20/26</a:t>
-            </a:r>
-            <a:endParaRPr lang="es-ES" dirty="0"/>
-          </a:p>
-        </p:txBody>
-      </p:sp>
       <p:pic>
         <p:nvPicPr>
-          <p:cNvPr id="11" name="5 Imagen"/>
+          <p:cNvPr id="6" name="5 Imagen"/>
           <p:cNvPicPr>
             <a:picLocks noChangeAspect="1"/>
           </p:cNvPicPr>
@@ -7837,7 +8128,7 @@
         </p:blipFill>
         <p:spPr>
           <a:xfrm>
-            <a:off x="7322516" y="506571"/>
+            <a:off x="6880124" y="497064"/>
             <a:ext cx="1364284" cy="601890"/>
           </a:xfrm>
           <a:prstGeom prst="rect">
@@ -7847,53 +8138,37 @@
       </p:pic>
       <p:sp>
         <p:nvSpPr>
-          <p:cNvPr id="12" name="1 Título"/>
-          <p:cNvSpPr>
-            <a:spLocks noGrp="1"/>
-          </p:cNvSpPr>
-          <p:nvPr>
-            <p:ph type="title"/>
-          </p:nvPr>
-        </p:nvSpPr>
-        <p:spPr>
-          <a:xfrm>
-            <a:off x="457200" y="274638"/>
-            <a:ext cx="8229600" cy="1143000"/>
-          </a:xfrm>
-        </p:spPr>
-        <p:txBody>
-          <a:bodyPr>
-            <a:normAutofit/>
-          </a:bodyPr>
-          <a:lstStyle/>
-          <a:p>
-            <a:pPr algn="l"/>
-            <a:r>
-              <a:rPr lang="es-ES" dirty="0" smtClean="0">
-                <a:solidFill>
-                  <a:srgbClr val="0070C0"/>
-                </a:solidFill>
-              </a:rPr>
-              <a:t>             Redes de regresión </a:t>
-            </a:r>
-            <a:endParaRPr lang="es-ES" dirty="0">
-              <a:solidFill>
-                <a:srgbClr val="0070C0"/>
-              </a:solidFill>
-            </a:endParaRPr>
-          </a:p>
-        </p:txBody>
-      </p:sp>
-      <p:sp>
-        <p:nvSpPr>
-          <p:cNvPr id="8" name="7 CuadroTexto"/>
+          <p:cNvPr id="7" name="6 Marcador de número de diapositiva"/>
+          <p:cNvSpPr>
+            <a:spLocks noGrp="1"/>
+          </p:cNvSpPr>
+          <p:nvPr>
+            <p:ph type="sldNum" sz="quarter" idx="12"/>
+          </p:nvPr>
+        </p:nvSpPr>
+        <p:spPr/>
+        <p:txBody>
+          <a:bodyPr/>
+          <a:lstStyle/>
+          <a:p>
+            <a:r>
+              <a:rPr lang="es-ES" dirty="0" smtClean="0"/>
+              <a:t>20/22</a:t>
+            </a:r>
+            <a:endParaRPr lang="es-ES" dirty="0"/>
+          </a:p>
+        </p:txBody>
+      </p:sp>
+      <p:sp>
+        <p:nvSpPr>
+          <p:cNvPr id="8" name="CuadroTexto 7"/>
           <p:cNvSpPr txBox="1"/>
           <p:nvPr/>
         </p:nvSpPr>
         <p:spPr>
           <a:xfrm>
-            <a:off x="3308577" y="1807326"/>
-            <a:ext cx="2526846" cy="861774"/>
+            <a:off x="3366380" y="1582778"/>
+            <a:ext cx="2411238" cy="861774"/>
           </a:xfrm>
           <a:prstGeom prst="rect">
             <a:avLst/>
@@ -7912,232 +8187,19 @@
                   <a:srgbClr val="586E2C"/>
                 </a:solidFill>
               </a:rPr>
-              <a:t>Experimentos</a:t>
+              <a:t>Conclusiones</a:t>
             </a:r>
             <a:endParaRPr lang="es-ES" sz="3200" dirty="0"/>
           </a:p>
           <a:p>
             <a:endParaRPr lang="es-ES" dirty="0"/>
-          </a:p>
-        </p:txBody>
-      </p:sp>
-      <p:sp>
-        <p:nvSpPr>
-          <p:cNvPr id="9" name="2 Marcador de contenido"/>
-          <p:cNvSpPr>
-            <a:spLocks noGrp="1"/>
-          </p:cNvSpPr>
-          <p:nvPr>
-            <p:ph idx="1"/>
-          </p:nvPr>
-        </p:nvSpPr>
-        <p:spPr>
-          <a:xfrm>
-            <a:off x="881755" y="2669100"/>
-            <a:ext cx="7996960" cy="3777283"/>
-          </a:xfrm>
-        </p:spPr>
-        <p:txBody>
-          <a:bodyPr>
-            <a:normAutofit/>
-          </a:bodyPr>
-          <a:lstStyle/>
-          <a:p>
-            <a:pPr>
-              <a:buFont typeface="Wingdings" panose="05000000000000000000" pitchFamily="2" charset="2"/>
-              <a:buChar char="§"/>
-            </a:pPr>
-            <a:r>
-              <a:rPr lang="es-ES" sz="2400" dirty="0"/>
-              <a:t>Tipo de imagen de entrada</a:t>
-            </a:r>
-            <a:r>
-              <a:rPr lang="es-ES" sz="2400" dirty="0" smtClean="0"/>
-              <a:t>:</a:t>
-            </a:r>
-          </a:p>
-          <a:p>
-            <a:pPr lvl="1">
-              <a:buFont typeface="Wingdings" panose="05000000000000000000" pitchFamily="2" charset="2"/>
-              <a:buChar char="§"/>
-            </a:pPr>
-            <a:r>
-              <a:rPr lang="es-ES" sz="2000" dirty="0" smtClean="0"/>
-              <a:t>Creación de imagen temporal.</a:t>
-            </a:r>
-          </a:p>
-          <a:p>
-            <a:pPr lvl="1">
-              <a:buFont typeface="Wingdings" panose="05000000000000000000" pitchFamily="2" charset="2"/>
-              <a:buChar char="§"/>
-            </a:pPr>
-            <a:endParaRPr lang="es-ES" sz="2000" dirty="0" smtClean="0"/>
-          </a:p>
-          <a:p>
-            <a:pPr lvl="1">
-              <a:buFont typeface="Wingdings" panose="05000000000000000000" pitchFamily="2" charset="2"/>
-              <a:buChar char="§"/>
-            </a:pPr>
-            <a:r>
-              <a:rPr lang="es-ES" sz="2000" dirty="0" smtClean="0"/>
-              <a:t>Imagen </a:t>
-            </a:r>
-            <a:r>
-              <a:rPr lang="es-ES" sz="2000" dirty="0"/>
-              <a:t>apilada (</a:t>
-            </a:r>
-            <a:r>
-              <a:rPr lang="es-ES" sz="2000" i="1" dirty="0" err="1"/>
-              <a:t>PilotNet</a:t>
-            </a:r>
-            <a:r>
-              <a:rPr lang="es-ES" sz="2000" i="1" dirty="0"/>
-              <a:t> (</a:t>
-            </a:r>
-            <a:r>
-              <a:rPr lang="es-ES" sz="2000" i="1" dirty="0" err="1"/>
-              <a:t>stacked</a:t>
-            </a:r>
-            <a:r>
-              <a:rPr lang="es-ES" sz="2000" dirty="0" smtClean="0"/>
-              <a:t>)).</a:t>
-            </a:r>
-          </a:p>
-          <a:p>
-            <a:pPr lvl="1">
-              <a:buFont typeface="Wingdings" panose="05000000000000000000" pitchFamily="2" charset="2"/>
-              <a:buChar char="§"/>
-            </a:pPr>
-            <a:r>
-              <a:rPr lang="es-ES" sz="2000" dirty="0" smtClean="0"/>
-              <a:t>Imagen </a:t>
-            </a:r>
-            <a:r>
-              <a:rPr lang="es-ES" sz="2000" dirty="0"/>
-              <a:t>diferencia (</a:t>
-            </a:r>
-            <a:r>
-              <a:rPr lang="es-ES" sz="2000" i="1" dirty="0"/>
-              <a:t>Temporal (</a:t>
-            </a:r>
-            <a:r>
-              <a:rPr lang="es-ES" sz="2000" i="1" dirty="0" err="1"/>
-              <a:t>dif</a:t>
-            </a:r>
-            <a:r>
-              <a:rPr lang="es-ES" sz="2000" i="1" dirty="0"/>
-              <a:t> </a:t>
-            </a:r>
-            <a:r>
-              <a:rPr lang="es-ES" sz="2000" i="1" dirty="0" smtClean="0"/>
-              <a:t>)</a:t>
-            </a:r>
-            <a:r>
-              <a:rPr lang="es-ES" sz="2000" dirty="0" smtClean="0"/>
-              <a:t>)</a:t>
-            </a:r>
-            <a:r>
-              <a:rPr lang="es-ES" sz="2000" i="1" dirty="0"/>
-              <a:t>.</a:t>
-            </a:r>
-            <a:endParaRPr lang="es-ES" sz="2000" i="1" dirty="0" smtClean="0"/>
-          </a:p>
-          <a:p>
-            <a:pPr lvl="1">
-              <a:buFont typeface="Wingdings" panose="05000000000000000000" pitchFamily="2" charset="2"/>
-              <a:buChar char="§"/>
-            </a:pPr>
-            <a:r>
-              <a:rPr lang="es-ES" sz="2000" dirty="0"/>
-              <a:t>Imagen apilada-diferencia (</a:t>
-            </a:r>
-            <a:r>
-              <a:rPr lang="es-ES" sz="2000" i="1" dirty="0" err="1"/>
-              <a:t>PilotNet</a:t>
-            </a:r>
-            <a:r>
-              <a:rPr lang="es-ES" sz="2000" i="1" dirty="0"/>
-              <a:t> (</a:t>
-            </a:r>
-            <a:r>
-              <a:rPr lang="es-ES" sz="2000" i="1" dirty="0" err="1"/>
-              <a:t>stacked</a:t>
-            </a:r>
-            <a:r>
-              <a:rPr lang="es-ES" sz="2000" i="1" dirty="0"/>
-              <a:t>, </a:t>
-            </a:r>
-            <a:r>
-              <a:rPr lang="es-ES" sz="2000" i="1" dirty="0" err="1"/>
-              <a:t>dif</a:t>
-            </a:r>
-            <a:r>
-              <a:rPr lang="es-ES" sz="2000" i="1" dirty="0"/>
-              <a:t> </a:t>
-            </a:r>
-            <a:r>
-              <a:rPr lang="es-ES" sz="2000" i="1" dirty="0" smtClean="0"/>
-              <a:t>)</a:t>
-            </a:r>
-            <a:r>
-              <a:rPr lang="es-ES" sz="2000" dirty="0" smtClean="0"/>
-              <a:t>)</a:t>
-            </a:r>
-            <a:r>
-              <a:rPr lang="es-ES" sz="2000" i="1" dirty="0" smtClean="0"/>
-              <a:t>.</a:t>
-            </a:r>
-          </a:p>
-          <a:p>
-            <a:pPr marL="457200" lvl="1" indent="0">
-              <a:buNone/>
-            </a:pPr>
-            <a:endParaRPr lang="es-ES" sz="2000" dirty="0" smtClean="0"/>
-          </a:p>
-          <a:p>
-            <a:pPr lvl="1">
-              <a:buFont typeface="Wingdings" panose="05000000000000000000" pitchFamily="2" charset="2"/>
-              <a:buChar char="§"/>
-            </a:pPr>
-            <a:r>
-              <a:rPr lang="es-ES" sz="2000" dirty="0"/>
-              <a:t>Complejidad </a:t>
-            </a:r>
-            <a:r>
-              <a:rPr lang="es-ES" sz="2000" dirty="0" smtClean="0"/>
-              <a:t>al </a:t>
-            </a:r>
-            <a:r>
-              <a:rPr lang="es-ES" sz="2000" dirty="0"/>
-              <a:t>introducir temporalidad en imágenes.</a:t>
-            </a:r>
-          </a:p>
-          <a:p>
-            <a:pPr lvl="1">
-              <a:buFont typeface="Wingdings" panose="05000000000000000000" pitchFamily="2" charset="2"/>
-              <a:buChar char="§"/>
-            </a:pPr>
-            <a:endParaRPr lang="es-ES" sz="2000" dirty="0" smtClean="0"/>
-          </a:p>
-          <a:p>
-            <a:pPr marL="457200" lvl="1" indent="0">
-              <a:buNone/>
-            </a:pPr>
-            <a:endParaRPr lang="es-ES" sz="2000" dirty="0" smtClean="0"/>
-          </a:p>
-          <a:p>
-            <a:pPr>
-              <a:buFont typeface="Wingdings" panose="05000000000000000000" pitchFamily="2" charset="2"/>
-              <a:buChar char="§"/>
-            </a:pPr>
-            <a:endParaRPr lang="es-ES" sz="2400" dirty="0" smtClean="0"/>
           </a:p>
         </p:txBody>
       </p:sp>
     </p:spTree>
     <p:extLst>
       <p:ext uri="{BB962C8B-B14F-4D97-AF65-F5344CB8AC3E}">
-        <p14:creationId xmlns:p14="http://schemas.microsoft.com/office/powerpoint/2010/main" val="108250992"/>
+        <p14:creationId xmlns:p14="http://schemas.microsoft.com/office/powerpoint/2010/main" val="3363463598"/>
       </p:ext>
     </p:extLst>
   </p:cSld>
@@ -8171,6 +8233,132 @@
           <a:chExt cx="0" cy="0"/>
         </a:xfrm>
       </p:grpSpPr>
+      <p:sp>
+        <p:nvSpPr>
+          <p:cNvPr id="2" name="Título 1"/>
+          <p:cNvSpPr>
+            <a:spLocks noGrp="1"/>
+          </p:cNvSpPr>
+          <p:nvPr>
+            <p:ph type="title"/>
+          </p:nvPr>
+        </p:nvSpPr>
+        <p:spPr/>
+        <p:txBody>
+          <a:bodyPr/>
+          <a:lstStyle/>
+          <a:p>
+            <a:r>
+              <a:rPr lang="es-ES" dirty="0">
+                <a:solidFill>
+                  <a:srgbClr val="0070C0"/>
+                </a:solidFill>
+              </a:rPr>
+              <a:t>Conclusiones</a:t>
+            </a:r>
+            <a:endParaRPr lang="es-ES" dirty="0"/>
+          </a:p>
+        </p:txBody>
+      </p:sp>
+      <p:sp>
+        <p:nvSpPr>
+          <p:cNvPr id="3" name="Marcador de contenido 2"/>
+          <p:cNvSpPr>
+            <a:spLocks noGrp="1"/>
+          </p:cNvSpPr>
+          <p:nvPr>
+            <p:ph idx="1"/>
+          </p:nvPr>
+        </p:nvSpPr>
+        <p:spPr>
+          <a:xfrm>
+            <a:off x="971600" y="2654532"/>
+            <a:ext cx="8229600" cy="3863280"/>
+          </a:xfrm>
+        </p:spPr>
+        <p:txBody>
+          <a:bodyPr>
+            <a:normAutofit/>
+          </a:bodyPr>
+          <a:lstStyle/>
+          <a:p>
+            <a:pPr>
+              <a:buFont typeface="Wingdings" panose="05000000000000000000" pitchFamily="2" charset="2"/>
+              <a:buChar char="§"/>
+            </a:pPr>
+            <a:r>
+              <a:rPr lang="es-ES" sz="2400" dirty="0" smtClean="0"/>
+              <a:t>Uso de robots reales.</a:t>
+            </a:r>
+          </a:p>
+          <a:p>
+            <a:pPr>
+              <a:buFont typeface="Wingdings" panose="05000000000000000000" pitchFamily="2" charset="2"/>
+              <a:buChar char="§"/>
+            </a:pPr>
+            <a:r>
+              <a:rPr lang="es-ES" sz="2400" dirty="0" smtClean="0"/>
+              <a:t>Grabar un conjunto de datos</a:t>
+            </a:r>
+            <a:r>
+              <a:rPr lang="es-ES" sz="2400" i="1" dirty="0" smtClean="0"/>
+              <a:t> </a:t>
+            </a:r>
+            <a:r>
+              <a:rPr lang="es-ES" sz="2400" dirty="0" smtClean="0"/>
+              <a:t>de situaciones complejas.</a:t>
+            </a:r>
+          </a:p>
+          <a:p>
+            <a:pPr>
+              <a:buFont typeface="Wingdings" panose="05000000000000000000" pitchFamily="2" charset="2"/>
+              <a:buChar char="§"/>
+            </a:pPr>
+            <a:r>
+              <a:rPr lang="es-ES" sz="2400" dirty="0" smtClean="0"/>
+              <a:t>Estudio más amplio de la </a:t>
+            </a:r>
+            <a:r>
+              <a:rPr lang="es-ES" sz="2400" dirty="0" err="1" smtClean="0"/>
+              <a:t>cuantización</a:t>
+            </a:r>
+            <a:r>
+              <a:rPr lang="es-ES" sz="2400" dirty="0" smtClean="0"/>
+              <a:t> de clases.</a:t>
+            </a:r>
+          </a:p>
+          <a:p>
+            <a:pPr>
+              <a:buFont typeface="Wingdings" panose="05000000000000000000" pitchFamily="2" charset="2"/>
+              <a:buChar char="§"/>
+            </a:pPr>
+            <a:r>
+              <a:rPr lang="es-ES" sz="2400" dirty="0" smtClean="0"/>
+              <a:t>Estudio de imágenes apiladas.</a:t>
+            </a:r>
+          </a:p>
+          <a:p>
+            <a:pPr>
+              <a:buFont typeface="Wingdings" panose="05000000000000000000" pitchFamily="2" charset="2"/>
+              <a:buChar char="§"/>
+            </a:pPr>
+            <a:r>
+              <a:rPr lang="es-ES" sz="2400" dirty="0" smtClean="0"/>
+              <a:t>Estudio más amplio de imagen diferencia.</a:t>
+            </a:r>
+          </a:p>
+          <a:p>
+            <a:pPr>
+              <a:buFont typeface="Wingdings" panose="05000000000000000000" pitchFamily="2" charset="2"/>
+              <a:buChar char="§"/>
+            </a:pPr>
+            <a:r>
+              <a:rPr lang="es-ES" sz="2400" dirty="0" smtClean="0"/>
+              <a:t>Empleo de algoritmo de objetos salientes en la imagen.</a:t>
+            </a:r>
+          </a:p>
+        </p:txBody>
+      </p:sp>
       <p:cxnSp>
         <p:nvCxnSpPr>
           <p:cNvPr id="4" name="3 Conector recto"/>
@@ -8231,32 +8419,9 @@
           </a:prstGeom>
         </p:spPr>
       </p:pic>
-      <p:sp>
-        <p:nvSpPr>
-          <p:cNvPr id="7" name="6 Marcador de número de diapositiva"/>
-          <p:cNvSpPr>
-            <a:spLocks noGrp="1"/>
-          </p:cNvSpPr>
-          <p:nvPr>
-            <p:ph type="sldNum" sz="quarter" idx="12"/>
-          </p:nvPr>
-        </p:nvSpPr>
-        <p:spPr/>
-        <p:txBody>
-          <a:bodyPr/>
-          <a:lstStyle/>
-          <a:p>
-            <a:r>
-              <a:rPr lang="es-ES" dirty="0"/>
-              <a:t>21/26</a:t>
-            </a:r>
-            <a:endParaRPr lang="es-ES" dirty="0"/>
-          </a:p>
-        </p:txBody>
-      </p:sp>
       <p:pic>
         <p:nvPicPr>
-          <p:cNvPr id="11" name="5 Imagen"/>
+          <p:cNvPr id="6" name="5 Imagen"/>
           <p:cNvPicPr>
             <a:picLocks noChangeAspect="1"/>
           </p:cNvPicPr>
@@ -8276,7 +8441,7 @@
         </p:blipFill>
         <p:spPr>
           <a:xfrm>
-            <a:off x="7322516" y="506571"/>
+            <a:off x="6880124" y="497064"/>
             <a:ext cx="1364284" cy="601890"/>
           </a:xfrm>
           <a:prstGeom prst="rect">
@@ -8286,53 +8451,37 @@
       </p:pic>
       <p:sp>
         <p:nvSpPr>
-          <p:cNvPr id="12" name="1 Título"/>
-          <p:cNvSpPr>
-            <a:spLocks noGrp="1"/>
-          </p:cNvSpPr>
-          <p:nvPr>
-            <p:ph type="title"/>
-          </p:nvPr>
-        </p:nvSpPr>
-        <p:spPr>
-          <a:xfrm>
-            <a:off x="457200" y="274638"/>
-            <a:ext cx="8229600" cy="1143000"/>
-          </a:xfrm>
-        </p:spPr>
-        <p:txBody>
-          <a:bodyPr>
-            <a:normAutofit/>
-          </a:bodyPr>
-          <a:lstStyle/>
-          <a:p>
-            <a:pPr algn="l"/>
-            <a:r>
-              <a:rPr lang="es-ES" dirty="0" smtClean="0">
-                <a:solidFill>
-                  <a:srgbClr val="0070C0"/>
-                </a:solidFill>
-              </a:rPr>
-              <a:t>             Redes de regresión </a:t>
-            </a:r>
-            <a:endParaRPr lang="es-ES" dirty="0">
-              <a:solidFill>
-                <a:srgbClr val="0070C0"/>
-              </a:solidFill>
-            </a:endParaRPr>
-          </a:p>
-        </p:txBody>
-      </p:sp>
-      <p:sp>
-        <p:nvSpPr>
-          <p:cNvPr id="8" name="7 CuadroTexto"/>
+          <p:cNvPr id="7" name="Marcador de número de diapositiva 6"/>
+          <p:cNvSpPr>
+            <a:spLocks noGrp="1"/>
+          </p:cNvSpPr>
+          <p:nvPr>
+            <p:ph type="sldNum" sz="quarter" idx="12"/>
+          </p:nvPr>
+        </p:nvSpPr>
+        <p:spPr/>
+        <p:txBody>
+          <a:bodyPr/>
+          <a:lstStyle/>
+          <a:p>
+            <a:r>
+              <a:rPr lang="es-ES" dirty="0" smtClean="0"/>
+              <a:t>21/22</a:t>
+            </a:r>
+            <a:endParaRPr lang="es-ES" dirty="0"/>
+          </a:p>
+        </p:txBody>
+      </p:sp>
+      <p:sp>
+        <p:nvSpPr>
+          <p:cNvPr id="8" name="CuadroTexto 7"/>
           <p:cNvSpPr txBox="1"/>
           <p:nvPr/>
         </p:nvSpPr>
         <p:spPr>
           <a:xfrm>
-            <a:off x="3308577" y="1577937"/>
-            <a:ext cx="2526846" cy="861774"/>
+            <a:off x="3098584" y="1771808"/>
+            <a:ext cx="2946832" cy="861774"/>
           </a:xfrm>
           <a:prstGeom prst="rect">
             <a:avLst/>
@@ -8351,94 +8500,19 @@
                   <a:srgbClr val="586E2C"/>
                 </a:solidFill>
               </a:rPr>
-              <a:t>Experimentos</a:t>
+              <a:t>Trabajos futuros</a:t>
             </a:r>
             <a:endParaRPr lang="es-ES" sz="3200" dirty="0"/>
           </a:p>
           <a:p>
             <a:endParaRPr lang="es-ES" dirty="0"/>
-          </a:p>
-        </p:txBody>
-      </p:sp>
-      <p:pic>
-        <p:nvPicPr>
-          <p:cNvPr id="3" name="Imagen 2"/>
-          <p:cNvPicPr>
-            <a:picLocks noChangeAspect="1"/>
-          </p:cNvPicPr>
-          <p:nvPr/>
-        </p:nvPicPr>
-        <p:blipFill>
-          <a:blip r:embed="rId4"/>
-          <a:stretch>
-            <a:fillRect/>
-          </a:stretch>
-        </p:blipFill>
-        <p:spPr>
-          <a:xfrm>
-            <a:off x="611560" y="2227249"/>
-            <a:ext cx="7592264" cy="3694901"/>
-          </a:xfrm>
-          <a:prstGeom prst="rect">
-            <a:avLst/>
-          </a:prstGeom>
-        </p:spPr>
-      </p:pic>
-      <p:sp>
-        <p:nvSpPr>
-          <p:cNvPr id="9" name="CuadroTexto 8"/>
-          <p:cNvSpPr txBox="1"/>
-          <p:nvPr/>
-        </p:nvSpPr>
-        <p:spPr>
-          <a:xfrm>
-            <a:off x="971600" y="5996797"/>
-            <a:ext cx="6520503" cy="584775"/>
-          </a:xfrm>
-          <a:prstGeom prst="rect">
-            <a:avLst/>
-          </a:prstGeom>
-          <a:noFill/>
-        </p:spPr>
-        <p:txBody>
-          <a:bodyPr wrap="none" rtlCol="0">
-            <a:spAutoFit/>
-          </a:bodyPr>
-          <a:lstStyle/>
-          <a:p>
-            <a:r>
-              <a:rPr lang="es-ES" sz="1600" i="1" dirty="0"/>
-              <a:t>Resultados de </a:t>
-            </a:r>
-            <a:r>
-              <a:rPr lang="es-ES" sz="1600" i="1" dirty="0" smtClean="0"/>
-              <a:t>conducción </a:t>
-            </a:r>
-            <a:r>
-              <a:rPr lang="es-ES" sz="1600" i="1" dirty="0"/>
-              <a:t>con redes neuronales de </a:t>
-            </a:r>
-            <a:r>
-              <a:rPr lang="es-ES" sz="1600" i="1" dirty="0" smtClean="0"/>
-              <a:t>regresión </a:t>
-            </a:r>
-            <a:r>
-              <a:rPr lang="es-ES" sz="1600" i="1" dirty="0"/>
-              <a:t>introduciendo</a:t>
-            </a:r>
-          </a:p>
-          <a:p>
-            <a:r>
-              <a:rPr lang="es-ES" sz="1600" i="1" dirty="0"/>
-              <a:t>temporalidad (imagen completa)</a:t>
-            </a:r>
           </a:p>
         </p:txBody>
       </p:sp>
     </p:spTree>
     <p:extLst>
       <p:ext uri="{BB962C8B-B14F-4D97-AF65-F5344CB8AC3E}">
-        <p14:creationId xmlns:p14="http://schemas.microsoft.com/office/powerpoint/2010/main" val="2655785732"/>
+        <p14:creationId xmlns:p14="http://schemas.microsoft.com/office/powerpoint/2010/main" val="2806941672"/>
       </p:ext>
     </p:extLst>
   </p:cSld>
@@ -8474,7 +8548,34 @@
       </p:grpSpPr>
       <p:sp>
         <p:nvSpPr>
-          <p:cNvPr id="3" name="2 Marcador de contenido"/>
+          <p:cNvPr id="2" name="Título 1"/>
+          <p:cNvSpPr>
+            <a:spLocks noGrp="1"/>
+          </p:cNvSpPr>
+          <p:nvPr>
+            <p:ph type="title"/>
+          </p:nvPr>
+        </p:nvSpPr>
+        <p:spPr/>
+        <p:txBody>
+          <a:bodyPr/>
+          <a:lstStyle/>
+          <a:p>
+            <a:r>
+              <a:rPr lang="es-ES" dirty="0" smtClean="0">
+                <a:solidFill>
+                  <a:srgbClr val="0070C0"/>
+                </a:solidFill>
+              </a:rPr>
+              <a:t>Enlaces</a:t>
+            </a:r>
+            <a:endParaRPr lang="es-ES" dirty="0"/>
+          </a:p>
+        </p:txBody>
+      </p:sp>
+      <p:sp>
+        <p:nvSpPr>
+          <p:cNvPr id="3" name="Marcador de contenido 2"/>
           <p:cNvSpPr>
             <a:spLocks noGrp="1"/>
           </p:cNvSpPr>
@@ -8484,8 +8585,8 @@
         </p:nvSpPr>
         <p:spPr>
           <a:xfrm>
-            <a:off x="1261792" y="2996952"/>
-            <a:ext cx="8229600" cy="3633267"/>
+            <a:off x="755576" y="2506677"/>
+            <a:ext cx="8037685" cy="3714403"/>
           </a:xfrm>
         </p:spPr>
         <p:txBody>
@@ -8499,16 +8600,76 @@
               <a:buChar char="§"/>
             </a:pPr>
             <a:r>
-              <a:rPr lang="es-ES" sz="2400" dirty="0" smtClean="0"/>
-              <a:t>Redes con buen rendimiento en pilotaje:</a:t>
-            </a:r>
+              <a:rPr lang="es-ES" sz="2400" dirty="0" err="1" smtClean="0"/>
+              <a:t>Mediawiki</a:t>
+            </a:r>
+            <a:r>
+              <a:rPr lang="es-ES" sz="2400" dirty="0"/>
+              <a:t>: </a:t>
+            </a:r>
+            <a:r>
+              <a:rPr lang="es-ES" sz="2400" dirty="0">
+                <a:hlinkClick r:id="rId2"/>
+              </a:rPr>
+              <a:t>https://</a:t>
+            </a:r>
+            <a:r>
+              <a:rPr lang="es-ES" sz="2400" dirty="0" smtClean="0">
+                <a:hlinkClick r:id="rId2"/>
+              </a:rPr>
+              <a:t>jderobot.org/Vmartinezf-tfm</a:t>
+            </a:r>
+            <a:endParaRPr lang="es-ES" sz="2400" dirty="0" smtClean="0"/>
+          </a:p>
+          <a:p>
+            <a:pPr marL="0" indent="0">
+              <a:buNone/>
+            </a:pPr>
+            <a:endParaRPr lang="es-ES" sz="2400" dirty="0" smtClean="0"/>
           </a:p>
           <a:p>
             <a:pPr>
               <a:buFont typeface="Wingdings" panose="05000000000000000000" pitchFamily="2" charset="2"/>
               <a:buChar char="§"/>
             </a:pPr>
+            <a:r>
+              <a:rPr lang="es-ES" sz="2400" dirty="0" smtClean="0"/>
+              <a:t>Repositorio</a:t>
+            </a:r>
+            <a:r>
+              <a:rPr lang="es-ES" sz="2400" dirty="0"/>
+              <a:t>: </a:t>
+            </a:r>
+            <a:r>
+              <a:rPr lang="es-ES" sz="2400" dirty="0">
+                <a:hlinkClick r:id="rId3"/>
+              </a:rPr>
+              <a:t>https://</a:t>
+            </a:r>
+            <a:r>
+              <a:rPr lang="es-ES" sz="2400" dirty="0" smtClean="0">
+                <a:hlinkClick r:id="rId3"/>
+              </a:rPr>
+              <a:t>github.com/RoboticsURJC-students/2017-tfm-vanessa-fernandez</a:t>
+            </a:r>
+            <a:endParaRPr lang="es-ES" sz="2400" dirty="0" smtClean="0"/>
+          </a:p>
+          <a:p>
+            <a:pPr>
+              <a:buFont typeface="Wingdings" panose="05000000000000000000" pitchFamily="2" charset="2"/>
+              <a:buChar char="§"/>
+            </a:pPr>
             <a:endParaRPr lang="es-ES" sz="2400" dirty="0"/>
+          </a:p>
+          <a:p>
+            <a:pPr>
+              <a:buFont typeface="Wingdings" panose="05000000000000000000" pitchFamily="2" charset="2"/>
+              <a:buChar char="§"/>
+            </a:pPr>
+            <a:r>
+              <a:rPr lang="es-ES" sz="2400" dirty="0" smtClean="0"/>
+              <a:t>Vídeos:</a:t>
+            </a:r>
           </a:p>
           <a:p>
             <a:pPr lvl="1">
@@ -8516,68 +8677,35 @@
               <a:buChar char="§"/>
             </a:pPr>
             <a:r>
-              <a:rPr lang="es-ES" sz="2000" i="1" dirty="0" err="1" smtClean="0"/>
-              <a:t>PilotNet</a:t>
-            </a:r>
-            <a:r>
-              <a:rPr lang="es-ES" sz="2000" dirty="0" smtClean="0"/>
-              <a:t> (imagen completa y recortada BGR).</a:t>
-            </a:r>
+              <a:rPr lang="es-ES" sz="2000" dirty="0">
+                <a:hlinkClick r:id="rId4"/>
+              </a:rPr>
+              <a:t>https://www.youtube.com/watch?v=7s4vpMGU2Mg</a:t>
+            </a:r>
+            <a:endParaRPr lang="es-ES" sz="2000" dirty="0"/>
           </a:p>
           <a:p>
             <a:pPr lvl="1">
               <a:buFont typeface="Wingdings" panose="05000000000000000000" pitchFamily="2" charset="2"/>
               <a:buChar char="§"/>
             </a:pPr>
+            <a:r>
+              <a:rPr lang="es-ES" sz="2000" dirty="0" smtClean="0"/>
+              <a:t> </a:t>
+            </a:r>
+            <a:r>
+              <a:rPr lang="es-ES" sz="2000" dirty="0">
+                <a:hlinkClick r:id="rId5"/>
+              </a:rPr>
+              <a:t>https://www.youtube.com/watch?v=J6bDlE7TofE</a:t>
+            </a:r>
+            <a:endParaRPr lang="es-ES" sz="2000" dirty="0"/>
+          </a:p>
+          <a:p>
+            <a:pPr marL="457200" lvl="1" indent="0">
+              <a:buNone/>
+            </a:pPr>
             <a:endParaRPr lang="es-ES" sz="2000" dirty="0" smtClean="0"/>
-          </a:p>
-          <a:p>
-            <a:pPr lvl="1">
-              <a:buFont typeface="Wingdings" panose="05000000000000000000" pitchFamily="2" charset="2"/>
-              <a:buChar char="§"/>
-            </a:pPr>
-            <a:r>
-              <a:rPr lang="es-ES" sz="2000" i="1" dirty="0" err="1" smtClean="0"/>
-              <a:t>TinyPilotNet</a:t>
-            </a:r>
-            <a:r>
-              <a:rPr lang="es-ES" sz="2000" dirty="0" smtClean="0"/>
-              <a:t> (imagen completa BGR).</a:t>
-            </a:r>
-          </a:p>
-          <a:p>
-            <a:pPr lvl="1">
-              <a:buFont typeface="Wingdings" panose="05000000000000000000" pitchFamily="2" charset="2"/>
-              <a:buChar char="§"/>
-            </a:pPr>
-            <a:endParaRPr lang="es-ES" sz="2000" dirty="0" smtClean="0"/>
-          </a:p>
-          <a:p>
-            <a:pPr lvl="1">
-              <a:buFont typeface="Wingdings" panose="05000000000000000000" pitchFamily="2" charset="2"/>
-              <a:buChar char="§"/>
-            </a:pPr>
-            <a:r>
-              <a:rPr lang="es-ES" sz="2000" i="1" dirty="0" err="1" smtClean="0"/>
-              <a:t>DeepestLSTM-TinyPilotNet</a:t>
-            </a:r>
-            <a:r>
-              <a:rPr lang="es-ES" sz="2000" dirty="0" smtClean="0"/>
-              <a:t> (imagen completa BGR).</a:t>
-            </a:r>
-          </a:p>
-          <a:p>
-            <a:pPr lvl="1">
-              <a:buFont typeface="Wingdings" panose="05000000000000000000" pitchFamily="2" charset="2"/>
-              <a:buChar char="§"/>
-            </a:pPr>
-            <a:endParaRPr lang="es-ES" sz="2000" dirty="0"/>
-          </a:p>
-          <a:p>
-            <a:pPr marL="0" indent="0">
-              <a:buNone/>
-            </a:pPr>
-            <a:endParaRPr lang="es-ES" sz="2400" dirty="0" smtClean="0"/>
           </a:p>
           <a:p>
             <a:pPr marL="0" indent="0">
@@ -8626,7 +8754,7 @@
           <p:nvPr/>
         </p:nvPicPr>
         <p:blipFill>
-          <a:blip r:embed="rId2">
+          <a:blip r:embed="rId6">
             <a:extLst>
               <a:ext uri="{28A0092B-C50C-407E-A947-70E740481C1C}">
                 <a14:useLocalDpi xmlns:a14="http://schemas.microsoft.com/office/drawing/2010/main" val="0"/>
@@ -8647,76 +8775,16 @@
           </a:prstGeom>
         </p:spPr>
       </p:pic>
-      <p:sp>
-        <p:nvSpPr>
-          <p:cNvPr id="7" name="6 Marcador de número de diapositiva"/>
-          <p:cNvSpPr>
-            <a:spLocks noGrp="1"/>
-          </p:cNvSpPr>
-          <p:nvPr>
-            <p:ph type="sldNum" sz="quarter" idx="12"/>
-          </p:nvPr>
-        </p:nvSpPr>
-        <p:spPr/>
-        <p:txBody>
-          <a:bodyPr/>
-          <a:lstStyle/>
-          <a:p>
-            <a:r>
-              <a:rPr lang="es-ES" dirty="0"/>
-              <a:t>22/26</a:t>
-            </a:r>
-            <a:endParaRPr lang="es-ES" dirty="0"/>
-          </a:p>
-        </p:txBody>
-      </p:sp>
-      <p:sp>
-        <p:nvSpPr>
-          <p:cNvPr id="8" name="7 CuadroTexto"/>
-          <p:cNvSpPr txBox="1"/>
-          <p:nvPr/>
-        </p:nvSpPr>
-        <p:spPr>
-          <a:xfrm>
-            <a:off x="2267744" y="1980873"/>
-            <a:ext cx="3962688" cy="861774"/>
-          </a:xfrm>
-          <a:prstGeom prst="rect">
-            <a:avLst/>
-          </a:prstGeom>
-          <a:noFill/>
-        </p:spPr>
-        <p:txBody>
-          <a:bodyPr wrap="none" rtlCol="0">
-            <a:spAutoFit/>
-          </a:bodyPr>
-          <a:lstStyle/>
-          <a:p>
-            <a:r>
-              <a:rPr lang="es-ES" sz="3200" b="1" dirty="0" smtClean="0">
-                <a:solidFill>
-                  <a:srgbClr val="586E2C"/>
-                </a:solidFill>
-              </a:rPr>
-              <a:t>Solución de referencia</a:t>
-            </a:r>
-            <a:endParaRPr lang="es-ES" sz="3200" dirty="0"/>
-          </a:p>
-          <a:p>
-            <a:endParaRPr lang="es-ES" dirty="0"/>
-          </a:p>
-        </p:txBody>
-      </p:sp>
       <p:pic>
         <p:nvPicPr>
-          <p:cNvPr id="9" name="5 Imagen"/>
+          <p:cNvPr id="6" name="5 Imagen"/>
           <p:cNvPicPr>
             <a:picLocks noChangeAspect="1"/>
           </p:cNvPicPr>
           <p:nvPr/>
         </p:nvPicPr>
         <p:blipFill>
-          <a:blip r:embed="rId3" cstate="print">
+          <a:blip r:embed="rId7" cstate="print">
             <a:extLst>
               <a:ext uri="{28A0092B-C50C-407E-A947-70E740481C1C}">
                 <a14:useLocalDpi xmlns:a14="http://schemas.microsoft.com/office/drawing/2010/main" val="0"/>
@@ -8729,672 +8797,6 @@
         </p:blipFill>
         <p:spPr>
           <a:xfrm>
-            <a:off x="7322516" y="506571"/>
-            <a:ext cx="1364284" cy="601890"/>
-          </a:xfrm>
-          <a:prstGeom prst="rect">
-            <a:avLst/>
-          </a:prstGeom>
-        </p:spPr>
-      </p:pic>
-      <p:sp>
-        <p:nvSpPr>
-          <p:cNvPr id="10" name="1 Título"/>
-          <p:cNvSpPr>
-            <a:spLocks noGrp="1"/>
-          </p:cNvSpPr>
-          <p:nvPr>
-            <p:ph type="title"/>
-          </p:nvPr>
-        </p:nvSpPr>
-        <p:spPr>
-          <a:xfrm>
-            <a:off x="457200" y="274638"/>
-            <a:ext cx="8229600" cy="1143000"/>
-          </a:xfrm>
-        </p:spPr>
-        <p:txBody>
-          <a:bodyPr>
-            <a:normAutofit/>
-          </a:bodyPr>
-          <a:lstStyle/>
-          <a:p>
-            <a:pPr algn="l"/>
-            <a:r>
-              <a:rPr lang="es-ES" dirty="0" smtClean="0">
-                <a:solidFill>
-                  <a:srgbClr val="0070C0"/>
-                </a:solidFill>
-              </a:rPr>
-              <a:t>             Redes de regresión </a:t>
-            </a:r>
-            <a:endParaRPr lang="es-ES" dirty="0">
-              <a:solidFill>
-                <a:srgbClr val="0070C0"/>
-              </a:solidFill>
-            </a:endParaRPr>
-          </a:p>
-        </p:txBody>
-      </p:sp>
-    </p:spTree>
-    <p:extLst>
-      <p:ext uri="{BB962C8B-B14F-4D97-AF65-F5344CB8AC3E}">
-        <p14:creationId xmlns:p14="http://schemas.microsoft.com/office/powerpoint/2010/main" val="3980169220"/>
-      </p:ext>
-    </p:extLst>
-  </p:cSld>
-  <p:clrMapOvr>
-    <a:masterClrMapping/>
-  </p:clrMapOvr>
-  <p:timing>
-    <p:tnLst>
-      <p:par>
-        <p:cTn id="1" dur="indefinite" restart="never" nodeType="tmRoot"/>
-      </p:par>
-    </p:tnLst>
-  </p:timing>
-</p:sld>
-</file>
-
-<file path=ppt/slides/slide24.xml><?xml version="1.0" encoding="utf-8"?>
-<p:sld xmlns:a="http://schemas.openxmlformats.org/drawingml/2006/main" xmlns:r="http://schemas.openxmlformats.org/officeDocument/2006/relationships" xmlns:p="http://schemas.openxmlformats.org/presentationml/2006/main">
-  <p:cSld>
-    <p:spTree>
-      <p:nvGrpSpPr>
-        <p:cNvPr id="1" name=""/>
-        <p:cNvGrpSpPr/>
-        <p:nvPr/>
-      </p:nvGrpSpPr>
-      <p:grpSpPr>
-        <a:xfrm>
-          <a:off x="0" y="0"/>
-          <a:ext cx="0" cy="0"/>
-          <a:chOff x="0" y="0"/>
-          <a:chExt cx="0" cy="0"/>
-        </a:xfrm>
-      </p:grpSpPr>
-      <p:cxnSp>
-        <p:nvCxnSpPr>
-          <p:cNvPr id="4" name="3 Conector recto"/>
-          <p:cNvCxnSpPr/>
-          <p:nvPr/>
-        </p:nvCxnSpPr>
-        <p:spPr>
-          <a:xfrm>
-            <a:off x="457200" y="1268760"/>
-            <a:ext cx="8424936" cy="0"/>
-          </a:xfrm>
-          <a:prstGeom prst="line">
-            <a:avLst/>
-          </a:prstGeom>
-        </p:spPr>
-        <p:style>
-          <a:lnRef idx="1">
-            <a:schemeClr val="dk1"/>
-          </a:lnRef>
-          <a:fillRef idx="0">
-            <a:schemeClr val="dk1"/>
-          </a:fillRef>
-          <a:effectRef idx="0">
-            <a:schemeClr val="dk1"/>
-          </a:effectRef>
-          <a:fontRef idx="minor">
-            <a:schemeClr val="tx1"/>
-          </a:fontRef>
-        </p:style>
-      </p:cxnSp>
-      <p:pic>
-        <p:nvPicPr>
-          <p:cNvPr id="5" name="4 Imagen"/>
-          <p:cNvPicPr>
-            <a:picLocks noChangeAspect="1"/>
-          </p:cNvPicPr>
-          <p:nvPr/>
-        </p:nvPicPr>
-        <p:blipFill>
-          <a:blip r:embed="rId2">
-            <a:extLst>
-              <a:ext uri="{28A0092B-C50C-407E-A947-70E740481C1C}">
-                <a14:useLocalDpi xmlns:a14="http://schemas.microsoft.com/office/drawing/2010/main" val="0"/>
-              </a:ext>
-            </a:extLst>
-          </a:blip>
-          <a:stretch>
-            <a:fillRect/>
-          </a:stretch>
-        </p:blipFill>
-        <p:spPr>
-          <a:xfrm>
-            <a:off x="971600" y="404664"/>
-            <a:ext cx="580384" cy="749427"/>
-          </a:xfrm>
-          <a:prstGeom prst="rect">
-            <a:avLst/>
-          </a:prstGeom>
-        </p:spPr>
-      </p:pic>
-      <p:pic>
-        <p:nvPicPr>
-          <p:cNvPr id="6" name="5 Imagen"/>
-          <p:cNvPicPr>
-            <a:picLocks noChangeAspect="1"/>
-          </p:cNvPicPr>
-          <p:nvPr/>
-        </p:nvPicPr>
-        <p:blipFill>
-          <a:blip r:embed="rId3" cstate="print">
-            <a:extLst>
-              <a:ext uri="{28A0092B-C50C-407E-A947-70E740481C1C}">
-                <a14:useLocalDpi xmlns:a14="http://schemas.microsoft.com/office/drawing/2010/main" val="0"/>
-              </a:ext>
-            </a:extLst>
-          </a:blip>
-          <a:stretch>
-            <a:fillRect/>
-          </a:stretch>
-        </p:blipFill>
-        <p:spPr>
-          <a:xfrm>
-            <a:off x="7322516" y="506571"/>
-            <a:ext cx="1364284" cy="601890"/>
-          </a:xfrm>
-          <a:prstGeom prst="rect">
-            <a:avLst/>
-          </a:prstGeom>
-        </p:spPr>
-      </p:pic>
-      <p:sp>
-        <p:nvSpPr>
-          <p:cNvPr id="7" name="6 Marcador de número de diapositiva"/>
-          <p:cNvSpPr>
-            <a:spLocks noGrp="1"/>
-          </p:cNvSpPr>
-          <p:nvPr>
-            <p:ph type="sldNum" sz="quarter" idx="12"/>
-          </p:nvPr>
-        </p:nvSpPr>
-        <p:spPr/>
-        <p:txBody>
-          <a:bodyPr/>
-          <a:lstStyle/>
-          <a:p>
-            <a:r>
-              <a:rPr lang="es-ES" dirty="0"/>
-              <a:t>23/26</a:t>
-            </a:r>
-            <a:endParaRPr lang="es-ES" dirty="0"/>
-          </a:p>
-        </p:txBody>
-      </p:sp>
-      <p:sp>
-        <p:nvSpPr>
-          <p:cNvPr id="8" name="7 CuadroTexto"/>
-          <p:cNvSpPr txBox="1"/>
-          <p:nvPr/>
-        </p:nvSpPr>
-        <p:spPr>
-          <a:xfrm>
-            <a:off x="2483768" y="1468119"/>
-            <a:ext cx="3962688" cy="861774"/>
-          </a:xfrm>
-          <a:prstGeom prst="rect">
-            <a:avLst/>
-          </a:prstGeom>
-          <a:noFill/>
-        </p:spPr>
-        <p:txBody>
-          <a:bodyPr wrap="none" rtlCol="0">
-            <a:spAutoFit/>
-          </a:bodyPr>
-          <a:lstStyle/>
-          <a:p>
-            <a:r>
-              <a:rPr lang="es-ES" sz="3200" b="1" dirty="0" smtClean="0">
-                <a:solidFill>
-                  <a:srgbClr val="586E2C"/>
-                </a:solidFill>
-              </a:rPr>
-              <a:t>Solución de referencia</a:t>
-            </a:r>
-            <a:endParaRPr lang="es-ES" sz="3200" dirty="0"/>
-          </a:p>
-          <a:p>
-            <a:endParaRPr lang="es-ES" dirty="0"/>
-          </a:p>
-        </p:txBody>
-      </p:sp>
-      <p:sp>
-        <p:nvSpPr>
-          <p:cNvPr id="12" name="1 Título"/>
-          <p:cNvSpPr>
-            <a:spLocks noGrp="1"/>
-          </p:cNvSpPr>
-          <p:nvPr>
-            <p:ph type="title"/>
-          </p:nvPr>
-        </p:nvSpPr>
-        <p:spPr>
-          <a:xfrm>
-            <a:off x="457200" y="274638"/>
-            <a:ext cx="8229600" cy="1143000"/>
-          </a:xfrm>
-        </p:spPr>
-        <p:txBody>
-          <a:bodyPr>
-            <a:normAutofit/>
-          </a:bodyPr>
-          <a:lstStyle/>
-          <a:p>
-            <a:pPr algn="l"/>
-            <a:r>
-              <a:rPr lang="es-ES" dirty="0" smtClean="0">
-                <a:solidFill>
-                  <a:srgbClr val="0070C0"/>
-                </a:solidFill>
-              </a:rPr>
-              <a:t>             Redes de regresión </a:t>
-            </a:r>
-            <a:endParaRPr lang="es-ES" dirty="0">
-              <a:solidFill>
-                <a:srgbClr val="0070C0"/>
-              </a:solidFill>
-            </a:endParaRPr>
-          </a:p>
-        </p:txBody>
-      </p:sp>
-      <p:sp>
-        <p:nvSpPr>
-          <p:cNvPr id="13" name="2 Marcador de contenido"/>
-          <p:cNvSpPr>
-            <a:spLocks noGrp="1"/>
-          </p:cNvSpPr>
-          <p:nvPr>
-            <p:ph idx="1"/>
-          </p:nvPr>
-        </p:nvSpPr>
-        <p:spPr>
-          <a:xfrm>
-            <a:off x="827584" y="2326910"/>
-            <a:ext cx="8229600" cy="3633267"/>
-          </a:xfrm>
-        </p:spPr>
-        <p:txBody>
-          <a:bodyPr>
-            <a:normAutofit/>
-          </a:bodyPr>
-          <a:lstStyle/>
-          <a:p>
-            <a:pPr>
-              <a:buFont typeface="Wingdings" panose="05000000000000000000" pitchFamily="2" charset="2"/>
-              <a:buChar char="§"/>
-            </a:pPr>
-            <a:r>
-              <a:rPr lang="es-ES" sz="2400" dirty="0">
-                <a:hlinkClick r:id="rId4"/>
-              </a:rPr>
-              <a:t>https://</a:t>
-            </a:r>
-            <a:r>
-              <a:rPr lang="es-ES" sz="2400" dirty="0" smtClean="0">
-                <a:hlinkClick r:id="rId4"/>
-              </a:rPr>
-              <a:t>www.youtube.com/watch?v=J6bDlE7TofE</a:t>
-            </a:r>
-            <a:endParaRPr lang="es-ES" sz="2400" dirty="0" smtClean="0"/>
-          </a:p>
-          <a:p>
-            <a:pPr>
-              <a:buFont typeface="Wingdings" panose="05000000000000000000" pitchFamily="2" charset="2"/>
-              <a:buChar char="§"/>
-            </a:pPr>
-            <a:endParaRPr lang="es-ES" sz="2400" dirty="0"/>
-          </a:p>
-          <a:p>
-            <a:pPr marL="0" indent="0">
-              <a:buNone/>
-            </a:pPr>
-            <a:endParaRPr lang="es-ES" sz="2400" dirty="0" smtClean="0"/>
-          </a:p>
-          <a:p>
-            <a:pPr marL="0" indent="0">
-              <a:buNone/>
-            </a:pPr>
-            <a:endParaRPr lang="es-ES" sz="2400" dirty="0"/>
-          </a:p>
-        </p:txBody>
-      </p:sp>
-      <p:pic>
-        <p:nvPicPr>
-          <p:cNvPr id="2054" name="Picture 6" descr="monaco_reg.png"/>
-          <p:cNvPicPr>
-            <a:picLocks noChangeAspect="1" noChangeArrowheads="1"/>
-          </p:cNvPicPr>
-          <p:nvPr/>
-        </p:nvPicPr>
-        <p:blipFill>
-          <a:blip r:embed="rId5">
-            <a:extLst>
-              <a:ext uri="{28A0092B-C50C-407E-A947-70E740481C1C}">
-                <a14:useLocalDpi xmlns:a14="http://schemas.microsoft.com/office/drawing/2010/main" val="0"/>
-              </a:ext>
-            </a:extLst>
-          </a:blip>
-          <a:srcRect/>
-          <a:stretch>
-            <a:fillRect/>
-          </a:stretch>
-        </p:blipFill>
-        <p:spPr bwMode="auto">
-          <a:xfrm>
-            <a:off x="1551984" y="3239165"/>
-            <a:ext cx="5893709" cy="2980940"/>
-          </a:xfrm>
-          <a:prstGeom prst="rect">
-            <a:avLst/>
-          </a:prstGeom>
-          <a:noFill/>
-          <a:extLst>
-            <a:ext uri="{909E8E84-426E-40DD-AFC4-6F175D3DCCD1}">
-              <a14:hiddenFill xmlns:a14="http://schemas.microsoft.com/office/drawing/2010/main">
-                <a:solidFill>
-                  <a:srgbClr val="FFFFFF"/>
-                </a:solidFill>
-              </a14:hiddenFill>
-            </a:ext>
-          </a:extLst>
-        </p:spPr>
-      </p:pic>
-    </p:spTree>
-    <p:extLst>
-      <p:ext uri="{BB962C8B-B14F-4D97-AF65-F5344CB8AC3E}">
-        <p14:creationId xmlns:p14="http://schemas.microsoft.com/office/powerpoint/2010/main" val="1542517160"/>
-      </p:ext>
-    </p:extLst>
-  </p:cSld>
-  <p:clrMapOvr>
-    <a:masterClrMapping/>
-  </p:clrMapOvr>
-  <p:timing>
-    <p:tnLst>
-      <p:par>
-        <p:cTn id="1" dur="indefinite" restart="never" nodeType="tmRoot"/>
-      </p:par>
-    </p:tnLst>
-  </p:timing>
-</p:sld>
-</file>
-
-<file path=ppt/slides/slide25.xml><?xml version="1.0" encoding="utf-8"?>
-<p:sld xmlns:a="http://schemas.openxmlformats.org/drawingml/2006/main" xmlns:r="http://schemas.openxmlformats.org/officeDocument/2006/relationships" xmlns:p="http://schemas.openxmlformats.org/presentationml/2006/main">
-  <p:cSld>
-    <p:spTree>
-      <p:nvGrpSpPr>
-        <p:cNvPr id="1" name=""/>
-        <p:cNvGrpSpPr/>
-        <p:nvPr/>
-      </p:nvGrpSpPr>
-      <p:grpSpPr>
-        <a:xfrm>
-          <a:off x="0" y="0"/>
-          <a:ext cx="0" cy="0"/>
-          <a:chOff x="0" y="0"/>
-          <a:chExt cx="0" cy="0"/>
-        </a:xfrm>
-      </p:grpSpPr>
-      <p:sp>
-        <p:nvSpPr>
-          <p:cNvPr id="2" name="1 Título"/>
-          <p:cNvSpPr>
-            <a:spLocks noGrp="1"/>
-          </p:cNvSpPr>
-          <p:nvPr>
-            <p:ph type="title"/>
-          </p:nvPr>
-        </p:nvSpPr>
-        <p:spPr/>
-        <p:txBody>
-          <a:bodyPr/>
-          <a:lstStyle/>
-          <a:p>
-            <a:r>
-              <a:rPr lang="es-ES" dirty="0" smtClean="0">
-                <a:solidFill>
-                  <a:srgbClr val="0070C0"/>
-                </a:solidFill>
-              </a:rPr>
-              <a:t>Conclusiones</a:t>
-            </a:r>
-            <a:endParaRPr lang="es-ES" dirty="0"/>
-          </a:p>
-        </p:txBody>
-      </p:sp>
-      <p:sp>
-        <p:nvSpPr>
-          <p:cNvPr id="3" name="2 Marcador de contenido"/>
-          <p:cNvSpPr>
-            <a:spLocks noGrp="1"/>
-          </p:cNvSpPr>
-          <p:nvPr>
-            <p:ph idx="1"/>
-          </p:nvPr>
-        </p:nvSpPr>
-        <p:spPr>
-          <a:xfrm>
-            <a:off x="551447" y="2426598"/>
-            <a:ext cx="8229600" cy="3714403"/>
-          </a:xfrm>
-        </p:spPr>
-        <p:txBody>
-          <a:bodyPr>
-            <a:normAutofit/>
-          </a:bodyPr>
-          <a:lstStyle/>
-          <a:p>
-            <a:pPr>
-              <a:buFont typeface="Wingdings" panose="05000000000000000000" pitchFamily="2" charset="2"/>
-              <a:buChar char="§"/>
-            </a:pPr>
-            <a:r>
-              <a:rPr lang="es-ES" sz="2400" b="1" dirty="0" smtClean="0"/>
-              <a:t>Objetivo cumplido: </a:t>
-            </a:r>
-            <a:r>
-              <a:rPr lang="es-ES" sz="2400" dirty="0" smtClean="0"/>
-              <a:t>Estudio de redes neuronales para conducción autónoma en simulación.</a:t>
-            </a:r>
-          </a:p>
-          <a:p>
-            <a:pPr marL="0" indent="0">
-              <a:buNone/>
-            </a:pPr>
-            <a:endParaRPr lang="es-ES" sz="2400" dirty="0" smtClean="0"/>
-          </a:p>
-          <a:p>
-            <a:pPr>
-              <a:buFont typeface="Wingdings" panose="05000000000000000000" pitchFamily="2" charset="2"/>
-              <a:buChar char="§"/>
-            </a:pPr>
-            <a:r>
-              <a:rPr lang="es-ES" sz="2400" dirty="0"/>
-              <a:t>Aplicación de control visual</a:t>
-            </a:r>
-            <a:r>
-              <a:rPr lang="es-ES" sz="2400" dirty="0" smtClean="0"/>
-              <a:t>.</a:t>
-            </a:r>
-          </a:p>
-          <a:p>
-            <a:pPr>
-              <a:buFont typeface="Wingdings" panose="05000000000000000000" pitchFamily="2" charset="2"/>
-              <a:buChar char="§"/>
-            </a:pPr>
-            <a:r>
-              <a:rPr lang="es-ES" sz="2400" dirty="0"/>
-              <a:t>Creación de bases de datos propias</a:t>
-            </a:r>
-            <a:r>
-              <a:rPr lang="es-ES" sz="2400" dirty="0" smtClean="0"/>
-              <a:t>.</a:t>
-            </a:r>
-          </a:p>
-          <a:p>
-            <a:pPr>
-              <a:buFont typeface="Wingdings" panose="05000000000000000000" pitchFamily="2" charset="2"/>
-              <a:buChar char="§"/>
-            </a:pPr>
-            <a:r>
-              <a:rPr lang="es-ES" sz="2400" dirty="0"/>
-              <a:t>Estudio de redes neuronales </a:t>
-            </a:r>
-            <a:r>
-              <a:rPr lang="es-ES" sz="2400" dirty="0" err="1"/>
-              <a:t>convolucionales</a:t>
-            </a:r>
-            <a:r>
-              <a:rPr lang="es-ES" sz="2400" dirty="0"/>
-              <a:t> de clasificación</a:t>
-            </a:r>
-            <a:r>
-              <a:rPr lang="es-ES" sz="2400" dirty="0" smtClean="0"/>
-              <a:t>.</a:t>
-            </a:r>
-          </a:p>
-          <a:p>
-            <a:pPr>
-              <a:buFont typeface="Wingdings" panose="05000000000000000000" pitchFamily="2" charset="2"/>
-              <a:buChar char="§"/>
-            </a:pPr>
-            <a:r>
-              <a:rPr lang="es-ES" sz="2400" dirty="0"/>
-              <a:t>Estudio de redes neuronales </a:t>
-            </a:r>
-            <a:r>
-              <a:rPr lang="es-ES" sz="2400" dirty="0" err="1"/>
-              <a:t>convolucionales</a:t>
-            </a:r>
-            <a:r>
-              <a:rPr lang="es-ES" sz="2400" dirty="0"/>
-              <a:t> y recurrentes de regresión.</a:t>
-            </a:r>
-          </a:p>
-          <a:p>
-            <a:pPr>
-              <a:buFont typeface="Wingdings" panose="05000000000000000000" pitchFamily="2" charset="2"/>
-              <a:buChar char="§"/>
-            </a:pPr>
-            <a:endParaRPr lang="es-ES" sz="2400" dirty="0"/>
-          </a:p>
-          <a:p>
-            <a:pPr>
-              <a:buFont typeface="Wingdings" panose="05000000000000000000" pitchFamily="2" charset="2"/>
-              <a:buChar char="§"/>
-            </a:pPr>
-            <a:endParaRPr lang="es-ES" sz="2400" dirty="0"/>
-          </a:p>
-          <a:p>
-            <a:pPr>
-              <a:buFont typeface="Wingdings" panose="05000000000000000000" pitchFamily="2" charset="2"/>
-              <a:buChar char="§"/>
-            </a:pPr>
-            <a:endParaRPr lang="es-ES" sz="2400" dirty="0" smtClean="0"/>
-          </a:p>
-          <a:p>
-            <a:pPr>
-              <a:buFont typeface="Wingdings" panose="05000000000000000000" pitchFamily="2" charset="2"/>
-              <a:buChar char="§"/>
-            </a:pPr>
-            <a:endParaRPr lang="es-ES" sz="2400" dirty="0"/>
-          </a:p>
-          <a:p>
-            <a:pPr marL="0" indent="0">
-              <a:buNone/>
-            </a:pPr>
-            <a:endParaRPr lang="es-ES" sz="2400" dirty="0" smtClean="0"/>
-          </a:p>
-        </p:txBody>
-      </p:sp>
-      <p:cxnSp>
-        <p:nvCxnSpPr>
-          <p:cNvPr id="4" name="3 Conector recto"/>
-          <p:cNvCxnSpPr/>
-          <p:nvPr/>
-        </p:nvCxnSpPr>
-        <p:spPr>
-          <a:xfrm>
-            <a:off x="453779" y="1268760"/>
-            <a:ext cx="8424936" cy="0"/>
-          </a:xfrm>
-          <a:prstGeom prst="line">
-            <a:avLst/>
-          </a:prstGeom>
-        </p:spPr>
-        <p:style>
-          <a:lnRef idx="1">
-            <a:schemeClr val="dk1"/>
-          </a:lnRef>
-          <a:fillRef idx="0">
-            <a:schemeClr val="dk1"/>
-          </a:fillRef>
-          <a:effectRef idx="0">
-            <a:schemeClr val="dk1"/>
-          </a:effectRef>
-          <a:fontRef idx="minor">
-            <a:schemeClr val="tx1"/>
-          </a:fontRef>
-        </p:style>
-      </p:cxnSp>
-      <p:pic>
-        <p:nvPicPr>
-          <p:cNvPr id="5" name="4 Imagen"/>
-          <p:cNvPicPr>
-            <a:picLocks noChangeAspect="1"/>
-          </p:cNvPicPr>
-          <p:nvPr/>
-        </p:nvPicPr>
-        <p:blipFill>
-          <a:blip r:embed="rId2">
-            <a:extLst>
-              <a:ext uri="{28A0092B-C50C-407E-A947-70E740481C1C}">
-                <a14:useLocalDpi xmlns:a14="http://schemas.microsoft.com/office/drawing/2010/main" val="0"/>
-              </a:ext>
-            </a:extLst>
-          </a:blip>
-          <a:stretch>
-            <a:fillRect/>
-          </a:stretch>
-        </p:blipFill>
-        <p:spPr>
-          <a:xfrm>
-            <a:off x="971600" y="404664"/>
-            <a:ext cx="580384" cy="749427"/>
-          </a:xfrm>
-          <a:prstGeom prst="rect">
-            <a:avLst/>
-          </a:prstGeom>
-        </p:spPr>
-      </p:pic>
-      <p:pic>
-        <p:nvPicPr>
-          <p:cNvPr id="6" name="5 Imagen"/>
-          <p:cNvPicPr>
-            <a:picLocks noChangeAspect="1"/>
-          </p:cNvPicPr>
-          <p:nvPr/>
-        </p:nvPicPr>
-        <p:blipFill>
-          <a:blip r:embed="rId3" cstate="print">
-            <a:extLst>
-              <a:ext uri="{28A0092B-C50C-407E-A947-70E740481C1C}">
-                <a14:useLocalDpi xmlns:a14="http://schemas.microsoft.com/office/drawing/2010/main" val="0"/>
-              </a:ext>
-            </a:extLst>
-          </a:blip>
-          <a:stretch>
-            <a:fillRect/>
-          </a:stretch>
-        </p:blipFill>
-        <p:spPr>
-          <a:xfrm>
             <a:off x="6880124" y="497064"/>
             <a:ext cx="1364284" cy="601890"/>
           </a:xfrm>
@@ -9405,7 +8807,7 @@
       </p:pic>
       <p:sp>
         <p:nvSpPr>
-          <p:cNvPr id="7" name="6 Marcador de número de diapositiva"/>
+          <p:cNvPr id="7" name="Marcador de número de diapositiva 6"/>
           <p:cNvSpPr>
             <a:spLocks noGrp="1"/>
           </p:cNvSpPr>
@@ -9413,14 +8815,19 @@
             <p:ph type="sldNum" sz="quarter" idx="12"/>
           </p:nvPr>
         </p:nvSpPr>
-        <p:spPr/>
+        <p:spPr>
+          <a:xfrm>
+            <a:off x="6558593" y="6381328"/>
+            <a:ext cx="2133600" cy="365125"/>
+          </a:xfrm>
+        </p:spPr>
         <p:txBody>
           <a:bodyPr/>
           <a:lstStyle/>
           <a:p>
             <a:r>
-              <a:rPr lang="es-ES" dirty="0"/>
-              <a:t>24/26</a:t>
+              <a:rPr lang="es-ES" dirty="0" smtClean="0"/>
+              <a:t>22/22</a:t>
             </a:r>
             <a:endParaRPr lang="es-ES" dirty="0"/>
           </a:p>
@@ -9434,621 +8841,7 @@
         </p:nvSpPr>
         <p:spPr>
           <a:xfrm>
-            <a:off x="3366380" y="1582778"/>
-            <a:ext cx="2411238" cy="861774"/>
-          </a:xfrm>
-          <a:prstGeom prst="rect">
-            <a:avLst/>
-          </a:prstGeom>
-          <a:noFill/>
-        </p:spPr>
-        <p:txBody>
-          <a:bodyPr wrap="none" rtlCol="0">
-            <a:spAutoFit/>
-          </a:bodyPr>
-          <a:lstStyle/>
-          <a:p>
-            <a:r>
-              <a:rPr lang="es-ES" sz="3200" b="1" dirty="0" smtClean="0">
-                <a:solidFill>
-                  <a:srgbClr val="586E2C"/>
-                </a:solidFill>
-              </a:rPr>
-              <a:t>Conclusiones</a:t>
-            </a:r>
-            <a:endParaRPr lang="es-ES" sz="3200" dirty="0"/>
-          </a:p>
-          <a:p>
-            <a:endParaRPr lang="es-ES" dirty="0"/>
-          </a:p>
-        </p:txBody>
-      </p:sp>
-    </p:spTree>
-    <p:extLst>
-      <p:ext uri="{BB962C8B-B14F-4D97-AF65-F5344CB8AC3E}">
-        <p14:creationId xmlns:p14="http://schemas.microsoft.com/office/powerpoint/2010/main" val="3363463598"/>
-      </p:ext>
-    </p:extLst>
-  </p:cSld>
-  <p:clrMapOvr>
-    <a:masterClrMapping/>
-  </p:clrMapOvr>
-  <p:timing>
-    <p:tnLst>
-      <p:par>
-        <p:cTn id="1" dur="indefinite" restart="never" nodeType="tmRoot"/>
-      </p:par>
-    </p:tnLst>
-  </p:timing>
-</p:sld>
-</file>
-
-<file path=ppt/slides/slide26.xml><?xml version="1.0" encoding="utf-8"?>
-<p:sld xmlns:a="http://schemas.openxmlformats.org/drawingml/2006/main" xmlns:r="http://schemas.openxmlformats.org/officeDocument/2006/relationships" xmlns:p="http://schemas.openxmlformats.org/presentationml/2006/main">
-  <p:cSld>
-    <p:spTree>
-      <p:nvGrpSpPr>
-        <p:cNvPr id="1" name=""/>
-        <p:cNvGrpSpPr/>
-        <p:nvPr/>
-      </p:nvGrpSpPr>
-      <p:grpSpPr>
-        <a:xfrm>
-          <a:off x="0" y="0"/>
-          <a:ext cx="0" cy="0"/>
-          <a:chOff x="0" y="0"/>
-          <a:chExt cx="0" cy="0"/>
-        </a:xfrm>
-      </p:grpSpPr>
-      <p:sp>
-        <p:nvSpPr>
-          <p:cNvPr id="2" name="Título 1"/>
-          <p:cNvSpPr>
-            <a:spLocks noGrp="1"/>
-          </p:cNvSpPr>
-          <p:nvPr>
-            <p:ph type="title"/>
-          </p:nvPr>
-        </p:nvSpPr>
-        <p:spPr/>
-        <p:txBody>
-          <a:bodyPr/>
-          <a:lstStyle/>
-          <a:p>
-            <a:r>
-              <a:rPr lang="es-ES" dirty="0">
-                <a:solidFill>
-                  <a:srgbClr val="0070C0"/>
-                </a:solidFill>
-              </a:rPr>
-              <a:t>Conclusiones</a:t>
-            </a:r>
-            <a:endParaRPr lang="es-ES" dirty="0"/>
-          </a:p>
-        </p:txBody>
-      </p:sp>
-      <p:sp>
-        <p:nvSpPr>
-          <p:cNvPr id="3" name="Marcador de contenido 2"/>
-          <p:cNvSpPr>
-            <a:spLocks noGrp="1"/>
-          </p:cNvSpPr>
-          <p:nvPr>
-            <p:ph idx="1"/>
-          </p:nvPr>
-        </p:nvSpPr>
-        <p:spPr>
-          <a:xfrm>
-            <a:off x="971600" y="2654532"/>
-            <a:ext cx="8229600" cy="3863280"/>
-          </a:xfrm>
-        </p:spPr>
-        <p:txBody>
-          <a:bodyPr>
-            <a:normAutofit/>
-          </a:bodyPr>
-          <a:lstStyle/>
-          <a:p>
-            <a:pPr>
-              <a:buFont typeface="Wingdings" panose="05000000000000000000" pitchFamily="2" charset="2"/>
-              <a:buChar char="§"/>
-            </a:pPr>
-            <a:r>
-              <a:rPr lang="es-ES" sz="2400" dirty="0" smtClean="0"/>
-              <a:t>Uso de robots reales.</a:t>
-            </a:r>
-          </a:p>
-          <a:p>
-            <a:pPr>
-              <a:buFont typeface="Wingdings" panose="05000000000000000000" pitchFamily="2" charset="2"/>
-              <a:buChar char="§"/>
-            </a:pPr>
-            <a:r>
-              <a:rPr lang="es-ES" sz="2400" dirty="0" smtClean="0"/>
-              <a:t>Grabar </a:t>
-            </a:r>
-            <a:r>
-              <a:rPr lang="es-ES" sz="2400" dirty="0" smtClean="0"/>
-              <a:t>un conjunto de datos</a:t>
-            </a:r>
-            <a:r>
-              <a:rPr lang="es-ES" sz="2400" i="1" dirty="0" smtClean="0"/>
-              <a:t> </a:t>
-            </a:r>
-            <a:r>
-              <a:rPr lang="es-ES" sz="2400" dirty="0" smtClean="0"/>
-              <a:t>de situaciones complejas.</a:t>
-            </a:r>
-          </a:p>
-          <a:p>
-            <a:pPr>
-              <a:buFont typeface="Wingdings" panose="05000000000000000000" pitchFamily="2" charset="2"/>
-              <a:buChar char="§"/>
-            </a:pPr>
-            <a:r>
-              <a:rPr lang="es-ES" sz="2400" dirty="0" smtClean="0"/>
-              <a:t>Estudio más amplio de la </a:t>
-            </a:r>
-            <a:r>
-              <a:rPr lang="es-ES" sz="2400" dirty="0" err="1" smtClean="0"/>
-              <a:t>cuantización</a:t>
-            </a:r>
-            <a:r>
-              <a:rPr lang="es-ES" sz="2400" dirty="0" smtClean="0"/>
-              <a:t> de clases.</a:t>
-            </a:r>
-          </a:p>
-          <a:p>
-            <a:pPr>
-              <a:buFont typeface="Wingdings" panose="05000000000000000000" pitchFamily="2" charset="2"/>
-              <a:buChar char="§"/>
-            </a:pPr>
-            <a:r>
-              <a:rPr lang="es-ES" sz="2400" dirty="0" smtClean="0"/>
-              <a:t>Estudio de imágenes apiladas.</a:t>
-            </a:r>
-          </a:p>
-          <a:p>
-            <a:pPr>
-              <a:buFont typeface="Wingdings" panose="05000000000000000000" pitchFamily="2" charset="2"/>
-              <a:buChar char="§"/>
-            </a:pPr>
-            <a:r>
-              <a:rPr lang="es-ES" sz="2400" dirty="0" smtClean="0"/>
-              <a:t>Estudio más amplio de imagen diferencia.</a:t>
-            </a:r>
-          </a:p>
-          <a:p>
-            <a:pPr>
-              <a:buFont typeface="Wingdings" panose="05000000000000000000" pitchFamily="2" charset="2"/>
-              <a:buChar char="§"/>
-            </a:pPr>
-            <a:r>
-              <a:rPr lang="es-ES" sz="2400" dirty="0" smtClean="0"/>
-              <a:t>Empleo de algoritmo de objetos salientes en la imagen.</a:t>
-            </a:r>
-          </a:p>
-        </p:txBody>
-      </p:sp>
-      <p:cxnSp>
-        <p:nvCxnSpPr>
-          <p:cNvPr id="4" name="3 Conector recto"/>
-          <p:cNvCxnSpPr/>
-          <p:nvPr/>
-        </p:nvCxnSpPr>
-        <p:spPr>
-          <a:xfrm>
-            <a:off x="453779" y="1268760"/>
-            <a:ext cx="8424936" cy="0"/>
-          </a:xfrm>
-          <a:prstGeom prst="line">
-            <a:avLst/>
-          </a:prstGeom>
-        </p:spPr>
-        <p:style>
-          <a:lnRef idx="1">
-            <a:schemeClr val="dk1"/>
-          </a:lnRef>
-          <a:fillRef idx="0">
-            <a:schemeClr val="dk1"/>
-          </a:fillRef>
-          <a:effectRef idx="0">
-            <a:schemeClr val="dk1"/>
-          </a:effectRef>
-          <a:fontRef idx="minor">
-            <a:schemeClr val="tx1"/>
-          </a:fontRef>
-        </p:style>
-      </p:cxnSp>
-      <p:pic>
-        <p:nvPicPr>
-          <p:cNvPr id="5" name="4 Imagen"/>
-          <p:cNvPicPr>
-            <a:picLocks noChangeAspect="1"/>
-          </p:cNvPicPr>
-          <p:nvPr/>
-        </p:nvPicPr>
-        <p:blipFill>
-          <a:blip r:embed="rId2">
-            <a:extLst>
-              <a:ext uri="{28A0092B-C50C-407E-A947-70E740481C1C}">
-                <a14:useLocalDpi xmlns:a14="http://schemas.microsoft.com/office/drawing/2010/main" val="0"/>
-              </a:ext>
-            </a:extLst>
-          </a:blip>
-          <a:stretch>
-            <a:fillRect/>
-          </a:stretch>
-        </p:blipFill>
-        <p:spPr>
-          <a:xfrm>
-            <a:off x="971600" y="404664"/>
-            <a:ext cx="580384" cy="749427"/>
-          </a:xfrm>
-          <a:prstGeom prst="rect">
-            <a:avLst/>
-          </a:prstGeom>
-        </p:spPr>
-      </p:pic>
-      <p:pic>
-        <p:nvPicPr>
-          <p:cNvPr id="6" name="5 Imagen"/>
-          <p:cNvPicPr>
-            <a:picLocks noChangeAspect="1"/>
-          </p:cNvPicPr>
-          <p:nvPr/>
-        </p:nvPicPr>
-        <p:blipFill>
-          <a:blip r:embed="rId3" cstate="print">
-            <a:extLst>
-              <a:ext uri="{28A0092B-C50C-407E-A947-70E740481C1C}">
-                <a14:useLocalDpi xmlns:a14="http://schemas.microsoft.com/office/drawing/2010/main" val="0"/>
-              </a:ext>
-            </a:extLst>
-          </a:blip>
-          <a:stretch>
-            <a:fillRect/>
-          </a:stretch>
-        </p:blipFill>
-        <p:spPr>
-          <a:xfrm>
-            <a:off x="6880124" y="497064"/>
-            <a:ext cx="1364284" cy="601890"/>
-          </a:xfrm>
-          <a:prstGeom prst="rect">
-            <a:avLst/>
-          </a:prstGeom>
-        </p:spPr>
-      </p:pic>
-      <p:sp>
-        <p:nvSpPr>
-          <p:cNvPr id="7" name="Marcador de número de diapositiva 6"/>
-          <p:cNvSpPr>
-            <a:spLocks noGrp="1"/>
-          </p:cNvSpPr>
-          <p:nvPr>
-            <p:ph type="sldNum" sz="quarter" idx="12"/>
-          </p:nvPr>
-        </p:nvSpPr>
-        <p:spPr/>
-        <p:txBody>
-          <a:bodyPr/>
-          <a:lstStyle/>
-          <a:p>
-            <a:r>
-              <a:rPr lang="es-ES" dirty="0"/>
-              <a:t>25/26</a:t>
-            </a:r>
-            <a:endParaRPr lang="es-ES" dirty="0"/>
-          </a:p>
-        </p:txBody>
-      </p:sp>
-      <p:sp>
-        <p:nvSpPr>
-          <p:cNvPr id="8" name="CuadroTexto 7"/>
-          <p:cNvSpPr txBox="1"/>
-          <p:nvPr/>
-        </p:nvSpPr>
-        <p:spPr>
-          <a:xfrm>
-            <a:off x="3098584" y="1771808"/>
-            <a:ext cx="2946832" cy="861774"/>
-          </a:xfrm>
-          <a:prstGeom prst="rect">
-            <a:avLst/>
-          </a:prstGeom>
-          <a:noFill/>
-        </p:spPr>
-        <p:txBody>
-          <a:bodyPr wrap="none" rtlCol="0">
-            <a:spAutoFit/>
-          </a:bodyPr>
-          <a:lstStyle/>
-          <a:p>
-            <a:r>
-              <a:rPr lang="es-ES" sz="3200" b="1" dirty="0" smtClean="0">
-                <a:solidFill>
-                  <a:srgbClr val="586E2C"/>
-                </a:solidFill>
-              </a:rPr>
-              <a:t>Trabajos futuros</a:t>
-            </a:r>
-            <a:endParaRPr lang="es-ES" sz="3200" dirty="0"/>
-          </a:p>
-          <a:p>
-            <a:endParaRPr lang="es-ES" dirty="0"/>
-          </a:p>
-        </p:txBody>
-      </p:sp>
-    </p:spTree>
-    <p:extLst>
-      <p:ext uri="{BB962C8B-B14F-4D97-AF65-F5344CB8AC3E}">
-        <p14:creationId xmlns:p14="http://schemas.microsoft.com/office/powerpoint/2010/main" val="2806941672"/>
-      </p:ext>
-    </p:extLst>
-  </p:cSld>
-  <p:clrMapOvr>
-    <a:masterClrMapping/>
-  </p:clrMapOvr>
-  <p:timing>
-    <p:tnLst>
-      <p:par>
-        <p:cTn id="1" dur="indefinite" restart="never" nodeType="tmRoot"/>
-      </p:par>
-    </p:tnLst>
-  </p:timing>
-</p:sld>
-</file>
-
-<file path=ppt/slides/slide27.xml><?xml version="1.0" encoding="utf-8"?>
-<p:sld xmlns:a="http://schemas.openxmlformats.org/drawingml/2006/main" xmlns:r="http://schemas.openxmlformats.org/officeDocument/2006/relationships" xmlns:p="http://schemas.openxmlformats.org/presentationml/2006/main">
-  <p:cSld>
-    <p:spTree>
-      <p:nvGrpSpPr>
-        <p:cNvPr id="1" name=""/>
-        <p:cNvGrpSpPr/>
-        <p:nvPr/>
-      </p:nvGrpSpPr>
-      <p:grpSpPr>
-        <a:xfrm>
-          <a:off x="0" y="0"/>
-          <a:ext cx="0" cy="0"/>
-          <a:chOff x="0" y="0"/>
-          <a:chExt cx="0" cy="0"/>
-        </a:xfrm>
-      </p:grpSpPr>
-      <p:sp>
-        <p:nvSpPr>
-          <p:cNvPr id="2" name="Título 1"/>
-          <p:cNvSpPr>
-            <a:spLocks noGrp="1"/>
-          </p:cNvSpPr>
-          <p:nvPr>
-            <p:ph type="title"/>
-          </p:nvPr>
-        </p:nvSpPr>
-        <p:spPr/>
-        <p:txBody>
-          <a:bodyPr/>
-          <a:lstStyle/>
-          <a:p>
-            <a:r>
-              <a:rPr lang="es-ES" dirty="0" smtClean="0">
-                <a:solidFill>
-                  <a:srgbClr val="0070C0"/>
-                </a:solidFill>
-              </a:rPr>
-              <a:t>Enlaces</a:t>
-            </a:r>
-            <a:endParaRPr lang="es-ES" dirty="0"/>
-          </a:p>
-        </p:txBody>
-      </p:sp>
-      <p:sp>
-        <p:nvSpPr>
-          <p:cNvPr id="3" name="Marcador de contenido 2"/>
-          <p:cNvSpPr>
-            <a:spLocks noGrp="1"/>
-          </p:cNvSpPr>
-          <p:nvPr>
-            <p:ph idx="1"/>
-          </p:nvPr>
-        </p:nvSpPr>
-        <p:spPr>
-          <a:xfrm>
-            <a:off x="649115" y="3011442"/>
-            <a:ext cx="8037685" cy="3714403"/>
-          </a:xfrm>
-        </p:spPr>
-        <p:txBody>
-          <a:bodyPr>
-            <a:normAutofit/>
-          </a:bodyPr>
-          <a:lstStyle/>
-          <a:p>
-            <a:pPr>
-              <a:buFont typeface="Wingdings" panose="05000000000000000000" pitchFamily="2" charset="2"/>
-              <a:buChar char="§"/>
-            </a:pPr>
-            <a:r>
-              <a:rPr lang="es-ES" sz="2400" dirty="0" err="1" smtClean="0"/>
-              <a:t>Mediawiki</a:t>
-            </a:r>
-            <a:r>
-              <a:rPr lang="es-ES" sz="2400" dirty="0"/>
-              <a:t>: </a:t>
-            </a:r>
-            <a:r>
-              <a:rPr lang="es-ES" sz="2400" dirty="0">
-                <a:hlinkClick r:id="rId2"/>
-              </a:rPr>
-              <a:t>https://</a:t>
-            </a:r>
-            <a:r>
-              <a:rPr lang="es-ES" sz="2400" dirty="0" smtClean="0">
-                <a:hlinkClick r:id="rId2"/>
-              </a:rPr>
-              <a:t>jderobot.org/Vmartinezf-tfm</a:t>
-            </a:r>
-            <a:endParaRPr lang="es-ES" sz="2400" dirty="0" smtClean="0"/>
-          </a:p>
-          <a:p>
-            <a:pPr marL="0" indent="0">
-              <a:buNone/>
-            </a:pPr>
-            <a:endParaRPr lang="es-ES" sz="2400" dirty="0" smtClean="0"/>
-          </a:p>
-          <a:p>
-            <a:pPr>
-              <a:buFont typeface="Wingdings" panose="05000000000000000000" pitchFamily="2" charset="2"/>
-              <a:buChar char="§"/>
-            </a:pPr>
-            <a:r>
-              <a:rPr lang="es-ES" sz="2400" dirty="0" smtClean="0"/>
-              <a:t>Repositorio</a:t>
-            </a:r>
-            <a:r>
-              <a:rPr lang="es-ES" sz="2400" dirty="0"/>
-              <a:t>: </a:t>
-            </a:r>
-            <a:r>
-              <a:rPr lang="es-ES" sz="2400" dirty="0">
-                <a:hlinkClick r:id="rId3"/>
-              </a:rPr>
-              <a:t>https://github.com/RoboticsURJC-students/2017-tfm-vanessa-fernandez</a:t>
-            </a:r>
-            <a:endParaRPr lang="es-ES" sz="2400" dirty="0" smtClean="0"/>
-          </a:p>
-          <a:p>
-            <a:pPr marL="0" indent="0">
-              <a:buNone/>
-            </a:pPr>
-            <a:endParaRPr lang="es-ES" sz="2400" dirty="0"/>
-          </a:p>
-        </p:txBody>
-      </p:sp>
-      <p:cxnSp>
-        <p:nvCxnSpPr>
-          <p:cNvPr id="4" name="3 Conector recto"/>
-          <p:cNvCxnSpPr/>
-          <p:nvPr/>
-        </p:nvCxnSpPr>
-        <p:spPr>
-          <a:xfrm>
-            <a:off x="453779" y="1268760"/>
-            <a:ext cx="8424936" cy="0"/>
-          </a:xfrm>
-          <a:prstGeom prst="line">
-            <a:avLst/>
-          </a:prstGeom>
-        </p:spPr>
-        <p:style>
-          <a:lnRef idx="1">
-            <a:schemeClr val="dk1"/>
-          </a:lnRef>
-          <a:fillRef idx="0">
-            <a:schemeClr val="dk1"/>
-          </a:fillRef>
-          <a:effectRef idx="0">
-            <a:schemeClr val="dk1"/>
-          </a:effectRef>
-          <a:fontRef idx="minor">
-            <a:schemeClr val="tx1"/>
-          </a:fontRef>
-        </p:style>
-      </p:cxnSp>
-      <p:pic>
-        <p:nvPicPr>
-          <p:cNvPr id="5" name="4 Imagen"/>
-          <p:cNvPicPr>
-            <a:picLocks noChangeAspect="1"/>
-          </p:cNvPicPr>
-          <p:nvPr/>
-        </p:nvPicPr>
-        <p:blipFill>
-          <a:blip r:embed="rId4">
-            <a:extLst>
-              <a:ext uri="{28A0092B-C50C-407E-A947-70E740481C1C}">
-                <a14:useLocalDpi xmlns:a14="http://schemas.microsoft.com/office/drawing/2010/main" val="0"/>
-              </a:ext>
-            </a:extLst>
-          </a:blip>
-          <a:stretch>
-            <a:fillRect/>
-          </a:stretch>
-        </p:blipFill>
-        <p:spPr>
-          <a:xfrm>
-            <a:off x="971600" y="404664"/>
-            <a:ext cx="580384" cy="749427"/>
-          </a:xfrm>
-          <a:prstGeom prst="rect">
-            <a:avLst/>
-          </a:prstGeom>
-        </p:spPr>
-      </p:pic>
-      <p:pic>
-        <p:nvPicPr>
-          <p:cNvPr id="6" name="5 Imagen"/>
-          <p:cNvPicPr>
-            <a:picLocks noChangeAspect="1"/>
-          </p:cNvPicPr>
-          <p:nvPr/>
-        </p:nvPicPr>
-        <p:blipFill>
-          <a:blip r:embed="rId5" cstate="print">
-            <a:extLst>
-              <a:ext uri="{28A0092B-C50C-407E-A947-70E740481C1C}">
-                <a14:useLocalDpi xmlns:a14="http://schemas.microsoft.com/office/drawing/2010/main" val="0"/>
-              </a:ext>
-            </a:extLst>
-          </a:blip>
-          <a:stretch>
-            <a:fillRect/>
-          </a:stretch>
-        </p:blipFill>
-        <p:spPr>
-          <a:xfrm>
-            <a:off x="6880124" y="497064"/>
-            <a:ext cx="1364284" cy="601890"/>
-          </a:xfrm>
-          <a:prstGeom prst="rect">
-            <a:avLst/>
-          </a:prstGeom>
-        </p:spPr>
-      </p:pic>
-      <p:sp>
-        <p:nvSpPr>
-          <p:cNvPr id="7" name="Marcador de número de diapositiva 6"/>
-          <p:cNvSpPr>
-            <a:spLocks noGrp="1"/>
-          </p:cNvSpPr>
-          <p:nvPr>
-            <p:ph type="sldNum" sz="quarter" idx="12"/>
-          </p:nvPr>
-        </p:nvSpPr>
-        <p:spPr/>
-        <p:txBody>
-          <a:bodyPr/>
-          <a:lstStyle/>
-          <a:p>
-            <a:r>
-              <a:rPr lang="es-ES" dirty="0"/>
-              <a:t>26/26</a:t>
-            </a:r>
-            <a:endParaRPr lang="es-ES" dirty="0"/>
-          </a:p>
-        </p:txBody>
-      </p:sp>
-      <p:sp>
-        <p:nvSpPr>
-          <p:cNvPr id="8" name="CuadroTexto 7"/>
-          <p:cNvSpPr txBox="1"/>
-          <p:nvPr/>
-        </p:nvSpPr>
-        <p:spPr>
-          <a:xfrm>
-            <a:off x="3707904" y="1963603"/>
+            <a:off x="3707904" y="1709214"/>
             <a:ext cx="1449436" cy="861774"/>
           </a:xfrm>
           <a:prstGeom prst="rect">
@@ -10235,8 +9028,8 @@
           <a:lstStyle/>
           <a:p>
             <a:r>
-              <a:rPr lang="es-ES" dirty="0"/>
-              <a:t>2/26</a:t>
+              <a:rPr lang="es-ES" dirty="0" smtClean="0"/>
+              <a:t>2/22</a:t>
             </a:r>
             <a:endParaRPr lang="es-ES" dirty="0"/>
           </a:p>
@@ -10611,8 +9404,8 @@
           <a:lstStyle/>
           <a:p>
             <a:r>
-              <a:rPr lang="es-ES" dirty="0"/>
-              <a:t>3/26</a:t>
+              <a:rPr lang="es-ES" dirty="0" smtClean="0"/>
+              <a:t>3/22</a:t>
             </a:r>
             <a:endParaRPr lang="es-ES" dirty="0"/>
           </a:p>
@@ -10937,8 +9730,8 @@
           <a:lstStyle/>
           <a:p>
             <a:r>
-              <a:rPr lang="es-ES" dirty="0"/>
-              <a:t>4/26</a:t>
+              <a:rPr lang="es-ES" dirty="0" smtClean="0"/>
+              <a:t>4/22</a:t>
             </a:r>
             <a:endParaRPr lang="es-ES" dirty="0"/>
           </a:p>
@@ -11319,8 +10112,8 @@
           <a:lstStyle/>
           <a:p>
             <a:r>
-              <a:rPr lang="es-ES" dirty="0"/>
-              <a:t>5/26</a:t>
+              <a:rPr lang="es-ES" dirty="0" smtClean="0"/>
+              <a:t>5/22</a:t>
             </a:r>
             <a:endParaRPr lang="es-ES" dirty="0"/>
           </a:p>
@@ -11664,8 +10457,8 @@
           <a:lstStyle/>
           <a:p>
             <a:r>
-              <a:rPr lang="es-ES" dirty="0"/>
-              <a:t>6/26</a:t>
+              <a:rPr lang="es-ES" dirty="0" smtClean="0"/>
+              <a:t>6/22</a:t>
             </a:r>
             <a:endParaRPr lang="es-ES" dirty="0"/>
           </a:p>
@@ -12313,8 +11106,8 @@
           <a:lstStyle/>
           <a:p>
             <a:r>
-              <a:rPr lang="es-ES" dirty="0"/>
-              <a:t>7/26</a:t>
+              <a:rPr lang="es-ES" dirty="0" smtClean="0"/>
+              <a:t>7/22</a:t>
             </a:r>
             <a:endParaRPr lang="es-ES" dirty="0"/>
           </a:p>
@@ -12542,11 +11335,7 @@
           <a:p>
             <a:r>
               <a:rPr lang="es-ES" dirty="0" smtClean="0"/>
-              <a:t>8</a:t>
-            </a:r>
-            <a:r>
-              <a:rPr lang="es-ES" dirty="0"/>
-              <a:t>/26</a:t>
+              <a:t>8/22</a:t>
             </a:r>
             <a:endParaRPr lang="es-ES" dirty="0"/>
           </a:p>

--- a/Memoria/Presentación.pptx
+++ b/Memoria/Presentación.pptx
@@ -5,32 +5,31 @@
     <p:sldMasterId id="2147483672" r:id="rId1"/>
   </p:sldMasterIdLst>
   <p:notesMasterIdLst>
-    <p:notesMasterId r:id="rId25"/>
+    <p:notesMasterId r:id="rId24"/>
   </p:notesMasterIdLst>
   <p:sldIdLst>
     <p:sldId id="256" r:id="rId2"/>
     <p:sldId id="257" r:id="rId3"/>
-    <p:sldId id="258" r:id="rId4"/>
-    <p:sldId id="259" r:id="rId5"/>
-    <p:sldId id="260" r:id="rId6"/>
-    <p:sldId id="261" r:id="rId7"/>
-    <p:sldId id="282" r:id="rId8"/>
-    <p:sldId id="262" r:id="rId9"/>
-    <p:sldId id="264" r:id="rId10"/>
-    <p:sldId id="265" r:id="rId11"/>
-    <p:sldId id="285" r:id="rId12"/>
-    <p:sldId id="286" r:id="rId13"/>
-    <p:sldId id="287" r:id="rId14"/>
-    <p:sldId id="288" r:id="rId15"/>
-    <p:sldId id="268" r:id="rId16"/>
-    <p:sldId id="289" r:id="rId17"/>
-    <p:sldId id="290" r:id="rId18"/>
-    <p:sldId id="291" r:id="rId19"/>
-    <p:sldId id="292" r:id="rId20"/>
-    <p:sldId id="293" r:id="rId21"/>
-    <p:sldId id="279" r:id="rId22"/>
-    <p:sldId id="280" r:id="rId23"/>
-    <p:sldId id="281" r:id="rId24"/>
+    <p:sldId id="259" r:id="rId4"/>
+    <p:sldId id="260" r:id="rId5"/>
+    <p:sldId id="261" r:id="rId6"/>
+    <p:sldId id="282" r:id="rId7"/>
+    <p:sldId id="262" r:id="rId8"/>
+    <p:sldId id="264" r:id="rId9"/>
+    <p:sldId id="265" r:id="rId10"/>
+    <p:sldId id="285" r:id="rId11"/>
+    <p:sldId id="286" r:id="rId12"/>
+    <p:sldId id="287" r:id="rId13"/>
+    <p:sldId id="288" r:id="rId14"/>
+    <p:sldId id="268" r:id="rId15"/>
+    <p:sldId id="289" r:id="rId16"/>
+    <p:sldId id="290" r:id="rId17"/>
+    <p:sldId id="291" r:id="rId18"/>
+    <p:sldId id="292" r:id="rId19"/>
+    <p:sldId id="293" r:id="rId20"/>
+    <p:sldId id="279" r:id="rId21"/>
+    <p:sldId id="280" r:id="rId22"/>
+    <p:sldId id="281" r:id="rId23"/>
   </p:sldIdLst>
   <p:sldSz cx="9144000" cy="6858000" type="screen4x3"/>
   <p:notesSz cx="6858000" cy="9144000"/>
@@ -3919,7 +3918,11 @@
           <a:p>
             <a:r>
               <a:rPr lang="es-ES" dirty="0" smtClean="0"/>
-              <a:t>9/22</a:t>
+              <a:t>9</a:t>
+            </a:r>
+            <a:r>
+              <a:rPr lang="es-ES" dirty="0" smtClean="0"/>
+              <a:t>/21</a:t>
             </a:r>
             <a:endParaRPr lang="es-ES" dirty="0"/>
           </a:p>
@@ -3972,7 +3975,7 @@
         </p:nvSpPr>
         <p:spPr>
           <a:xfrm>
-            <a:off x="3308577" y="1587444"/>
+            <a:off x="3308577" y="1807326"/>
             <a:ext cx="2526846" cy="861774"/>
           </a:xfrm>
           <a:prstGeom prst="rect">
@@ -4001,85 +4004,131 @@
           </a:p>
         </p:txBody>
       </p:sp>
-      <p:pic>
-        <p:nvPicPr>
-          <p:cNvPr id="8" name="Imagen 7"/>
-          <p:cNvPicPr>
-            <a:picLocks noChangeAspect="1"/>
-          </p:cNvPicPr>
-          <p:nvPr/>
-        </p:nvPicPr>
-        <p:blipFill>
-          <a:blip r:embed="rId4"/>
-          <a:stretch>
-            <a:fillRect/>
-          </a:stretch>
-        </p:blipFill>
-        <p:spPr>
-          <a:xfrm>
-            <a:off x="971600" y="2188536"/>
-            <a:ext cx="6840760" cy="3587165"/>
-          </a:xfrm>
-          <a:prstGeom prst="rect">
-            <a:avLst/>
-          </a:prstGeom>
-        </p:spPr>
-      </p:pic>
-      <p:sp>
-        <p:nvSpPr>
-          <p:cNvPr id="2" name="CuadroTexto 1"/>
-          <p:cNvSpPr txBox="1"/>
-          <p:nvPr/>
-        </p:nvSpPr>
-        <p:spPr>
-          <a:xfrm>
-            <a:off x="1043608" y="5792018"/>
-            <a:ext cx="6856044" cy="584775"/>
-          </a:xfrm>
-          <a:prstGeom prst="rect">
-            <a:avLst/>
-          </a:prstGeom>
-          <a:noFill/>
-        </p:spPr>
-        <p:txBody>
-          <a:bodyPr wrap="none" rtlCol="0">
-            <a:spAutoFit/>
+      <p:sp>
+        <p:nvSpPr>
+          <p:cNvPr id="10" name="2 Marcador de contenido"/>
+          <p:cNvSpPr>
+            <a:spLocks noGrp="1"/>
+          </p:cNvSpPr>
+          <p:nvPr>
+            <p:ph idx="1"/>
+          </p:nvPr>
+        </p:nvSpPr>
+        <p:spPr>
+          <a:xfrm>
+            <a:off x="755576" y="2439217"/>
+            <a:ext cx="7996960" cy="3777283"/>
+          </a:xfrm>
+        </p:spPr>
+        <p:txBody>
+          <a:bodyPr>
+            <a:normAutofit lnSpcReduction="10000"/>
           </a:bodyPr>
           <a:lstStyle/>
           <a:p>
-            <a:r>
-              <a:rPr lang="es-ES" sz="1600" i="1" dirty="0"/>
-              <a:t>Resultados de </a:t>
-            </a:r>
-            <a:r>
-              <a:rPr lang="es-ES" sz="1600" i="1" dirty="0" smtClean="0"/>
-              <a:t>conducción </a:t>
-            </a:r>
-            <a:r>
-              <a:rPr lang="es-ES" sz="1600" i="1" dirty="0"/>
-              <a:t>con redes de </a:t>
-            </a:r>
-            <a:r>
-              <a:rPr lang="es-ES" sz="1600" i="1" dirty="0" smtClean="0"/>
-              <a:t>clasificación </a:t>
-            </a:r>
-            <a:r>
-              <a:rPr lang="es-ES" sz="1600" i="1" dirty="0"/>
-              <a:t>(imagen completa e imagen</a:t>
-            </a:r>
-          </a:p>
-          <a:p>
-            <a:r>
-              <a:rPr lang="es-ES" sz="1600" i="1" dirty="0"/>
-              <a:t>recortada)</a:t>
-            </a:r>
+            <a:pPr>
+              <a:buFont typeface="Wingdings" panose="05000000000000000000" pitchFamily="2" charset="2"/>
+              <a:buChar char="§"/>
+            </a:pPr>
+            <a:endParaRPr lang="es-ES" sz="2000" dirty="0" smtClean="0"/>
+          </a:p>
+          <a:p>
+            <a:pPr>
+              <a:buFont typeface="Wingdings" panose="05000000000000000000" pitchFamily="2" charset="2"/>
+              <a:buChar char="§"/>
+            </a:pPr>
+            <a:r>
+              <a:rPr lang="es-ES" sz="2400" dirty="0" smtClean="0"/>
+              <a:t>Número de clases:</a:t>
+            </a:r>
+          </a:p>
+          <a:p>
+            <a:pPr lvl="1">
+              <a:buFont typeface="Wingdings" panose="05000000000000000000" pitchFamily="2" charset="2"/>
+              <a:buChar char="§"/>
+            </a:pPr>
+            <a:r>
+              <a:rPr lang="es-ES" sz="2000" dirty="0" smtClean="0"/>
+              <a:t>4 clases de velocidad de tracción (v) y 7 clases de velocidad de rotación (w).</a:t>
+            </a:r>
+          </a:p>
+          <a:p>
+            <a:pPr marL="457200" lvl="1" indent="0">
+              <a:buNone/>
+            </a:pPr>
+            <a:endParaRPr lang="es-ES" sz="2000" dirty="0" smtClean="0"/>
+          </a:p>
+          <a:p>
+            <a:pPr lvl="1">
+              <a:buFont typeface="Wingdings" panose="05000000000000000000" pitchFamily="2" charset="2"/>
+              <a:buChar char="§"/>
+            </a:pPr>
+            <a:r>
+              <a:rPr lang="es-ES" sz="2000" dirty="0" smtClean="0"/>
+              <a:t>4 clases de v y 9 clases de w.</a:t>
+            </a:r>
+          </a:p>
+          <a:p>
+            <a:pPr lvl="1">
+              <a:buFont typeface="Wingdings" panose="05000000000000000000" pitchFamily="2" charset="2"/>
+              <a:buChar char="§"/>
+            </a:pPr>
+            <a:endParaRPr lang="es-ES" sz="2000" dirty="0" smtClean="0"/>
+          </a:p>
+          <a:p>
+            <a:pPr lvl="1">
+              <a:buFont typeface="Wingdings" panose="05000000000000000000" pitchFamily="2" charset="2"/>
+              <a:buChar char="§"/>
+            </a:pPr>
+            <a:r>
+              <a:rPr lang="es-ES" sz="2000" dirty="0" smtClean="0"/>
+              <a:t>5 clases de v y 7 clases de w.</a:t>
+            </a:r>
+          </a:p>
+          <a:p>
+            <a:pPr marL="457200" lvl="1" indent="0">
+              <a:buNone/>
+            </a:pPr>
+            <a:endParaRPr lang="es-ES" sz="2000" dirty="0" smtClean="0"/>
+          </a:p>
+          <a:p>
+            <a:pPr lvl="1">
+              <a:buFont typeface="Wingdings" panose="05000000000000000000" pitchFamily="2" charset="2"/>
+              <a:buChar char="§"/>
+            </a:pPr>
+            <a:r>
+              <a:rPr lang="es-ES" sz="2000" dirty="0" smtClean="0"/>
+              <a:t>Gran influencia </a:t>
+            </a:r>
+            <a:r>
+              <a:rPr lang="es-ES" sz="2000" dirty="0"/>
+              <a:t>del número de clases y el rango de </a:t>
+            </a:r>
+            <a:r>
+              <a:rPr lang="es-ES" sz="2000" dirty="0" smtClean="0"/>
+              <a:t>clases en el rendimiento.</a:t>
+            </a:r>
+          </a:p>
+          <a:p>
+            <a:pPr lvl="1">
+              <a:buFont typeface="Wingdings" panose="05000000000000000000" pitchFamily="2" charset="2"/>
+              <a:buChar char="§"/>
+            </a:pPr>
+            <a:endParaRPr lang="es-ES" sz="2000" dirty="0" smtClean="0"/>
+          </a:p>
+          <a:p>
+            <a:pPr>
+              <a:buFont typeface="Wingdings" panose="05000000000000000000" pitchFamily="2" charset="2"/>
+              <a:buChar char="§"/>
+            </a:pPr>
+            <a:endParaRPr lang="es-ES" sz="2400" dirty="0" smtClean="0"/>
           </a:p>
         </p:txBody>
       </p:sp>
     </p:spTree>
     <p:extLst>
       <p:ext uri="{BB962C8B-B14F-4D97-AF65-F5344CB8AC3E}">
-        <p14:creationId xmlns:p14="http://schemas.microsoft.com/office/powerpoint/2010/main" val="181758262"/>
+        <p14:creationId xmlns:p14="http://schemas.microsoft.com/office/powerpoint/2010/main" val="3723803433"/>
       </p:ext>
     </p:extLst>
   </p:cSld>
@@ -4220,7 +4269,7 @@
           <a:p>
             <a:r>
               <a:rPr lang="es-ES" dirty="0" smtClean="0"/>
-              <a:t>10/22</a:t>
+              <a:t>10/21</a:t>
             </a:r>
             <a:endParaRPr lang="es-ES" dirty="0"/>
           </a:p>
@@ -4273,7 +4322,7 @@
         </p:nvSpPr>
         <p:spPr>
           <a:xfrm>
-            <a:off x="3308577" y="1807326"/>
+            <a:off x="3308577" y="1549986"/>
             <a:ext cx="2526846" cy="861774"/>
           </a:xfrm>
           <a:prstGeom prst="rect">
@@ -4302,131 +4351,98 @@
           </a:p>
         </p:txBody>
       </p:sp>
-      <p:sp>
-        <p:nvSpPr>
-          <p:cNvPr id="10" name="2 Marcador de contenido"/>
-          <p:cNvSpPr>
-            <a:spLocks noGrp="1"/>
-          </p:cNvSpPr>
-          <p:nvPr>
-            <p:ph idx="1"/>
-          </p:nvPr>
-        </p:nvSpPr>
-        <p:spPr>
-          <a:xfrm>
-            <a:off x="755576" y="2439217"/>
-            <a:ext cx="7996960" cy="3777283"/>
-          </a:xfrm>
-        </p:spPr>
-        <p:txBody>
-          <a:bodyPr>
-            <a:normAutofit lnSpcReduction="10000"/>
+      <p:pic>
+        <p:nvPicPr>
+          <p:cNvPr id="2" name="Imagen 1"/>
+          <p:cNvPicPr>
+            <a:picLocks noChangeAspect="1"/>
+          </p:cNvPicPr>
+          <p:nvPr/>
+        </p:nvPicPr>
+        <p:blipFill>
+          <a:blip r:embed="rId4"/>
+          <a:stretch>
+            <a:fillRect/>
+          </a:stretch>
+        </p:blipFill>
+        <p:spPr>
+          <a:xfrm>
+            <a:off x="1115616" y="2236243"/>
+            <a:ext cx="6683284" cy="3615048"/>
+          </a:xfrm>
+          <a:prstGeom prst="rect">
+            <a:avLst/>
+          </a:prstGeom>
+        </p:spPr>
+      </p:pic>
+      <p:sp>
+        <p:nvSpPr>
+          <p:cNvPr id="10" name="CuadroTexto 9"/>
+          <p:cNvSpPr txBox="1"/>
+          <p:nvPr/>
+        </p:nvSpPr>
+        <p:spPr>
+          <a:xfrm>
+            <a:off x="1043608" y="5792018"/>
+            <a:ext cx="6843605" cy="584775"/>
+          </a:xfrm>
+          <a:prstGeom prst="rect">
+            <a:avLst/>
+          </a:prstGeom>
+          <a:noFill/>
+        </p:spPr>
+        <p:txBody>
+          <a:bodyPr wrap="none" rtlCol="0">
+            <a:spAutoFit/>
           </a:bodyPr>
           <a:lstStyle/>
           <a:p>
-            <a:pPr>
-              <a:buFont typeface="Wingdings" panose="05000000000000000000" pitchFamily="2" charset="2"/>
-              <a:buChar char="§"/>
-            </a:pPr>
-            <a:endParaRPr lang="es-ES" sz="2000" dirty="0" smtClean="0"/>
-          </a:p>
-          <a:p>
-            <a:pPr>
-              <a:buFont typeface="Wingdings" panose="05000000000000000000" pitchFamily="2" charset="2"/>
-              <a:buChar char="§"/>
-            </a:pPr>
-            <a:r>
-              <a:rPr lang="es-ES" sz="2400" dirty="0" smtClean="0"/>
-              <a:t>Número de clases:</a:t>
-            </a:r>
-          </a:p>
-          <a:p>
-            <a:pPr lvl="1">
-              <a:buFont typeface="Wingdings" panose="05000000000000000000" pitchFamily="2" charset="2"/>
-              <a:buChar char="§"/>
-            </a:pPr>
-            <a:r>
-              <a:rPr lang="es-ES" sz="2000" dirty="0" smtClean="0"/>
-              <a:t>4 clases de velocidad de tracción (v) y 7 clases de velocidad de rotación (w).</a:t>
-            </a:r>
-          </a:p>
-          <a:p>
-            <a:pPr marL="457200" lvl="1" indent="0">
-              <a:buNone/>
-            </a:pPr>
-            <a:endParaRPr lang="es-ES" sz="2000" dirty="0" smtClean="0"/>
-          </a:p>
-          <a:p>
-            <a:pPr lvl="1">
-              <a:buFont typeface="Wingdings" panose="05000000000000000000" pitchFamily="2" charset="2"/>
-              <a:buChar char="§"/>
-            </a:pPr>
-            <a:r>
-              <a:rPr lang="es-ES" sz="2000" dirty="0" smtClean="0"/>
-              <a:t>4 clases de v y 9 clases de w.</a:t>
-            </a:r>
-          </a:p>
-          <a:p>
-            <a:pPr lvl="1">
-              <a:buFont typeface="Wingdings" panose="05000000000000000000" pitchFamily="2" charset="2"/>
-              <a:buChar char="§"/>
-            </a:pPr>
-            <a:endParaRPr lang="es-ES" sz="2000" dirty="0" smtClean="0"/>
-          </a:p>
-          <a:p>
-            <a:pPr lvl="1">
-              <a:buFont typeface="Wingdings" panose="05000000000000000000" pitchFamily="2" charset="2"/>
-              <a:buChar char="§"/>
-            </a:pPr>
-            <a:r>
-              <a:rPr lang="es-ES" sz="2000" dirty="0" smtClean="0"/>
-              <a:t>5 clases de v y 7 clases de w.</a:t>
-            </a:r>
-          </a:p>
-          <a:p>
-            <a:pPr marL="457200" lvl="1" indent="0">
-              <a:buNone/>
-            </a:pPr>
-            <a:endParaRPr lang="es-ES" sz="2000" dirty="0" smtClean="0"/>
-          </a:p>
-          <a:p>
-            <a:pPr lvl="1">
-              <a:buFont typeface="Wingdings" panose="05000000000000000000" pitchFamily="2" charset="2"/>
-              <a:buChar char="§"/>
-            </a:pPr>
-            <a:r>
-              <a:rPr lang="es-ES" sz="2000" dirty="0" smtClean="0"/>
-              <a:t>Gran influencia </a:t>
-            </a:r>
-            <a:r>
-              <a:rPr lang="es-ES" sz="2000" dirty="0"/>
-              <a:t>del número de clases y el rango de </a:t>
-            </a:r>
-            <a:r>
-              <a:rPr lang="es-ES" sz="2000" dirty="0" smtClean="0"/>
-              <a:t>clases en el rendimiento.</a:t>
-            </a:r>
-          </a:p>
-          <a:p>
-            <a:pPr lvl="1">
-              <a:buFont typeface="Wingdings" panose="05000000000000000000" pitchFamily="2" charset="2"/>
-              <a:buChar char="§"/>
-            </a:pPr>
-            <a:endParaRPr lang="es-ES" sz="2000" dirty="0" smtClean="0"/>
-          </a:p>
-          <a:p>
-            <a:pPr>
-              <a:buFont typeface="Wingdings" panose="05000000000000000000" pitchFamily="2" charset="2"/>
-              <a:buChar char="§"/>
-            </a:pPr>
-            <a:endParaRPr lang="es-ES" sz="2400" dirty="0" smtClean="0"/>
+            <a:r>
+              <a:rPr lang="es-ES" sz="1600" i="1" dirty="0"/>
+              <a:t>Resultados de </a:t>
+            </a:r>
+            <a:r>
+              <a:rPr lang="es-ES" sz="1600" i="1" dirty="0" smtClean="0"/>
+              <a:t>conducción </a:t>
+            </a:r>
+            <a:r>
+              <a:rPr lang="es-ES" sz="1600" i="1" dirty="0"/>
+              <a:t>con redes de </a:t>
+            </a:r>
+            <a:r>
+              <a:rPr lang="es-ES" sz="1600" i="1" dirty="0" smtClean="0"/>
+              <a:t>clasificación </a:t>
+            </a:r>
+            <a:r>
+              <a:rPr lang="es-ES" sz="1600" i="1" dirty="0"/>
+              <a:t>modificando la </a:t>
+            </a:r>
+            <a:r>
+              <a:rPr lang="es-ES" sz="1600" i="1" dirty="0" smtClean="0"/>
+              <a:t>combinación</a:t>
+            </a:r>
+            <a:endParaRPr lang="es-ES" sz="1600" i="1" dirty="0"/>
+          </a:p>
+          <a:p>
+            <a:r>
+              <a:rPr lang="es-ES" sz="1600" i="1" dirty="0"/>
+              <a:t>del </a:t>
+            </a:r>
+            <a:r>
+              <a:rPr lang="es-ES" sz="1600" i="1" dirty="0" smtClean="0"/>
+              <a:t>número </a:t>
+            </a:r>
+            <a:r>
+              <a:rPr lang="es-ES" sz="1600" i="1" dirty="0"/>
+              <a:t>de clases (imagen recortada)</a:t>
+            </a:r>
           </a:p>
         </p:txBody>
       </p:sp>
     </p:spTree>
     <p:extLst>
       <p:ext uri="{BB962C8B-B14F-4D97-AF65-F5344CB8AC3E}">
-        <p14:creationId xmlns:p14="http://schemas.microsoft.com/office/powerpoint/2010/main" val="3723803433"/>
+        <p14:creationId xmlns:p14="http://schemas.microsoft.com/office/powerpoint/2010/main" val="974873181"/>
       </p:ext>
     </p:extLst>
   </p:cSld>
@@ -4567,7 +4583,7 @@
           <a:p>
             <a:r>
               <a:rPr lang="es-ES" dirty="0" smtClean="0"/>
-              <a:t>11/22</a:t>
+              <a:t>11/21</a:t>
             </a:r>
             <a:endParaRPr lang="es-ES" dirty="0"/>
           </a:p>
@@ -4620,7 +4636,7 @@
         </p:nvSpPr>
         <p:spPr>
           <a:xfrm>
-            <a:off x="3308577" y="1549986"/>
+            <a:off x="3308577" y="1807326"/>
             <a:ext cx="2526846" cy="861774"/>
           </a:xfrm>
           <a:prstGeom prst="rect">
@@ -4649,98 +4665,140 @@
           </a:p>
         </p:txBody>
       </p:sp>
-      <p:pic>
-        <p:nvPicPr>
-          <p:cNvPr id="2" name="Imagen 1"/>
-          <p:cNvPicPr>
-            <a:picLocks noChangeAspect="1"/>
-          </p:cNvPicPr>
-          <p:nvPr/>
-        </p:nvPicPr>
-        <p:blipFill>
-          <a:blip r:embed="rId4"/>
-          <a:stretch>
-            <a:fillRect/>
-          </a:stretch>
-        </p:blipFill>
-        <p:spPr>
-          <a:xfrm>
-            <a:off x="1115616" y="2236243"/>
-            <a:ext cx="6683284" cy="3615048"/>
-          </a:xfrm>
-          <a:prstGeom prst="rect">
-            <a:avLst/>
-          </a:prstGeom>
-        </p:spPr>
-      </p:pic>
-      <p:sp>
-        <p:nvSpPr>
-          <p:cNvPr id="10" name="CuadroTexto 9"/>
-          <p:cNvSpPr txBox="1"/>
-          <p:nvPr/>
-        </p:nvSpPr>
-        <p:spPr>
-          <a:xfrm>
-            <a:off x="1043608" y="5792018"/>
-            <a:ext cx="6843605" cy="584775"/>
-          </a:xfrm>
-          <a:prstGeom prst="rect">
-            <a:avLst/>
-          </a:prstGeom>
-          <a:noFill/>
-        </p:spPr>
-        <p:txBody>
-          <a:bodyPr wrap="none" rtlCol="0">
-            <a:spAutoFit/>
+      <p:sp>
+        <p:nvSpPr>
+          <p:cNvPr id="10" name="2 Marcador de contenido"/>
+          <p:cNvSpPr>
+            <a:spLocks noGrp="1"/>
+          </p:cNvSpPr>
+          <p:nvPr>
+            <p:ph idx="1"/>
+          </p:nvPr>
+        </p:nvSpPr>
+        <p:spPr>
+          <a:xfrm>
+            <a:off x="703020" y="2290340"/>
+            <a:ext cx="7996960" cy="3917133"/>
+          </a:xfrm>
+        </p:spPr>
+        <p:txBody>
+          <a:bodyPr>
+            <a:normAutofit lnSpcReduction="10000"/>
           </a:bodyPr>
           <a:lstStyle/>
           <a:p>
-            <a:r>
-              <a:rPr lang="es-ES" sz="1600" i="1" dirty="0"/>
-              <a:t>Resultados de </a:t>
-            </a:r>
-            <a:r>
-              <a:rPr lang="es-ES" sz="1600" i="1" dirty="0" smtClean="0"/>
-              <a:t>conducción </a:t>
-            </a:r>
-            <a:r>
-              <a:rPr lang="es-ES" sz="1600" i="1" dirty="0"/>
-              <a:t>con redes de </a:t>
-            </a:r>
-            <a:r>
-              <a:rPr lang="es-ES" sz="1600" i="1" dirty="0" smtClean="0"/>
-              <a:t>clasificación </a:t>
-            </a:r>
-            <a:r>
-              <a:rPr lang="es-ES" sz="1600" i="1" dirty="0"/>
-              <a:t>modificando la </a:t>
-            </a:r>
-            <a:r>
-              <a:rPr lang="es-ES" sz="1600" i="1" dirty="0" smtClean="0"/>
-              <a:t>combinación</a:t>
-            </a:r>
-            <a:endParaRPr lang="es-ES" sz="1600" i="1" dirty="0"/>
-          </a:p>
-          <a:p>
-            <a:r>
-              <a:rPr lang="es-ES" sz="1600" i="1" dirty="0"/>
-              <a:t>del </a:t>
-            </a:r>
-            <a:r>
-              <a:rPr lang="es-ES" sz="1600" i="1" dirty="0" smtClean="0"/>
-              <a:t>número </a:t>
-            </a:r>
-            <a:r>
-              <a:rPr lang="es-ES" sz="1600" i="1" dirty="0"/>
-              <a:t>de clases (imagen recortada)</a:t>
-            </a:r>
+            <a:pPr>
+              <a:buFont typeface="Wingdings" panose="05000000000000000000" pitchFamily="2" charset="2"/>
+              <a:buChar char="§"/>
+            </a:pPr>
+            <a:endParaRPr lang="es-ES" sz="2000" dirty="0" smtClean="0"/>
+          </a:p>
+          <a:p>
+            <a:pPr>
+              <a:buFont typeface="Wingdings" panose="05000000000000000000" pitchFamily="2" charset="2"/>
+              <a:buChar char="§"/>
+            </a:pPr>
+            <a:r>
+              <a:rPr lang="es-ES" sz="2400" dirty="0"/>
+              <a:t>Influencia de los datos de entrenamiento</a:t>
+            </a:r>
+            <a:r>
+              <a:rPr lang="es-ES" sz="2400" dirty="0" smtClean="0"/>
+              <a:t>:</a:t>
+            </a:r>
+          </a:p>
+          <a:p>
+            <a:pPr marL="0" indent="0">
+              <a:buNone/>
+            </a:pPr>
+            <a:endParaRPr lang="es-ES" sz="2400" dirty="0" smtClean="0"/>
+          </a:p>
+          <a:p>
+            <a:pPr lvl="1">
+              <a:buFont typeface="Wingdings" panose="05000000000000000000" pitchFamily="2" charset="2"/>
+              <a:buChar char="§"/>
+            </a:pPr>
+            <a:r>
+              <a:rPr lang="es-ES" sz="2000" dirty="0" smtClean="0"/>
+              <a:t>Conjunto de entrenamiento sin </a:t>
+            </a:r>
+            <a:r>
+              <a:rPr lang="es-ES" sz="2000" dirty="0"/>
+              <a:t>ninguna </a:t>
+            </a:r>
+            <a:r>
+              <a:rPr lang="es-ES" sz="2000" dirty="0" smtClean="0"/>
+              <a:t>modificación (red desbalanceada).</a:t>
+            </a:r>
+          </a:p>
+          <a:p>
+            <a:pPr marL="457200" lvl="1" indent="0">
+              <a:buNone/>
+            </a:pPr>
+            <a:endParaRPr lang="es-ES" sz="2000" dirty="0" smtClean="0"/>
+          </a:p>
+          <a:p>
+            <a:pPr lvl="1">
+              <a:buFont typeface="Wingdings" panose="05000000000000000000" pitchFamily="2" charset="2"/>
+              <a:buChar char="§"/>
+            </a:pPr>
+            <a:r>
+              <a:rPr lang="es-ES" sz="2000" dirty="0" smtClean="0"/>
+              <a:t>Conjunto de entrenamiento balanceado (red balanceada).</a:t>
+            </a:r>
+          </a:p>
+          <a:p>
+            <a:pPr lvl="1">
+              <a:buFont typeface="Wingdings" panose="05000000000000000000" pitchFamily="2" charset="2"/>
+              <a:buChar char="§"/>
+            </a:pPr>
+            <a:endParaRPr lang="es-ES" sz="2000" dirty="0" smtClean="0"/>
+          </a:p>
+          <a:p>
+            <a:pPr lvl="1">
+              <a:buFont typeface="Wingdings" panose="05000000000000000000" pitchFamily="2" charset="2"/>
+              <a:buChar char="§"/>
+            </a:pPr>
+            <a:r>
+              <a:rPr lang="es-ES" sz="2000" dirty="0" smtClean="0"/>
+              <a:t>Entrenamiento con pesos diferentes para cada clase (red sesgada).</a:t>
+            </a:r>
+          </a:p>
+          <a:p>
+            <a:pPr marL="457200" lvl="1" indent="0">
+              <a:buNone/>
+            </a:pPr>
+            <a:endParaRPr lang="es-ES" sz="2000" dirty="0" smtClean="0"/>
+          </a:p>
+          <a:p>
+            <a:pPr lvl="1">
+              <a:buFont typeface="Wingdings" panose="05000000000000000000" pitchFamily="2" charset="2"/>
+              <a:buChar char="§"/>
+            </a:pPr>
+            <a:r>
+              <a:rPr lang="es-ES" sz="2000" dirty="0"/>
+              <a:t>Redes sesgadas mejoran el entrenamiento.</a:t>
+            </a:r>
+          </a:p>
+          <a:p>
+            <a:pPr marL="457200" lvl="1" indent="0">
+              <a:buNone/>
+            </a:pPr>
+            <a:endParaRPr lang="es-ES" sz="2000" dirty="0" smtClean="0"/>
+          </a:p>
+          <a:p>
+            <a:pPr>
+              <a:buFont typeface="Wingdings" panose="05000000000000000000" pitchFamily="2" charset="2"/>
+              <a:buChar char="§"/>
+            </a:pPr>
+            <a:endParaRPr lang="es-ES" sz="2400" dirty="0" smtClean="0"/>
           </a:p>
         </p:txBody>
       </p:sp>
     </p:spTree>
     <p:extLst>
       <p:ext uri="{BB962C8B-B14F-4D97-AF65-F5344CB8AC3E}">
-        <p14:creationId xmlns:p14="http://schemas.microsoft.com/office/powerpoint/2010/main" val="974873181"/>
+        <p14:creationId xmlns:p14="http://schemas.microsoft.com/office/powerpoint/2010/main" val="2752462402"/>
       </p:ext>
     </p:extLst>
   </p:cSld>
@@ -4881,7 +4939,7 @@
           <a:p>
             <a:r>
               <a:rPr lang="es-ES" dirty="0" smtClean="0"/>
-              <a:t>12/22</a:t>
+              <a:t>12/21</a:t>
             </a:r>
             <a:endParaRPr lang="es-ES" dirty="0"/>
           </a:p>
@@ -4934,7 +4992,7 @@
         </p:nvSpPr>
         <p:spPr>
           <a:xfrm>
-            <a:off x="3308577" y="1807326"/>
+            <a:off x="3308577" y="1532307"/>
             <a:ext cx="2526846" cy="861774"/>
           </a:xfrm>
           <a:prstGeom prst="rect">
@@ -4963,140 +5021,85 @@
           </a:p>
         </p:txBody>
       </p:sp>
-      <p:sp>
-        <p:nvSpPr>
-          <p:cNvPr id="10" name="2 Marcador de contenido"/>
-          <p:cNvSpPr>
-            <a:spLocks noGrp="1"/>
-          </p:cNvSpPr>
-          <p:nvPr>
-            <p:ph idx="1"/>
-          </p:nvPr>
-        </p:nvSpPr>
-        <p:spPr>
-          <a:xfrm>
-            <a:off x="703020" y="2290340"/>
-            <a:ext cx="7996960" cy="3917133"/>
-          </a:xfrm>
-        </p:spPr>
-        <p:txBody>
-          <a:bodyPr>
-            <a:normAutofit lnSpcReduction="10000"/>
+      <p:pic>
+        <p:nvPicPr>
+          <p:cNvPr id="2" name="Imagen 1"/>
+          <p:cNvPicPr>
+            <a:picLocks noChangeAspect="1"/>
+          </p:cNvPicPr>
+          <p:nvPr/>
+        </p:nvPicPr>
+        <p:blipFill>
+          <a:blip r:embed="rId4"/>
+          <a:stretch>
+            <a:fillRect/>
+          </a:stretch>
+        </p:blipFill>
+        <p:spPr>
+          <a:xfrm>
+            <a:off x="683568" y="2148213"/>
+            <a:ext cx="7297178" cy="3605808"/>
+          </a:xfrm>
+          <a:prstGeom prst="rect">
+            <a:avLst/>
+          </a:prstGeom>
+        </p:spPr>
+      </p:pic>
+      <p:sp>
+        <p:nvSpPr>
+          <p:cNvPr id="10" name="CuadroTexto 9"/>
+          <p:cNvSpPr txBox="1"/>
+          <p:nvPr/>
+        </p:nvSpPr>
+        <p:spPr>
+          <a:xfrm>
+            <a:off x="1043608" y="5792018"/>
+            <a:ext cx="6843605" cy="584775"/>
+          </a:xfrm>
+          <a:prstGeom prst="rect">
+            <a:avLst/>
+          </a:prstGeom>
+          <a:noFill/>
+        </p:spPr>
+        <p:txBody>
+          <a:bodyPr wrap="none" rtlCol="0">
+            <a:spAutoFit/>
           </a:bodyPr>
           <a:lstStyle/>
           <a:p>
-            <a:pPr>
-              <a:buFont typeface="Wingdings" panose="05000000000000000000" pitchFamily="2" charset="2"/>
-              <a:buChar char="§"/>
-            </a:pPr>
-            <a:endParaRPr lang="es-ES" sz="2000" dirty="0" smtClean="0"/>
-          </a:p>
-          <a:p>
-            <a:pPr>
-              <a:buFont typeface="Wingdings" panose="05000000000000000000" pitchFamily="2" charset="2"/>
-              <a:buChar char="§"/>
-            </a:pPr>
-            <a:r>
-              <a:rPr lang="es-ES" sz="2400" dirty="0"/>
-              <a:t>Influencia de los datos de entrenamiento</a:t>
-            </a:r>
-            <a:r>
-              <a:rPr lang="es-ES" sz="2400" dirty="0" smtClean="0"/>
-              <a:t>:</a:t>
-            </a:r>
-          </a:p>
-          <a:p>
-            <a:pPr marL="0" indent="0">
-              <a:buNone/>
-            </a:pPr>
-            <a:endParaRPr lang="es-ES" sz="2400" dirty="0" smtClean="0"/>
-          </a:p>
-          <a:p>
-            <a:pPr lvl="1">
-              <a:buFont typeface="Wingdings" panose="05000000000000000000" pitchFamily="2" charset="2"/>
-              <a:buChar char="§"/>
-            </a:pPr>
-            <a:r>
-              <a:rPr lang="es-ES" sz="2000" dirty="0" smtClean="0"/>
-              <a:t>Conjunto de entrenamiento sin </a:t>
-            </a:r>
-            <a:r>
-              <a:rPr lang="es-ES" sz="2000" dirty="0"/>
-              <a:t>ninguna </a:t>
-            </a:r>
-            <a:r>
-              <a:rPr lang="es-ES" sz="2000" dirty="0" smtClean="0"/>
-              <a:t>modificación (red desbalanceada).</a:t>
-            </a:r>
-          </a:p>
-          <a:p>
-            <a:pPr marL="457200" lvl="1" indent="0">
-              <a:buNone/>
-            </a:pPr>
-            <a:endParaRPr lang="es-ES" sz="2000" dirty="0" smtClean="0"/>
-          </a:p>
-          <a:p>
-            <a:pPr lvl="1">
-              <a:buFont typeface="Wingdings" panose="05000000000000000000" pitchFamily="2" charset="2"/>
-              <a:buChar char="§"/>
-            </a:pPr>
-            <a:r>
-              <a:rPr lang="es-ES" sz="2000" dirty="0" smtClean="0"/>
-              <a:t>Conjunto de entrenamiento balanceado (red balanceada).</a:t>
-            </a:r>
-          </a:p>
-          <a:p>
-            <a:pPr lvl="1">
-              <a:buFont typeface="Wingdings" panose="05000000000000000000" pitchFamily="2" charset="2"/>
-              <a:buChar char="§"/>
-            </a:pPr>
-            <a:endParaRPr lang="es-ES" sz="2000" dirty="0" smtClean="0"/>
-          </a:p>
-          <a:p>
-            <a:pPr lvl="1">
-              <a:buFont typeface="Wingdings" panose="05000000000000000000" pitchFamily="2" charset="2"/>
-              <a:buChar char="§"/>
-            </a:pPr>
-            <a:r>
-              <a:rPr lang="es-ES" sz="2000" dirty="0" smtClean="0"/>
-              <a:t>Entrenamiento con pesos diferentes para cada clase (red sesgada).</a:t>
-            </a:r>
-          </a:p>
-          <a:p>
-            <a:pPr marL="457200" lvl="1" indent="0">
-              <a:buNone/>
-            </a:pPr>
-            <a:endParaRPr lang="es-ES" sz="2000" dirty="0" smtClean="0"/>
-          </a:p>
-          <a:p>
-            <a:pPr lvl="1">
-              <a:buFont typeface="Wingdings" panose="05000000000000000000" pitchFamily="2" charset="2"/>
-              <a:buChar char="§"/>
-            </a:pPr>
-            <a:r>
-              <a:rPr lang="es-ES" sz="2000" dirty="0"/>
-              <a:t>Redes sesgadas mejoran el entrenamiento.</a:t>
-            </a:r>
-          </a:p>
-          <a:p>
-            <a:pPr marL="457200" lvl="1" indent="0">
-              <a:buNone/>
-            </a:pPr>
-            <a:endParaRPr lang="es-ES" sz="2000" dirty="0" smtClean="0"/>
-          </a:p>
-          <a:p>
-            <a:pPr>
-              <a:buFont typeface="Wingdings" panose="05000000000000000000" pitchFamily="2" charset="2"/>
-              <a:buChar char="§"/>
-            </a:pPr>
-            <a:endParaRPr lang="es-ES" sz="2400" dirty="0" smtClean="0"/>
+            <a:r>
+              <a:rPr lang="es-ES" sz="1600" i="1" dirty="0"/>
+              <a:t>Resultados de </a:t>
+            </a:r>
+            <a:r>
+              <a:rPr lang="es-ES" sz="1600" i="1" dirty="0" smtClean="0"/>
+              <a:t>conducción </a:t>
+            </a:r>
+            <a:r>
+              <a:rPr lang="es-ES" sz="1600" i="1" dirty="0"/>
+              <a:t>con redes de </a:t>
+            </a:r>
+            <a:r>
+              <a:rPr lang="es-ES" sz="1600" i="1" dirty="0" smtClean="0"/>
+              <a:t>clasificación </a:t>
+            </a:r>
+            <a:r>
+              <a:rPr lang="es-ES" sz="1600" i="1" dirty="0"/>
+              <a:t>(estudio de la influencia de</a:t>
+            </a:r>
+          </a:p>
+          <a:p>
+            <a:r>
+              <a:rPr lang="es-ES" sz="1600" i="1" dirty="0"/>
+              <a:t>los datos de entrenamiento)</a:t>
+            </a:r>
           </a:p>
         </p:txBody>
       </p:sp>
     </p:spTree>
     <p:extLst>
       <p:ext uri="{BB962C8B-B14F-4D97-AF65-F5344CB8AC3E}">
-        <p14:creationId xmlns:p14="http://schemas.microsoft.com/office/powerpoint/2010/main" val="2752462402"/>
+        <p14:creationId xmlns:p14="http://schemas.microsoft.com/office/powerpoint/2010/main" val="4007781943"/>
       </p:ext>
     </p:extLst>
   </p:cSld>
@@ -5130,6 +5133,256 @@
           <a:chExt cx="0" cy="0"/>
         </a:xfrm>
       </p:grpSpPr>
+      <p:sp>
+        <p:nvSpPr>
+          <p:cNvPr id="3" name="2 Marcador de contenido"/>
+          <p:cNvSpPr>
+            <a:spLocks noGrp="1"/>
+          </p:cNvSpPr>
+          <p:nvPr>
+            <p:ph idx="1"/>
+          </p:nvPr>
+        </p:nvSpPr>
+        <p:spPr>
+          <a:xfrm>
+            <a:off x="755576" y="1845248"/>
+            <a:ext cx="8229600" cy="4511102"/>
+          </a:xfrm>
+        </p:spPr>
+        <p:txBody>
+          <a:bodyPr>
+            <a:normAutofit fontScale="92500" lnSpcReduction="10000"/>
+          </a:bodyPr>
+          <a:lstStyle/>
+          <a:p>
+            <a:pPr>
+              <a:buFont typeface="Wingdings" panose="05000000000000000000" pitchFamily="2" charset="2"/>
+              <a:buChar char="§"/>
+            </a:pPr>
+            <a:r>
+              <a:rPr lang="es-ES" sz="2400" dirty="0" smtClean="0"/>
+              <a:t>Predecir valores de velocidades.</a:t>
+            </a:r>
+          </a:p>
+          <a:p>
+            <a:pPr>
+              <a:buFont typeface="Wingdings" panose="05000000000000000000" pitchFamily="2" charset="2"/>
+              <a:buChar char="§"/>
+            </a:pPr>
+            <a:endParaRPr lang="es-ES" sz="2400" dirty="0" smtClean="0"/>
+          </a:p>
+          <a:p>
+            <a:pPr>
+              <a:buFont typeface="Wingdings" panose="05000000000000000000" pitchFamily="2" charset="2"/>
+              <a:buChar char="§"/>
+            </a:pPr>
+            <a:r>
+              <a:rPr lang="es-ES" sz="2400" dirty="0" smtClean="0"/>
+              <a:t>Arquitecturas de red:</a:t>
+            </a:r>
+          </a:p>
+          <a:p>
+            <a:pPr lvl="1">
+              <a:buFont typeface="Wingdings" panose="05000000000000000000" pitchFamily="2" charset="2"/>
+              <a:buChar char="§"/>
+            </a:pPr>
+            <a:r>
+              <a:rPr lang="es-ES" sz="2000" i="1" dirty="0" err="1" smtClean="0"/>
+              <a:t>PilotNet</a:t>
+            </a:r>
+            <a:r>
+              <a:rPr lang="es-ES" sz="2000" dirty="0" smtClean="0"/>
+              <a:t>: capa de normalización, 5 capas </a:t>
+            </a:r>
+            <a:r>
+              <a:rPr lang="es-ES" sz="2000" dirty="0" err="1" smtClean="0"/>
+              <a:t>convolucionales</a:t>
+            </a:r>
+            <a:r>
+              <a:rPr lang="es-ES" sz="2000" dirty="0" smtClean="0"/>
+              <a:t>, 3 capas </a:t>
+            </a:r>
+            <a:r>
+              <a:rPr lang="es-ES" sz="2000" dirty="0" err="1" smtClean="0"/>
+              <a:t>fully-connected</a:t>
+            </a:r>
+            <a:r>
+              <a:rPr lang="es-ES" sz="2000" dirty="0" smtClean="0"/>
+              <a:t>.</a:t>
+            </a:r>
+          </a:p>
+          <a:p>
+            <a:pPr lvl="1">
+              <a:buFont typeface="Wingdings" panose="05000000000000000000" pitchFamily="2" charset="2"/>
+              <a:buChar char="§"/>
+            </a:pPr>
+            <a:endParaRPr lang="es-ES" sz="2000" dirty="0" smtClean="0"/>
+          </a:p>
+          <a:p>
+            <a:pPr lvl="1">
+              <a:buFont typeface="Wingdings" panose="05000000000000000000" pitchFamily="2" charset="2"/>
+              <a:buChar char="§"/>
+            </a:pPr>
+            <a:r>
+              <a:rPr lang="es-ES" sz="2000" i="1" dirty="0" err="1" smtClean="0"/>
+              <a:t>TinyPilotNet</a:t>
+            </a:r>
+            <a:r>
+              <a:rPr lang="es-ES" sz="2000" dirty="0" smtClean="0"/>
+              <a:t>: 2 capas </a:t>
+            </a:r>
+            <a:r>
+              <a:rPr lang="es-ES" sz="2000" dirty="0" err="1" smtClean="0"/>
+              <a:t>convolucionales</a:t>
+            </a:r>
+            <a:r>
+              <a:rPr lang="es-ES" sz="2000" dirty="0" smtClean="0"/>
+              <a:t>, capa </a:t>
+            </a:r>
+            <a:r>
+              <a:rPr lang="es-ES" sz="2000" dirty="0" err="1" smtClean="0"/>
+              <a:t>dropout</a:t>
+            </a:r>
+            <a:r>
+              <a:rPr lang="es-ES" sz="2000" dirty="0" smtClean="0"/>
+              <a:t>, 2 capas </a:t>
+            </a:r>
+            <a:r>
+              <a:rPr lang="es-ES" sz="2000" dirty="0" err="1" smtClean="0"/>
+              <a:t>fully-connected</a:t>
+            </a:r>
+            <a:r>
+              <a:rPr lang="es-ES" sz="2000" dirty="0" smtClean="0"/>
+              <a:t>.</a:t>
+            </a:r>
+          </a:p>
+          <a:p>
+            <a:pPr lvl="1">
+              <a:buFont typeface="Wingdings" panose="05000000000000000000" pitchFamily="2" charset="2"/>
+              <a:buChar char="§"/>
+            </a:pPr>
+            <a:endParaRPr lang="es-ES" sz="2000" dirty="0" smtClean="0"/>
+          </a:p>
+          <a:p>
+            <a:pPr lvl="1">
+              <a:buFont typeface="Wingdings" panose="05000000000000000000" pitchFamily="2" charset="2"/>
+              <a:buChar char="§"/>
+            </a:pPr>
+            <a:r>
+              <a:rPr lang="es-ES" sz="2000" i="1" dirty="0" smtClean="0"/>
+              <a:t>LSTM-</a:t>
+            </a:r>
+            <a:r>
+              <a:rPr lang="es-ES" sz="2000" i="1" dirty="0" err="1" smtClean="0"/>
+              <a:t>TinyPilotnet</a:t>
+            </a:r>
+            <a:r>
+              <a:rPr lang="es-ES" sz="2000" dirty="0"/>
+              <a:t>: </a:t>
+            </a:r>
+            <a:r>
+              <a:rPr lang="es-ES" sz="2000" dirty="0" smtClean="0"/>
+              <a:t>3 </a:t>
+            </a:r>
+            <a:r>
+              <a:rPr lang="es-ES" sz="2000" dirty="0"/>
+              <a:t>capas </a:t>
+            </a:r>
+            <a:r>
+              <a:rPr lang="es-ES" sz="2000" dirty="0" err="1"/>
+              <a:t>convolucionales</a:t>
+            </a:r>
+            <a:r>
+              <a:rPr lang="es-ES" sz="2000" dirty="0"/>
+              <a:t>, capa </a:t>
+            </a:r>
+            <a:r>
+              <a:rPr lang="es-ES" sz="2000" dirty="0" smtClean="0"/>
+              <a:t>ConvLSTM2D, 1 capa </a:t>
+            </a:r>
+            <a:r>
+              <a:rPr lang="es-ES" sz="2000" dirty="0" err="1" smtClean="0"/>
+              <a:t>convolucional</a:t>
+            </a:r>
+            <a:r>
+              <a:rPr lang="es-ES" sz="2000" dirty="0" smtClean="0"/>
+              <a:t>, 1 capa </a:t>
+            </a:r>
+            <a:r>
+              <a:rPr lang="es-ES" sz="2000" dirty="0" err="1" smtClean="0"/>
+              <a:t>fully-connected</a:t>
+            </a:r>
+            <a:r>
+              <a:rPr lang="es-ES" sz="2000" dirty="0" smtClean="0"/>
+              <a:t>.</a:t>
+            </a:r>
+          </a:p>
+          <a:p>
+            <a:pPr lvl="1">
+              <a:buFont typeface="Wingdings" panose="05000000000000000000" pitchFamily="2" charset="2"/>
+              <a:buChar char="§"/>
+            </a:pPr>
+            <a:endParaRPr lang="es-ES" sz="2000" dirty="0" smtClean="0"/>
+          </a:p>
+          <a:p>
+            <a:pPr lvl="1">
+              <a:buFont typeface="Wingdings" panose="05000000000000000000" pitchFamily="2" charset="2"/>
+              <a:buChar char="§"/>
+            </a:pPr>
+            <a:r>
+              <a:rPr lang="es-ES" sz="2000" i="1" dirty="0" err="1" smtClean="0"/>
+              <a:t>DeepestLSTM-TinyPilotNet</a:t>
+            </a:r>
+            <a:r>
+              <a:rPr lang="es-ES" sz="2000" dirty="0" smtClean="0"/>
+              <a:t>: </a:t>
+            </a:r>
+            <a:r>
+              <a:rPr lang="es-ES" sz="2000" dirty="0"/>
+              <a:t>3 capas </a:t>
+            </a:r>
+            <a:r>
+              <a:rPr lang="es-ES" sz="2000" dirty="0" err="1" smtClean="0"/>
+              <a:t>convolucionales</a:t>
+            </a:r>
+            <a:r>
+              <a:rPr lang="es-ES" sz="2000" dirty="0" smtClean="0"/>
+              <a:t>, 3 capas ConvLSTM2D, </a:t>
+            </a:r>
+            <a:r>
+              <a:rPr lang="es-ES" sz="2000" dirty="0"/>
+              <a:t>2 capas </a:t>
+            </a:r>
+            <a:r>
+              <a:rPr lang="es-ES" sz="2000" dirty="0" err="1"/>
+              <a:t>fully-connected</a:t>
+            </a:r>
+            <a:r>
+              <a:rPr lang="es-ES" sz="2000" dirty="0"/>
+              <a:t>.</a:t>
+            </a:r>
+            <a:endParaRPr lang="es-ES" sz="2000" i="1" dirty="0" smtClean="0"/>
+          </a:p>
+          <a:p>
+            <a:pPr marL="457200" lvl="1" indent="0">
+              <a:buNone/>
+            </a:pPr>
+            <a:endParaRPr lang="es-ES" sz="2000" dirty="0" smtClean="0"/>
+          </a:p>
+          <a:p>
+            <a:pPr marL="457200" lvl="1" indent="0">
+              <a:buNone/>
+            </a:pPr>
+            <a:endParaRPr lang="es-ES" sz="2000" dirty="0" smtClean="0"/>
+          </a:p>
+          <a:p>
+            <a:pPr marL="457200" lvl="1" indent="0">
+              <a:buNone/>
+            </a:pPr>
+            <a:endParaRPr lang="es-ES" sz="2400" dirty="0" smtClean="0"/>
+          </a:p>
+        </p:txBody>
+      </p:sp>
       <p:cxnSp>
         <p:nvCxnSpPr>
           <p:cNvPr id="4" name="3 Conector recto"/>
@@ -5190,9 +5443,32 @@
           </a:prstGeom>
         </p:spPr>
       </p:pic>
+      <p:sp>
+        <p:nvSpPr>
+          <p:cNvPr id="7" name="6 Marcador de número de diapositiva"/>
+          <p:cNvSpPr>
+            <a:spLocks noGrp="1"/>
+          </p:cNvSpPr>
+          <p:nvPr>
+            <p:ph type="sldNum" sz="quarter" idx="12"/>
+          </p:nvPr>
+        </p:nvSpPr>
+        <p:spPr/>
+        <p:txBody>
+          <a:bodyPr/>
+          <a:lstStyle/>
+          <a:p>
+            <a:r>
+              <a:rPr lang="es-ES" dirty="0" smtClean="0"/>
+              <a:t>13/21</a:t>
+            </a:r>
+            <a:endParaRPr lang="es-ES" dirty="0"/>
+          </a:p>
+        </p:txBody>
+      </p:sp>
       <p:pic>
         <p:nvPicPr>
-          <p:cNvPr id="6" name="5 Imagen"/>
+          <p:cNvPr id="11" name="5 Imagen"/>
           <p:cNvPicPr>
             <a:picLocks noChangeAspect="1"/>
           </p:cNvPicPr>
@@ -5212,7 +5488,7 @@
         </p:blipFill>
         <p:spPr>
           <a:xfrm>
-            <a:off x="6880124" y="497064"/>
+            <a:off x="7322516" y="506571"/>
             <a:ext cx="1364284" cy="601890"/>
           </a:xfrm>
           <a:prstGeom prst="rect">
@@ -5222,30 +5498,7 @@
       </p:pic>
       <p:sp>
         <p:nvSpPr>
-          <p:cNvPr id="7" name="6 Marcador de número de diapositiva"/>
-          <p:cNvSpPr>
-            <a:spLocks noGrp="1"/>
-          </p:cNvSpPr>
-          <p:nvPr>
-            <p:ph type="sldNum" sz="quarter" idx="12"/>
-          </p:nvPr>
-        </p:nvSpPr>
-        <p:spPr/>
-        <p:txBody>
-          <a:bodyPr/>
-          <a:lstStyle/>
-          <a:p>
-            <a:r>
-              <a:rPr lang="es-ES" dirty="0" smtClean="0"/>
-              <a:t>13/22</a:t>
-            </a:r>
-            <a:endParaRPr lang="es-ES" dirty="0"/>
-          </a:p>
-        </p:txBody>
-      </p:sp>
-      <p:sp>
-        <p:nvSpPr>
-          <p:cNvPr id="13" name="1 Título"/>
+          <p:cNvPr id="12" name="1 Título"/>
           <p:cNvSpPr>
             <a:spLocks noGrp="1"/>
           </p:cNvSpPr>
@@ -5272,7 +5525,7 @@
                   <a:srgbClr val="0070C0"/>
                 </a:solidFill>
               </a:rPr>
-              <a:t>          Redes de clasificación </a:t>
+              <a:t>             Redes de regresión </a:t>
             </a:r>
             <a:endParaRPr lang="es-ES" dirty="0">
               <a:solidFill>
@@ -5282,122 +5535,10 @@
           </a:p>
         </p:txBody>
       </p:sp>
-      <p:sp>
-        <p:nvSpPr>
-          <p:cNvPr id="9" name="7 CuadroTexto"/>
-          <p:cNvSpPr txBox="1"/>
-          <p:nvPr/>
-        </p:nvSpPr>
-        <p:spPr>
-          <a:xfrm>
-            <a:off x="3308577" y="1532307"/>
-            <a:ext cx="2526846" cy="861774"/>
-          </a:xfrm>
-          <a:prstGeom prst="rect">
-            <a:avLst/>
-          </a:prstGeom>
-          <a:noFill/>
-        </p:spPr>
-        <p:txBody>
-          <a:bodyPr wrap="none" rtlCol="0">
-            <a:spAutoFit/>
-          </a:bodyPr>
-          <a:lstStyle/>
-          <a:p>
-            <a:r>
-              <a:rPr lang="es-ES" sz="3200" b="1" dirty="0" smtClean="0">
-                <a:solidFill>
-                  <a:srgbClr val="586E2C"/>
-                </a:solidFill>
-              </a:rPr>
-              <a:t>Experimentos</a:t>
-            </a:r>
-            <a:endParaRPr lang="es-ES" sz="3200" dirty="0"/>
-          </a:p>
-          <a:p>
-            <a:endParaRPr lang="es-ES" dirty="0"/>
-          </a:p>
-        </p:txBody>
-      </p:sp>
-      <p:pic>
-        <p:nvPicPr>
-          <p:cNvPr id="2" name="Imagen 1"/>
-          <p:cNvPicPr>
-            <a:picLocks noChangeAspect="1"/>
-          </p:cNvPicPr>
-          <p:nvPr/>
-        </p:nvPicPr>
-        <p:blipFill>
-          <a:blip r:embed="rId4"/>
-          <a:stretch>
-            <a:fillRect/>
-          </a:stretch>
-        </p:blipFill>
-        <p:spPr>
-          <a:xfrm>
-            <a:off x="683568" y="2148213"/>
-            <a:ext cx="7297178" cy="3605808"/>
-          </a:xfrm>
-          <a:prstGeom prst="rect">
-            <a:avLst/>
-          </a:prstGeom>
-        </p:spPr>
-      </p:pic>
-      <p:sp>
-        <p:nvSpPr>
-          <p:cNvPr id="10" name="CuadroTexto 9"/>
-          <p:cNvSpPr txBox="1"/>
-          <p:nvPr/>
-        </p:nvSpPr>
-        <p:spPr>
-          <a:xfrm>
-            <a:off x="1043608" y="5792018"/>
-            <a:ext cx="6843605" cy="584775"/>
-          </a:xfrm>
-          <a:prstGeom prst="rect">
-            <a:avLst/>
-          </a:prstGeom>
-          <a:noFill/>
-        </p:spPr>
-        <p:txBody>
-          <a:bodyPr wrap="none" rtlCol="0">
-            <a:spAutoFit/>
-          </a:bodyPr>
-          <a:lstStyle/>
-          <a:p>
-            <a:r>
-              <a:rPr lang="es-ES" sz="1600" i="1" dirty="0"/>
-              <a:t>Resultados de </a:t>
-            </a:r>
-            <a:r>
-              <a:rPr lang="es-ES" sz="1600" i="1" dirty="0" smtClean="0"/>
-              <a:t>conducción </a:t>
-            </a:r>
-            <a:r>
-              <a:rPr lang="es-ES" sz="1600" i="1" dirty="0"/>
-              <a:t>con redes de </a:t>
-            </a:r>
-            <a:r>
-              <a:rPr lang="es-ES" sz="1600" i="1" dirty="0" smtClean="0"/>
-              <a:t>clasificación </a:t>
-            </a:r>
-            <a:r>
-              <a:rPr lang="es-ES" sz="1600" i="1" dirty="0"/>
-              <a:t>(estudio de la influencia de</a:t>
-            </a:r>
-          </a:p>
-          <a:p>
-            <a:r>
-              <a:rPr lang="es-ES" sz="1600" i="1" dirty="0"/>
-              <a:t>los datos de entrenamiento)</a:t>
-            </a:r>
-          </a:p>
-        </p:txBody>
-      </p:sp>
     </p:spTree>
     <p:extLst>
       <p:ext uri="{BB962C8B-B14F-4D97-AF65-F5344CB8AC3E}">
-        <p14:creationId xmlns:p14="http://schemas.microsoft.com/office/powerpoint/2010/main" val="4007781943"/>
+        <p14:creationId xmlns:p14="http://schemas.microsoft.com/office/powerpoint/2010/main" val="1313479655"/>
       </p:ext>
     </p:extLst>
   </p:cSld>
@@ -5431,256 +5572,6 @@
           <a:chExt cx="0" cy="0"/>
         </a:xfrm>
       </p:grpSpPr>
-      <p:sp>
-        <p:nvSpPr>
-          <p:cNvPr id="3" name="2 Marcador de contenido"/>
-          <p:cNvSpPr>
-            <a:spLocks noGrp="1"/>
-          </p:cNvSpPr>
-          <p:nvPr>
-            <p:ph idx="1"/>
-          </p:nvPr>
-        </p:nvSpPr>
-        <p:spPr>
-          <a:xfrm>
-            <a:off x="755576" y="1845248"/>
-            <a:ext cx="8229600" cy="4511102"/>
-          </a:xfrm>
-        </p:spPr>
-        <p:txBody>
-          <a:bodyPr>
-            <a:normAutofit fontScale="92500" lnSpcReduction="10000"/>
-          </a:bodyPr>
-          <a:lstStyle/>
-          <a:p>
-            <a:pPr>
-              <a:buFont typeface="Wingdings" panose="05000000000000000000" pitchFamily="2" charset="2"/>
-              <a:buChar char="§"/>
-            </a:pPr>
-            <a:r>
-              <a:rPr lang="es-ES" sz="2400" dirty="0" smtClean="0"/>
-              <a:t>Predecir valores de velocidades.</a:t>
-            </a:r>
-          </a:p>
-          <a:p>
-            <a:pPr>
-              <a:buFont typeface="Wingdings" panose="05000000000000000000" pitchFamily="2" charset="2"/>
-              <a:buChar char="§"/>
-            </a:pPr>
-            <a:endParaRPr lang="es-ES" sz="2400" dirty="0" smtClean="0"/>
-          </a:p>
-          <a:p>
-            <a:pPr>
-              <a:buFont typeface="Wingdings" panose="05000000000000000000" pitchFamily="2" charset="2"/>
-              <a:buChar char="§"/>
-            </a:pPr>
-            <a:r>
-              <a:rPr lang="es-ES" sz="2400" dirty="0" smtClean="0"/>
-              <a:t>Arquitecturas de red:</a:t>
-            </a:r>
-          </a:p>
-          <a:p>
-            <a:pPr lvl="1">
-              <a:buFont typeface="Wingdings" panose="05000000000000000000" pitchFamily="2" charset="2"/>
-              <a:buChar char="§"/>
-            </a:pPr>
-            <a:r>
-              <a:rPr lang="es-ES" sz="2000" i="1" dirty="0" err="1" smtClean="0"/>
-              <a:t>PilotNet</a:t>
-            </a:r>
-            <a:r>
-              <a:rPr lang="es-ES" sz="2000" dirty="0" smtClean="0"/>
-              <a:t>: capa de normalización, 5 capas </a:t>
-            </a:r>
-            <a:r>
-              <a:rPr lang="es-ES" sz="2000" dirty="0" err="1" smtClean="0"/>
-              <a:t>convolucionales</a:t>
-            </a:r>
-            <a:r>
-              <a:rPr lang="es-ES" sz="2000" dirty="0" smtClean="0"/>
-              <a:t>, 3 capas </a:t>
-            </a:r>
-            <a:r>
-              <a:rPr lang="es-ES" sz="2000" dirty="0" err="1" smtClean="0"/>
-              <a:t>fully-connected</a:t>
-            </a:r>
-            <a:r>
-              <a:rPr lang="es-ES" sz="2000" dirty="0" smtClean="0"/>
-              <a:t>.</a:t>
-            </a:r>
-          </a:p>
-          <a:p>
-            <a:pPr lvl="1">
-              <a:buFont typeface="Wingdings" panose="05000000000000000000" pitchFamily="2" charset="2"/>
-              <a:buChar char="§"/>
-            </a:pPr>
-            <a:endParaRPr lang="es-ES" sz="2000" dirty="0" smtClean="0"/>
-          </a:p>
-          <a:p>
-            <a:pPr lvl="1">
-              <a:buFont typeface="Wingdings" panose="05000000000000000000" pitchFamily="2" charset="2"/>
-              <a:buChar char="§"/>
-            </a:pPr>
-            <a:r>
-              <a:rPr lang="es-ES" sz="2000" i="1" dirty="0" err="1" smtClean="0"/>
-              <a:t>TinyPilotNet</a:t>
-            </a:r>
-            <a:r>
-              <a:rPr lang="es-ES" sz="2000" dirty="0" smtClean="0"/>
-              <a:t>: 2 capas </a:t>
-            </a:r>
-            <a:r>
-              <a:rPr lang="es-ES" sz="2000" dirty="0" err="1" smtClean="0"/>
-              <a:t>convolucionales</a:t>
-            </a:r>
-            <a:r>
-              <a:rPr lang="es-ES" sz="2000" dirty="0" smtClean="0"/>
-              <a:t>, capa </a:t>
-            </a:r>
-            <a:r>
-              <a:rPr lang="es-ES" sz="2000" dirty="0" err="1" smtClean="0"/>
-              <a:t>dropout</a:t>
-            </a:r>
-            <a:r>
-              <a:rPr lang="es-ES" sz="2000" dirty="0" smtClean="0"/>
-              <a:t>, 2 capas </a:t>
-            </a:r>
-            <a:r>
-              <a:rPr lang="es-ES" sz="2000" dirty="0" err="1" smtClean="0"/>
-              <a:t>fully-connected</a:t>
-            </a:r>
-            <a:r>
-              <a:rPr lang="es-ES" sz="2000" dirty="0" smtClean="0"/>
-              <a:t>.</a:t>
-            </a:r>
-          </a:p>
-          <a:p>
-            <a:pPr lvl="1">
-              <a:buFont typeface="Wingdings" panose="05000000000000000000" pitchFamily="2" charset="2"/>
-              <a:buChar char="§"/>
-            </a:pPr>
-            <a:endParaRPr lang="es-ES" sz="2000" dirty="0" smtClean="0"/>
-          </a:p>
-          <a:p>
-            <a:pPr lvl="1">
-              <a:buFont typeface="Wingdings" panose="05000000000000000000" pitchFamily="2" charset="2"/>
-              <a:buChar char="§"/>
-            </a:pPr>
-            <a:r>
-              <a:rPr lang="es-ES" sz="2000" i="1" dirty="0" smtClean="0"/>
-              <a:t>LSTM-</a:t>
-            </a:r>
-            <a:r>
-              <a:rPr lang="es-ES" sz="2000" i="1" dirty="0" err="1" smtClean="0"/>
-              <a:t>TinyPilotnet</a:t>
-            </a:r>
-            <a:r>
-              <a:rPr lang="es-ES" sz="2000" dirty="0"/>
-              <a:t>: </a:t>
-            </a:r>
-            <a:r>
-              <a:rPr lang="es-ES" sz="2000" dirty="0" smtClean="0"/>
-              <a:t>3 </a:t>
-            </a:r>
-            <a:r>
-              <a:rPr lang="es-ES" sz="2000" dirty="0"/>
-              <a:t>capas </a:t>
-            </a:r>
-            <a:r>
-              <a:rPr lang="es-ES" sz="2000" dirty="0" err="1"/>
-              <a:t>convolucionales</a:t>
-            </a:r>
-            <a:r>
-              <a:rPr lang="es-ES" sz="2000" dirty="0"/>
-              <a:t>, capa </a:t>
-            </a:r>
-            <a:r>
-              <a:rPr lang="es-ES" sz="2000" dirty="0" smtClean="0"/>
-              <a:t>ConvLSTM2D, 1 capa </a:t>
-            </a:r>
-            <a:r>
-              <a:rPr lang="es-ES" sz="2000" dirty="0" err="1" smtClean="0"/>
-              <a:t>convolucional</a:t>
-            </a:r>
-            <a:r>
-              <a:rPr lang="es-ES" sz="2000" dirty="0" smtClean="0"/>
-              <a:t>, 1 capa </a:t>
-            </a:r>
-            <a:r>
-              <a:rPr lang="es-ES" sz="2000" dirty="0" err="1" smtClean="0"/>
-              <a:t>fully-connected</a:t>
-            </a:r>
-            <a:r>
-              <a:rPr lang="es-ES" sz="2000" dirty="0" smtClean="0"/>
-              <a:t>.</a:t>
-            </a:r>
-          </a:p>
-          <a:p>
-            <a:pPr lvl="1">
-              <a:buFont typeface="Wingdings" panose="05000000000000000000" pitchFamily="2" charset="2"/>
-              <a:buChar char="§"/>
-            </a:pPr>
-            <a:endParaRPr lang="es-ES" sz="2000" dirty="0" smtClean="0"/>
-          </a:p>
-          <a:p>
-            <a:pPr lvl="1">
-              <a:buFont typeface="Wingdings" panose="05000000000000000000" pitchFamily="2" charset="2"/>
-              <a:buChar char="§"/>
-            </a:pPr>
-            <a:r>
-              <a:rPr lang="es-ES" sz="2000" i="1" dirty="0" err="1" smtClean="0"/>
-              <a:t>DeepestLSTM-TinyPilotNet</a:t>
-            </a:r>
-            <a:r>
-              <a:rPr lang="es-ES" sz="2000" dirty="0" smtClean="0"/>
-              <a:t>: </a:t>
-            </a:r>
-            <a:r>
-              <a:rPr lang="es-ES" sz="2000" dirty="0"/>
-              <a:t>3 capas </a:t>
-            </a:r>
-            <a:r>
-              <a:rPr lang="es-ES" sz="2000" dirty="0" err="1" smtClean="0"/>
-              <a:t>convolucionales</a:t>
-            </a:r>
-            <a:r>
-              <a:rPr lang="es-ES" sz="2000" dirty="0" smtClean="0"/>
-              <a:t>, 3 capas ConvLSTM2D, </a:t>
-            </a:r>
-            <a:r>
-              <a:rPr lang="es-ES" sz="2000" dirty="0"/>
-              <a:t>2 capas </a:t>
-            </a:r>
-            <a:r>
-              <a:rPr lang="es-ES" sz="2000" dirty="0" err="1"/>
-              <a:t>fully-connected</a:t>
-            </a:r>
-            <a:r>
-              <a:rPr lang="es-ES" sz="2000" dirty="0"/>
-              <a:t>.</a:t>
-            </a:r>
-            <a:endParaRPr lang="es-ES" sz="2000" i="1" dirty="0" smtClean="0"/>
-          </a:p>
-          <a:p>
-            <a:pPr marL="457200" lvl="1" indent="0">
-              <a:buNone/>
-            </a:pPr>
-            <a:endParaRPr lang="es-ES" sz="2000" dirty="0" smtClean="0"/>
-          </a:p>
-          <a:p>
-            <a:pPr marL="457200" lvl="1" indent="0">
-              <a:buNone/>
-            </a:pPr>
-            <a:endParaRPr lang="es-ES" sz="2000" dirty="0" smtClean="0"/>
-          </a:p>
-          <a:p>
-            <a:pPr marL="457200" lvl="1" indent="0">
-              <a:buNone/>
-            </a:pPr>
-            <a:endParaRPr lang="es-ES" sz="2400" dirty="0" smtClean="0"/>
-          </a:p>
-        </p:txBody>
-      </p:sp>
       <p:cxnSp>
         <p:nvCxnSpPr>
           <p:cNvPr id="4" name="3 Conector recto"/>
@@ -5758,7 +5649,7 @@
           <a:p>
             <a:r>
               <a:rPr lang="es-ES" dirty="0" smtClean="0"/>
-              <a:t>14/22</a:t>
+              <a:t>14/21</a:t>
             </a:r>
             <a:endParaRPr lang="es-ES" dirty="0"/>
           </a:p>
@@ -5833,10 +5724,159 @@
           </a:p>
         </p:txBody>
       </p:sp>
+      <p:sp>
+        <p:nvSpPr>
+          <p:cNvPr id="8" name="7 CuadroTexto"/>
+          <p:cNvSpPr txBox="1"/>
+          <p:nvPr/>
+        </p:nvSpPr>
+        <p:spPr>
+          <a:xfrm>
+            <a:off x="3308577" y="1807326"/>
+            <a:ext cx="2526846" cy="861774"/>
+          </a:xfrm>
+          <a:prstGeom prst="rect">
+            <a:avLst/>
+          </a:prstGeom>
+          <a:noFill/>
+        </p:spPr>
+        <p:txBody>
+          <a:bodyPr wrap="none" rtlCol="0">
+            <a:spAutoFit/>
+          </a:bodyPr>
+          <a:lstStyle/>
+          <a:p>
+            <a:r>
+              <a:rPr lang="es-ES" sz="3200" b="1" dirty="0" smtClean="0">
+                <a:solidFill>
+                  <a:srgbClr val="586E2C"/>
+                </a:solidFill>
+              </a:rPr>
+              <a:t>Experimentos</a:t>
+            </a:r>
+            <a:endParaRPr lang="es-ES" sz="3200" dirty="0"/>
+          </a:p>
+          <a:p>
+            <a:endParaRPr lang="es-ES" dirty="0"/>
+          </a:p>
+        </p:txBody>
+      </p:sp>
+      <p:sp>
+        <p:nvSpPr>
+          <p:cNvPr id="9" name="2 Marcador de contenido"/>
+          <p:cNvSpPr>
+            <a:spLocks noGrp="1"/>
+          </p:cNvSpPr>
+          <p:nvPr>
+            <p:ph idx="1"/>
+          </p:nvPr>
+        </p:nvSpPr>
+        <p:spPr>
+          <a:xfrm>
+            <a:off x="881755" y="2669100"/>
+            <a:ext cx="7996960" cy="3777283"/>
+          </a:xfrm>
+        </p:spPr>
+        <p:txBody>
+          <a:bodyPr>
+            <a:normAutofit/>
+          </a:bodyPr>
+          <a:lstStyle/>
+          <a:p>
+            <a:pPr>
+              <a:buFont typeface="Wingdings" panose="05000000000000000000" pitchFamily="2" charset="2"/>
+              <a:buChar char="§"/>
+            </a:pPr>
+            <a:r>
+              <a:rPr lang="es-ES" sz="2400" dirty="0"/>
+              <a:t>Buenos resultados en </a:t>
+            </a:r>
+            <a:r>
+              <a:rPr lang="es-ES" sz="2400" dirty="0" smtClean="0"/>
+              <a:t>métricas neuronales </a:t>
+            </a:r>
+            <a:r>
+              <a:rPr lang="es-ES" sz="2400" dirty="0"/>
+              <a:t>no implican buen rendimiento</a:t>
+            </a:r>
+            <a:r>
+              <a:rPr lang="es-ES" sz="2400" dirty="0" smtClean="0"/>
+              <a:t>.</a:t>
+            </a:r>
+          </a:p>
+          <a:p>
+            <a:pPr marL="0" indent="0">
+              <a:buNone/>
+            </a:pPr>
+            <a:endParaRPr lang="es-ES" sz="2400" dirty="0" smtClean="0"/>
+          </a:p>
+          <a:p>
+            <a:pPr>
+              <a:buFont typeface="Wingdings" panose="05000000000000000000" pitchFamily="2" charset="2"/>
+              <a:buChar char="§"/>
+            </a:pPr>
+            <a:r>
+              <a:rPr lang="es-ES" sz="2400" dirty="0"/>
+              <a:t>Comparativa entre redes de </a:t>
+            </a:r>
+            <a:r>
+              <a:rPr lang="es-ES" sz="2400" dirty="0" smtClean="0"/>
+              <a:t>regresión</a:t>
+            </a:r>
+            <a:r>
+              <a:rPr lang="es-ES" sz="2400" dirty="0"/>
+              <a:t>:</a:t>
+            </a:r>
+            <a:endParaRPr lang="es-ES" sz="2400" dirty="0" smtClean="0"/>
+          </a:p>
+          <a:p>
+            <a:pPr lvl="1">
+              <a:buFont typeface="Wingdings" panose="05000000000000000000" pitchFamily="2" charset="2"/>
+              <a:buChar char="§"/>
+            </a:pPr>
+            <a:r>
+              <a:rPr lang="es-ES" sz="2000" dirty="0"/>
+              <a:t>Redes profundas mejoran el resultado</a:t>
+            </a:r>
+            <a:r>
+              <a:rPr lang="es-ES" sz="2000" dirty="0" smtClean="0"/>
+              <a:t>.</a:t>
+            </a:r>
+          </a:p>
+          <a:p>
+            <a:pPr lvl="1">
+              <a:buFont typeface="Wingdings" panose="05000000000000000000" pitchFamily="2" charset="2"/>
+              <a:buChar char="§"/>
+            </a:pPr>
+            <a:r>
+              <a:rPr lang="es-ES" sz="2000" dirty="0"/>
+              <a:t>Conducción más suave con </a:t>
+            </a:r>
+            <a:r>
+              <a:rPr lang="es-ES" sz="2000" dirty="0" smtClean="0"/>
+              <a:t>ConvLSTM2D.</a:t>
+            </a:r>
+            <a:endParaRPr lang="es-ES" sz="2000" dirty="0"/>
+          </a:p>
+          <a:p>
+            <a:pPr marL="457200" lvl="1" indent="0">
+              <a:buNone/>
+            </a:pPr>
+            <a:endParaRPr lang="es-ES" sz="2000" dirty="0" smtClean="0"/>
+          </a:p>
+          <a:p>
+            <a:pPr>
+              <a:buFont typeface="Wingdings" panose="05000000000000000000" pitchFamily="2" charset="2"/>
+              <a:buChar char="§"/>
+            </a:pPr>
+            <a:endParaRPr lang="es-ES" sz="2400" dirty="0" smtClean="0"/>
+          </a:p>
+        </p:txBody>
+      </p:sp>
     </p:spTree>
     <p:extLst>
       <p:ext uri="{BB962C8B-B14F-4D97-AF65-F5344CB8AC3E}">
-        <p14:creationId xmlns:p14="http://schemas.microsoft.com/office/powerpoint/2010/main" val="1313479655"/>
+        <p14:creationId xmlns:p14="http://schemas.microsoft.com/office/powerpoint/2010/main" val="3454405336"/>
       </p:ext>
     </p:extLst>
   </p:cSld>
@@ -5947,7 +5987,7 @@
           <a:p>
             <a:r>
               <a:rPr lang="es-ES" dirty="0" smtClean="0"/>
-              <a:t>15/22</a:t>
+              <a:t>15/21</a:t>
             </a:r>
             <a:endParaRPr lang="es-ES" dirty="0"/>
           </a:p>
@@ -6059,122 +6099,79 @@
           </a:p>
         </p:txBody>
       </p:sp>
-      <p:sp>
-        <p:nvSpPr>
-          <p:cNvPr id="9" name="2 Marcador de contenido"/>
-          <p:cNvSpPr>
-            <a:spLocks noGrp="1"/>
-          </p:cNvSpPr>
-          <p:nvPr>
-            <p:ph idx="1"/>
-          </p:nvPr>
-        </p:nvSpPr>
-        <p:spPr>
-          <a:xfrm>
-            <a:off x="881755" y="2669100"/>
-            <a:ext cx="7996960" cy="3777283"/>
-          </a:xfrm>
-        </p:spPr>
-        <p:txBody>
-          <a:bodyPr>
-            <a:normAutofit/>
+      <p:pic>
+        <p:nvPicPr>
+          <p:cNvPr id="3" name="Imagen 2"/>
+          <p:cNvPicPr>
+            <a:picLocks noChangeAspect="1"/>
+          </p:cNvPicPr>
+          <p:nvPr/>
+        </p:nvPicPr>
+        <p:blipFill>
+          <a:blip r:embed="rId4"/>
+          <a:stretch>
+            <a:fillRect/>
+          </a:stretch>
+        </p:blipFill>
+        <p:spPr>
+          <a:xfrm>
+            <a:off x="453779" y="2642987"/>
+            <a:ext cx="8201598" cy="3064156"/>
+          </a:xfrm>
+          <a:prstGeom prst="rect">
+            <a:avLst/>
+          </a:prstGeom>
+        </p:spPr>
+      </p:pic>
+      <p:sp>
+        <p:nvSpPr>
+          <p:cNvPr id="9" name="CuadroTexto 8"/>
+          <p:cNvSpPr txBox="1"/>
+          <p:nvPr/>
+        </p:nvSpPr>
+        <p:spPr>
+          <a:xfrm>
+            <a:off x="1043608" y="5792018"/>
+            <a:ext cx="6933629" cy="338554"/>
+          </a:xfrm>
+          <a:prstGeom prst="rect">
+            <a:avLst/>
+          </a:prstGeom>
+          <a:noFill/>
+        </p:spPr>
+        <p:txBody>
+          <a:bodyPr wrap="none" rtlCol="0">
+            <a:spAutoFit/>
           </a:bodyPr>
           <a:lstStyle/>
           <a:p>
-            <a:pPr>
-              <a:buFont typeface="Wingdings" panose="05000000000000000000" pitchFamily="2" charset="2"/>
-              <a:buChar char="§"/>
-            </a:pPr>
-            <a:r>
-              <a:rPr lang="es-ES" sz="2400" dirty="0"/>
-              <a:t>Buenos resultados en </a:t>
-            </a:r>
-            <a:r>
-              <a:rPr lang="es-ES" sz="2400" dirty="0" smtClean="0"/>
-              <a:t>métricas neuronales </a:t>
-            </a:r>
-            <a:r>
-              <a:rPr lang="es-ES" sz="2400" dirty="0"/>
-              <a:t>no implican buen rendimiento</a:t>
-            </a:r>
-            <a:r>
-              <a:rPr lang="es-ES" sz="2400" dirty="0" smtClean="0"/>
-              <a:t>.</a:t>
-            </a:r>
-          </a:p>
-          <a:p>
-            <a:pPr marL="0" indent="0">
-              <a:buNone/>
-            </a:pPr>
-            <a:endParaRPr lang="es-ES" sz="2400" dirty="0" smtClean="0"/>
-          </a:p>
-          <a:p>
-            <a:pPr>
-              <a:buFont typeface="Wingdings" panose="05000000000000000000" pitchFamily="2" charset="2"/>
-              <a:buChar char="§"/>
-            </a:pPr>
-            <a:r>
-              <a:rPr lang="es-ES" sz="2400" dirty="0"/>
-              <a:t>Comparativa entre redes de </a:t>
-            </a:r>
-            <a:r>
-              <a:rPr lang="es-ES" sz="2400" dirty="0" smtClean="0"/>
-              <a:t>regresión</a:t>
-            </a:r>
-            <a:r>
-              <a:rPr lang="es-ES" sz="2400" dirty="0"/>
-              <a:t>:</a:t>
-            </a:r>
-            <a:endParaRPr lang="es-ES" sz="2400" dirty="0" smtClean="0"/>
-          </a:p>
-          <a:p>
-            <a:pPr lvl="1">
-              <a:buFont typeface="Wingdings" panose="05000000000000000000" pitchFamily="2" charset="2"/>
-              <a:buChar char="§"/>
-            </a:pPr>
-            <a:r>
-              <a:rPr lang="es-ES" sz="2000" dirty="0"/>
-              <a:t>Redes profundas mejoran el resultado</a:t>
-            </a:r>
-            <a:r>
-              <a:rPr lang="es-ES" sz="2000" dirty="0" smtClean="0"/>
-              <a:t>.</a:t>
-            </a:r>
-          </a:p>
-          <a:p>
-            <a:pPr lvl="1">
-              <a:buFont typeface="Wingdings" panose="05000000000000000000" pitchFamily="2" charset="2"/>
-              <a:buChar char="§"/>
-            </a:pPr>
-            <a:r>
-              <a:rPr lang="es-ES" sz="2000" dirty="0"/>
-              <a:t>Conducción más suave con </a:t>
-            </a:r>
-            <a:r>
-              <a:rPr lang="es-ES" sz="2000" dirty="0" smtClean="0"/>
-              <a:t>ConvLSTM2D.</a:t>
-            </a:r>
-            <a:endParaRPr lang="es-ES" sz="2000" dirty="0"/>
-          </a:p>
-          <a:p>
-            <a:pPr marL="457200" lvl="1" indent="0">
-              <a:buNone/>
-            </a:pPr>
-            <a:endParaRPr lang="es-ES" sz="2000" dirty="0" smtClean="0"/>
-          </a:p>
-          <a:p>
-            <a:pPr>
-              <a:buFont typeface="Wingdings" panose="05000000000000000000" pitchFamily="2" charset="2"/>
-              <a:buChar char="§"/>
-            </a:pPr>
-            <a:endParaRPr lang="es-ES" sz="2400" dirty="0" smtClean="0"/>
+            <a:r>
+              <a:rPr lang="es-ES" sz="1600" i="1" dirty="0"/>
+              <a:t>Resultados de </a:t>
+            </a:r>
+            <a:r>
+              <a:rPr lang="es-ES" sz="1600" i="1" dirty="0" smtClean="0"/>
+              <a:t>conducción </a:t>
+            </a:r>
+            <a:r>
+              <a:rPr lang="es-ES" sz="1600" i="1" dirty="0"/>
+              <a:t>con redes neuronales de </a:t>
+            </a:r>
+            <a:r>
+              <a:rPr lang="es-ES" sz="1600" i="1" dirty="0" smtClean="0"/>
+              <a:t>regresión </a:t>
+            </a:r>
+            <a:r>
+              <a:rPr lang="es-ES" sz="1600" i="1" dirty="0"/>
+              <a:t>(imagen completa)</a:t>
+            </a:r>
           </a:p>
         </p:txBody>
       </p:sp>
     </p:spTree>
     <p:extLst>
       <p:ext uri="{BB962C8B-B14F-4D97-AF65-F5344CB8AC3E}">
-        <p14:creationId xmlns:p14="http://schemas.microsoft.com/office/powerpoint/2010/main" val="3454405336"/>
+        <p14:creationId xmlns:p14="http://schemas.microsoft.com/office/powerpoint/2010/main" val="4234291143"/>
       </p:ext>
     </p:extLst>
   </p:cSld>
@@ -6285,7 +6282,7 @@
           <a:p>
             <a:r>
               <a:rPr lang="es-ES" dirty="0" smtClean="0"/>
-              <a:t>16/22</a:t>
+              <a:t>16/21</a:t>
             </a:r>
             <a:endParaRPr lang="es-ES" dirty="0"/>
           </a:p>
@@ -6368,7 +6365,7 @@
         </p:nvSpPr>
         <p:spPr>
           <a:xfrm>
-            <a:off x="3308577" y="1807326"/>
+            <a:off x="3275856" y="1480697"/>
             <a:ext cx="2526846" cy="861774"/>
           </a:xfrm>
           <a:prstGeom prst="rect">
@@ -6397,9 +6394,65 @@
           </a:p>
         </p:txBody>
       </p:sp>
+      <p:sp>
+        <p:nvSpPr>
+          <p:cNvPr id="9" name="2 Marcador de contenido"/>
+          <p:cNvSpPr>
+            <a:spLocks noGrp="1"/>
+          </p:cNvSpPr>
+          <p:nvPr>
+            <p:ph idx="1"/>
+          </p:nvPr>
+        </p:nvSpPr>
+        <p:spPr>
+          <a:xfrm>
+            <a:off x="858029" y="2194990"/>
+            <a:ext cx="7996960" cy="3777283"/>
+          </a:xfrm>
+        </p:spPr>
+        <p:txBody>
+          <a:bodyPr>
+            <a:normAutofit/>
+          </a:bodyPr>
+          <a:lstStyle/>
+          <a:p>
+            <a:pPr>
+              <a:buFont typeface="Wingdings" panose="05000000000000000000" pitchFamily="2" charset="2"/>
+              <a:buChar char="§"/>
+            </a:pPr>
+            <a:r>
+              <a:rPr lang="es-ES" sz="2400" dirty="0" smtClean="0"/>
+              <a:t>Imágenes de distintas dimensiones:</a:t>
+            </a:r>
+          </a:p>
+          <a:p>
+            <a:pPr lvl="1">
+              <a:buFont typeface="Wingdings" panose="05000000000000000000" pitchFamily="2" charset="2"/>
+              <a:buChar char="§"/>
+            </a:pPr>
+            <a:r>
+              <a:rPr lang="es-ES" sz="2000" dirty="0"/>
+              <a:t>La imagen </a:t>
+            </a:r>
+            <a:r>
+              <a:rPr lang="es-ES" sz="2000" dirty="0" smtClean="0"/>
+              <a:t>completa </a:t>
+            </a:r>
+            <a:r>
+              <a:rPr lang="es-ES" sz="2000" dirty="0"/>
+              <a:t>mejora el rendimiento</a:t>
+            </a:r>
+            <a:r>
+              <a:rPr lang="es-ES" sz="2000" dirty="0" smtClean="0"/>
+              <a:t>.</a:t>
+            </a:r>
+            <a:endParaRPr lang="es-ES" sz="2400" dirty="0" smtClean="0"/>
+          </a:p>
+        </p:txBody>
+      </p:sp>
       <p:pic>
         <p:nvPicPr>
-          <p:cNvPr id="3" name="Imagen 2"/>
+          <p:cNvPr id="2" name="Imagen 1"/>
           <p:cNvPicPr>
             <a:picLocks noChangeAspect="1"/>
           </p:cNvPicPr>
@@ -6413,8 +6466,8 @@
         </p:blipFill>
         <p:spPr>
           <a:xfrm>
-            <a:off x="453779" y="2642987"/>
-            <a:ext cx="8201598" cy="3064156"/>
+            <a:off x="755576" y="3177400"/>
+            <a:ext cx="7146629" cy="2778709"/>
           </a:xfrm>
           <a:prstGeom prst="rect">
             <a:avLst/>
@@ -6423,14 +6476,14 @@
       </p:pic>
       <p:sp>
         <p:nvSpPr>
-          <p:cNvPr id="9" name="CuadroTexto 8"/>
+          <p:cNvPr id="10" name="CuadroTexto 9"/>
           <p:cNvSpPr txBox="1"/>
           <p:nvPr/>
         </p:nvSpPr>
         <p:spPr>
           <a:xfrm>
-            <a:off x="1043608" y="5792018"/>
-            <a:ext cx="6933629" cy="338554"/>
+            <a:off x="1037493" y="6050333"/>
+            <a:ext cx="6854569" cy="338554"/>
           </a:xfrm>
           <a:prstGeom prst="rect">
             <a:avLst/>
@@ -6461,15 +6514,20 @@
             </a:r>
             <a:r>
               <a:rPr lang="es-ES" sz="1600" i="1" dirty="0"/>
-              <a:t>(imagen completa)</a:t>
-            </a:r>
+              <a:t>(imagen </a:t>
+            </a:r>
+            <a:r>
+              <a:rPr lang="es-ES" sz="1600" i="1" dirty="0" smtClean="0"/>
+              <a:t>recortada)</a:t>
+            </a:r>
+            <a:endParaRPr lang="es-ES" sz="1600" i="1" dirty="0"/>
           </a:p>
         </p:txBody>
       </p:sp>
     </p:spTree>
     <p:extLst>
       <p:ext uri="{BB962C8B-B14F-4D97-AF65-F5344CB8AC3E}">
-        <p14:creationId xmlns:p14="http://schemas.microsoft.com/office/powerpoint/2010/main" val="4234291143"/>
+        <p14:creationId xmlns:p14="http://schemas.microsoft.com/office/powerpoint/2010/main" val="1898978955"/>
       </p:ext>
     </p:extLst>
   </p:cSld>
@@ -6580,7 +6638,7 @@
           <a:p>
             <a:r>
               <a:rPr lang="es-ES" dirty="0" smtClean="0"/>
-              <a:t>17/22</a:t>
+              <a:t>17/21</a:t>
             </a:r>
             <a:endParaRPr lang="es-ES" dirty="0"/>
           </a:p>
@@ -6663,7 +6721,7 @@
         </p:nvSpPr>
         <p:spPr>
           <a:xfrm>
-            <a:off x="3275856" y="1480697"/>
+            <a:off x="3308577" y="1807326"/>
             <a:ext cx="2526846" cy="861774"/>
           </a:xfrm>
           <a:prstGeom prst="rect">
@@ -6704,7 +6762,7 @@
         </p:nvSpPr>
         <p:spPr>
           <a:xfrm>
-            <a:off x="858029" y="2194990"/>
+            <a:off x="881755" y="2669100"/>
             <a:ext cx="7996960" cy="3777283"/>
           </a:xfrm>
         </p:spPr>
@@ -6719,8 +6777,12 @@
               <a:buChar char="§"/>
             </a:pPr>
             <a:r>
+              <a:rPr lang="es-ES" sz="2400" dirty="0"/>
+              <a:t>Tipo de imagen de entrada</a:t>
+            </a:r>
+            <a:r>
               <a:rPr lang="es-ES" sz="2400" dirty="0" smtClean="0"/>
-              <a:t>Imágenes de distintas dimensiones:</a:t>
+              <a:t>:</a:t>
             </a:r>
           </a:p>
           <a:p>
@@ -6729,103 +6791,182 @@
               <a:buChar char="§"/>
             </a:pPr>
             <a:r>
+              <a:rPr lang="es-ES" sz="2000" dirty="0" smtClean="0"/>
+              <a:t>Creación de imagen temporal.</a:t>
+            </a:r>
+          </a:p>
+          <a:p>
+            <a:pPr lvl="1">
+              <a:buFont typeface="Wingdings" panose="05000000000000000000" pitchFamily="2" charset="2"/>
+              <a:buChar char="§"/>
+            </a:pPr>
+            <a:endParaRPr lang="es-ES" sz="2000" dirty="0" smtClean="0"/>
+          </a:p>
+          <a:p>
+            <a:pPr lvl="1">
+              <a:buFont typeface="Wingdings" panose="05000000000000000000" pitchFamily="2" charset="2"/>
+              <a:buChar char="§"/>
+            </a:pPr>
+            <a:r>
+              <a:rPr lang="es-ES" sz="2000" dirty="0" smtClean="0"/>
+              <a:t>Imagen </a:t>
+            </a:r>
+            <a:r>
               <a:rPr lang="es-ES" sz="2000" dirty="0"/>
-              <a:t>La imagen </a:t>
+              <a:t>apilada (</a:t>
+            </a:r>
+            <a:r>
+              <a:rPr lang="es-ES" sz="2000" i="1" dirty="0" err="1"/>
+              <a:t>PilotNet</a:t>
+            </a:r>
+            <a:r>
+              <a:rPr lang="es-ES" sz="2000" i="1" dirty="0"/>
+              <a:t> (</a:t>
+            </a:r>
+            <a:r>
+              <a:rPr lang="es-ES" sz="2000" i="1" dirty="0" err="1"/>
+              <a:t>stacked</a:t>
             </a:r>
             <a:r>
               <a:rPr lang="es-ES" sz="2000" dirty="0" smtClean="0"/>
-              <a:t>completa </a:t>
+              <a:t>)).</a:t>
+            </a:r>
+          </a:p>
+          <a:p>
+            <a:pPr lvl="1">
+              <a:buFont typeface="Wingdings" panose="05000000000000000000" pitchFamily="2" charset="2"/>
+              <a:buChar char="§"/>
+            </a:pPr>
+            <a:r>
+              <a:rPr lang="es-ES" sz="2000" dirty="0" smtClean="0"/>
+              <a:t>Imagen </a:t>
             </a:r>
             <a:r>
               <a:rPr lang="es-ES" sz="2000" dirty="0"/>
-              <a:t>mejora el rendimiento</a:t>
+              <a:t>diferencia (</a:t>
+            </a:r>
+            <a:r>
+              <a:rPr lang="es-ES" sz="2000" i="1" dirty="0"/>
+              <a:t>Temporal (</a:t>
+            </a:r>
+            <a:r>
+              <a:rPr lang="es-ES" sz="2000" i="1" dirty="0" err="1"/>
+              <a:t>dif</a:t>
+            </a:r>
+            <a:r>
+              <a:rPr lang="es-ES" sz="2000" i="1" dirty="0"/>
+              <a:t> </a:t>
+            </a:r>
+            <a:r>
+              <a:rPr lang="es-ES" sz="2000" i="1" dirty="0" smtClean="0"/>
+              <a:t>)</a:t>
             </a:r>
             <a:r>
               <a:rPr lang="es-ES" sz="2000" dirty="0" smtClean="0"/>
+              <a:t>)</a:t>
+            </a:r>
+            <a:r>
+              <a:rPr lang="es-ES" sz="2000" i="1" dirty="0"/>
               <a:t>.</a:t>
             </a:r>
+            <a:endParaRPr lang="es-ES" sz="2000" i="1" dirty="0" smtClean="0"/>
+          </a:p>
+          <a:p>
+            <a:pPr lvl="1">
+              <a:buFont typeface="Wingdings" panose="05000000000000000000" pitchFamily="2" charset="2"/>
+              <a:buChar char="§"/>
+            </a:pPr>
+            <a:r>
+              <a:rPr lang="es-ES" sz="2000" dirty="0"/>
+              <a:t>Imagen apilada-diferencia (</a:t>
+            </a:r>
+            <a:r>
+              <a:rPr lang="es-ES" sz="2000" i="1" dirty="0" err="1"/>
+              <a:t>PilotNet</a:t>
+            </a:r>
+            <a:r>
+              <a:rPr lang="es-ES" sz="2000" i="1" dirty="0"/>
+              <a:t> (</a:t>
+            </a:r>
+            <a:r>
+              <a:rPr lang="es-ES" sz="2000" i="1" dirty="0" err="1"/>
+              <a:t>stacked</a:t>
+            </a:r>
+            <a:r>
+              <a:rPr lang="es-ES" sz="2000" i="1" dirty="0"/>
+              <a:t>, </a:t>
+            </a:r>
+            <a:r>
+              <a:rPr lang="es-ES" sz="2000" i="1" dirty="0" err="1"/>
+              <a:t>dif</a:t>
+            </a:r>
+            <a:r>
+              <a:rPr lang="es-ES" sz="2000" i="1" dirty="0"/>
+              <a:t> </a:t>
+            </a:r>
+            <a:r>
+              <a:rPr lang="es-ES" sz="2000" i="1" dirty="0" smtClean="0"/>
+              <a:t>)</a:t>
+            </a:r>
+            <a:r>
+              <a:rPr lang="es-ES" sz="2000" dirty="0" smtClean="0"/>
+              <a:t>)</a:t>
+            </a:r>
+            <a:r>
+              <a:rPr lang="es-ES" sz="2000" i="1" dirty="0" smtClean="0"/>
+              <a:t>.</a:t>
+            </a:r>
+          </a:p>
+          <a:p>
+            <a:pPr marL="457200" lvl="1" indent="0">
+              <a:buNone/>
+            </a:pPr>
+            <a:endParaRPr lang="es-ES" sz="2000" dirty="0" smtClean="0"/>
+          </a:p>
+          <a:p>
+            <a:pPr lvl="1">
+              <a:buFont typeface="Wingdings" panose="05000000000000000000" pitchFamily="2" charset="2"/>
+              <a:buChar char="§"/>
+            </a:pPr>
+            <a:r>
+              <a:rPr lang="es-ES" sz="2000" dirty="0"/>
+              <a:t>Complejidad </a:t>
+            </a:r>
+            <a:r>
+              <a:rPr lang="es-ES" sz="2000" dirty="0" smtClean="0"/>
+              <a:t>al </a:t>
+            </a:r>
+            <a:r>
+              <a:rPr lang="es-ES" sz="2000" dirty="0"/>
+              <a:t>introducir temporalidad en imágenes.</a:t>
+            </a:r>
+          </a:p>
+          <a:p>
+            <a:pPr lvl="1">
+              <a:buFont typeface="Wingdings" panose="05000000000000000000" pitchFamily="2" charset="2"/>
+              <a:buChar char="§"/>
+            </a:pPr>
+            <a:endParaRPr lang="es-ES" sz="2000" dirty="0" smtClean="0"/>
+          </a:p>
+          <a:p>
+            <a:pPr marL="457200" lvl="1" indent="0">
+              <a:buNone/>
+            </a:pPr>
+            <a:endParaRPr lang="es-ES" sz="2000" dirty="0" smtClean="0"/>
+          </a:p>
+          <a:p>
+            <a:pPr>
+              <a:buFont typeface="Wingdings" panose="05000000000000000000" pitchFamily="2" charset="2"/>
+              <a:buChar char="§"/>
+            </a:pPr>
             <a:endParaRPr lang="es-ES" sz="2400" dirty="0" smtClean="0"/>
-          </a:p>
-        </p:txBody>
-      </p:sp>
-      <p:pic>
-        <p:nvPicPr>
-          <p:cNvPr id="2" name="Imagen 1"/>
-          <p:cNvPicPr>
-            <a:picLocks noChangeAspect="1"/>
-          </p:cNvPicPr>
-          <p:nvPr/>
-        </p:nvPicPr>
-        <p:blipFill>
-          <a:blip r:embed="rId4"/>
-          <a:stretch>
-            <a:fillRect/>
-          </a:stretch>
-        </p:blipFill>
-        <p:spPr>
-          <a:xfrm>
-            <a:off x="755576" y="3177400"/>
-            <a:ext cx="7146629" cy="2778709"/>
-          </a:xfrm>
-          <a:prstGeom prst="rect">
-            <a:avLst/>
-          </a:prstGeom>
-        </p:spPr>
-      </p:pic>
-      <p:sp>
-        <p:nvSpPr>
-          <p:cNvPr id="10" name="CuadroTexto 9"/>
-          <p:cNvSpPr txBox="1"/>
-          <p:nvPr/>
-        </p:nvSpPr>
-        <p:spPr>
-          <a:xfrm>
-            <a:off x="1037493" y="6050333"/>
-            <a:ext cx="6854569" cy="338554"/>
-          </a:xfrm>
-          <a:prstGeom prst="rect">
-            <a:avLst/>
-          </a:prstGeom>
-          <a:noFill/>
-        </p:spPr>
-        <p:txBody>
-          <a:bodyPr wrap="none" rtlCol="0">
-            <a:spAutoFit/>
-          </a:bodyPr>
-          <a:lstStyle/>
-          <a:p>
-            <a:r>
-              <a:rPr lang="es-ES" sz="1600" i="1" dirty="0"/>
-              <a:t>Resultados de </a:t>
-            </a:r>
-            <a:r>
-              <a:rPr lang="es-ES" sz="1600" i="1" dirty="0" smtClean="0"/>
-              <a:t>conducción </a:t>
-            </a:r>
-            <a:r>
-              <a:rPr lang="es-ES" sz="1600" i="1" dirty="0"/>
-              <a:t>con redes neuronales de </a:t>
-            </a:r>
-            <a:r>
-              <a:rPr lang="es-ES" sz="1600" i="1" dirty="0" smtClean="0"/>
-              <a:t>regresión </a:t>
-            </a:r>
-            <a:r>
-              <a:rPr lang="es-ES" sz="1600" i="1" dirty="0"/>
-              <a:t>(imagen </a:t>
-            </a:r>
-            <a:r>
-              <a:rPr lang="es-ES" sz="1600" i="1" dirty="0" smtClean="0"/>
-              <a:t>recortada)</a:t>
-            </a:r>
-            <a:endParaRPr lang="es-ES" sz="1600" i="1" dirty="0"/>
           </a:p>
         </p:txBody>
       </p:sp>
     </p:spTree>
     <p:extLst>
       <p:ext uri="{BB962C8B-B14F-4D97-AF65-F5344CB8AC3E}">
-        <p14:creationId xmlns:p14="http://schemas.microsoft.com/office/powerpoint/2010/main" val="1898978955"/>
+        <p14:creationId xmlns:p14="http://schemas.microsoft.com/office/powerpoint/2010/main" val="108250992"/>
       </p:ext>
     </p:extLst>
   </p:cSld>
@@ -6936,11 +7077,7 @@
           <a:p>
             <a:r>
               <a:rPr lang="es-ES" dirty="0" smtClean="0"/>
-              <a:t>18</a:t>
-            </a:r>
-            <a:r>
-              <a:rPr lang="es-ES" dirty="0" smtClean="0"/>
-              <a:t>/22</a:t>
+              <a:t>18/21</a:t>
             </a:r>
             <a:endParaRPr lang="es-ES" dirty="0"/>
           </a:p>
@@ -7023,7 +7160,7 @@
         </p:nvSpPr>
         <p:spPr>
           <a:xfrm>
-            <a:off x="3308577" y="1807326"/>
+            <a:off x="3308577" y="1577937"/>
             <a:ext cx="2526846" cy="861774"/>
           </a:xfrm>
           <a:prstGeom prst="rect">
@@ -7052,223 +7189,85 @@
           </a:p>
         </p:txBody>
       </p:sp>
-      <p:sp>
-        <p:nvSpPr>
-          <p:cNvPr id="9" name="2 Marcador de contenido"/>
-          <p:cNvSpPr>
-            <a:spLocks noGrp="1"/>
-          </p:cNvSpPr>
-          <p:nvPr>
-            <p:ph idx="1"/>
-          </p:nvPr>
-        </p:nvSpPr>
-        <p:spPr>
-          <a:xfrm>
-            <a:off x="881755" y="2669100"/>
-            <a:ext cx="7996960" cy="3777283"/>
-          </a:xfrm>
-        </p:spPr>
-        <p:txBody>
-          <a:bodyPr>
-            <a:normAutofit/>
+      <p:pic>
+        <p:nvPicPr>
+          <p:cNvPr id="3" name="Imagen 2"/>
+          <p:cNvPicPr>
+            <a:picLocks noChangeAspect="1"/>
+          </p:cNvPicPr>
+          <p:nvPr/>
+        </p:nvPicPr>
+        <p:blipFill>
+          <a:blip r:embed="rId4"/>
+          <a:stretch>
+            <a:fillRect/>
+          </a:stretch>
+        </p:blipFill>
+        <p:spPr>
+          <a:xfrm>
+            <a:off x="611560" y="2227249"/>
+            <a:ext cx="7592264" cy="3694901"/>
+          </a:xfrm>
+          <a:prstGeom prst="rect">
+            <a:avLst/>
+          </a:prstGeom>
+        </p:spPr>
+      </p:pic>
+      <p:sp>
+        <p:nvSpPr>
+          <p:cNvPr id="9" name="CuadroTexto 8"/>
+          <p:cNvSpPr txBox="1"/>
+          <p:nvPr/>
+        </p:nvSpPr>
+        <p:spPr>
+          <a:xfrm>
+            <a:off x="971600" y="5996797"/>
+            <a:ext cx="6520503" cy="584775"/>
+          </a:xfrm>
+          <a:prstGeom prst="rect">
+            <a:avLst/>
+          </a:prstGeom>
+          <a:noFill/>
+        </p:spPr>
+        <p:txBody>
+          <a:bodyPr wrap="none" rtlCol="0">
+            <a:spAutoFit/>
           </a:bodyPr>
           <a:lstStyle/>
           <a:p>
-            <a:pPr>
-              <a:buFont typeface="Wingdings" panose="05000000000000000000" pitchFamily="2" charset="2"/>
-              <a:buChar char="§"/>
-            </a:pPr>
-            <a:r>
-              <a:rPr lang="es-ES" sz="2400" dirty="0"/>
-              <a:t>Tipo de imagen de entrada</a:t>
-            </a:r>
-            <a:r>
-              <a:rPr lang="es-ES" sz="2400" dirty="0" smtClean="0"/>
-              <a:t>:</a:t>
-            </a:r>
-          </a:p>
-          <a:p>
-            <a:pPr lvl="1">
-              <a:buFont typeface="Wingdings" panose="05000000000000000000" pitchFamily="2" charset="2"/>
-              <a:buChar char="§"/>
-            </a:pPr>
-            <a:r>
-              <a:rPr lang="es-ES" sz="2000" dirty="0" smtClean="0"/>
-              <a:t>Creación de imagen temporal.</a:t>
-            </a:r>
-          </a:p>
-          <a:p>
-            <a:pPr lvl="1">
-              <a:buFont typeface="Wingdings" panose="05000000000000000000" pitchFamily="2" charset="2"/>
-              <a:buChar char="§"/>
-            </a:pPr>
-            <a:endParaRPr lang="es-ES" sz="2000" dirty="0" smtClean="0"/>
-          </a:p>
-          <a:p>
-            <a:pPr lvl="1">
-              <a:buFont typeface="Wingdings" panose="05000000000000000000" pitchFamily="2" charset="2"/>
-              <a:buChar char="§"/>
-            </a:pPr>
-            <a:r>
-              <a:rPr lang="es-ES" sz="2000" dirty="0" smtClean="0"/>
-              <a:t>Imagen </a:t>
-            </a:r>
-            <a:r>
-              <a:rPr lang="es-ES" sz="2000" dirty="0"/>
-              <a:t>apilada (</a:t>
-            </a:r>
-            <a:r>
-              <a:rPr lang="es-ES" sz="2000" i="1" dirty="0" err="1"/>
-              <a:t>PilotNet</a:t>
-            </a:r>
-            <a:r>
-              <a:rPr lang="es-ES" sz="2000" i="1" dirty="0"/>
-              <a:t> (</a:t>
-            </a:r>
-            <a:r>
-              <a:rPr lang="es-ES" sz="2000" i="1" dirty="0" err="1"/>
-              <a:t>stacked</a:t>
-            </a:r>
-            <a:r>
-              <a:rPr lang="es-ES" sz="2000" dirty="0" smtClean="0"/>
-              <a:t>)).</a:t>
-            </a:r>
-          </a:p>
-          <a:p>
-            <a:pPr lvl="1">
-              <a:buFont typeface="Wingdings" panose="05000000000000000000" pitchFamily="2" charset="2"/>
-              <a:buChar char="§"/>
-            </a:pPr>
-            <a:r>
-              <a:rPr lang="es-ES" sz="2000" dirty="0" smtClean="0"/>
-              <a:t>Imagen </a:t>
-            </a:r>
-            <a:r>
-              <a:rPr lang="es-ES" sz="2000" dirty="0"/>
-              <a:t>diferencia (</a:t>
-            </a:r>
-            <a:r>
-              <a:rPr lang="es-ES" sz="2000" i="1" dirty="0"/>
-              <a:t>Temporal (</a:t>
-            </a:r>
-            <a:r>
-              <a:rPr lang="es-ES" sz="2000" i="1" dirty="0" err="1"/>
-              <a:t>dif</a:t>
-            </a:r>
-            <a:r>
-              <a:rPr lang="es-ES" sz="2000" i="1" dirty="0"/>
-              <a:t> </a:t>
-            </a:r>
-            <a:r>
-              <a:rPr lang="es-ES" sz="2000" i="1" dirty="0" smtClean="0"/>
-              <a:t>)</a:t>
-            </a:r>
-            <a:r>
-              <a:rPr lang="es-ES" sz="2000" dirty="0" smtClean="0"/>
-              <a:t>)</a:t>
-            </a:r>
-            <a:r>
-              <a:rPr lang="es-ES" sz="2000" i="1" dirty="0"/>
-              <a:t>.</a:t>
-            </a:r>
-            <a:endParaRPr lang="es-ES" sz="2000" i="1" dirty="0" smtClean="0"/>
-          </a:p>
-          <a:p>
-            <a:pPr lvl="1">
-              <a:buFont typeface="Wingdings" panose="05000000000000000000" pitchFamily="2" charset="2"/>
-              <a:buChar char="§"/>
-            </a:pPr>
-            <a:r>
-              <a:rPr lang="es-ES" sz="2000" dirty="0"/>
-              <a:t>Imagen apilada-diferencia (</a:t>
-            </a:r>
-            <a:r>
-              <a:rPr lang="es-ES" sz="2000" i="1" dirty="0" err="1"/>
-              <a:t>PilotNet</a:t>
-            </a:r>
-            <a:r>
-              <a:rPr lang="es-ES" sz="2000" i="1" dirty="0"/>
-              <a:t> (</a:t>
-            </a:r>
-            <a:r>
-              <a:rPr lang="es-ES" sz="2000" i="1" dirty="0" err="1"/>
-              <a:t>stacked</a:t>
-            </a:r>
-            <a:r>
-              <a:rPr lang="es-ES" sz="2000" i="1" dirty="0"/>
-              <a:t>, </a:t>
-            </a:r>
-            <a:r>
-              <a:rPr lang="es-ES" sz="2000" i="1" dirty="0" err="1"/>
-              <a:t>dif</a:t>
-            </a:r>
-            <a:r>
-              <a:rPr lang="es-ES" sz="2000" i="1" dirty="0"/>
-              <a:t> </a:t>
-            </a:r>
-            <a:r>
-              <a:rPr lang="es-ES" sz="2000" i="1" dirty="0" smtClean="0"/>
-              <a:t>)</a:t>
-            </a:r>
-            <a:r>
-              <a:rPr lang="es-ES" sz="2000" dirty="0" smtClean="0"/>
-              <a:t>)</a:t>
-            </a:r>
-            <a:r>
-              <a:rPr lang="es-ES" sz="2000" i="1" dirty="0" smtClean="0"/>
-              <a:t>.</a:t>
-            </a:r>
-          </a:p>
-          <a:p>
-            <a:pPr marL="457200" lvl="1" indent="0">
-              <a:buNone/>
-            </a:pPr>
-            <a:endParaRPr lang="es-ES" sz="2000" dirty="0" smtClean="0"/>
-          </a:p>
-          <a:p>
-            <a:pPr lvl="1">
-              <a:buFont typeface="Wingdings" panose="05000000000000000000" pitchFamily="2" charset="2"/>
-              <a:buChar char="§"/>
-            </a:pPr>
-            <a:r>
-              <a:rPr lang="es-ES" sz="2000" dirty="0"/>
-              <a:t>Complejidad </a:t>
-            </a:r>
-            <a:r>
-              <a:rPr lang="es-ES" sz="2000" dirty="0" smtClean="0"/>
-              <a:t>al </a:t>
-            </a:r>
-            <a:r>
-              <a:rPr lang="es-ES" sz="2000" dirty="0"/>
-              <a:t>introducir temporalidad en imágenes.</a:t>
-            </a:r>
-          </a:p>
-          <a:p>
-            <a:pPr lvl="1">
-              <a:buFont typeface="Wingdings" panose="05000000000000000000" pitchFamily="2" charset="2"/>
-              <a:buChar char="§"/>
-            </a:pPr>
-            <a:endParaRPr lang="es-ES" sz="2000" dirty="0" smtClean="0"/>
-          </a:p>
-          <a:p>
-            <a:pPr marL="457200" lvl="1" indent="0">
-              <a:buNone/>
-            </a:pPr>
-            <a:endParaRPr lang="es-ES" sz="2000" dirty="0" smtClean="0"/>
-          </a:p>
-          <a:p>
-            <a:pPr>
-              <a:buFont typeface="Wingdings" panose="05000000000000000000" pitchFamily="2" charset="2"/>
-              <a:buChar char="§"/>
-            </a:pPr>
-            <a:endParaRPr lang="es-ES" sz="2400" dirty="0" smtClean="0"/>
+            <a:r>
+              <a:rPr lang="es-ES" sz="1600" i="1" dirty="0"/>
+              <a:t>Resultados de </a:t>
+            </a:r>
+            <a:r>
+              <a:rPr lang="es-ES" sz="1600" i="1" dirty="0" smtClean="0"/>
+              <a:t>conducción </a:t>
+            </a:r>
+            <a:r>
+              <a:rPr lang="es-ES" sz="1600" i="1" dirty="0"/>
+              <a:t>con redes neuronales de </a:t>
+            </a:r>
+            <a:r>
+              <a:rPr lang="es-ES" sz="1600" i="1" dirty="0" smtClean="0"/>
+              <a:t>regresión </a:t>
+            </a:r>
+            <a:r>
+              <a:rPr lang="es-ES" sz="1600" i="1" dirty="0"/>
+              <a:t>introduciendo</a:t>
+            </a:r>
+          </a:p>
+          <a:p>
+            <a:r>
+              <a:rPr lang="es-ES" sz="1600" i="1" dirty="0"/>
+              <a:t>temporalidad (imagen completa)</a:t>
+            </a:r>
           </a:p>
         </p:txBody>
       </p:sp>
     </p:spTree>
     <p:extLst>
       <p:ext uri="{BB962C8B-B14F-4D97-AF65-F5344CB8AC3E}">
-        <p14:creationId xmlns:p14="http://schemas.microsoft.com/office/powerpoint/2010/main" val="108250992"/>
+        <p14:creationId xmlns:p14="http://schemas.microsoft.com/office/powerpoint/2010/main" val="2655785732"/>
       </p:ext>
     </p:extLst>
   </p:cSld>
@@ -7436,7 +7435,7 @@
           <a:p>
             <a:r>
               <a:rPr lang="es-ES" dirty="0" smtClean="0"/>
-              <a:t>1/22</a:t>
+              <a:t>1/21</a:t>
             </a:r>
             <a:endParaRPr lang="es-ES" dirty="0"/>
           </a:p>
@@ -7569,6 +7568,178 @@
           <a:chExt cx="0" cy="0"/>
         </a:xfrm>
       </p:grpSpPr>
+      <p:sp>
+        <p:nvSpPr>
+          <p:cNvPr id="2" name="1 Título"/>
+          <p:cNvSpPr>
+            <a:spLocks noGrp="1"/>
+          </p:cNvSpPr>
+          <p:nvPr>
+            <p:ph type="title"/>
+          </p:nvPr>
+        </p:nvSpPr>
+        <p:spPr/>
+        <p:txBody>
+          <a:bodyPr/>
+          <a:lstStyle/>
+          <a:p>
+            <a:r>
+              <a:rPr lang="es-ES" dirty="0" smtClean="0">
+                <a:solidFill>
+                  <a:srgbClr val="0070C0"/>
+                </a:solidFill>
+              </a:rPr>
+              <a:t>Conclusiones</a:t>
+            </a:r>
+            <a:endParaRPr lang="es-ES" dirty="0"/>
+          </a:p>
+        </p:txBody>
+      </p:sp>
+      <p:sp>
+        <p:nvSpPr>
+          <p:cNvPr id="3" name="2 Marcador de contenido"/>
+          <p:cNvSpPr>
+            <a:spLocks noGrp="1"/>
+          </p:cNvSpPr>
+          <p:nvPr>
+            <p:ph idx="1"/>
+          </p:nvPr>
+        </p:nvSpPr>
+        <p:spPr>
+          <a:xfrm>
+            <a:off x="551447" y="2426598"/>
+            <a:ext cx="8229600" cy="3714403"/>
+          </a:xfrm>
+        </p:spPr>
+        <p:txBody>
+          <a:bodyPr>
+            <a:normAutofit/>
+          </a:bodyPr>
+          <a:lstStyle/>
+          <a:p>
+            <a:pPr>
+              <a:buFont typeface="Wingdings" panose="05000000000000000000" pitchFamily="2" charset="2"/>
+              <a:buChar char="§"/>
+            </a:pPr>
+            <a:r>
+              <a:rPr lang="es-ES" sz="2400" b="1" dirty="0" smtClean="0"/>
+              <a:t>Objetivo cumplido: </a:t>
+            </a:r>
+            <a:r>
+              <a:rPr lang="es-ES" sz="2400" dirty="0" smtClean="0"/>
+              <a:t>Estudio de redes neuronales para conducción autónoma en simulación.</a:t>
+            </a:r>
+          </a:p>
+          <a:p>
+            <a:pPr marL="0" indent="0">
+              <a:buNone/>
+            </a:pPr>
+            <a:endParaRPr lang="es-ES" sz="2400" dirty="0" smtClean="0"/>
+          </a:p>
+          <a:p>
+            <a:pPr>
+              <a:buFont typeface="Wingdings" panose="05000000000000000000" pitchFamily="2" charset="2"/>
+              <a:buChar char="§"/>
+            </a:pPr>
+            <a:r>
+              <a:rPr lang="es-ES" sz="2400" dirty="0"/>
+              <a:t>Aplicación de control visual</a:t>
+            </a:r>
+            <a:r>
+              <a:rPr lang="es-ES" sz="2400" dirty="0" smtClean="0"/>
+              <a:t>.</a:t>
+            </a:r>
+          </a:p>
+          <a:p>
+            <a:pPr>
+              <a:buFont typeface="Wingdings" panose="05000000000000000000" pitchFamily="2" charset="2"/>
+              <a:buChar char="§"/>
+            </a:pPr>
+            <a:r>
+              <a:rPr lang="es-ES" sz="2400" dirty="0"/>
+              <a:t>Creación de bases de datos propias</a:t>
+            </a:r>
+            <a:r>
+              <a:rPr lang="es-ES" sz="2400" dirty="0" smtClean="0"/>
+              <a:t>.</a:t>
+            </a:r>
+          </a:p>
+          <a:p>
+            <a:pPr>
+              <a:buFont typeface="Wingdings" panose="05000000000000000000" pitchFamily="2" charset="2"/>
+              <a:buChar char="§"/>
+            </a:pPr>
+            <a:r>
+              <a:rPr lang="es-ES" sz="2400" dirty="0"/>
+              <a:t>Estudio de redes neuronales </a:t>
+            </a:r>
+            <a:r>
+              <a:rPr lang="es-ES" sz="2400" dirty="0" err="1"/>
+              <a:t>convolucionales</a:t>
+            </a:r>
+            <a:r>
+              <a:rPr lang="es-ES" sz="2400" dirty="0"/>
+              <a:t> de clasificación</a:t>
+            </a:r>
+            <a:r>
+              <a:rPr lang="es-ES" sz="2400" dirty="0" smtClean="0"/>
+              <a:t>.</a:t>
+            </a:r>
+          </a:p>
+          <a:p>
+            <a:pPr>
+              <a:buFont typeface="Wingdings" panose="05000000000000000000" pitchFamily="2" charset="2"/>
+              <a:buChar char="§"/>
+            </a:pPr>
+            <a:r>
+              <a:rPr lang="es-ES" sz="2400" dirty="0"/>
+              <a:t>Estudio de redes neuronales </a:t>
+            </a:r>
+            <a:r>
+              <a:rPr lang="es-ES" sz="2400" dirty="0" err="1"/>
+              <a:t>convolucionales</a:t>
+            </a:r>
+            <a:r>
+              <a:rPr lang="es-ES" sz="2400" dirty="0"/>
+              <a:t> y recurrentes de regresión.</a:t>
+            </a:r>
+          </a:p>
+          <a:p>
+            <a:pPr>
+              <a:buFont typeface="Wingdings" panose="05000000000000000000" pitchFamily="2" charset="2"/>
+              <a:buChar char="§"/>
+            </a:pPr>
+            <a:endParaRPr lang="es-ES" sz="2400" dirty="0"/>
+          </a:p>
+          <a:p>
+            <a:pPr>
+              <a:buFont typeface="Wingdings" panose="05000000000000000000" pitchFamily="2" charset="2"/>
+              <a:buChar char="§"/>
+            </a:pPr>
+            <a:endParaRPr lang="es-ES" sz="2400" dirty="0"/>
+          </a:p>
+          <a:p>
+            <a:pPr>
+              <a:buFont typeface="Wingdings" panose="05000000000000000000" pitchFamily="2" charset="2"/>
+              <a:buChar char="§"/>
+            </a:pPr>
+            <a:endParaRPr lang="es-ES" sz="2400" dirty="0" smtClean="0"/>
+          </a:p>
+          <a:p>
+            <a:pPr>
+              <a:buFont typeface="Wingdings" panose="05000000000000000000" pitchFamily="2" charset="2"/>
+              <a:buChar char="§"/>
+            </a:pPr>
+            <a:endParaRPr lang="es-ES" sz="2400" dirty="0"/>
+          </a:p>
+          <a:p>
+            <a:pPr marL="0" indent="0">
+              <a:buNone/>
+            </a:pPr>
+            <a:endParaRPr lang="es-ES" sz="2400" dirty="0" smtClean="0"/>
+          </a:p>
+        </p:txBody>
+      </p:sp>
       <p:cxnSp>
         <p:nvCxnSpPr>
           <p:cNvPr id="4" name="3 Conector recto"/>
@@ -7629,36 +7800,9 @@
           </a:prstGeom>
         </p:spPr>
       </p:pic>
-      <p:sp>
-        <p:nvSpPr>
-          <p:cNvPr id="7" name="6 Marcador de número de diapositiva"/>
-          <p:cNvSpPr>
-            <a:spLocks noGrp="1"/>
-          </p:cNvSpPr>
-          <p:nvPr>
-            <p:ph type="sldNum" sz="quarter" idx="12"/>
-          </p:nvPr>
-        </p:nvSpPr>
-        <p:spPr/>
-        <p:txBody>
-          <a:bodyPr/>
-          <a:lstStyle/>
-          <a:p>
-            <a:r>
-              <a:rPr lang="es-ES" dirty="0" smtClean="0"/>
-              <a:t>19</a:t>
-            </a:r>
-            <a:r>
-              <a:rPr lang="es-ES" dirty="0" smtClean="0"/>
-              <a:t>/22</a:t>
-            </a:r>
-            <a:endParaRPr lang="es-ES" dirty="0"/>
-          </a:p>
-        </p:txBody>
-      </p:sp>
       <p:pic>
         <p:nvPicPr>
-          <p:cNvPr id="11" name="5 Imagen"/>
+          <p:cNvPr id="6" name="5 Imagen"/>
           <p:cNvPicPr>
             <a:picLocks noChangeAspect="1"/>
           </p:cNvPicPr>
@@ -7678,7 +7822,7 @@
         </p:blipFill>
         <p:spPr>
           <a:xfrm>
-            <a:off x="7322516" y="506571"/>
+            <a:off x="6880124" y="497064"/>
             <a:ext cx="1364284" cy="601890"/>
           </a:xfrm>
           <a:prstGeom prst="rect">
@@ -7688,53 +7832,41 @@
       </p:pic>
       <p:sp>
         <p:nvSpPr>
-          <p:cNvPr id="12" name="1 Título"/>
-          <p:cNvSpPr>
-            <a:spLocks noGrp="1"/>
-          </p:cNvSpPr>
-          <p:nvPr>
-            <p:ph type="title"/>
-          </p:nvPr>
-        </p:nvSpPr>
-        <p:spPr>
-          <a:xfrm>
-            <a:off x="457200" y="274638"/>
-            <a:ext cx="8229600" cy="1143000"/>
-          </a:xfrm>
-        </p:spPr>
-        <p:txBody>
-          <a:bodyPr>
-            <a:normAutofit/>
-          </a:bodyPr>
-          <a:lstStyle/>
-          <a:p>
-            <a:pPr algn="l"/>
-            <a:r>
-              <a:rPr lang="es-ES" dirty="0" smtClean="0">
-                <a:solidFill>
-                  <a:srgbClr val="0070C0"/>
-                </a:solidFill>
-              </a:rPr>
-              <a:t>             Redes de regresión </a:t>
-            </a:r>
-            <a:endParaRPr lang="es-ES" dirty="0">
-              <a:solidFill>
-                <a:srgbClr val="0070C0"/>
-              </a:solidFill>
-            </a:endParaRPr>
-          </a:p>
-        </p:txBody>
-      </p:sp>
-      <p:sp>
-        <p:nvSpPr>
-          <p:cNvPr id="8" name="7 CuadroTexto"/>
+          <p:cNvPr id="7" name="6 Marcador de número de diapositiva"/>
+          <p:cNvSpPr>
+            <a:spLocks noGrp="1"/>
+          </p:cNvSpPr>
+          <p:nvPr>
+            <p:ph type="sldNum" sz="quarter" idx="12"/>
+          </p:nvPr>
+        </p:nvSpPr>
+        <p:spPr/>
+        <p:txBody>
+          <a:bodyPr/>
+          <a:lstStyle/>
+          <a:p>
+            <a:r>
+              <a:rPr lang="es-ES" dirty="0" smtClean="0"/>
+              <a:t>19</a:t>
+            </a:r>
+            <a:r>
+              <a:rPr lang="es-ES" dirty="0" smtClean="0"/>
+              <a:t>/21</a:t>
+            </a:r>
+            <a:endParaRPr lang="es-ES" dirty="0"/>
+          </a:p>
+        </p:txBody>
+      </p:sp>
+      <p:sp>
+        <p:nvSpPr>
+          <p:cNvPr id="8" name="CuadroTexto 7"/>
           <p:cNvSpPr txBox="1"/>
           <p:nvPr/>
         </p:nvSpPr>
         <p:spPr>
           <a:xfrm>
-            <a:off x="3308577" y="1577937"/>
-            <a:ext cx="2526846" cy="861774"/>
+            <a:off x="3366380" y="1582778"/>
+            <a:ext cx="2411238" cy="861774"/>
           </a:xfrm>
           <a:prstGeom prst="rect">
             <a:avLst/>
@@ -7753,94 +7885,19 @@
                   <a:srgbClr val="586E2C"/>
                 </a:solidFill>
               </a:rPr>
-              <a:t>Experimentos</a:t>
+              <a:t>Conclusiones</a:t>
             </a:r>
             <a:endParaRPr lang="es-ES" sz="3200" dirty="0"/>
           </a:p>
           <a:p>
             <a:endParaRPr lang="es-ES" dirty="0"/>
-          </a:p>
-        </p:txBody>
-      </p:sp>
-      <p:pic>
-        <p:nvPicPr>
-          <p:cNvPr id="3" name="Imagen 2"/>
-          <p:cNvPicPr>
-            <a:picLocks noChangeAspect="1"/>
-          </p:cNvPicPr>
-          <p:nvPr/>
-        </p:nvPicPr>
-        <p:blipFill>
-          <a:blip r:embed="rId4"/>
-          <a:stretch>
-            <a:fillRect/>
-          </a:stretch>
-        </p:blipFill>
-        <p:spPr>
-          <a:xfrm>
-            <a:off x="611560" y="2227249"/>
-            <a:ext cx="7592264" cy="3694901"/>
-          </a:xfrm>
-          <a:prstGeom prst="rect">
-            <a:avLst/>
-          </a:prstGeom>
-        </p:spPr>
-      </p:pic>
-      <p:sp>
-        <p:nvSpPr>
-          <p:cNvPr id="9" name="CuadroTexto 8"/>
-          <p:cNvSpPr txBox="1"/>
-          <p:nvPr/>
-        </p:nvSpPr>
-        <p:spPr>
-          <a:xfrm>
-            <a:off x="971600" y="5996797"/>
-            <a:ext cx="6520503" cy="584775"/>
-          </a:xfrm>
-          <a:prstGeom prst="rect">
-            <a:avLst/>
-          </a:prstGeom>
-          <a:noFill/>
-        </p:spPr>
-        <p:txBody>
-          <a:bodyPr wrap="none" rtlCol="0">
-            <a:spAutoFit/>
-          </a:bodyPr>
-          <a:lstStyle/>
-          <a:p>
-            <a:r>
-              <a:rPr lang="es-ES" sz="1600" i="1" dirty="0"/>
-              <a:t>Resultados de </a:t>
-            </a:r>
-            <a:r>
-              <a:rPr lang="es-ES" sz="1600" i="1" dirty="0" smtClean="0"/>
-              <a:t>conducción </a:t>
-            </a:r>
-            <a:r>
-              <a:rPr lang="es-ES" sz="1600" i="1" dirty="0"/>
-              <a:t>con redes neuronales de </a:t>
-            </a:r>
-            <a:r>
-              <a:rPr lang="es-ES" sz="1600" i="1" dirty="0" smtClean="0"/>
-              <a:t>regresión </a:t>
-            </a:r>
-            <a:r>
-              <a:rPr lang="es-ES" sz="1600" i="1" dirty="0"/>
-              <a:t>introduciendo</a:t>
-            </a:r>
-          </a:p>
-          <a:p>
-            <a:r>
-              <a:rPr lang="es-ES" sz="1600" i="1" dirty="0"/>
-              <a:t>temporalidad (imagen completa)</a:t>
-            </a:r>
           </a:p>
         </p:txBody>
       </p:sp>
     </p:spTree>
     <p:extLst>
       <p:ext uri="{BB962C8B-B14F-4D97-AF65-F5344CB8AC3E}">
-        <p14:creationId xmlns:p14="http://schemas.microsoft.com/office/powerpoint/2010/main" val="2655785732"/>
+        <p14:creationId xmlns:p14="http://schemas.microsoft.com/office/powerpoint/2010/main" val="3363463598"/>
       </p:ext>
     </p:extLst>
   </p:cSld>
@@ -7876,7 +7933,7 @@
       </p:grpSpPr>
       <p:sp>
         <p:nvSpPr>
-          <p:cNvPr id="2" name="1 Título"/>
+          <p:cNvPr id="2" name="Título 1"/>
           <p:cNvSpPr>
             <a:spLocks noGrp="1"/>
           </p:cNvSpPr>
@@ -7890,7 +7947,7 @@
           <a:lstStyle/>
           <a:p>
             <a:r>
-              <a:rPr lang="es-ES" dirty="0" smtClean="0">
+              <a:rPr lang="es-ES" dirty="0">
                 <a:solidFill>
                   <a:srgbClr val="0070C0"/>
                 </a:solidFill>
@@ -7903,7 +7960,7 @@
       </p:sp>
       <p:sp>
         <p:nvSpPr>
-          <p:cNvPr id="3" name="2 Marcador de contenido"/>
+          <p:cNvPr id="3" name="Marcador de contenido 2"/>
           <p:cNvSpPr>
             <a:spLocks noGrp="1"/>
           </p:cNvSpPr>
@@ -7913,8 +7970,8 @@
         </p:nvSpPr>
         <p:spPr>
           <a:xfrm>
-            <a:off x="551447" y="2426598"/>
-            <a:ext cx="8229600" cy="3714403"/>
+            <a:off x="971600" y="2654532"/>
+            <a:ext cx="8229600" cy="3863280"/>
           </a:xfrm>
         </p:spPr>
         <p:txBody>
@@ -7928,19 +7985,9 @@
               <a:buChar char="§"/>
             </a:pPr>
             <a:r>
-              <a:rPr lang="es-ES" sz="2400" b="1" dirty="0" smtClean="0"/>
-              <a:t>Objetivo cumplido: </a:t>
-            </a:r>
-            <a:r>
               <a:rPr lang="es-ES" sz="2400" dirty="0" smtClean="0"/>
-              <a:t>Estudio de redes neuronales para conducción autónoma en simulación.</a:t>
-            </a:r>
-          </a:p>
-          <a:p>
-            <a:pPr marL="0" indent="0">
-              <a:buNone/>
-            </a:pPr>
-            <a:endParaRPr lang="es-ES" sz="2400" dirty="0" smtClean="0"/>
+              <a:t>Uso de robots reales.</a:t>
+            </a:r>
           </a:p>
           <a:p>
             <a:pPr>
@@ -7948,12 +7995,16 @@
               <a:buChar char="§"/>
             </a:pPr>
             <a:r>
-              <a:rPr lang="es-ES" sz="2400" dirty="0"/>
-              <a:t>Aplicación de control visual</a:t>
-            </a:r>
-            <a:r>
               <a:rPr lang="es-ES" sz="2400" dirty="0" smtClean="0"/>
-              <a:t>.</a:t>
+              <a:t>Grabar un conjunto de datos</a:t>
+            </a:r>
+            <a:r>
+              <a:rPr lang="es-ES" sz="2400" i="1" dirty="0" smtClean="0"/>
+              <a:t> </a:t>
+            </a:r>
+            <a:r>
+              <a:rPr lang="es-ES" sz="2400" dirty="0" smtClean="0"/>
+              <a:t>de situaciones complejas.</a:t>
             </a:r>
           </a:p>
           <a:p>
@@ -7962,12 +8013,16 @@
               <a:buChar char="§"/>
             </a:pPr>
             <a:r>
-              <a:rPr lang="es-ES" sz="2400" dirty="0"/>
-              <a:t>Creación de bases de datos propias</a:t>
-            </a:r>
-            <a:r>
               <a:rPr lang="es-ES" sz="2400" dirty="0" smtClean="0"/>
-              <a:t>.</a:t>
+              <a:t>Estudio más amplio de la </a:t>
+            </a:r>
+            <a:r>
+              <a:rPr lang="es-ES" sz="2400" dirty="0" err="1" smtClean="0"/>
+              <a:t>cuantización</a:t>
+            </a:r>
+            <a:r>
+              <a:rPr lang="es-ES" sz="2400" dirty="0" smtClean="0"/>
+              <a:t> de clases.</a:t>
             </a:r>
           </a:p>
           <a:p>
@@ -7976,20 +8031,8 @@
               <a:buChar char="§"/>
             </a:pPr>
             <a:r>
-              <a:rPr lang="es-ES" sz="2400" dirty="0"/>
-              <a:t>Estudio de redes neuronales </a:t>
-            </a:r>
-            <a:r>
-              <a:rPr lang="es-ES" sz="2400" dirty="0" err="1"/>
-              <a:t>convolucionales</a:t>
-            </a:r>
-            <a:r>
-              <a:rPr lang="es-ES" sz="2400" dirty="0"/>
-              <a:t> de clasificación</a:t>
-            </a:r>
-            <a:r>
               <a:rPr lang="es-ES" sz="2400" dirty="0" smtClean="0"/>
-              <a:t>.</a:t>
+              <a:t>Estudio de imágenes apiladas.</a:t>
             </a:r>
           </a:p>
           <a:p>
@@ -7998,16 +8041,8 @@
               <a:buChar char="§"/>
             </a:pPr>
             <a:r>
-              <a:rPr lang="es-ES" sz="2400" dirty="0"/>
-              <a:t>Estudio de redes neuronales </a:t>
-            </a:r>
-            <a:r>
-              <a:rPr lang="es-ES" sz="2400" dirty="0" err="1"/>
-              <a:t>convolucionales</a:t>
-            </a:r>
-            <a:r>
-              <a:rPr lang="es-ES" sz="2400" dirty="0"/>
-              <a:t> y recurrentes de regresión.</a:t>
+              <a:rPr lang="es-ES" sz="2400" dirty="0" smtClean="0"/>
+              <a:t>Estudio más amplio de imagen diferencia.</a:t>
             </a:r>
           </a:p>
           <a:p>
@@ -8015,34 +8050,10 @@
               <a:buFont typeface="Wingdings" panose="05000000000000000000" pitchFamily="2" charset="2"/>
               <a:buChar char="§"/>
             </a:pPr>
-            <a:endParaRPr lang="es-ES" sz="2400" dirty="0"/>
-          </a:p>
-          <a:p>
-            <a:pPr>
-              <a:buFont typeface="Wingdings" panose="05000000000000000000" pitchFamily="2" charset="2"/>
-              <a:buChar char="§"/>
-            </a:pPr>
-            <a:endParaRPr lang="es-ES" sz="2400" dirty="0"/>
-          </a:p>
-          <a:p>
-            <a:pPr>
-              <a:buFont typeface="Wingdings" panose="05000000000000000000" pitchFamily="2" charset="2"/>
-              <a:buChar char="§"/>
-            </a:pPr>
-            <a:endParaRPr lang="es-ES" sz="2400" dirty="0" smtClean="0"/>
-          </a:p>
-          <a:p>
-            <a:pPr>
-              <a:buFont typeface="Wingdings" panose="05000000000000000000" pitchFamily="2" charset="2"/>
-              <a:buChar char="§"/>
-            </a:pPr>
-            <a:endParaRPr lang="es-ES" sz="2400" dirty="0"/>
-          </a:p>
-          <a:p>
-            <a:pPr marL="0" indent="0">
-              <a:buNone/>
-            </a:pPr>
-            <a:endParaRPr lang="es-ES" sz="2400" dirty="0" smtClean="0"/>
+            <a:r>
+              <a:rPr lang="es-ES" sz="2400" dirty="0" smtClean="0"/>
+              <a:t>Empleo de algoritmo de objetos salientes en la imagen.</a:t>
+            </a:r>
           </a:p>
         </p:txBody>
       </p:sp>
@@ -8138,7 +8149,7 @@
       </p:pic>
       <p:sp>
         <p:nvSpPr>
-          <p:cNvPr id="7" name="6 Marcador de número de diapositiva"/>
+          <p:cNvPr id="7" name="Marcador de número de diapositiva 6"/>
           <p:cNvSpPr>
             <a:spLocks noGrp="1"/>
           </p:cNvSpPr>
@@ -8153,320 +8164,7 @@
           <a:p>
             <a:r>
               <a:rPr lang="es-ES" dirty="0" smtClean="0"/>
-              <a:t>20/22</a:t>
-            </a:r>
-            <a:endParaRPr lang="es-ES" dirty="0"/>
-          </a:p>
-        </p:txBody>
-      </p:sp>
-      <p:sp>
-        <p:nvSpPr>
-          <p:cNvPr id="8" name="CuadroTexto 7"/>
-          <p:cNvSpPr txBox="1"/>
-          <p:nvPr/>
-        </p:nvSpPr>
-        <p:spPr>
-          <a:xfrm>
-            <a:off x="3366380" y="1582778"/>
-            <a:ext cx="2411238" cy="861774"/>
-          </a:xfrm>
-          <a:prstGeom prst="rect">
-            <a:avLst/>
-          </a:prstGeom>
-          <a:noFill/>
-        </p:spPr>
-        <p:txBody>
-          <a:bodyPr wrap="none" rtlCol="0">
-            <a:spAutoFit/>
-          </a:bodyPr>
-          <a:lstStyle/>
-          <a:p>
-            <a:r>
-              <a:rPr lang="es-ES" sz="3200" b="1" dirty="0" smtClean="0">
-                <a:solidFill>
-                  <a:srgbClr val="586E2C"/>
-                </a:solidFill>
-              </a:rPr>
-              <a:t>Conclusiones</a:t>
-            </a:r>
-            <a:endParaRPr lang="es-ES" sz="3200" dirty="0"/>
-          </a:p>
-          <a:p>
-            <a:endParaRPr lang="es-ES" dirty="0"/>
-          </a:p>
-        </p:txBody>
-      </p:sp>
-    </p:spTree>
-    <p:extLst>
-      <p:ext uri="{BB962C8B-B14F-4D97-AF65-F5344CB8AC3E}">
-        <p14:creationId xmlns:p14="http://schemas.microsoft.com/office/powerpoint/2010/main" val="3363463598"/>
-      </p:ext>
-    </p:extLst>
-  </p:cSld>
-  <p:clrMapOvr>
-    <a:masterClrMapping/>
-  </p:clrMapOvr>
-  <p:timing>
-    <p:tnLst>
-      <p:par>
-        <p:cTn id="1" dur="indefinite" restart="never" nodeType="tmRoot"/>
-      </p:par>
-    </p:tnLst>
-  </p:timing>
-</p:sld>
-</file>
-
-<file path=ppt/slides/slide22.xml><?xml version="1.0" encoding="utf-8"?>
-<p:sld xmlns:a="http://schemas.openxmlformats.org/drawingml/2006/main" xmlns:r="http://schemas.openxmlformats.org/officeDocument/2006/relationships" xmlns:p="http://schemas.openxmlformats.org/presentationml/2006/main">
-  <p:cSld>
-    <p:spTree>
-      <p:nvGrpSpPr>
-        <p:cNvPr id="1" name=""/>
-        <p:cNvGrpSpPr/>
-        <p:nvPr/>
-      </p:nvGrpSpPr>
-      <p:grpSpPr>
-        <a:xfrm>
-          <a:off x="0" y="0"/>
-          <a:ext cx="0" cy="0"/>
-          <a:chOff x="0" y="0"/>
-          <a:chExt cx="0" cy="0"/>
-        </a:xfrm>
-      </p:grpSpPr>
-      <p:sp>
-        <p:nvSpPr>
-          <p:cNvPr id="2" name="Título 1"/>
-          <p:cNvSpPr>
-            <a:spLocks noGrp="1"/>
-          </p:cNvSpPr>
-          <p:nvPr>
-            <p:ph type="title"/>
-          </p:nvPr>
-        </p:nvSpPr>
-        <p:spPr/>
-        <p:txBody>
-          <a:bodyPr/>
-          <a:lstStyle/>
-          <a:p>
-            <a:r>
-              <a:rPr lang="es-ES" dirty="0">
-                <a:solidFill>
-                  <a:srgbClr val="0070C0"/>
-                </a:solidFill>
-              </a:rPr>
-              <a:t>Conclusiones</a:t>
-            </a:r>
-            <a:endParaRPr lang="es-ES" dirty="0"/>
-          </a:p>
-        </p:txBody>
-      </p:sp>
-      <p:sp>
-        <p:nvSpPr>
-          <p:cNvPr id="3" name="Marcador de contenido 2"/>
-          <p:cNvSpPr>
-            <a:spLocks noGrp="1"/>
-          </p:cNvSpPr>
-          <p:nvPr>
-            <p:ph idx="1"/>
-          </p:nvPr>
-        </p:nvSpPr>
-        <p:spPr>
-          <a:xfrm>
-            <a:off x="971600" y="2654532"/>
-            <a:ext cx="8229600" cy="3863280"/>
-          </a:xfrm>
-        </p:spPr>
-        <p:txBody>
-          <a:bodyPr>
-            <a:normAutofit/>
-          </a:bodyPr>
-          <a:lstStyle/>
-          <a:p>
-            <a:pPr>
-              <a:buFont typeface="Wingdings" panose="05000000000000000000" pitchFamily="2" charset="2"/>
-              <a:buChar char="§"/>
-            </a:pPr>
-            <a:r>
-              <a:rPr lang="es-ES" sz="2400" dirty="0" smtClean="0"/>
-              <a:t>Uso de robots reales.</a:t>
-            </a:r>
-          </a:p>
-          <a:p>
-            <a:pPr>
-              <a:buFont typeface="Wingdings" panose="05000000000000000000" pitchFamily="2" charset="2"/>
-              <a:buChar char="§"/>
-            </a:pPr>
-            <a:r>
-              <a:rPr lang="es-ES" sz="2400" dirty="0" smtClean="0"/>
-              <a:t>Grabar un conjunto de datos</a:t>
-            </a:r>
-            <a:r>
-              <a:rPr lang="es-ES" sz="2400" i="1" dirty="0" smtClean="0"/>
-              <a:t> </a:t>
-            </a:r>
-            <a:r>
-              <a:rPr lang="es-ES" sz="2400" dirty="0" smtClean="0"/>
-              <a:t>de situaciones complejas.</a:t>
-            </a:r>
-          </a:p>
-          <a:p>
-            <a:pPr>
-              <a:buFont typeface="Wingdings" panose="05000000000000000000" pitchFamily="2" charset="2"/>
-              <a:buChar char="§"/>
-            </a:pPr>
-            <a:r>
-              <a:rPr lang="es-ES" sz="2400" dirty="0" smtClean="0"/>
-              <a:t>Estudio más amplio de la </a:t>
-            </a:r>
-            <a:r>
-              <a:rPr lang="es-ES" sz="2400" dirty="0" err="1" smtClean="0"/>
-              <a:t>cuantización</a:t>
-            </a:r>
-            <a:r>
-              <a:rPr lang="es-ES" sz="2400" dirty="0" smtClean="0"/>
-              <a:t> de clases.</a:t>
-            </a:r>
-          </a:p>
-          <a:p>
-            <a:pPr>
-              <a:buFont typeface="Wingdings" panose="05000000000000000000" pitchFamily="2" charset="2"/>
-              <a:buChar char="§"/>
-            </a:pPr>
-            <a:r>
-              <a:rPr lang="es-ES" sz="2400" dirty="0" smtClean="0"/>
-              <a:t>Estudio de imágenes apiladas.</a:t>
-            </a:r>
-          </a:p>
-          <a:p>
-            <a:pPr>
-              <a:buFont typeface="Wingdings" panose="05000000000000000000" pitchFamily="2" charset="2"/>
-              <a:buChar char="§"/>
-            </a:pPr>
-            <a:r>
-              <a:rPr lang="es-ES" sz="2400" dirty="0" smtClean="0"/>
-              <a:t>Estudio más amplio de imagen diferencia.</a:t>
-            </a:r>
-          </a:p>
-          <a:p>
-            <a:pPr>
-              <a:buFont typeface="Wingdings" panose="05000000000000000000" pitchFamily="2" charset="2"/>
-              <a:buChar char="§"/>
-            </a:pPr>
-            <a:r>
-              <a:rPr lang="es-ES" sz="2400" dirty="0" smtClean="0"/>
-              <a:t>Empleo de algoritmo de objetos salientes en la imagen.</a:t>
-            </a:r>
-          </a:p>
-        </p:txBody>
-      </p:sp>
-      <p:cxnSp>
-        <p:nvCxnSpPr>
-          <p:cNvPr id="4" name="3 Conector recto"/>
-          <p:cNvCxnSpPr/>
-          <p:nvPr/>
-        </p:nvCxnSpPr>
-        <p:spPr>
-          <a:xfrm>
-            <a:off x="453779" y="1268760"/>
-            <a:ext cx="8424936" cy="0"/>
-          </a:xfrm>
-          <a:prstGeom prst="line">
-            <a:avLst/>
-          </a:prstGeom>
-        </p:spPr>
-        <p:style>
-          <a:lnRef idx="1">
-            <a:schemeClr val="dk1"/>
-          </a:lnRef>
-          <a:fillRef idx="0">
-            <a:schemeClr val="dk1"/>
-          </a:fillRef>
-          <a:effectRef idx="0">
-            <a:schemeClr val="dk1"/>
-          </a:effectRef>
-          <a:fontRef idx="minor">
-            <a:schemeClr val="tx1"/>
-          </a:fontRef>
-        </p:style>
-      </p:cxnSp>
-      <p:pic>
-        <p:nvPicPr>
-          <p:cNvPr id="5" name="4 Imagen"/>
-          <p:cNvPicPr>
-            <a:picLocks noChangeAspect="1"/>
-          </p:cNvPicPr>
-          <p:nvPr/>
-        </p:nvPicPr>
-        <p:blipFill>
-          <a:blip r:embed="rId2">
-            <a:extLst>
-              <a:ext uri="{28A0092B-C50C-407E-A947-70E740481C1C}">
-                <a14:useLocalDpi xmlns:a14="http://schemas.microsoft.com/office/drawing/2010/main" val="0"/>
-              </a:ext>
-            </a:extLst>
-          </a:blip>
-          <a:stretch>
-            <a:fillRect/>
-          </a:stretch>
-        </p:blipFill>
-        <p:spPr>
-          <a:xfrm>
-            <a:off x="971600" y="404664"/>
-            <a:ext cx="580384" cy="749427"/>
-          </a:xfrm>
-          <a:prstGeom prst="rect">
-            <a:avLst/>
-          </a:prstGeom>
-        </p:spPr>
-      </p:pic>
-      <p:pic>
-        <p:nvPicPr>
-          <p:cNvPr id="6" name="5 Imagen"/>
-          <p:cNvPicPr>
-            <a:picLocks noChangeAspect="1"/>
-          </p:cNvPicPr>
-          <p:nvPr/>
-        </p:nvPicPr>
-        <p:blipFill>
-          <a:blip r:embed="rId3" cstate="print">
-            <a:extLst>
-              <a:ext uri="{28A0092B-C50C-407E-A947-70E740481C1C}">
-                <a14:useLocalDpi xmlns:a14="http://schemas.microsoft.com/office/drawing/2010/main" val="0"/>
-              </a:ext>
-            </a:extLst>
-          </a:blip>
-          <a:stretch>
-            <a:fillRect/>
-          </a:stretch>
-        </p:blipFill>
-        <p:spPr>
-          <a:xfrm>
-            <a:off x="6880124" y="497064"/>
-            <a:ext cx="1364284" cy="601890"/>
-          </a:xfrm>
-          <a:prstGeom prst="rect">
-            <a:avLst/>
-          </a:prstGeom>
-        </p:spPr>
-      </p:pic>
-      <p:sp>
-        <p:nvSpPr>
-          <p:cNvPr id="7" name="Marcador de número de diapositiva 6"/>
-          <p:cNvSpPr>
-            <a:spLocks noGrp="1"/>
-          </p:cNvSpPr>
-          <p:nvPr>
-            <p:ph type="sldNum" sz="quarter" idx="12"/>
-          </p:nvPr>
-        </p:nvSpPr>
-        <p:spPr/>
-        <p:txBody>
-          <a:bodyPr/>
-          <a:lstStyle/>
-          <a:p>
-            <a:r>
-              <a:rPr lang="es-ES" dirty="0" smtClean="0"/>
-              <a:t>21/22</a:t>
+              <a:t>20/21</a:t>
             </a:r>
             <a:endParaRPr lang="es-ES" dirty="0"/>
           </a:p>
@@ -8529,7 +8227,7 @@
 </p:sld>
 </file>
 
-<file path=ppt/slides/slide23.xml><?xml version="1.0" encoding="utf-8"?>
+<file path=ppt/slides/slide22.xml><?xml version="1.0" encoding="utf-8"?>
 <p:sld xmlns:a="http://schemas.openxmlformats.org/drawingml/2006/main" xmlns:r="http://schemas.openxmlformats.org/officeDocument/2006/relationships" xmlns:p="http://schemas.openxmlformats.org/presentationml/2006/main">
   <p:cSld>
     <p:spTree>
@@ -8827,7 +8525,7 @@
           <a:p>
             <a:r>
               <a:rPr lang="es-ES" dirty="0" smtClean="0"/>
-              <a:t>22/22</a:t>
+              <a:t>21/21</a:t>
             </a:r>
             <a:endParaRPr lang="es-ES" dirty="0"/>
           </a:p>
@@ -8923,396 +8621,6 @@
           <a:lstStyle/>
           <a:p>
             <a:r>
-              <a:rPr lang="es-ES" dirty="0" smtClean="0">
-                <a:solidFill>
-                  <a:srgbClr val="0070C0"/>
-                </a:solidFill>
-              </a:rPr>
-              <a:t>Introducción</a:t>
-            </a:r>
-            <a:endParaRPr lang="es-ES" dirty="0">
-              <a:solidFill>
-                <a:srgbClr val="0070C0"/>
-              </a:solidFill>
-            </a:endParaRPr>
-          </a:p>
-        </p:txBody>
-      </p:sp>
-      <p:sp>
-        <p:nvSpPr>
-          <p:cNvPr id="3" name="2 Marcador de contenido"/>
-          <p:cNvSpPr>
-            <a:spLocks noGrp="1"/>
-          </p:cNvSpPr>
-          <p:nvPr>
-            <p:ph idx="1"/>
-          </p:nvPr>
-        </p:nvSpPr>
-        <p:spPr>
-          <a:xfrm>
-            <a:off x="611561" y="2668463"/>
-            <a:ext cx="4959428" cy="4525963"/>
-          </a:xfrm>
-        </p:spPr>
-        <p:txBody>
-          <a:bodyPr>
-            <a:normAutofit/>
-          </a:bodyPr>
-          <a:lstStyle/>
-          <a:p>
-            <a:pPr>
-              <a:buFont typeface="Wingdings" panose="05000000000000000000" pitchFamily="2" charset="2"/>
-              <a:buChar char="§"/>
-            </a:pPr>
-            <a:r>
-              <a:rPr lang="es-ES" sz="2800" dirty="0" smtClean="0"/>
-              <a:t>Navegación en robótica</a:t>
-            </a:r>
-          </a:p>
-          <a:p>
-            <a:pPr>
-              <a:buFont typeface="Wingdings" panose="05000000000000000000" pitchFamily="2" charset="2"/>
-              <a:buChar char="§"/>
-            </a:pPr>
-            <a:r>
-              <a:rPr lang="es-ES" sz="2800" dirty="0" smtClean="0"/>
-              <a:t>Medicina</a:t>
-            </a:r>
-          </a:p>
-          <a:p>
-            <a:pPr>
-              <a:buFont typeface="Wingdings" panose="05000000000000000000" pitchFamily="2" charset="2"/>
-              <a:buChar char="§"/>
-            </a:pPr>
-            <a:r>
-              <a:rPr lang="es-ES" sz="2800" dirty="0" smtClean="0"/>
-              <a:t>Mantenimiento e inventario urbano</a:t>
-            </a:r>
-          </a:p>
-          <a:p>
-            <a:pPr>
-              <a:buFont typeface="Wingdings" panose="05000000000000000000" pitchFamily="2" charset="2"/>
-              <a:buChar char="§"/>
-            </a:pPr>
-            <a:r>
-              <a:rPr lang="es-ES" sz="2800" dirty="0" smtClean="0"/>
-              <a:t>Conducción autónoma</a:t>
-            </a:r>
-          </a:p>
-          <a:p>
-            <a:pPr>
-              <a:buFont typeface="Wingdings" panose="05000000000000000000" pitchFamily="2" charset="2"/>
-              <a:buChar char="§"/>
-            </a:pPr>
-            <a:r>
-              <a:rPr lang="es-ES" sz="2800" dirty="0" smtClean="0"/>
-              <a:t>Etc.</a:t>
-            </a:r>
-            <a:endParaRPr lang="es-ES" sz="2800" dirty="0"/>
-          </a:p>
-        </p:txBody>
-      </p:sp>
-      <p:sp>
-        <p:nvSpPr>
-          <p:cNvPr id="4" name="3 Marcador de número de diapositiva"/>
-          <p:cNvSpPr>
-            <a:spLocks noGrp="1"/>
-          </p:cNvSpPr>
-          <p:nvPr>
-            <p:ph type="sldNum" sz="quarter" idx="12"/>
-          </p:nvPr>
-        </p:nvSpPr>
-        <p:spPr/>
-        <p:txBody>
-          <a:bodyPr/>
-          <a:lstStyle/>
-          <a:p>
-            <a:r>
-              <a:rPr lang="es-ES" dirty="0" smtClean="0"/>
-              <a:t>2/22</a:t>
-            </a:r>
-            <a:endParaRPr lang="es-ES" dirty="0"/>
-          </a:p>
-        </p:txBody>
-      </p:sp>
-      <p:cxnSp>
-        <p:nvCxnSpPr>
-          <p:cNvPr id="6" name="5 Conector recto"/>
-          <p:cNvCxnSpPr/>
-          <p:nvPr/>
-        </p:nvCxnSpPr>
-        <p:spPr>
-          <a:xfrm>
-            <a:off x="453779" y="1268760"/>
-            <a:ext cx="8424936" cy="0"/>
-          </a:xfrm>
-          <a:prstGeom prst="line">
-            <a:avLst/>
-          </a:prstGeom>
-        </p:spPr>
-        <p:style>
-          <a:lnRef idx="1">
-            <a:schemeClr val="dk1"/>
-          </a:lnRef>
-          <a:fillRef idx="0">
-            <a:schemeClr val="dk1"/>
-          </a:fillRef>
-          <a:effectRef idx="0">
-            <a:schemeClr val="dk1"/>
-          </a:effectRef>
-          <a:fontRef idx="minor">
-            <a:schemeClr val="tx1"/>
-          </a:fontRef>
-        </p:style>
-      </p:cxnSp>
-      <p:pic>
-        <p:nvPicPr>
-          <p:cNvPr id="7" name="6 Imagen"/>
-          <p:cNvPicPr>
-            <a:picLocks noChangeAspect="1"/>
-          </p:cNvPicPr>
-          <p:nvPr/>
-        </p:nvPicPr>
-        <p:blipFill>
-          <a:blip r:embed="rId2">
-            <a:extLst>
-              <a:ext uri="{28A0092B-C50C-407E-A947-70E740481C1C}">
-                <a14:useLocalDpi xmlns:a14="http://schemas.microsoft.com/office/drawing/2010/main" val="0"/>
-              </a:ext>
-            </a:extLst>
-          </a:blip>
-          <a:stretch>
-            <a:fillRect/>
-          </a:stretch>
-        </p:blipFill>
-        <p:spPr>
-          <a:xfrm>
-            <a:off x="971600" y="404664"/>
-            <a:ext cx="580384" cy="749427"/>
-          </a:xfrm>
-          <a:prstGeom prst="rect">
-            <a:avLst/>
-          </a:prstGeom>
-        </p:spPr>
-      </p:pic>
-      <p:pic>
-        <p:nvPicPr>
-          <p:cNvPr id="8" name="7 Imagen"/>
-          <p:cNvPicPr>
-            <a:picLocks noChangeAspect="1"/>
-          </p:cNvPicPr>
-          <p:nvPr/>
-        </p:nvPicPr>
-        <p:blipFill>
-          <a:blip r:embed="rId3" cstate="print">
-            <a:extLst>
-              <a:ext uri="{28A0092B-C50C-407E-A947-70E740481C1C}">
-                <a14:useLocalDpi xmlns:a14="http://schemas.microsoft.com/office/drawing/2010/main" val="0"/>
-              </a:ext>
-            </a:extLst>
-          </a:blip>
-          <a:stretch>
-            <a:fillRect/>
-          </a:stretch>
-        </p:blipFill>
-        <p:spPr>
-          <a:xfrm>
-            <a:off x="6880124" y="497064"/>
-            <a:ext cx="1364284" cy="601890"/>
-          </a:xfrm>
-          <a:prstGeom prst="rect">
-            <a:avLst/>
-          </a:prstGeom>
-        </p:spPr>
-      </p:pic>
-      <p:sp>
-        <p:nvSpPr>
-          <p:cNvPr id="14" name="8 CuadroTexto"/>
-          <p:cNvSpPr txBox="1"/>
-          <p:nvPr/>
-        </p:nvSpPr>
-        <p:spPr>
-          <a:xfrm>
-            <a:off x="2411760" y="1825666"/>
-            <a:ext cx="4032448" cy="584775"/>
-          </a:xfrm>
-          <a:prstGeom prst="rect">
-            <a:avLst/>
-          </a:prstGeom>
-          <a:noFill/>
-        </p:spPr>
-        <p:txBody>
-          <a:bodyPr wrap="square" rtlCol="0">
-            <a:spAutoFit/>
-          </a:bodyPr>
-          <a:lstStyle/>
-          <a:p>
-            <a:pPr algn="ctr"/>
-            <a:r>
-              <a:rPr lang="es-ES" sz="3200" b="1" dirty="0" smtClean="0">
-                <a:solidFill>
-                  <a:srgbClr val="586E2C"/>
-                </a:solidFill>
-              </a:rPr>
-              <a:t>Visión Artificial</a:t>
-            </a:r>
-            <a:endParaRPr lang="es-ES" sz="3200" b="1" dirty="0">
-              <a:solidFill>
-                <a:srgbClr val="586E2C"/>
-              </a:solidFill>
-            </a:endParaRPr>
-          </a:p>
-        </p:txBody>
-      </p:sp>
-      <p:pic>
-        <p:nvPicPr>
-          <p:cNvPr id="15" name="Imagen 14"/>
-          <p:cNvPicPr>
-            <a:picLocks noChangeAspect="1"/>
-          </p:cNvPicPr>
-          <p:nvPr/>
-        </p:nvPicPr>
-        <p:blipFill>
-          <a:blip r:embed="rId4"/>
-          <a:stretch>
-            <a:fillRect/>
-          </a:stretch>
-        </p:blipFill>
-        <p:spPr>
-          <a:xfrm>
-            <a:off x="5570988" y="2519586"/>
-            <a:ext cx="1239281" cy="1228997"/>
-          </a:xfrm>
-          <a:prstGeom prst="rect">
-            <a:avLst/>
-          </a:prstGeom>
-        </p:spPr>
-      </p:pic>
-      <p:pic>
-        <p:nvPicPr>
-          <p:cNvPr id="16" name="Imagen 15"/>
-          <p:cNvPicPr>
-            <a:picLocks noChangeAspect="1"/>
-          </p:cNvPicPr>
-          <p:nvPr/>
-        </p:nvPicPr>
-        <p:blipFill>
-          <a:blip r:embed="rId5"/>
-          <a:stretch>
-            <a:fillRect/>
-          </a:stretch>
-        </p:blipFill>
-        <p:spPr>
-          <a:xfrm>
-            <a:off x="7045001" y="2672655"/>
-            <a:ext cx="1676039" cy="1103348"/>
-          </a:xfrm>
-          <a:prstGeom prst="rect">
-            <a:avLst/>
-          </a:prstGeom>
-        </p:spPr>
-      </p:pic>
-      <p:pic>
-        <p:nvPicPr>
-          <p:cNvPr id="17" name="Imagen 16"/>
-          <p:cNvPicPr>
-            <a:picLocks noChangeAspect="1"/>
-          </p:cNvPicPr>
-          <p:nvPr/>
-        </p:nvPicPr>
-        <p:blipFill>
-          <a:blip r:embed="rId6"/>
-          <a:stretch>
-            <a:fillRect/>
-          </a:stretch>
-        </p:blipFill>
-        <p:spPr>
-          <a:xfrm>
-            <a:off x="5293185" y="4292194"/>
-            <a:ext cx="1751816" cy="923751"/>
-          </a:xfrm>
-          <a:prstGeom prst="rect">
-            <a:avLst/>
-          </a:prstGeom>
-        </p:spPr>
-      </p:pic>
-      <p:pic>
-        <p:nvPicPr>
-          <p:cNvPr id="18" name="Imagen 17"/>
-          <p:cNvPicPr>
-            <a:picLocks noChangeAspect="1"/>
-          </p:cNvPicPr>
-          <p:nvPr/>
-        </p:nvPicPr>
-        <p:blipFill>
-          <a:blip r:embed="rId7"/>
-          <a:stretch>
-            <a:fillRect/>
-          </a:stretch>
-        </p:blipFill>
-        <p:spPr>
-          <a:xfrm>
-            <a:off x="7185499" y="4245962"/>
-            <a:ext cx="1693216" cy="969983"/>
-          </a:xfrm>
-          <a:prstGeom prst="rect">
-            <a:avLst/>
-          </a:prstGeom>
-        </p:spPr>
-      </p:pic>
-    </p:spTree>
-    <p:extLst>
-      <p:ext uri="{BB962C8B-B14F-4D97-AF65-F5344CB8AC3E}">
-        <p14:creationId xmlns:p14="http://schemas.microsoft.com/office/powerpoint/2010/main" val="4184981964"/>
-      </p:ext>
-    </p:extLst>
-  </p:cSld>
-  <p:clrMapOvr>
-    <a:masterClrMapping/>
-  </p:clrMapOvr>
-  <p:timing>
-    <p:tnLst>
-      <p:par>
-        <p:cTn id="1" dur="indefinite" restart="never" nodeType="tmRoot"/>
-      </p:par>
-    </p:tnLst>
-  </p:timing>
-</p:sld>
-</file>
-
-<file path=ppt/slides/slide4.xml><?xml version="1.0" encoding="utf-8"?>
-<p:sld xmlns:a="http://schemas.openxmlformats.org/drawingml/2006/main" xmlns:r="http://schemas.openxmlformats.org/officeDocument/2006/relationships" xmlns:p="http://schemas.openxmlformats.org/presentationml/2006/main">
-  <p:cSld>
-    <p:spTree>
-      <p:nvGrpSpPr>
-        <p:cNvPr id="1" name=""/>
-        <p:cNvGrpSpPr/>
-        <p:nvPr/>
-      </p:nvGrpSpPr>
-      <p:grpSpPr>
-        <a:xfrm>
-          <a:off x="0" y="0"/>
-          <a:ext cx="0" cy="0"/>
-          <a:chOff x="0" y="0"/>
-          <a:chExt cx="0" cy="0"/>
-        </a:xfrm>
-      </p:grpSpPr>
-      <p:sp>
-        <p:nvSpPr>
-          <p:cNvPr id="2" name="1 Título"/>
-          <p:cNvSpPr>
-            <a:spLocks noGrp="1"/>
-          </p:cNvSpPr>
-          <p:nvPr>
-            <p:ph type="title"/>
-          </p:nvPr>
-        </p:nvSpPr>
-        <p:spPr/>
-        <p:txBody>
-          <a:bodyPr/>
-          <a:lstStyle/>
-          <a:p>
-            <a:r>
               <a:rPr lang="es-ES" dirty="0">
                 <a:solidFill>
                   <a:srgbClr val="0070C0"/>
@@ -9337,7 +8645,7 @@
         <p:spPr>
           <a:xfrm>
             <a:off x="457200" y="2708920"/>
-            <a:ext cx="7931224" cy="3417243"/>
+            <a:ext cx="5770984" cy="3417243"/>
           </a:xfrm>
         </p:spPr>
         <p:txBody>
@@ -9405,7 +8713,11 @@
           <a:p>
             <a:r>
               <a:rPr lang="es-ES" dirty="0" smtClean="0"/>
-              <a:t>3/22</a:t>
+              <a:t>2</a:t>
+            </a:r>
+            <a:r>
+              <a:rPr lang="es-ES" dirty="0" smtClean="0"/>
+              <a:t>/21</a:t>
             </a:r>
             <a:endParaRPr lang="es-ES" dirty="0"/>
           </a:p>
@@ -9540,6 +8852,30 @@
           </a:p>
         </p:txBody>
       </p:sp>
+      <p:pic>
+        <p:nvPicPr>
+          <p:cNvPr id="10" name="Imagen 9"/>
+          <p:cNvPicPr>
+            <a:picLocks noChangeAspect="1"/>
+          </p:cNvPicPr>
+          <p:nvPr/>
+        </p:nvPicPr>
+        <p:blipFill>
+          <a:blip r:embed="rId4"/>
+          <a:stretch>
+            <a:fillRect/>
+          </a:stretch>
+        </p:blipFill>
+        <p:spPr>
+          <a:xfrm>
+            <a:off x="5868144" y="2820422"/>
+            <a:ext cx="2501739" cy="1433157"/>
+          </a:xfrm>
+          <a:prstGeom prst="rect">
+            <a:avLst/>
+          </a:prstGeom>
+        </p:spPr>
+      </p:pic>
     </p:spTree>
     <p:extLst>
       <p:ext uri="{BB962C8B-B14F-4D97-AF65-F5344CB8AC3E}">
@@ -9560,7 +8896,7 @@
 </p:sld>
 </file>
 
-<file path=ppt/slides/slide5.xml><?xml version="1.0" encoding="utf-8"?>
+<file path=ppt/slides/slide4.xml><?xml version="1.0" encoding="utf-8"?>
 <p:sld xmlns:a="http://schemas.openxmlformats.org/drawingml/2006/main" xmlns:r="http://schemas.openxmlformats.org/officeDocument/2006/relationships" xmlns:p="http://schemas.openxmlformats.org/presentationml/2006/main">
   <p:cSld>
     <p:spTree>
@@ -9730,8 +9066,12 @@
           <a:lstStyle/>
           <a:p>
             <a:r>
+              <a:rPr lang="es-ES" dirty="0"/>
+              <a:t>3</a:t>
+            </a:r>
+            <a:r>
               <a:rPr lang="es-ES" dirty="0" smtClean="0"/>
-              <a:t>4/22</a:t>
+              <a:t>/21</a:t>
             </a:r>
             <a:endParaRPr lang="es-ES" dirty="0"/>
           </a:p>
@@ -9847,7 +9187,7 @@
 </p:sld>
 </file>
 
-<file path=ppt/slides/slide6.xml><?xml version="1.0" encoding="utf-8"?>
+<file path=ppt/slides/slide5.xml><?xml version="1.0" encoding="utf-8"?>
 <p:sld xmlns:a="http://schemas.openxmlformats.org/drawingml/2006/main" xmlns:r="http://schemas.openxmlformats.org/officeDocument/2006/relationships" xmlns:p="http://schemas.openxmlformats.org/presentationml/2006/main">
   <p:cSld>
     <p:spTree>
@@ -10113,7 +9453,11 @@
           <a:p>
             <a:r>
               <a:rPr lang="es-ES" dirty="0" smtClean="0"/>
-              <a:t>5/22</a:t>
+              <a:t>4</a:t>
+            </a:r>
+            <a:r>
+              <a:rPr lang="es-ES" dirty="0" smtClean="0"/>
+              <a:t>/21</a:t>
             </a:r>
             <a:endParaRPr lang="es-ES" dirty="0"/>
           </a:p>
@@ -10294,7 +9638,7 @@
 </p:sld>
 </file>
 
-<file path=ppt/slides/slide7.xml><?xml version="1.0" encoding="utf-8"?>
+<file path=ppt/slides/slide6.xml><?xml version="1.0" encoding="utf-8"?>
 <p:sld xmlns:a="http://schemas.openxmlformats.org/drawingml/2006/main" xmlns:r="http://schemas.openxmlformats.org/officeDocument/2006/relationships" xmlns:p="http://schemas.openxmlformats.org/presentationml/2006/main">
   <p:cSld>
     <p:spTree>
@@ -10457,8 +9801,12 @@
           <a:lstStyle/>
           <a:p>
             <a:r>
+              <a:rPr lang="es-ES" dirty="0"/>
+              <a:t>5</a:t>
+            </a:r>
+            <a:r>
               <a:rPr lang="es-ES" dirty="0" smtClean="0"/>
-              <a:t>6/22</a:t>
+              <a:t>/21</a:t>
             </a:r>
             <a:endParaRPr lang="es-ES" dirty="0"/>
           </a:p>
@@ -10733,7 +10081,7 @@
 </p:sld>
 </file>
 
-<file path=ppt/slides/slide8.xml><?xml version="1.0" encoding="utf-8"?>
+<file path=ppt/slides/slide7.xml><?xml version="1.0" encoding="utf-8"?>
 <p:sld xmlns:a="http://schemas.openxmlformats.org/drawingml/2006/main" xmlns:r="http://schemas.openxmlformats.org/officeDocument/2006/relationships" xmlns:p="http://schemas.openxmlformats.org/presentationml/2006/main">
   <p:cSld>
     <p:spTree>
@@ -11107,7 +10455,11 @@
           <a:p>
             <a:r>
               <a:rPr lang="es-ES" dirty="0" smtClean="0"/>
-              <a:t>7/22</a:t>
+              <a:t>6</a:t>
+            </a:r>
+            <a:r>
+              <a:rPr lang="es-ES" dirty="0" smtClean="0"/>
+              <a:t>/21</a:t>
             </a:r>
             <a:endParaRPr lang="es-ES" dirty="0"/>
           </a:p>
@@ -11133,7 +10485,7 @@
 </p:sld>
 </file>
 
-<file path=ppt/slides/slide9.xml><?xml version="1.0" encoding="utf-8"?>
+<file path=ppt/slides/slide8.xml><?xml version="1.0" encoding="utf-8"?>
 <p:sld xmlns:a="http://schemas.openxmlformats.org/drawingml/2006/main" xmlns:r="http://schemas.openxmlformats.org/officeDocument/2006/relationships" xmlns:p="http://schemas.openxmlformats.org/presentationml/2006/main">
   <p:cSld>
     <p:spTree>
@@ -11335,7 +10687,11 @@
           <a:p>
             <a:r>
               <a:rPr lang="es-ES" dirty="0" smtClean="0"/>
-              <a:t>8/22</a:t>
+              <a:t>7</a:t>
+            </a:r>
+            <a:r>
+              <a:rPr lang="es-ES" dirty="0" smtClean="0"/>
+              <a:t>/21</a:t>
             </a:r>
             <a:endParaRPr lang="es-ES" dirty="0"/>
           </a:p>
@@ -11445,6 +10801,311 @@
     <p:extLst>
       <p:ext uri="{BB962C8B-B14F-4D97-AF65-F5344CB8AC3E}">
         <p14:creationId xmlns:p14="http://schemas.microsoft.com/office/powerpoint/2010/main" val="1410363966"/>
+      </p:ext>
+    </p:extLst>
+  </p:cSld>
+  <p:clrMapOvr>
+    <a:masterClrMapping/>
+  </p:clrMapOvr>
+  <p:timing>
+    <p:tnLst>
+      <p:par>
+        <p:cTn id="1" dur="indefinite" restart="never" nodeType="tmRoot"/>
+      </p:par>
+    </p:tnLst>
+  </p:timing>
+</p:sld>
+</file>
+
+<file path=ppt/slides/slide9.xml><?xml version="1.0" encoding="utf-8"?>
+<p:sld xmlns:a="http://schemas.openxmlformats.org/drawingml/2006/main" xmlns:r="http://schemas.openxmlformats.org/officeDocument/2006/relationships" xmlns:p="http://schemas.openxmlformats.org/presentationml/2006/main">
+  <p:cSld>
+    <p:spTree>
+      <p:nvGrpSpPr>
+        <p:cNvPr id="1" name=""/>
+        <p:cNvGrpSpPr/>
+        <p:nvPr/>
+      </p:nvGrpSpPr>
+      <p:grpSpPr>
+        <a:xfrm>
+          <a:off x="0" y="0"/>
+          <a:ext cx="0" cy="0"/>
+          <a:chOff x="0" y="0"/>
+          <a:chExt cx="0" cy="0"/>
+        </a:xfrm>
+      </p:grpSpPr>
+      <p:cxnSp>
+        <p:nvCxnSpPr>
+          <p:cNvPr id="4" name="3 Conector recto"/>
+          <p:cNvCxnSpPr/>
+          <p:nvPr/>
+        </p:nvCxnSpPr>
+        <p:spPr>
+          <a:xfrm>
+            <a:off x="453779" y="1268760"/>
+            <a:ext cx="8424936" cy="0"/>
+          </a:xfrm>
+          <a:prstGeom prst="line">
+            <a:avLst/>
+          </a:prstGeom>
+        </p:spPr>
+        <p:style>
+          <a:lnRef idx="1">
+            <a:schemeClr val="dk1"/>
+          </a:lnRef>
+          <a:fillRef idx="0">
+            <a:schemeClr val="dk1"/>
+          </a:fillRef>
+          <a:effectRef idx="0">
+            <a:schemeClr val="dk1"/>
+          </a:effectRef>
+          <a:fontRef idx="minor">
+            <a:schemeClr val="tx1"/>
+          </a:fontRef>
+        </p:style>
+      </p:cxnSp>
+      <p:pic>
+        <p:nvPicPr>
+          <p:cNvPr id="5" name="4 Imagen"/>
+          <p:cNvPicPr>
+            <a:picLocks noChangeAspect="1"/>
+          </p:cNvPicPr>
+          <p:nvPr/>
+        </p:nvPicPr>
+        <p:blipFill>
+          <a:blip r:embed="rId2">
+            <a:extLst>
+              <a:ext uri="{28A0092B-C50C-407E-A947-70E740481C1C}">
+                <a14:useLocalDpi xmlns:a14="http://schemas.microsoft.com/office/drawing/2010/main" val="0"/>
+              </a:ext>
+            </a:extLst>
+          </a:blip>
+          <a:stretch>
+            <a:fillRect/>
+          </a:stretch>
+        </p:blipFill>
+        <p:spPr>
+          <a:xfrm>
+            <a:off x="971600" y="404664"/>
+            <a:ext cx="580384" cy="749427"/>
+          </a:xfrm>
+          <a:prstGeom prst="rect">
+            <a:avLst/>
+          </a:prstGeom>
+        </p:spPr>
+      </p:pic>
+      <p:pic>
+        <p:nvPicPr>
+          <p:cNvPr id="6" name="5 Imagen"/>
+          <p:cNvPicPr>
+            <a:picLocks noChangeAspect="1"/>
+          </p:cNvPicPr>
+          <p:nvPr/>
+        </p:nvPicPr>
+        <p:blipFill>
+          <a:blip r:embed="rId3" cstate="print">
+            <a:extLst>
+              <a:ext uri="{28A0092B-C50C-407E-A947-70E740481C1C}">
+                <a14:useLocalDpi xmlns:a14="http://schemas.microsoft.com/office/drawing/2010/main" val="0"/>
+              </a:ext>
+            </a:extLst>
+          </a:blip>
+          <a:stretch>
+            <a:fillRect/>
+          </a:stretch>
+        </p:blipFill>
+        <p:spPr>
+          <a:xfrm>
+            <a:off x="6880124" y="497064"/>
+            <a:ext cx="1364284" cy="601890"/>
+          </a:xfrm>
+          <a:prstGeom prst="rect">
+            <a:avLst/>
+          </a:prstGeom>
+        </p:spPr>
+      </p:pic>
+      <p:sp>
+        <p:nvSpPr>
+          <p:cNvPr id="7" name="6 Marcador de número de diapositiva"/>
+          <p:cNvSpPr>
+            <a:spLocks noGrp="1"/>
+          </p:cNvSpPr>
+          <p:nvPr>
+            <p:ph type="sldNum" sz="quarter" idx="12"/>
+          </p:nvPr>
+        </p:nvSpPr>
+        <p:spPr/>
+        <p:txBody>
+          <a:bodyPr/>
+          <a:lstStyle/>
+          <a:p>
+            <a:r>
+              <a:rPr lang="es-ES" dirty="0"/>
+              <a:t>8</a:t>
+            </a:r>
+            <a:r>
+              <a:rPr lang="es-ES" dirty="0" smtClean="0"/>
+              <a:t>/21</a:t>
+            </a:r>
+            <a:endParaRPr lang="es-ES" dirty="0"/>
+          </a:p>
+        </p:txBody>
+      </p:sp>
+      <p:sp>
+        <p:nvSpPr>
+          <p:cNvPr id="13" name="1 Título"/>
+          <p:cNvSpPr>
+            <a:spLocks noGrp="1"/>
+          </p:cNvSpPr>
+          <p:nvPr>
+            <p:ph type="title"/>
+          </p:nvPr>
+        </p:nvSpPr>
+        <p:spPr>
+          <a:xfrm>
+            <a:off x="457200" y="274638"/>
+            <a:ext cx="8229600" cy="1143000"/>
+          </a:xfrm>
+        </p:spPr>
+        <p:txBody>
+          <a:bodyPr>
+            <a:normAutofit/>
+          </a:bodyPr>
+          <a:lstStyle/>
+          <a:p>
+            <a:pPr algn="l"/>
+            <a:r>
+              <a:rPr lang="es-ES" dirty="0" smtClean="0">
+                <a:solidFill>
+                  <a:srgbClr val="0070C0"/>
+                </a:solidFill>
+              </a:rPr>
+              <a:t>          Redes de clasificación </a:t>
+            </a:r>
+            <a:endParaRPr lang="es-ES" dirty="0">
+              <a:solidFill>
+                <a:srgbClr val="0070C0"/>
+              </a:solidFill>
+            </a:endParaRPr>
+          </a:p>
+        </p:txBody>
+      </p:sp>
+      <p:sp>
+        <p:nvSpPr>
+          <p:cNvPr id="9" name="7 CuadroTexto"/>
+          <p:cNvSpPr txBox="1"/>
+          <p:nvPr/>
+        </p:nvSpPr>
+        <p:spPr>
+          <a:xfrm>
+            <a:off x="3308577" y="1587444"/>
+            <a:ext cx="2526846" cy="861774"/>
+          </a:xfrm>
+          <a:prstGeom prst="rect">
+            <a:avLst/>
+          </a:prstGeom>
+          <a:noFill/>
+        </p:spPr>
+        <p:txBody>
+          <a:bodyPr wrap="none" rtlCol="0">
+            <a:spAutoFit/>
+          </a:bodyPr>
+          <a:lstStyle/>
+          <a:p>
+            <a:r>
+              <a:rPr lang="es-ES" sz="3200" b="1" dirty="0" smtClean="0">
+                <a:solidFill>
+                  <a:srgbClr val="586E2C"/>
+                </a:solidFill>
+              </a:rPr>
+              <a:t>Experimentos</a:t>
+            </a:r>
+            <a:endParaRPr lang="es-ES" sz="3200" dirty="0"/>
+          </a:p>
+          <a:p>
+            <a:endParaRPr lang="es-ES" dirty="0"/>
+          </a:p>
+        </p:txBody>
+      </p:sp>
+      <p:pic>
+        <p:nvPicPr>
+          <p:cNvPr id="8" name="Imagen 7"/>
+          <p:cNvPicPr>
+            <a:picLocks noChangeAspect="1"/>
+          </p:cNvPicPr>
+          <p:nvPr/>
+        </p:nvPicPr>
+        <p:blipFill>
+          <a:blip r:embed="rId4"/>
+          <a:stretch>
+            <a:fillRect/>
+          </a:stretch>
+        </p:blipFill>
+        <p:spPr>
+          <a:xfrm>
+            <a:off x="971600" y="2188536"/>
+            <a:ext cx="6840760" cy="3587165"/>
+          </a:xfrm>
+          <a:prstGeom prst="rect">
+            <a:avLst/>
+          </a:prstGeom>
+        </p:spPr>
+      </p:pic>
+      <p:sp>
+        <p:nvSpPr>
+          <p:cNvPr id="2" name="CuadroTexto 1"/>
+          <p:cNvSpPr txBox="1"/>
+          <p:nvPr/>
+        </p:nvSpPr>
+        <p:spPr>
+          <a:xfrm>
+            <a:off x="1043608" y="5792018"/>
+            <a:ext cx="6856044" cy="584775"/>
+          </a:xfrm>
+          <a:prstGeom prst="rect">
+            <a:avLst/>
+          </a:prstGeom>
+          <a:noFill/>
+        </p:spPr>
+        <p:txBody>
+          <a:bodyPr wrap="none" rtlCol="0">
+            <a:spAutoFit/>
+          </a:bodyPr>
+          <a:lstStyle/>
+          <a:p>
+            <a:r>
+              <a:rPr lang="es-ES" sz="1600" i="1" dirty="0"/>
+              <a:t>Resultados de </a:t>
+            </a:r>
+            <a:r>
+              <a:rPr lang="es-ES" sz="1600" i="1" dirty="0" smtClean="0"/>
+              <a:t>conducción </a:t>
+            </a:r>
+            <a:r>
+              <a:rPr lang="es-ES" sz="1600" i="1" dirty="0"/>
+              <a:t>con redes de </a:t>
+            </a:r>
+            <a:r>
+              <a:rPr lang="es-ES" sz="1600" i="1" dirty="0" smtClean="0"/>
+              <a:t>clasificación </a:t>
+            </a:r>
+            <a:r>
+              <a:rPr lang="es-ES" sz="1600" i="1" dirty="0"/>
+              <a:t>(imagen completa e imagen</a:t>
+            </a:r>
+          </a:p>
+          <a:p>
+            <a:r>
+              <a:rPr lang="es-ES" sz="1600" i="1" dirty="0"/>
+              <a:t>recortada)</a:t>
+            </a:r>
+          </a:p>
+        </p:txBody>
+      </p:sp>
+    </p:spTree>
+    <p:extLst>
+      <p:ext uri="{BB962C8B-B14F-4D97-AF65-F5344CB8AC3E}">
+        <p14:creationId xmlns:p14="http://schemas.microsoft.com/office/powerpoint/2010/main" val="181758262"/>
       </p:ext>
     </p:extLst>
   </p:cSld>

--- a/Memoria/Presentación.pptx
+++ b/Memoria/Presentación.pptx
@@ -5,7 +5,7 @@
     <p:sldMasterId id="2147483672" r:id="rId1"/>
   </p:sldMasterIdLst>
   <p:notesMasterIdLst>
-    <p:notesMasterId r:id="rId24"/>
+    <p:notesMasterId r:id="rId23"/>
   </p:notesMasterIdLst>
   <p:sldIdLst>
     <p:sldId id="256" r:id="rId2"/>
@@ -23,13 +23,12 @@
     <p:sldId id="288" r:id="rId14"/>
     <p:sldId id="268" r:id="rId15"/>
     <p:sldId id="289" r:id="rId16"/>
-    <p:sldId id="290" r:id="rId17"/>
-    <p:sldId id="291" r:id="rId18"/>
-    <p:sldId id="292" r:id="rId19"/>
-    <p:sldId id="293" r:id="rId20"/>
-    <p:sldId id="279" r:id="rId21"/>
-    <p:sldId id="280" r:id="rId22"/>
-    <p:sldId id="281" r:id="rId23"/>
+    <p:sldId id="291" r:id="rId17"/>
+    <p:sldId id="292" r:id="rId18"/>
+    <p:sldId id="293" r:id="rId19"/>
+    <p:sldId id="279" r:id="rId20"/>
+    <p:sldId id="280" r:id="rId21"/>
+    <p:sldId id="281" r:id="rId22"/>
   </p:sldIdLst>
   <p:sldSz cx="9144000" cy="6858000" type="screen4x3"/>
   <p:notesSz cx="6858000" cy="9144000"/>
@@ -229,7 +228,7 @@
           <a:p>
             <a:fld id="{7799B470-7265-476E-AEAE-B994A4C99C3B}" type="datetimeFigureOut">
               <a:rPr lang="es-ES" smtClean="0"/>
-              <a:t>23/07/2019</a:t>
+              <a:t>24/07/2019</a:t>
             </a:fld>
             <a:endParaRPr lang="es-ES"/>
           </a:p>
@@ -762,7 +761,7 @@
           <a:p>
             <a:fld id="{FAC0EC8D-17F2-4955-98FB-8B3A05AE6EC2}" type="datetimeFigureOut">
               <a:rPr lang="es-ES" smtClean="0"/>
-              <a:t>23/07/2019</a:t>
+              <a:t>24/07/2019</a:t>
             </a:fld>
             <a:endParaRPr lang="es-ES"/>
           </a:p>
@@ -932,7 +931,7 @@
           <a:p>
             <a:fld id="{FAC0EC8D-17F2-4955-98FB-8B3A05AE6EC2}" type="datetimeFigureOut">
               <a:rPr lang="es-ES" smtClean="0"/>
-              <a:t>23/07/2019</a:t>
+              <a:t>24/07/2019</a:t>
             </a:fld>
             <a:endParaRPr lang="es-ES"/>
           </a:p>
@@ -1112,7 +1111,7 @@
           <a:p>
             <a:fld id="{FAC0EC8D-17F2-4955-98FB-8B3A05AE6EC2}" type="datetimeFigureOut">
               <a:rPr lang="es-ES" smtClean="0"/>
-              <a:t>23/07/2019</a:t>
+              <a:t>24/07/2019</a:t>
             </a:fld>
             <a:endParaRPr lang="es-ES"/>
           </a:p>
@@ -1282,7 +1281,7 @@
           <a:p>
             <a:fld id="{FAC0EC8D-17F2-4955-98FB-8B3A05AE6EC2}" type="datetimeFigureOut">
               <a:rPr lang="es-ES" smtClean="0"/>
-              <a:t>23/07/2019</a:t>
+              <a:t>24/07/2019</a:t>
             </a:fld>
             <a:endParaRPr lang="es-ES"/>
           </a:p>
@@ -1528,7 +1527,7 @@
           <a:p>
             <a:fld id="{FAC0EC8D-17F2-4955-98FB-8B3A05AE6EC2}" type="datetimeFigureOut">
               <a:rPr lang="es-ES" smtClean="0"/>
-              <a:t>23/07/2019</a:t>
+              <a:t>24/07/2019</a:t>
             </a:fld>
             <a:endParaRPr lang="es-ES"/>
           </a:p>
@@ -1816,7 +1815,7 @@
           <a:p>
             <a:fld id="{FAC0EC8D-17F2-4955-98FB-8B3A05AE6EC2}" type="datetimeFigureOut">
               <a:rPr lang="es-ES" smtClean="0"/>
-              <a:t>23/07/2019</a:t>
+              <a:t>24/07/2019</a:t>
             </a:fld>
             <a:endParaRPr lang="es-ES"/>
           </a:p>
@@ -2238,7 +2237,7 @@
           <a:p>
             <a:fld id="{FAC0EC8D-17F2-4955-98FB-8B3A05AE6EC2}" type="datetimeFigureOut">
               <a:rPr lang="es-ES" smtClean="0"/>
-              <a:t>23/07/2019</a:t>
+              <a:t>24/07/2019</a:t>
             </a:fld>
             <a:endParaRPr lang="es-ES"/>
           </a:p>
@@ -2356,7 +2355,7 @@
           <a:p>
             <a:fld id="{FAC0EC8D-17F2-4955-98FB-8B3A05AE6EC2}" type="datetimeFigureOut">
               <a:rPr lang="es-ES" smtClean="0"/>
-              <a:t>23/07/2019</a:t>
+              <a:t>24/07/2019</a:t>
             </a:fld>
             <a:endParaRPr lang="es-ES"/>
           </a:p>
@@ -2451,7 +2450,7 @@
           <a:p>
             <a:fld id="{FAC0EC8D-17F2-4955-98FB-8B3A05AE6EC2}" type="datetimeFigureOut">
               <a:rPr lang="es-ES" smtClean="0"/>
-              <a:t>23/07/2019</a:t>
+              <a:t>24/07/2019</a:t>
             </a:fld>
             <a:endParaRPr lang="es-ES"/>
           </a:p>
@@ -2728,7 +2727,7 @@
           <a:p>
             <a:fld id="{FAC0EC8D-17F2-4955-98FB-8B3A05AE6EC2}" type="datetimeFigureOut">
               <a:rPr lang="es-ES" smtClean="0"/>
-              <a:t>23/07/2019</a:t>
+              <a:t>24/07/2019</a:t>
             </a:fld>
             <a:endParaRPr lang="es-ES"/>
           </a:p>
@@ -2981,7 +2980,7 @@
           <a:p>
             <a:fld id="{FAC0EC8D-17F2-4955-98FB-8B3A05AE6EC2}" type="datetimeFigureOut">
               <a:rPr lang="es-ES" smtClean="0"/>
-              <a:t>23/07/2019</a:t>
+              <a:t>24/07/2019</a:t>
             </a:fld>
             <a:endParaRPr lang="es-ES"/>
           </a:p>
@@ -3194,7 +3193,7 @@
           <a:p>
             <a:fld id="{FAC0EC8D-17F2-4955-98FB-8B3A05AE6EC2}" type="datetimeFigureOut">
               <a:rPr lang="es-ES" smtClean="0"/>
-              <a:t>23/07/2019</a:t>
+              <a:t>24/07/2019</a:t>
             </a:fld>
             <a:endParaRPr lang="es-ES"/>
           </a:p>
@@ -3918,11 +3917,7 @@
           <a:p>
             <a:r>
               <a:rPr lang="es-ES" dirty="0" smtClean="0"/>
-              <a:t>9</a:t>
-            </a:r>
-            <a:r>
-              <a:rPr lang="es-ES" dirty="0" smtClean="0"/>
-              <a:t>/21</a:t>
+              <a:t>9/20</a:t>
             </a:r>
             <a:endParaRPr lang="es-ES" dirty="0"/>
           </a:p>
@@ -3975,8 +3970,8 @@
         </p:nvSpPr>
         <p:spPr>
           <a:xfrm>
-            <a:off x="3308577" y="1807326"/>
-            <a:ext cx="2526846" cy="861774"/>
+            <a:off x="1979712" y="1859453"/>
+            <a:ext cx="5695790" cy="861774"/>
           </a:xfrm>
           <a:prstGeom prst="rect">
             <a:avLst/>
@@ -3997,6 +3992,30 @@
               </a:rPr>
               <a:t>Experimentos</a:t>
             </a:r>
+            <a:r>
+              <a:rPr lang="es-ES" sz="3200" b="1" dirty="0">
+                <a:solidFill>
+                  <a:srgbClr val="586E2C"/>
+                </a:solidFill>
+              </a:rPr>
+              <a:t>: n</a:t>
+            </a:r>
+            <a:r>
+              <a:rPr lang="es-ES" sz="3200" b="1" dirty="0" smtClean="0">
+                <a:solidFill>
+                  <a:srgbClr val="586E2C"/>
+                </a:solidFill>
+              </a:rPr>
+              <a:t>úmero </a:t>
+            </a:r>
+            <a:r>
+              <a:rPr lang="es-ES" sz="3200" b="1" dirty="0">
+                <a:solidFill>
+                  <a:srgbClr val="586E2C"/>
+                </a:solidFill>
+              </a:rPr>
+              <a:t>de clases</a:t>
+            </a:r>
             <a:endParaRPr lang="es-ES" sz="3200" dirty="0"/>
           </a:p>
           <a:p>
@@ -4016,13 +4035,13 @@
         </p:nvSpPr>
         <p:spPr>
           <a:xfrm>
-            <a:off x="755576" y="2439217"/>
+            <a:off x="444008" y="2430190"/>
             <a:ext cx="7996960" cy="3777283"/>
           </a:xfrm>
         </p:spPr>
         <p:txBody>
           <a:bodyPr>
-            <a:normAutofit lnSpcReduction="10000"/>
+            <a:normAutofit/>
           </a:bodyPr>
           <a:lstStyle/>
           <a:p>
@@ -4033,23 +4052,17 @@
             <a:endParaRPr lang="es-ES" sz="2000" dirty="0" smtClean="0"/>
           </a:p>
           <a:p>
-            <a:pPr>
-              <a:buFont typeface="Wingdings" panose="05000000000000000000" pitchFamily="2" charset="2"/>
-              <a:buChar char="§"/>
-            </a:pPr>
-            <a:r>
-              <a:rPr lang="es-ES" sz="2400" dirty="0" smtClean="0"/>
-              <a:t>Número de clases:</a:t>
-            </a:r>
-          </a:p>
-          <a:p>
             <a:pPr lvl="1">
               <a:buFont typeface="Wingdings" panose="05000000000000000000" pitchFamily="2" charset="2"/>
               <a:buChar char="§"/>
             </a:pPr>
             <a:r>
               <a:rPr lang="es-ES" sz="2000" dirty="0" smtClean="0"/>
-              <a:t>4 clases de velocidad de tracción (v) y 7 clases de velocidad de rotación (w).</a:t>
+              <a:t>4 </a:t>
+            </a:r>
+            <a:r>
+              <a:rPr lang="es-ES" sz="2000" dirty="0" smtClean="0"/>
+              <a:t>clases de velocidad de tracción (v) y 7 clases de velocidad de rotación (w).</a:t>
             </a:r>
           </a:p>
           <a:p>
@@ -4269,7 +4282,7 @@
           <a:p>
             <a:r>
               <a:rPr lang="es-ES" dirty="0" smtClean="0"/>
-              <a:t>10/21</a:t>
+              <a:t>10/20</a:t>
             </a:r>
             <a:endParaRPr lang="es-ES" dirty="0"/>
           </a:p>
@@ -4311,43 +4324,6 @@
                 <a:srgbClr val="0070C0"/>
               </a:solidFill>
             </a:endParaRPr>
-          </a:p>
-        </p:txBody>
-      </p:sp>
-      <p:sp>
-        <p:nvSpPr>
-          <p:cNvPr id="9" name="7 CuadroTexto"/>
-          <p:cNvSpPr txBox="1"/>
-          <p:nvPr/>
-        </p:nvSpPr>
-        <p:spPr>
-          <a:xfrm>
-            <a:off x="3308577" y="1549986"/>
-            <a:ext cx="2526846" cy="861774"/>
-          </a:xfrm>
-          <a:prstGeom prst="rect">
-            <a:avLst/>
-          </a:prstGeom>
-          <a:noFill/>
-        </p:spPr>
-        <p:txBody>
-          <a:bodyPr wrap="none" rtlCol="0">
-            <a:spAutoFit/>
-          </a:bodyPr>
-          <a:lstStyle/>
-          <a:p>
-            <a:r>
-              <a:rPr lang="es-ES" sz="3200" b="1" dirty="0" smtClean="0">
-                <a:solidFill>
-                  <a:srgbClr val="586E2C"/>
-                </a:solidFill>
-              </a:rPr>
-              <a:t>Experimentos</a:t>
-            </a:r>
-            <a:endParaRPr lang="es-ES" sz="3200" dirty="0"/>
-          </a:p>
-          <a:p>
-            <a:endParaRPr lang="es-ES" dirty="0"/>
           </a:p>
         </p:txBody>
       </p:sp>
@@ -4367,7 +4343,7 @@
         </p:blipFill>
         <p:spPr>
           <a:xfrm>
-            <a:off x="1115616" y="2236243"/>
+            <a:off x="1043608" y="1623900"/>
             <a:ext cx="6683284" cy="3615048"/>
           </a:xfrm>
           <a:prstGeom prst="rect">
@@ -4383,8 +4359,8 @@
         </p:nvSpPr>
         <p:spPr>
           <a:xfrm>
-            <a:off x="1043608" y="5792018"/>
-            <a:ext cx="6843605" cy="584775"/>
+            <a:off x="1115616" y="5459095"/>
+            <a:ext cx="3733201" cy="400110"/>
           </a:xfrm>
           <a:prstGeom prst="rect">
             <a:avLst/>
@@ -4397,45 +4373,19 @@
           </a:bodyPr>
           <a:lstStyle/>
           <a:p>
-            <a:r>
-              <a:rPr lang="es-ES" sz="1600" i="1" dirty="0"/>
-              <a:t>Resultados de </a:t>
-            </a:r>
-            <a:r>
-              <a:rPr lang="es-ES" sz="1600" i="1" dirty="0" smtClean="0"/>
-              <a:t>conducción </a:t>
-            </a:r>
-            <a:r>
-              <a:rPr lang="es-ES" sz="1600" i="1" dirty="0"/>
-              <a:t>con redes de </a:t>
-            </a:r>
-            <a:r>
-              <a:rPr lang="es-ES" sz="1600" i="1" dirty="0" smtClean="0"/>
-              <a:t>clasificación </a:t>
-            </a:r>
-            <a:r>
-              <a:rPr lang="es-ES" sz="1600" i="1" dirty="0"/>
-              <a:t>modificando la </a:t>
-            </a:r>
-            <a:r>
-              <a:rPr lang="es-ES" sz="1600" i="1" dirty="0" smtClean="0"/>
-              <a:t>combinación</a:t>
-            </a:r>
-            <a:endParaRPr lang="es-ES" sz="1600" i="1" dirty="0"/>
-          </a:p>
-          <a:p>
-            <a:r>
-              <a:rPr lang="es-ES" sz="1600" i="1" dirty="0"/>
-              <a:t>del </a:t>
-            </a:r>
-            <a:r>
-              <a:rPr lang="es-ES" sz="1600" i="1" dirty="0" smtClean="0"/>
-              <a:t>número </a:t>
-            </a:r>
-            <a:r>
-              <a:rPr lang="es-ES" sz="1600" i="1" dirty="0"/>
-              <a:t>de clases (imagen recortada)</a:t>
-            </a:r>
+            <a:pPr marL="285750" indent="-285750">
+              <a:buFont typeface="Wingdings" panose="05000000000000000000" pitchFamily="2" charset="2"/>
+              <a:buChar char="§"/>
+            </a:pPr>
+            <a:r>
+              <a:rPr lang="es-ES" sz="2000" dirty="0"/>
+              <a:t>5v + 7w es buena </a:t>
+            </a:r>
+            <a:r>
+              <a:rPr lang="es-ES" sz="2000" dirty="0" smtClean="0"/>
+              <a:t>combinación.</a:t>
+            </a:r>
+            <a:endParaRPr lang="es-ES" sz="2000" i="1" dirty="0"/>
           </a:p>
         </p:txBody>
       </p:sp>
@@ -4583,7 +4533,7 @@
           <a:p>
             <a:r>
               <a:rPr lang="es-ES" dirty="0" smtClean="0"/>
-              <a:t>11/21</a:t>
+              <a:t>11/20</a:t>
             </a:r>
             <a:endParaRPr lang="es-ES" dirty="0"/>
           </a:p>
@@ -4636,8 +4586,8 @@
         </p:nvSpPr>
         <p:spPr>
           <a:xfrm>
-            <a:off x="3308577" y="1807326"/>
-            <a:ext cx="2526846" cy="861774"/>
+            <a:off x="1281092" y="1785015"/>
+            <a:ext cx="6963316" cy="861774"/>
           </a:xfrm>
           <a:prstGeom prst="rect">
             <a:avLst/>
@@ -4651,12 +4601,12 @@
           <a:lstStyle/>
           <a:p>
             <a:r>
-              <a:rPr lang="es-ES" sz="3200" b="1" dirty="0" smtClean="0">
+              <a:rPr lang="es-ES" sz="3200" b="1" dirty="0">
                 <a:solidFill>
                   <a:srgbClr val="586E2C"/>
                 </a:solidFill>
               </a:rPr>
-              <a:t>Experimentos</a:t>
+              <a:t>Experimentos: sesgos en bases de datos</a:t>
             </a:r>
             <a:endParaRPr lang="es-ES" sz="3200" dirty="0"/>
           </a:p>
@@ -4677,13 +4627,13 @@
         </p:nvSpPr>
         <p:spPr>
           <a:xfrm>
-            <a:off x="703020" y="2290340"/>
+            <a:off x="466247" y="2299550"/>
             <a:ext cx="7996960" cy="3917133"/>
           </a:xfrm>
         </p:spPr>
         <p:txBody>
           <a:bodyPr>
-            <a:normAutofit lnSpcReduction="10000"/>
+            <a:normAutofit/>
           </a:bodyPr>
           <a:lstStyle/>
           <a:p>
@@ -4694,33 +4644,17 @@
             <a:endParaRPr lang="es-ES" sz="2000" dirty="0" smtClean="0"/>
           </a:p>
           <a:p>
-            <a:pPr>
-              <a:buFont typeface="Wingdings" panose="05000000000000000000" pitchFamily="2" charset="2"/>
-              <a:buChar char="§"/>
-            </a:pPr>
-            <a:r>
-              <a:rPr lang="es-ES" sz="2400" dirty="0"/>
-              <a:t>Influencia de los datos de entrenamiento</a:t>
-            </a:r>
-            <a:r>
-              <a:rPr lang="es-ES" sz="2400" dirty="0" smtClean="0"/>
-              <a:t>:</a:t>
-            </a:r>
-          </a:p>
-          <a:p>
-            <a:pPr marL="0" indent="0">
-              <a:buNone/>
-            </a:pPr>
-            <a:endParaRPr lang="es-ES" sz="2400" dirty="0" smtClean="0"/>
-          </a:p>
-          <a:p>
             <a:pPr lvl="1">
               <a:buFont typeface="Wingdings" panose="05000000000000000000" pitchFamily="2" charset="2"/>
               <a:buChar char="§"/>
             </a:pPr>
             <a:r>
               <a:rPr lang="es-ES" sz="2000" dirty="0" smtClean="0"/>
-              <a:t>Conjunto de entrenamiento sin </a:t>
+              <a:t>Conjunto </a:t>
+            </a:r>
+            <a:r>
+              <a:rPr lang="es-ES" sz="2000" dirty="0" smtClean="0"/>
+              <a:t>de entrenamiento sin </a:t>
             </a:r>
             <a:r>
               <a:rPr lang="es-ES" sz="2000" dirty="0"/>
@@ -4939,7 +4873,7 @@
           <a:p>
             <a:r>
               <a:rPr lang="es-ES" dirty="0" smtClean="0"/>
-              <a:t>12/21</a:t>
+              <a:t>12/20</a:t>
             </a:r>
             <a:endParaRPr lang="es-ES" dirty="0"/>
           </a:p>
@@ -4981,43 +4915,6 @@
                 <a:srgbClr val="0070C0"/>
               </a:solidFill>
             </a:endParaRPr>
-          </a:p>
-        </p:txBody>
-      </p:sp>
-      <p:sp>
-        <p:nvSpPr>
-          <p:cNvPr id="9" name="7 CuadroTexto"/>
-          <p:cNvSpPr txBox="1"/>
-          <p:nvPr/>
-        </p:nvSpPr>
-        <p:spPr>
-          <a:xfrm>
-            <a:off x="3308577" y="1532307"/>
-            <a:ext cx="2526846" cy="861774"/>
-          </a:xfrm>
-          <a:prstGeom prst="rect">
-            <a:avLst/>
-          </a:prstGeom>
-          <a:noFill/>
-        </p:spPr>
-        <p:txBody>
-          <a:bodyPr wrap="none" rtlCol="0">
-            <a:spAutoFit/>
-          </a:bodyPr>
-          <a:lstStyle/>
-          <a:p>
-            <a:r>
-              <a:rPr lang="es-ES" sz="3200" b="1" dirty="0" smtClean="0">
-                <a:solidFill>
-                  <a:srgbClr val="586E2C"/>
-                </a:solidFill>
-              </a:rPr>
-              <a:t>Experimentos</a:t>
-            </a:r>
-            <a:endParaRPr lang="es-ES" sz="3200" dirty="0"/>
-          </a:p>
-          <a:p>
-            <a:endParaRPr lang="es-ES" dirty="0"/>
           </a:p>
         </p:txBody>
       </p:sp>
@@ -5037,7 +4934,7 @@
         </p:blipFill>
         <p:spPr>
           <a:xfrm>
-            <a:off x="683568" y="2148213"/>
+            <a:off x="937459" y="1587444"/>
             <a:ext cx="7297178" cy="3605808"/>
           </a:xfrm>
           <a:prstGeom prst="rect">
@@ -5047,14 +4944,14 @@
       </p:pic>
       <p:sp>
         <p:nvSpPr>
-          <p:cNvPr id="10" name="CuadroTexto 9"/>
+          <p:cNvPr id="3" name="CuadroTexto 2"/>
           <p:cNvSpPr txBox="1"/>
           <p:nvPr/>
         </p:nvSpPr>
         <p:spPr>
           <a:xfrm>
-            <a:off x="1043608" y="5792018"/>
-            <a:ext cx="6843605" cy="584775"/>
+            <a:off x="971600" y="5451635"/>
+            <a:ext cx="5028877" cy="400110"/>
           </a:xfrm>
           <a:prstGeom prst="rect">
             <a:avLst/>
@@ -5067,32 +4964,19 @@
           </a:bodyPr>
           <a:lstStyle/>
           <a:p>
-            <a:r>
-              <a:rPr lang="es-ES" sz="1600" i="1" dirty="0"/>
-              <a:t>Resultados de </a:t>
-            </a:r>
-            <a:r>
-              <a:rPr lang="es-ES" sz="1600" i="1" dirty="0" smtClean="0"/>
-              <a:t>conducción </a:t>
-            </a:r>
-            <a:r>
-              <a:rPr lang="es-ES" sz="1600" i="1" dirty="0"/>
-              <a:t>con redes de </a:t>
-            </a:r>
-            <a:r>
-              <a:rPr lang="es-ES" sz="1600" i="1" dirty="0" smtClean="0"/>
-              <a:t>clasificación </a:t>
-            </a:r>
-            <a:r>
-              <a:rPr lang="es-ES" sz="1600" i="1" dirty="0"/>
-              <a:t>(estudio de la influencia de</a:t>
-            </a:r>
-          </a:p>
-          <a:p>
-            <a:r>
-              <a:rPr lang="es-ES" sz="1600" i="1" dirty="0"/>
-              <a:t>los datos de entrenamiento)</a:t>
-            </a:r>
+            <a:pPr marL="285750" indent="-285750">
+              <a:buFont typeface="Wingdings" panose="05000000000000000000" pitchFamily="2" charset="2"/>
+              <a:buChar char="§"/>
+            </a:pPr>
+            <a:r>
+              <a:rPr lang="es-ES" sz="2000" dirty="0"/>
+              <a:t>Redes sesgadas ofrecen mejor </a:t>
+            </a:r>
+            <a:r>
+              <a:rPr lang="es-ES" sz="2000" dirty="0" smtClean="0"/>
+              <a:t>rendimiento.</a:t>
+            </a:r>
+            <a:endParaRPr lang="es-ES" dirty="0"/>
           </a:p>
         </p:txBody>
       </p:sp>
@@ -5460,7 +5344,7 @@
           <a:p>
             <a:r>
               <a:rPr lang="es-ES" dirty="0" smtClean="0"/>
-              <a:t>13/21</a:t>
+              <a:t>13/20</a:t>
             </a:r>
             <a:endParaRPr lang="es-ES" dirty="0"/>
           </a:p>
@@ -5649,7 +5533,7 @@
           <a:p>
             <a:r>
               <a:rPr lang="es-ES" dirty="0" smtClean="0"/>
-              <a:t>14/21</a:t>
+              <a:t>14/20</a:t>
             </a:r>
             <a:endParaRPr lang="es-ES" dirty="0"/>
           </a:p>
@@ -5732,8 +5616,8 @@
         </p:nvSpPr>
         <p:spPr>
           <a:xfrm>
-            <a:off x="3308577" y="1807326"/>
-            <a:ext cx="2526846" cy="861774"/>
+            <a:off x="1261792" y="1523925"/>
+            <a:ext cx="6885218" cy="861774"/>
           </a:xfrm>
           <a:prstGeom prst="rect">
             <a:avLst/>
@@ -5747,12 +5631,12 @@
           <a:lstStyle/>
           <a:p>
             <a:r>
-              <a:rPr lang="es-ES" sz="3200" b="1" dirty="0" smtClean="0">
+              <a:rPr lang="es-ES" sz="3200" b="1" dirty="0">
                 <a:solidFill>
                   <a:srgbClr val="586E2C"/>
                 </a:solidFill>
               </a:rPr>
-              <a:t>Experimentos</a:t>
+              <a:t>Experimentos: comparativa entre redes</a:t>
             </a:r>
             <a:endParaRPr lang="es-ES" sz="3200" dirty="0"/>
           </a:p>
@@ -5773,8 +5657,8 @@
         </p:nvSpPr>
         <p:spPr>
           <a:xfrm>
-            <a:off x="881755" y="2669100"/>
-            <a:ext cx="7996960" cy="3777283"/>
+            <a:off x="667767" y="5565692"/>
+            <a:ext cx="7996960" cy="1263956"/>
           </a:xfrm>
         </p:spPr>
         <p:txBody>
@@ -5783,96 +5667,77 @@
           </a:bodyPr>
           <a:lstStyle/>
           <a:p>
+            <a:pPr lvl="1">
+              <a:buFont typeface="Wingdings" panose="05000000000000000000" pitchFamily="2" charset="2"/>
+              <a:buChar char="§"/>
+            </a:pPr>
+            <a:r>
+              <a:rPr lang="es-ES" sz="2000" dirty="0" smtClean="0"/>
+              <a:t>Redes </a:t>
+            </a:r>
+            <a:r>
+              <a:rPr lang="es-ES" sz="2000" dirty="0"/>
+              <a:t>profundas mejoran el resultado</a:t>
+            </a:r>
+            <a:r>
+              <a:rPr lang="es-ES" sz="2000" dirty="0" smtClean="0"/>
+              <a:t>.</a:t>
+            </a:r>
+          </a:p>
+          <a:p>
+            <a:pPr lvl="1">
+              <a:buFont typeface="Wingdings" panose="05000000000000000000" pitchFamily="2" charset="2"/>
+              <a:buChar char="§"/>
+            </a:pPr>
+            <a:r>
+              <a:rPr lang="es-ES" sz="2000" dirty="0"/>
+              <a:t>Conducción más suave con </a:t>
+            </a:r>
+            <a:r>
+              <a:rPr lang="es-ES" sz="2000" dirty="0" smtClean="0"/>
+              <a:t>ConvLSTM2D.</a:t>
+            </a:r>
+            <a:endParaRPr lang="es-ES" sz="2000" dirty="0"/>
+          </a:p>
+          <a:p>
+            <a:pPr marL="457200" lvl="1" indent="0">
+              <a:buNone/>
+            </a:pPr>
+            <a:endParaRPr lang="es-ES" sz="2000" dirty="0" smtClean="0"/>
+          </a:p>
+          <a:p>
             <a:pPr>
               <a:buFont typeface="Wingdings" panose="05000000000000000000" pitchFamily="2" charset="2"/>
               <a:buChar char="§"/>
             </a:pPr>
-            <a:r>
-              <a:rPr lang="es-ES" sz="2400" dirty="0"/>
-              <a:t>Buenos resultados en </a:t>
-            </a:r>
-            <a:r>
-              <a:rPr lang="es-ES" sz="2400" dirty="0" smtClean="0"/>
-              <a:t>métricas neuronales </a:t>
-            </a:r>
-            <a:r>
-              <a:rPr lang="es-ES" sz="2400" dirty="0"/>
-              <a:t>no implican buen rendimiento</a:t>
-            </a:r>
-            <a:r>
-              <a:rPr lang="es-ES" sz="2400" dirty="0" smtClean="0"/>
-              <a:t>.</a:t>
-            </a:r>
-          </a:p>
-          <a:p>
-            <a:pPr marL="0" indent="0">
-              <a:buNone/>
-            </a:pPr>
             <a:endParaRPr lang="es-ES" sz="2400" dirty="0" smtClean="0"/>
           </a:p>
-          <a:p>
-            <a:pPr>
-              <a:buFont typeface="Wingdings" panose="05000000000000000000" pitchFamily="2" charset="2"/>
-              <a:buChar char="§"/>
-            </a:pPr>
-            <a:r>
-              <a:rPr lang="es-ES" sz="2400" dirty="0"/>
-              <a:t>Comparativa entre redes de </a:t>
-            </a:r>
-            <a:r>
-              <a:rPr lang="es-ES" sz="2400" dirty="0" smtClean="0"/>
-              <a:t>regresión</a:t>
-            </a:r>
-            <a:r>
-              <a:rPr lang="es-ES" sz="2400" dirty="0"/>
-              <a:t>:</a:t>
-            </a:r>
-            <a:endParaRPr lang="es-ES" sz="2400" dirty="0" smtClean="0"/>
-          </a:p>
-          <a:p>
-            <a:pPr lvl="1">
-              <a:buFont typeface="Wingdings" panose="05000000000000000000" pitchFamily="2" charset="2"/>
-              <a:buChar char="§"/>
-            </a:pPr>
-            <a:r>
-              <a:rPr lang="es-ES" sz="2000" dirty="0"/>
-              <a:t>Redes profundas mejoran el resultado</a:t>
-            </a:r>
-            <a:r>
-              <a:rPr lang="es-ES" sz="2000" dirty="0" smtClean="0"/>
-              <a:t>.</a:t>
-            </a:r>
-          </a:p>
-          <a:p>
-            <a:pPr lvl="1">
-              <a:buFont typeface="Wingdings" panose="05000000000000000000" pitchFamily="2" charset="2"/>
-              <a:buChar char="§"/>
-            </a:pPr>
-            <a:r>
-              <a:rPr lang="es-ES" sz="2000" dirty="0"/>
-              <a:t>Conducción más suave con </a:t>
-            </a:r>
-            <a:r>
-              <a:rPr lang="es-ES" sz="2000" dirty="0" smtClean="0"/>
-              <a:t>ConvLSTM2D.</a:t>
-            </a:r>
-            <a:endParaRPr lang="es-ES" sz="2000" dirty="0"/>
-          </a:p>
-          <a:p>
-            <a:pPr marL="457200" lvl="1" indent="0">
-              <a:buNone/>
-            </a:pPr>
-            <a:endParaRPr lang="es-ES" sz="2000" dirty="0" smtClean="0"/>
-          </a:p>
-          <a:p>
-            <a:pPr>
-              <a:buFont typeface="Wingdings" panose="05000000000000000000" pitchFamily="2" charset="2"/>
-              <a:buChar char="§"/>
-            </a:pPr>
-            <a:endParaRPr lang="es-ES" sz="2400" dirty="0" smtClean="0"/>
-          </a:p>
-        </p:txBody>
-      </p:sp>
+        </p:txBody>
+      </p:sp>
+      <p:pic>
+        <p:nvPicPr>
+          <p:cNvPr id="10" name="Imagen 9"/>
+          <p:cNvPicPr>
+            <a:picLocks noChangeAspect="1"/>
+          </p:cNvPicPr>
+          <p:nvPr/>
+        </p:nvPicPr>
+        <p:blipFill>
+          <a:blip r:embed="rId4"/>
+          <a:stretch>
+            <a:fillRect/>
+          </a:stretch>
+        </p:blipFill>
+        <p:spPr>
+          <a:xfrm>
+            <a:off x="323528" y="2338994"/>
+            <a:ext cx="8201598" cy="3064156"/>
+          </a:xfrm>
+          <a:prstGeom prst="rect">
+            <a:avLst/>
+          </a:prstGeom>
+        </p:spPr>
+      </p:pic>
     </p:spTree>
     <p:extLst>
       <p:ext uri="{BB962C8B-B14F-4D97-AF65-F5344CB8AC3E}">
@@ -5987,7 +5852,7 @@
           <a:p>
             <a:r>
               <a:rPr lang="es-ES" dirty="0" smtClean="0"/>
-              <a:t>15/21</a:t>
+              <a:t>15/20</a:t>
             </a:r>
             <a:endParaRPr lang="es-ES" dirty="0"/>
           </a:p>
@@ -6070,8 +5935,8 @@
         </p:nvSpPr>
         <p:spPr>
           <a:xfrm>
-            <a:off x="3308577" y="1807326"/>
-            <a:ext cx="2526846" cy="861774"/>
+            <a:off x="1803348" y="1538274"/>
+            <a:ext cx="5725798" cy="861774"/>
           </a:xfrm>
           <a:prstGeom prst="rect">
             <a:avLst/>
@@ -6085,23 +5950,73 @@
           <a:lstStyle/>
           <a:p>
             <a:r>
-              <a:rPr lang="es-ES" sz="3200" b="1" dirty="0" smtClean="0">
+              <a:rPr lang="es-ES" sz="3200" b="1" dirty="0">
                 <a:solidFill>
                   <a:srgbClr val="586E2C"/>
                 </a:solidFill>
               </a:rPr>
-              <a:t>Experimentos</a:t>
+              <a:t>Experimentos: imagen recortada</a:t>
             </a:r>
             <a:endParaRPr lang="es-ES" sz="3200" dirty="0"/>
           </a:p>
           <a:p>
             <a:endParaRPr lang="es-ES" dirty="0"/>
+          </a:p>
+        </p:txBody>
+      </p:sp>
+      <p:sp>
+        <p:nvSpPr>
+          <p:cNvPr id="9" name="2 Marcador de contenido"/>
+          <p:cNvSpPr>
+            <a:spLocks noGrp="1"/>
+          </p:cNvSpPr>
+          <p:nvPr>
+            <p:ph idx="1"/>
+          </p:nvPr>
+        </p:nvSpPr>
+        <p:spPr>
+          <a:xfrm>
+            <a:off x="461489" y="5625304"/>
+            <a:ext cx="7996960" cy="582169"/>
+          </a:xfrm>
+        </p:spPr>
+        <p:txBody>
+          <a:bodyPr>
+            <a:normAutofit/>
+          </a:bodyPr>
+          <a:lstStyle/>
+          <a:p>
+            <a:pPr lvl="1">
+              <a:buFont typeface="Wingdings" panose="05000000000000000000" pitchFamily="2" charset="2"/>
+              <a:buChar char="§"/>
+            </a:pPr>
+            <a:r>
+              <a:rPr lang="es-ES" sz="2000" dirty="0" smtClean="0"/>
+              <a:t>La </a:t>
+            </a:r>
+            <a:r>
+              <a:rPr lang="es-ES" sz="2000" dirty="0"/>
+              <a:t>imagen </a:t>
+            </a:r>
+            <a:r>
+              <a:rPr lang="es-ES" sz="2000" dirty="0" smtClean="0"/>
+              <a:t>completa </a:t>
+            </a:r>
+            <a:r>
+              <a:rPr lang="es-ES" sz="2000" dirty="0"/>
+              <a:t>mejora el rendimiento</a:t>
+            </a:r>
+            <a:r>
+              <a:rPr lang="es-ES" sz="2000" dirty="0" smtClean="0"/>
+              <a:t>.</a:t>
+            </a:r>
+            <a:endParaRPr lang="es-ES" sz="2400" dirty="0" smtClean="0"/>
           </a:p>
         </p:txBody>
       </p:sp>
       <p:pic>
         <p:nvPicPr>
-          <p:cNvPr id="3" name="Imagen 2"/>
+          <p:cNvPr id="2" name="Imagen 1"/>
           <p:cNvPicPr>
             <a:picLocks noChangeAspect="1"/>
           </p:cNvPicPr>
@@ -6115,63 +6030,18 @@
         </p:blipFill>
         <p:spPr>
           <a:xfrm>
-            <a:off x="453779" y="2642987"/>
-            <a:ext cx="8201598" cy="3064156"/>
+            <a:off x="841102" y="2520683"/>
+            <a:ext cx="7601947" cy="2955743"/>
           </a:xfrm>
           <a:prstGeom prst="rect">
             <a:avLst/>
           </a:prstGeom>
         </p:spPr>
       </p:pic>
-      <p:sp>
-        <p:nvSpPr>
-          <p:cNvPr id="9" name="CuadroTexto 8"/>
-          <p:cNvSpPr txBox="1"/>
-          <p:nvPr/>
-        </p:nvSpPr>
-        <p:spPr>
-          <a:xfrm>
-            <a:off x="1043608" y="5792018"/>
-            <a:ext cx="6933629" cy="338554"/>
-          </a:xfrm>
-          <a:prstGeom prst="rect">
-            <a:avLst/>
-          </a:prstGeom>
-          <a:noFill/>
-        </p:spPr>
-        <p:txBody>
-          <a:bodyPr wrap="none" rtlCol="0">
-            <a:spAutoFit/>
-          </a:bodyPr>
-          <a:lstStyle/>
-          <a:p>
-            <a:r>
-              <a:rPr lang="es-ES" sz="1600" i="1" dirty="0"/>
-              <a:t>Resultados de </a:t>
-            </a:r>
-            <a:r>
-              <a:rPr lang="es-ES" sz="1600" i="1" dirty="0" smtClean="0"/>
-              <a:t>conducción </a:t>
-            </a:r>
-            <a:r>
-              <a:rPr lang="es-ES" sz="1600" i="1" dirty="0"/>
-              <a:t>con redes neuronales de </a:t>
-            </a:r>
-            <a:r>
-              <a:rPr lang="es-ES" sz="1600" i="1" dirty="0" smtClean="0"/>
-              <a:t>regresión </a:t>
-            </a:r>
-            <a:r>
-              <a:rPr lang="es-ES" sz="1600" i="1" dirty="0"/>
-              <a:t>(imagen completa)</a:t>
-            </a:r>
-          </a:p>
-        </p:txBody>
-      </p:sp>
     </p:spTree>
     <p:extLst>
       <p:ext uri="{BB962C8B-B14F-4D97-AF65-F5344CB8AC3E}">
-        <p14:creationId xmlns:p14="http://schemas.microsoft.com/office/powerpoint/2010/main" val="4234291143"/>
+        <p14:creationId xmlns:p14="http://schemas.microsoft.com/office/powerpoint/2010/main" val="1898978955"/>
       </p:ext>
     </p:extLst>
   </p:cSld>
@@ -6282,7 +6152,7 @@
           <a:p>
             <a:r>
               <a:rPr lang="es-ES" dirty="0" smtClean="0"/>
-              <a:t>16/21</a:t>
+              <a:t>16/20</a:t>
             </a:r>
             <a:endParaRPr lang="es-ES" dirty="0"/>
           </a:p>
@@ -6365,8 +6235,8 @@
         </p:nvSpPr>
         <p:spPr>
           <a:xfrm>
-            <a:off x="3275856" y="1480697"/>
-            <a:ext cx="2526846" cy="861774"/>
+            <a:off x="1122501" y="1721417"/>
+            <a:ext cx="7591117" cy="861774"/>
           </a:xfrm>
           <a:prstGeom prst="rect">
             <a:avLst/>
@@ -6385,7 +6255,15 @@
                   <a:srgbClr val="586E2C"/>
                 </a:solidFill>
               </a:rPr>
-              <a:t>Experimentos</a:t>
+              <a:t>Experimentos: </a:t>
+            </a:r>
+            <a:r>
+              <a:rPr lang="es-ES" sz="3200" b="1" dirty="0">
+                <a:solidFill>
+                  <a:srgbClr val="586E2C"/>
+                </a:solidFill>
+              </a:rPr>
+              <a:t>tipo de imágenes de entrada</a:t>
             </a:r>
             <a:endParaRPr lang="es-ES" sz="3200" dirty="0"/>
           </a:p>
@@ -6406,7 +6284,7 @@
         </p:nvSpPr>
         <p:spPr>
           <a:xfrm>
-            <a:off x="858029" y="2194990"/>
+            <a:off x="653887" y="2747340"/>
             <a:ext cx="7996960" cy="3777283"/>
           </a:xfrm>
         </p:spPr>
@@ -6416,118 +6294,166 @@
           </a:bodyPr>
           <a:lstStyle/>
           <a:p>
+            <a:pPr lvl="1">
+              <a:buFont typeface="Wingdings" panose="05000000000000000000" pitchFamily="2" charset="2"/>
+              <a:buChar char="§"/>
+            </a:pPr>
+            <a:r>
+              <a:rPr lang="es-ES" sz="2400" dirty="0" smtClean="0"/>
+              <a:t>Creación </a:t>
+            </a:r>
+            <a:r>
+              <a:rPr lang="es-ES" sz="2400" dirty="0" smtClean="0"/>
+              <a:t>de imagen temporal.</a:t>
+            </a:r>
+          </a:p>
+          <a:p>
+            <a:pPr lvl="1">
+              <a:buFont typeface="Wingdings" panose="05000000000000000000" pitchFamily="2" charset="2"/>
+              <a:buChar char="§"/>
+            </a:pPr>
+            <a:endParaRPr lang="es-ES" sz="2400" dirty="0" smtClean="0"/>
+          </a:p>
+          <a:p>
+            <a:pPr lvl="1">
+              <a:buFont typeface="Wingdings" panose="05000000000000000000" pitchFamily="2" charset="2"/>
+              <a:buChar char="§"/>
+            </a:pPr>
+            <a:r>
+              <a:rPr lang="es-ES" sz="2400" dirty="0" smtClean="0"/>
+              <a:t>Imagen </a:t>
+            </a:r>
+            <a:r>
+              <a:rPr lang="es-ES" sz="2400" dirty="0"/>
+              <a:t>apilada (</a:t>
+            </a:r>
+            <a:r>
+              <a:rPr lang="es-ES" sz="2400" i="1" dirty="0" err="1"/>
+              <a:t>PilotNet</a:t>
+            </a:r>
+            <a:r>
+              <a:rPr lang="es-ES" sz="2400" i="1" dirty="0"/>
+              <a:t> (</a:t>
+            </a:r>
+            <a:r>
+              <a:rPr lang="es-ES" sz="2400" i="1" dirty="0" err="1"/>
+              <a:t>stacked</a:t>
+            </a:r>
+            <a:r>
+              <a:rPr lang="es-ES" sz="2400" dirty="0" smtClean="0"/>
+              <a:t>)).</a:t>
+            </a:r>
+          </a:p>
+          <a:p>
+            <a:pPr lvl="1">
+              <a:buFont typeface="Wingdings" panose="05000000000000000000" pitchFamily="2" charset="2"/>
+              <a:buChar char="§"/>
+            </a:pPr>
+            <a:r>
+              <a:rPr lang="es-ES" sz="2400" dirty="0" smtClean="0"/>
+              <a:t>Imagen </a:t>
+            </a:r>
+            <a:r>
+              <a:rPr lang="es-ES" sz="2400" dirty="0"/>
+              <a:t>diferencia (</a:t>
+            </a:r>
+            <a:r>
+              <a:rPr lang="es-ES" sz="2400" i="1" dirty="0"/>
+              <a:t>Temporal (</a:t>
+            </a:r>
+            <a:r>
+              <a:rPr lang="es-ES" sz="2400" i="1" dirty="0" err="1"/>
+              <a:t>dif</a:t>
+            </a:r>
+            <a:r>
+              <a:rPr lang="es-ES" sz="2400" i="1" dirty="0"/>
+              <a:t> </a:t>
+            </a:r>
+            <a:r>
+              <a:rPr lang="es-ES" sz="2400" i="1" dirty="0" smtClean="0"/>
+              <a:t>)</a:t>
+            </a:r>
+            <a:r>
+              <a:rPr lang="es-ES" sz="2400" dirty="0" smtClean="0"/>
+              <a:t>)</a:t>
+            </a:r>
+            <a:r>
+              <a:rPr lang="es-ES" sz="2400" i="1" dirty="0"/>
+              <a:t>.</a:t>
+            </a:r>
+            <a:endParaRPr lang="es-ES" sz="2400" i="1" dirty="0" smtClean="0"/>
+          </a:p>
+          <a:p>
+            <a:pPr lvl="1">
+              <a:buFont typeface="Wingdings" panose="05000000000000000000" pitchFamily="2" charset="2"/>
+              <a:buChar char="§"/>
+            </a:pPr>
+            <a:r>
+              <a:rPr lang="es-ES" sz="2400" dirty="0"/>
+              <a:t>Imagen apilada-diferencia (</a:t>
+            </a:r>
+            <a:r>
+              <a:rPr lang="es-ES" sz="2400" i="1" dirty="0" err="1"/>
+              <a:t>PilotNet</a:t>
+            </a:r>
+            <a:r>
+              <a:rPr lang="es-ES" sz="2400" i="1" dirty="0"/>
+              <a:t> (</a:t>
+            </a:r>
+            <a:r>
+              <a:rPr lang="es-ES" sz="2400" i="1" dirty="0" err="1"/>
+              <a:t>stacked</a:t>
+            </a:r>
+            <a:r>
+              <a:rPr lang="es-ES" sz="2400" i="1" dirty="0"/>
+              <a:t>, </a:t>
+            </a:r>
+            <a:r>
+              <a:rPr lang="es-ES" sz="2400" i="1" dirty="0" err="1"/>
+              <a:t>dif</a:t>
+            </a:r>
+            <a:r>
+              <a:rPr lang="es-ES" sz="2400" i="1" dirty="0"/>
+              <a:t> </a:t>
+            </a:r>
+            <a:r>
+              <a:rPr lang="es-ES" sz="2400" i="1" dirty="0" smtClean="0"/>
+              <a:t>)</a:t>
+            </a:r>
+            <a:r>
+              <a:rPr lang="es-ES" sz="2400" dirty="0" smtClean="0"/>
+              <a:t>)</a:t>
+            </a:r>
+            <a:r>
+              <a:rPr lang="es-ES" sz="2400" i="1" dirty="0" smtClean="0"/>
+              <a:t>.</a:t>
+            </a:r>
+          </a:p>
+          <a:p>
+            <a:pPr marL="457200" lvl="1" indent="0">
+              <a:buNone/>
+            </a:pPr>
+            <a:endParaRPr lang="es-ES" sz="2400" dirty="0" smtClean="0"/>
+          </a:p>
+          <a:p>
+            <a:pPr marL="457200" lvl="1" indent="0">
+              <a:buNone/>
+            </a:pPr>
+            <a:endParaRPr lang="es-ES" sz="2000" dirty="0" smtClean="0"/>
+          </a:p>
+          <a:p>
             <a:pPr>
               <a:buFont typeface="Wingdings" panose="05000000000000000000" pitchFamily="2" charset="2"/>
               <a:buChar char="§"/>
             </a:pPr>
-            <a:r>
-              <a:rPr lang="es-ES" sz="2400" dirty="0" smtClean="0"/>
-              <a:t>Imágenes de distintas dimensiones:</a:t>
-            </a:r>
-          </a:p>
-          <a:p>
-            <a:pPr lvl="1">
-              <a:buFont typeface="Wingdings" panose="05000000000000000000" pitchFamily="2" charset="2"/>
-              <a:buChar char="§"/>
-            </a:pPr>
-            <a:r>
-              <a:rPr lang="es-ES" sz="2000" dirty="0"/>
-              <a:t>La imagen </a:t>
-            </a:r>
-            <a:r>
-              <a:rPr lang="es-ES" sz="2000" dirty="0" smtClean="0"/>
-              <a:t>completa </a:t>
-            </a:r>
-            <a:r>
-              <a:rPr lang="es-ES" sz="2000" dirty="0"/>
-              <a:t>mejora el rendimiento</a:t>
-            </a:r>
-            <a:r>
-              <a:rPr lang="es-ES" sz="2000" dirty="0" smtClean="0"/>
-              <a:t>.</a:t>
-            </a:r>
             <a:endParaRPr lang="es-ES" sz="2400" dirty="0" smtClean="0"/>
-          </a:p>
-        </p:txBody>
-      </p:sp>
-      <p:pic>
-        <p:nvPicPr>
-          <p:cNvPr id="2" name="Imagen 1"/>
-          <p:cNvPicPr>
-            <a:picLocks noChangeAspect="1"/>
-          </p:cNvPicPr>
-          <p:nvPr/>
-        </p:nvPicPr>
-        <p:blipFill>
-          <a:blip r:embed="rId4"/>
-          <a:stretch>
-            <a:fillRect/>
-          </a:stretch>
-        </p:blipFill>
-        <p:spPr>
-          <a:xfrm>
-            <a:off x="755576" y="3177400"/>
-            <a:ext cx="7146629" cy="2778709"/>
-          </a:xfrm>
-          <a:prstGeom prst="rect">
-            <a:avLst/>
-          </a:prstGeom>
-        </p:spPr>
-      </p:pic>
-      <p:sp>
-        <p:nvSpPr>
-          <p:cNvPr id="10" name="CuadroTexto 9"/>
-          <p:cNvSpPr txBox="1"/>
-          <p:nvPr/>
-        </p:nvSpPr>
-        <p:spPr>
-          <a:xfrm>
-            <a:off x="1037493" y="6050333"/>
-            <a:ext cx="6854569" cy="338554"/>
-          </a:xfrm>
-          <a:prstGeom prst="rect">
-            <a:avLst/>
-          </a:prstGeom>
-          <a:noFill/>
-        </p:spPr>
-        <p:txBody>
-          <a:bodyPr wrap="none" rtlCol="0">
-            <a:spAutoFit/>
-          </a:bodyPr>
-          <a:lstStyle/>
-          <a:p>
-            <a:r>
-              <a:rPr lang="es-ES" sz="1600" i="1" dirty="0"/>
-              <a:t>Resultados de </a:t>
-            </a:r>
-            <a:r>
-              <a:rPr lang="es-ES" sz="1600" i="1" dirty="0" smtClean="0"/>
-              <a:t>conducción </a:t>
-            </a:r>
-            <a:r>
-              <a:rPr lang="es-ES" sz="1600" i="1" dirty="0"/>
-              <a:t>con redes neuronales de </a:t>
-            </a:r>
-            <a:r>
-              <a:rPr lang="es-ES" sz="1600" i="1" dirty="0" smtClean="0"/>
-              <a:t>regresión </a:t>
-            </a:r>
-            <a:r>
-              <a:rPr lang="es-ES" sz="1600" i="1" dirty="0"/>
-              <a:t>(imagen </a:t>
-            </a:r>
-            <a:r>
-              <a:rPr lang="es-ES" sz="1600" i="1" dirty="0" smtClean="0"/>
-              <a:t>recortada)</a:t>
-            </a:r>
-            <a:endParaRPr lang="es-ES" sz="1600" i="1" dirty="0"/>
           </a:p>
         </p:txBody>
       </p:sp>
     </p:spTree>
     <p:extLst>
       <p:ext uri="{BB962C8B-B14F-4D97-AF65-F5344CB8AC3E}">
-        <p14:creationId xmlns:p14="http://schemas.microsoft.com/office/powerpoint/2010/main" val="1898978955"/>
+        <p14:creationId xmlns:p14="http://schemas.microsoft.com/office/powerpoint/2010/main" val="108250992"/>
       </p:ext>
     </p:extLst>
   </p:cSld>
@@ -6638,7 +6564,7 @@
           <a:p>
             <a:r>
               <a:rPr lang="es-ES" dirty="0" smtClean="0"/>
-              <a:t>17/21</a:t>
+              <a:t>17/20</a:t>
             </a:r>
             <a:endParaRPr lang="es-ES" dirty="0"/>
           </a:p>
@@ -6713,16 +6639,40 @@
           </a:p>
         </p:txBody>
       </p:sp>
-      <p:sp>
-        <p:nvSpPr>
-          <p:cNvPr id="8" name="7 CuadroTexto"/>
+      <p:pic>
+        <p:nvPicPr>
+          <p:cNvPr id="3" name="Imagen 2"/>
+          <p:cNvPicPr>
+            <a:picLocks noChangeAspect="1"/>
+          </p:cNvPicPr>
+          <p:nvPr/>
+        </p:nvPicPr>
+        <p:blipFill>
+          <a:blip r:embed="rId4"/>
+          <a:stretch>
+            <a:fillRect/>
+          </a:stretch>
+        </p:blipFill>
+        <p:spPr>
+          <a:xfrm>
+            <a:off x="611560" y="1649571"/>
+            <a:ext cx="7592264" cy="3694901"/>
+          </a:xfrm>
+          <a:prstGeom prst="rect">
+            <a:avLst/>
+          </a:prstGeom>
+        </p:spPr>
+      </p:pic>
+      <p:sp>
+        <p:nvSpPr>
+          <p:cNvPr id="9" name="CuadroTexto 8"/>
           <p:cNvSpPr txBox="1"/>
           <p:nvPr/>
         </p:nvSpPr>
         <p:spPr>
           <a:xfrm>
-            <a:off x="3308577" y="1807326"/>
-            <a:ext cx="2526846" cy="861774"/>
+            <a:off x="742384" y="5583283"/>
+            <a:ext cx="7847726" cy="400110"/>
           </a:xfrm>
           <a:prstGeom prst="rect">
             <a:avLst/>
@@ -6735,238 +6685,22 @@
           </a:bodyPr>
           <a:lstStyle/>
           <a:p>
-            <a:r>
-              <a:rPr lang="es-ES" sz="3200" b="1" dirty="0" smtClean="0">
-                <a:solidFill>
-                  <a:srgbClr val="586E2C"/>
-                </a:solidFill>
-              </a:rPr>
-              <a:t>Experimentos</a:t>
-            </a:r>
-            <a:endParaRPr lang="es-ES" sz="3200" dirty="0"/>
-          </a:p>
-          <a:p>
-            <a:endParaRPr lang="es-ES" dirty="0"/>
-          </a:p>
-        </p:txBody>
-      </p:sp>
-      <p:sp>
-        <p:nvSpPr>
-          <p:cNvPr id="9" name="2 Marcador de contenido"/>
-          <p:cNvSpPr>
-            <a:spLocks noGrp="1"/>
-          </p:cNvSpPr>
-          <p:nvPr>
-            <p:ph idx="1"/>
-          </p:nvPr>
-        </p:nvSpPr>
-        <p:spPr>
-          <a:xfrm>
-            <a:off x="881755" y="2669100"/>
-            <a:ext cx="7996960" cy="3777283"/>
-          </a:xfrm>
-        </p:spPr>
-        <p:txBody>
-          <a:bodyPr>
-            <a:normAutofit/>
-          </a:bodyPr>
-          <a:lstStyle/>
-          <a:p>
-            <a:pPr>
+            <a:pPr marL="285750" indent="-285750">
               <a:buFont typeface="Wingdings" panose="05000000000000000000" pitchFamily="2" charset="2"/>
               <a:buChar char="§"/>
             </a:pPr>
             <a:r>
-              <a:rPr lang="es-ES" sz="2400" dirty="0"/>
-              <a:t>Tipo de imagen de entrada</a:t>
-            </a:r>
-            <a:r>
-              <a:rPr lang="es-ES" sz="2400" dirty="0" smtClean="0"/>
-              <a:t>:</a:t>
-            </a:r>
-          </a:p>
-          <a:p>
-            <a:pPr lvl="1">
-              <a:buFont typeface="Wingdings" panose="05000000000000000000" pitchFamily="2" charset="2"/>
-              <a:buChar char="§"/>
-            </a:pPr>
-            <a:r>
-              <a:rPr lang="es-ES" sz="2000" dirty="0" smtClean="0"/>
-              <a:t>Creación de imagen temporal.</a:t>
-            </a:r>
-          </a:p>
-          <a:p>
-            <a:pPr lvl="1">
-              <a:buFont typeface="Wingdings" panose="05000000000000000000" pitchFamily="2" charset="2"/>
-              <a:buChar char="§"/>
-            </a:pPr>
-            <a:endParaRPr lang="es-ES" sz="2000" dirty="0" smtClean="0"/>
-          </a:p>
-          <a:p>
-            <a:pPr lvl="1">
-              <a:buFont typeface="Wingdings" panose="05000000000000000000" pitchFamily="2" charset="2"/>
-              <a:buChar char="§"/>
-            </a:pPr>
-            <a:r>
-              <a:rPr lang="es-ES" sz="2000" dirty="0" smtClean="0"/>
-              <a:t>Imagen </a:t>
-            </a:r>
-            <a:r>
               <a:rPr lang="es-ES" sz="2000" dirty="0"/>
-              <a:t>apilada (</a:t>
-            </a:r>
-            <a:r>
-              <a:rPr lang="es-ES" sz="2000" i="1" dirty="0" err="1"/>
-              <a:t>PilotNet</a:t>
-            </a:r>
-            <a:r>
-              <a:rPr lang="es-ES" sz="2000" i="1" dirty="0"/>
-              <a:t> (</a:t>
-            </a:r>
-            <a:r>
-              <a:rPr lang="es-ES" sz="2000" i="1" dirty="0" err="1"/>
-              <a:t>stacked</a:t>
-            </a:r>
-            <a:r>
-              <a:rPr lang="es-ES" sz="2000" dirty="0" smtClean="0"/>
-              <a:t>)).</a:t>
-            </a:r>
-          </a:p>
-          <a:p>
-            <a:pPr lvl="1">
-              <a:buFont typeface="Wingdings" panose="05000000000000000000" pitchFamily="2" charset="2"/>
-              <a:buChar char="§"/>
-            </a:pPr>
-            <a:r>
-              <a:rPr lang="es-ES" sz="2000" dirty="0" smtClean="0"/>
-              <a:t>Imagen </a:t>
-            </a:r>
-            <a:r>
-              <a:rPr lang="es-ES" sz="2000" dirty="0"/>
-              <a:t>diferencia (</a:t>
-            </a:r>
-            <a:r>
-              <a:rPr lang="es-ES" sz="2000" i="1" dirty="0"/>
-              <a:t>Temporal (</a:t>
-            </a:r>
-            <a:r>
-              <a:rPr lang="es-ES" sz="2000" i="1" dirty="0" err="1"/>
-              <a:t>dif</a:t>
-            </a:r>
-            <a:r>
-              <a:rPr lang="es-ES" sz="2000" i="1" dirty="0"/>
-              <a:t> </a:t>
-            </a:r>
-            <a:r>
-              <a:rPr lang="es-ES" sz="2000" i="1" dirty="0" smtClean="0"/>
-              <a:t>)</a:t>
-            </a:r>
-            <a:r>
-              <a:rPr lang="es-ES" sz="2000" dirty="0" smtClean="0"/>
-              <a:t>)</a:t>
-            </a:r>
-            <a:r>
-              <a:rPr lang="es-ES" sz="2000" i="1" dirty="0"/>
-              <a:t>.</a:t>
-            </a:r>
-            <a:endParaRPr lang="es-ES" sz="2000" i="1" dirty="0" smtClean="0"/>
-          </a:p>
-          <a:p>
-            <a:pPr lvl="1">
-              <a:buFont typeface="Wingdings" panose="05000000000000000000" pitchFamily="2" charset="2"/>
-              <a:buChar char="§"/>
-            </a:pPr>
-            <a:r>
-              <a:rPr lang="es-ES" sz="2000" dirty="0"/>
-              <a:t>Imagen apilada-diferencia (</a:t>
-            </a:r>
-            <a:r>
-              <a:rPr lang="es-ES" sz="2000" i="1" dirty="0" err="1"/>
-              <a:t>PilotNet</a:t>
-            </a:r>
-            <a:r>
-              <a:rPr lang="es-ES" sz="2000" i="1" dirty="0"/>
-              <a:t> (</a:t>
-            </a:r>
-            <a:r>
-              <a:rPr lang="es-ES" sz="2000" i="1" dirty="0" err="1"/>
-              <a:t>stacked</a:t>
-            </a:r>
-            <a:r>
-              <a:rPr lang="es-ES" sz="2000" i="1" dirty="0"/>
-              <a:t>, </a:t>
-            </a:r>
-            <a:r>
-              <a:rPr lang="es-ES" sz="2000" i="1" dirty="0" err="1"/>
-              <a:t>dif</a:t>
-            </a:r>
-            <a:r>
-              <a:rPr lang="es-ES" sz="2000" i="1" dirty="0"/>
-              <a:t> </a:t>
-            </a:r>
-            <a:r>
-              <a:rPr lang="es-ES" sz="2000" i="1" dirty="0" smtClean="0"/>
-              <a:t>)</a:t>
-            </a:r>
-            <a:r>
-              <a:rPr lang="es-ES" sz="2000" dirty="0" smtClean="0"/>
-              <a:t>)</a:t>
-            </a:r>
-            <a:r>
-              <a:rPr lang="es-ES" sz="2000" i="1" dirty="0" smtClean="0"/>
-              <a:t>.</a:t>
-            </a:r>
-          </a:p>
-          <a:p>
-            <a:pPr marL="457200" lvl="1" indent="0">
-              <a:buNone/>
-            </a:pPr>
-            <a:endParaRPr lang="es-ES" sz="2000" dirty="0" smtClean="0"/>
-          </a:p>
-          <a:p>
-            <a:pPr lvl="1">
-              <a:buFont typeface="Wingdings" panose="05000000000000000000" pitchFamily="2" charset="2"/>
-              <a:buChar char="§"/>
-            </a:pPr>
-            <a:r>
-              <a:rPr lang="es-ES" sz="2000" dirty="0"/>
-              <a:t>Complejidad </a:t>
-            </a:r>
-            <a:r>
-              <a:rPr lang="es-ES" sz="2000" dirty="0" smtClean="0"/>
-              <a:t>al </a:t>
-            </a:r>
-            <a:r>
-              <a:rPr lang="es-ES" sz="2000" dirty="0"/>
-              <a:t>introducir temporalidad en imágenes.</a:t>
-            </a:r>
-          </a:p>
-          <a:p>
-            <a:pPr lvl="1">
-              <a:buFont typeface="Wingdings" panose="05000000000000000000" pitchFamily="2" charset="2"/>
-              <a:buChar char="§"/>
-            </a:pPr>
-            <a:endParaRPr lang="es-ES" sz="2000" dirty="0" smtClean="0"/>
-          </a:p>
-          <a:p>
-            <a:pPr marL="457200" lvl="1" indent="0">
-              <a:buNone/>
-            </a:pPr>
-            <a:endParaRPr lang="es-ES" sz="2000" dirty="0" smtClean="0"/>
-          </a:p>
-          <a:p>
-            <a:pPr>
-              <a:buFont typeface="Wingdings" panose="05000000000000000000" pitchFamily="2" charset="2"/>
-              <a:buChar char="§"/>
-            </a:pPr>
-            <a:endParaRPr lang="es-ES" sz="2400" dirty="0" smtClean="0"/>
+              <a:t>Introducir temporalidad en la red vía imágenes de entrada es complejo</a:t>
+            </a:r>
+            <a:endParaRPr lang="es-ES" sz="2000" dirty="0"/>
           </a:p>
         </p:txBody>
       </p:sp>
     </p:spTree>
     <p:extLst>
       <p:ext uri="{BB962C8B-B14F-4D97-AF65-F5344CB8AC3E}">
-        <p14:creationId xmlns:p14="http://schemas.microsoft.com/office/powerpoint/2010/main" val="108250992"/>
+        <p14:creationId xmlns:p14="http://schemas.microsoft.com/office/powerpoint/2010/main" val="2655785732"/>
       </p:ext>
     </p:extLst>
   </p:cSld>
@@ -7000,6 +6734,187 @@
           <a:chExt cx="0" cy="0"/>
         </a:xfrm>
       </p:grpSpPr>
+      <p:sp>
+        <p:nvSpPr>
+          <p:cNvPr id="2" name="1 Título"/>
+          <p:cNvSpPr>
+            <a:spLocks noGrp="1"/>
+          </p:cNvSpPr>
+          <p:nvPr>
+            <p:ph type="title"/>
+          </p:nvPr>
+        </p:nvSpPr>
+        <p:spPr/>
+        <p:txBody>
+          <a:bodyPr/>
+          <a:lstStyle/>
+          <a:p>
+            <a:r>
+              <a:rPr lang="es-ES" dirty="0" smtClean="0">
+                <a:solidFill>
+                  <a:srgbClr val="0070C0"/>
+                </a:solidFill>
+              </a:rPr>
+              <a:t>Conclusiones</a:t>
+            </a:r>
+            <a:endParaRPr lang="es-ES" dirty="0"/>
+          </a:p>
+        </p:txBody>
+      </p:sp>
+      <p:sp>
+        <p:nvSpPr>
+          <p:cNvPr id="3" name="2 Marcador de contenido"/>
+          <p:cNvSpPr>
+            <a:spLocks noGrp="1"/>
+          </p:cNvSpPr>
+          <p:nvPr>
+            <p:ph idx="1"/>
+          </p:nvPr>
+        </p:nvSpPr>
+        <p:spPr>
+          <a:xfrm>
+            <a:off x="551447" y="2426598"/>
+            <a:ext cx="8229600" cy="3714403"/>
+          </a:xfrm>
+        </p:spPr>
+        <p:txBody>
+          <a:bodyPr>
+            <a:normAutofit/>
+          </a:bodyPr>
+          <a:lstStyle/>
+          <a:p>
+            <a:pPr>
+              <a:buFont typeface="Wingdings" panose="05000000000000000000" pitchFamily="2" charset="2"/>
+              <a:buChar char="§"/>
+            </a:pPr>
+            <a:r>
+              <a:rPr lang="es-ES" sz="2400" b="1" dirty="0" smtClean="0"/>
+              <a:t>Objetivo cumplido: </a:t>
+            </a:r>
+            <a:r>
+              <a:rPr lang="es-ES" sz="2400" dirty="0" smtClean="0"/>
+              <a:t>Estudio de redes neuronales para conducción autónoma en simulación.</a:t>
+            </a:r>
+          </a:p>
+          <a:p>
+            <a:pPr marL="0" indent="0">
+              <a:buNone/>
+            </a:pPr>
+            <a:endParaRPr lang="es-ES" sz="2400" dirty="0" smtClean="0"/>
+          </a:p>
+          <a:p>
+            <a:pPr>
+              <a:buFont typeface="Wingdings" panose="05000000000000000000" pitchFamily="2" charset="2"/>
+              <a:buChar char="§"/>
+            </a:pPr>
+            <a:r>
+              <a:rPr lang="es-ES" sz="2400" dirty="0"/>
+              <a:t>Aplicación de control </a:t>
+            </a:r>
+            <a:r>
+              <a:rPr lang="es-ES" sz="2400" dirty="0" smtClean="0"/>
+              <a:t>visual </a:t>
+            </a:r>
+            <a:r>
+              <a:rPr lang="es-ES" sz="2400" dirty="0"/>
+              <a:t>neuronal</a:t>
+            </a:r>
+            <a:r>
+              <a:rPr lang="es-ES" sz="2400" dirty="0" smtClean="0"/>
+              <a:t>.</a:t>
+            </a:r>
+            <a:endParaRPr lang="es-ES" sz="2400" dirty="0" smtClean="0"/>
+          </a:p>
+          <a:p>
+            <a:pPr>
+              <a:buFont typeface="Wingdings" panose="05000000000000000000" pitchFamily="2" charset="2"/>
+              <a:buChar char="§"/>
+            </a:pPr>
+            <a:r>
+              <a:rPr lang="es-ES" sz="2400" dirty="0"/>
+              <a:t>Creación de bases de datos propias</a:t>
+            </a:r>
+            <a:r>
+              <a:rPr lang="es-ES" sz="2400" dirty="0" smtClean="0"/>
+              <a:t>.</a:t>
+            </a:r>
+          </a:p>
+          <a:p>
+            <a:pPr>
+              <a:buFont typeface="Wingdings" panose="05000000000000000000" pitchFamily="2" charset="2"/>
+              <a:buChar char="§"/>
+            </a:pPr>
+            <a:r>
+              <a:rPr lang="es-ES" sz="2400" dirty="0"/>
+              <a:t>Estudio de redes neuronales </a:t>
+            </a:r>
+            <a:r>
+              <a:rPr lang="es-ES" sz="2400" dirty="0" err="1"/>
+              <a:t>convolucionales</a:t>
+            </a:r>
+            <a:r>
+              <a:rPr lang="es-ES" sz="2400" dirty="0"/>
+              <a:t> de clasificación</a:t>
+            </a:r>
+            <a:r>
+              <a:rPr lang="es-ES" sz="2400" dirty="0" smtClean="0"/>
+              <a:t>.</a:t>
+            </a:r>
+          </a:p>
+          <a:p>
+            <a:pPr>
+              <a:buFont typeface="Wingdings" panose="05000000000000000000" pitchFamily="2" charset="2"/>
+              <a:buChar char="§"/>
+            </a:pPr>
+            <a:r>
+              <a:rPr lang="es-ES" sz="2400" dirty="0"/>
+              <a:t>Estudio de redes neuronales </a:t>
+            </a:r>
+            <a:r>
+              <a:rPr lang="es-ES" sz="2400" dirty="0" err="1"/>
+              <a:t>convolucionales</a:t>
+            </a:r>
+            <a:r>
+              <a:rPr lang="es-ES" sz="2400" dirty="0"/>
+              <a:t> y recurrentes de regresión.</a:t>
+            </a:r>
+          </a:p>
+          <a:p>
+            <a:pPr>
+              <a:buFont typeface="Wingdings" panose="05000000000000000000" pitchFamily="2" charset="2"/>
+              <a:buChar char="§"/>
+            </a:pPr>
+            <a:endParaRPr lang="es-ES" sz="2400" dirty="0"/>
+          </a:p>
+          <a:p>
+            <a:pPr>
+              <a:buFont typeface="Wingdings" panose="05000000000000000000" pitchFamily="2" charset="2"/>
+              <a:buChar char="§"/>
+            </a:pPr>
+            <a:endParaRPr lang="es-ES" sz="2400" dirty="0"/>
+          </a:p>
+          <a:p>
+            <a:pPr>
+              <a:buFont typeface="Wingdings" panose="05000000000000000000" pitchFamily="2" charset="2"/>
+              <a:buChar char="§"/>
+            </a:pPr>
+            <a:endParaRPr lang="es-ES" sz="2400" dirty="0" smtClean="0"/>
+          </a:p>
+          <a:p>
+            <a:pPr>
+              <a:buFont typeface="Wingdings" panose="05000000000000000000" pitchFamily="2" charset="2"/>
+              <a:buChar char="§"/>
+            </a:pPr>
+            <a:endParaRPr lang="es-ES" sz="2400" dirty="0"/>
+          </a:p>
+          <a:p>
+            <a:pPr marL="0" indent="0">
+              <a:buNone/>
+            </a:pPr>
+            <a:endParaRPr lang="es-ES" sz="2400" dirty="0" smtClean="0"/>
+          </a:p>
+        </p:txBody>
+      </p:sp>
       <p:cxnSp>
         <p:nvCxnSpPr>
           <p:cNvPr id="4" name="3 Conector recto"/>
@@ -7060,32 +6975,9 @@
           </a:prstGeom>
         </p:spPr>
       </p:pic>
-      <p:sp>
-        <p:nvSpPr>
-          <p:cNvPr id="7" name="6 Marcador de número de diapositiva"/>
-          <p:cNvSpPr>
-            <a:spLocks noGrp="1"/>
-          </p:cNvSpPr>
-          <p:nvPr>
-            <p:ph type="sldNum" sz="quarter" idx="12"/>
-          </p:nvPr>
-        </p:nvSpPr>
-        <p:spPr/>
-        <p:txBody>
-          <a:bodyPr/>
-          <a:lstStyle/>
-          <a:p>
-            <a:r>
-              <a:rPr lang="es-ES" dirty="0" smtClean="0"/>
-              <a:t>18/21</a:t>
-            </a:r>
-            <a:endParaRPr lang="es-ES" dirty="0"/>
-          </a:p>
-        </p:txBody>
-      </p:sp>
       <p:pic>
         <p:nvPicPr>
-          <p:cNvPr id="11" name="5 Imagen"/>
+          <p:cNvPr id="6" name="5 Imagen"/>
           <p:cNvPicPr>
             <a:picLocks noChangeAspect="1"/>
           </p:cNvPicPr>
@@ -7105,7 +6997,7 @@
         </p:blipFill>
         <p:spPr>
           <a:xfrm>
-            <a:off x="7322516" y="506571"/>
+            <a:off x="6880124" y="497064"/>
             <a:ext cx="1364284" cy="601890"/>
           </a:xfrm>
           <a:prstGeom prst="rect">
@@ -7115,53 +7007,37 @@
       </p:pic>
       <p:sp>
         <p:nvSpPr>
-          <p:cNvPr id="12" name="1 Título"/>
-          <p:cNvSpPr>
-            <a:spLocks noGrp="1"/>
-          </p:cNvSpPr>
-          <p:nvPr>
-            <p:ph type="title"/>
-          </p:nvPr>
-        </p:nvSpPr>
-        <p:spPr>
-          <a:xfrm>
-            <a:off x="457200" y="274638"/>
-            <a:ext cx="8229600" cy="1143000"/>
-          </a:xfrm>
-        </p:spPr>
-        <p:txBody>
-          <a:bodyPr>
-            <a:normAutofit/>
-          </a:bodyPr>
-          <a:lstStyle/>
-          <a:p>
-            <a:pPr algn="l"/>
-            <a:r>
-              <a:rPr lang="es-ES" dirty="0" smtClean="0">
-                <a:solidFill>
-                  <a:srgbClr val="0070C0"/>
-                </a:solidFill>
-              </a:rPr>
-              <a:t>             Redes de regresión </a:t>
-            </a:r>
-            <a:endParaRPr lang="es-ES" dirty="0">
-              <a:solidFill>
-                <a:srgbClr val="0070C0"/>
-              </a:solidFill>
-            </a:endParaRPr>
-          </a:p>
-        </p:txBody>
-      </p:sp>
-      <p:sp>
-        <p:nvSpPr>
-          <p:cNvPr id="8" name="7 CuadroTexto"/>
+          <p:cNvPr id="7" name="6 Marcador de número de diapositiva"/>
+          <p:cNvSpPr>
+            <a:spLocks noGrp="1"/>
+          </p:cNvSpPr>
+          <p:nvPr>
+            <p:ph type="sldNum" sz="quarter" idx="12"/>
+          </p:nvPr>
+        </p:nvSpPr>
+        <p:spPr/>
+        <p:txBody>
+          <a:bodyPr/>
+          <a:lstStyle/>
+          <a:p>
+            <a:r>
+              <a:rPr lang="es-ES" dirty="0" smtClean="0"/>
+              <a:t>18/20</a:t>
+            </a:r>
+            <a:endParaRPr lang="es-ES" dirty="0"/>
+          </a:p>
+        </p:txBody>
+      </p:sp>
+      <p:sp>
+        <p:nvSpPr>
+          <p:cNvPr id="8" name="CuadroTexto 7"/>
           <p:cNvSpPr txBox="1"/>
           <p:nvPr/>
         </p:nvSpPr>
         <p:spPr>
           <a:xfrm>
-            <a:off x="3308577" y="1577937"/>
-            <a:ext cx="2526846" cy="861774"/>
+            <a:off x="3366380" y="1582778"/>
+            <a:ext cx="2411238" cy="861774"/>
           </a:xfrm>
           <a:prstGeom prst="rect">
             <a:avLst/>
@@ -7180,94 +7056,19 @@
                   <a:srgbClr val="586E2C"/>
                 </a:solidFill>
               </a:rPr>
-              <a:t>Experimentos</a:t>
+              <a:t>Conclusiones</a:t>
             </a:r>
             <a:endParaRPr lang="es-ES" sz="3200" dirty="0"/>
           </a:p>
           <a:p>
             <a:endParaRPr lang="es-ES" dirty="0"/>
-          </a:p>
-        </p:txBody>
-      </p:sp>
-      <p:pic>
-        <p:nvPicPr>
-          <p:cNvPr id="3" name="Imagen 2"/>
-          <p:cNvPicPr>
-            <a:picLocks noChangeAspect="1"/>
-          </p:cNvPicPr>
-          <p:nvPr/>
-        </p:nvPicPr>
-        <p:blipFill>
-          <a:blip r:embed="rId4"/>
-          <a:stretch>
-            <a:fillRect/>
-          </a:stretch>
-        </p:blipFill>
-        <p:spPr>
-          <a:xfrm>
-            <a:off x="611560" y="2227249"/>
-            <a:ext cx="7592264" cy="3694901"/>
-          </a:xfrm>
-          <a:prstGeom prst="rect">
-            <a:avLst/>
-          </a:prstGeom>
-        </p:spPr>
-      </p:pic>
-      <p:sp>
-        <p:nvSpPr>
-          <p:cNvPr id="9" name="CuadroTexto 8"/>
-          <p:cNvSpPr txBox="1"/>
-          <p:nvPr/>
-        </p:nvSpPr>
-        <p:spPr>
-          <a:xfrm>
-            <a:off x="971600" y="5996797"/>
-            <a:ext cx="6520503" cy="584775"/>
-          </a:xfrm>
-          <a:prstGeom prst="rect">
-            <a:avLst/>
-          </a:prstGeom>
-          <a:noFill/>
-        </p:spPr>
-        <p:txBody>
-          <a:bodyPr wrap="none" rtlCol="0">
-            <a:spAutoFit/>
-          </a:bodyPr>
-          <a:lstStyle/>
-          <a:p>
-            <a:r>
-              <a:rPr lang="es-ES" sz="1600" i="1" dirty="0"/>
-              <a:t>Resultados de </a:t>
-            </a:r>
-            <a:r>
-              <a:rPr lang="es-ES" sz="1600" i="1" dirty="0" smtClean="0"/>
-              <a:t>conducción </a:t>
-            </a:r>
-            <a:r>
-              <a:rPr lang="es-ES" sz="1600" i="1" dirty="0"/>
-              <a:t>con redes neuronales de </a:t>
-            </a:r>
-            <a:r>
-              <a:rPr lang="es-ES" sz="1600" i="1" dirty="0" smtClean="0"/>
-              <a:t>regresión </a:t>
-            </a:r>
-            <a:r>
-              <a:rPr lang="es-ES" sz="1600" i="1" dirty="0"/>
-              <a:t>introduciendo</a:t>
-            </a:r>
-          </a:p>
-          <a:p>
-            <a:r>
-              <a:rPr lang="es-ES" sz="1600" i="1" dirty="0"/>
-              <a:t>temporalidad (imagen completa)</a:t>
-            </a:r>
           </a:p>
         </p:txBody>
       </p:sp>
     </p:spTree>
     <p:extLst>
       <p:ext uri="{BB962C8B-B14F-4D97-AF65-F5344CB8AC3E}">
-        <p14:creationId xmlns:p14="http://schemas.microsoft.com/office/powerpoint/2010/main" val="2655785732"/>
+        <p14:creationId xmlns:p14="http://schemas.microsoft.com/office/powerpoint/2010/main" val="3363463598"/>
       </p:ext>
     </p:extLst>
   </p:cSld>
@@ -7435,7 +7236,7 @@
           <a:p>
             <a:r>
               <a:rPr lang="es-ES" dirty="0" smtClean="0"/>
-              <a:t>1/21</a:t>
+              <a:t>1/20</a:t>
             </a:r>
             <a:endParaRPr lang="es-ES" dirty="0"/>
           </a:p>
@@ -7570,7 +7371,7 @@
       </p:grpSpPr>
       <p:sp>
         <p:nvSpPr>
-          <p:cNvPr id="2" name="1 Título"/>
+          <p:cNvPr id="2" name="Título 1"/>
           <p:cNvSpPr>
             <a:spLocks noGrp="1"/>
           </p:cNvSpPr>
@@ -7584,7 +7385,7 @@
           <a:lstStyle/>
           <a:p>
             <a:r>
-              <a:rPr lang="es-ES" dirty="0" smtClean="0">
+              <a:rPr lang="es-ES" dirty="0">
                 <a:solidFill>
                   <a:srgbClr val="0070C0"/>
                 </a:solidFill>
@@ -7597,7 +7398,7 @@
       </p:sp>
       <p:sp>
         <p:nvSpPr>
-          <p:cNvPr id="3" name="2 Marcador de contenido"/>
+          <p:cNvPr id="3" name="Marcador de contenido 2"/>
           <p:cNvSpPr>
             <a:spLocks noGrp="1"/>
           </p:cNvSpPr>
@@ -7607,8 +7408,8 @@
         </p:nvSpPr>
         <p:spPr>
           <a:xfrm>
-            <a:off x="551447" y="2426598"/>
-            <a:ext cx="8229600" cy="3714403"/>
+            <a:off x="971600" y="2813232"/>
+            <a:ext cx="7041976" cy="3863280"/>
           </a:xfrm>
         </p:spPr>
         <p:txBody>
@@ -7622,19 +7423,19 @@
               <a:buChar char="§"/>
             </a:pPr>
             <a:r>
-              <a:rPr lang="es-ES" sz="2400" b="1" dirty="0" smtClean="0"/>
-              <a:t>Objetivo cumplido: </a:t>
-            </a:r>
-            <a:r>
-              <a:rPr lang="es-ES" sz="2400" dirty="0" smtClean="0"/>
-              <a:t>Estudio de redes neuronales para conducción autónoma en simulación.</a:t>
+              <a:rPr lang="es-ES" sz="2800" dirty="0" smtClean="0"/>
+              <a:t>Uso de robots reales</a:t>
+            </a:r>
+            <a:r>
+              <a:rPr lang="es-ES" sz="2800" dirty="0" smtClean="0"/>
+              <a:t>.</a:t>
             </a:r>
           </a:p>
           <a:p>
             <a:pPr marL="0" indent="0">
               <a:buNone/>
             </a:pPr>
-            <a:endParaRPr lang="es-ES" sz="2400" dirty="0" smtClean="0"/>
+            <a:endParaRPr lang="es-ES" sz="2800" dirty="0" smtClean="0"/>
           </a:p>
           <a:p>
             <a:pPr>
@@ -7642,101 +7443,26 @@
               <a:buChar char="§"/>
             </a:pPr>
             <a:r>
-              <a:rPr lang="es-ES" sz="2400" dirty="0"/>
-              <a:t>Aplicación de control visual</a:t>
-            </a:r>
-            <a:r>
-              <a:rPr lang="es-ES" sz="2400" dirty="0" smtClean="0"/>
+              <a:rPr lang="es-ES" sz="2800" dirty="0" smtClean="0"/>
+              <a:t>Estudio </a:t>
+            </a:r>
+            <a:r>
+              <a:rPr lang="es-ES" sz="2800" dirty="0" smtClean="0"/>
+              <a:t>de imágenes </a:t>
+            </a:r>
+            <a:r>
+              <a:rPr lang="es-ES" sz="2800" dirty="0" smtClean="0"/>
+              <a:t>apiladas y de imagen </a:t>
+            </a:r>
+            <a:r>
+              <a:rPr lang="es-ES" sz="2800" dirty="0" smtClean="0"/>
+              <a:t>diferencia</a:t>
+            </a:r>
+            <a:r>
+              <a:rPr lang="es-ES" sz="2800" dirty="0" smtClean="0"/>
               <a:t>.</a:t>
             </a:r>
-          </a:p>
-          <a:p>
-            <a:pPr>
-              <a:buFont typeface="Wingdings" panose="05000000000000000000" pitchFamily="2" charset="2"/>
-              <a:buChar char="§"/>
-            </a:pPr>
-            <a:r>
-              <a:rPr lang="es-ES" sz="2400" dirty="0"/>
-              <a:t>Creación de bases de datos propias</a:t>
-            </a:r>
-            <a:r>
-              <a:rPr lang="es-ES" sz="2400" dirty="0" smtClean="0"/>
-              <a:t>.</a:t>
-            </a:r>
-          </a:p>
-          <a:p>
-            <a:pPr>
-              <a:buFont typeface="Wingdings" panose="05000000000000000000" pitchFamily="2" charset="2"/>
-              <a:buChar char="§"/>
-            </a:pPr>
-            <a:r>
-              <a:rPr lang="es-ES" sz="2400" dirty="0"/>
-              <a:t>Estudio de redes neuronales </a:t>
-            </a:r>
-            <a:r>
-              <a:rPr lang="es-ES" sz="2400" dirty="0" err="1"/>
-              <a:t>convolucionales</a:t>
-            </a:r>
-            <a:r>
-              <a:rPr lang="es-ES" sz="2400" dirty="0"/>
-              <a:t> de clasificación</a:t>
-            </a:r>
-            <a:r>
-              <a:rPr lang="es-ES" sz="2400" dirty="0" smtClean="0"/>
-              <a:t>.</a:t>
-            </a:r>
-          </a:p>
-          <a:p>
-            <a:pPr>
-              <a:buFont typeface="Wingdings" panose="05000000000000000000" pitchFamily="2" charset="2"/>
-              <a:buChar char="§"/>
-            </a:pPr>
-            <a:r>
-              <a:rPr lang="es-ES" sz="2400" dirty="0"/>
-              <a:t>Estudio de redes neuronales </a:t>
-            </a:r>
-            <a:r>
-              <a:rPr lang="es-ES" sz="2400" dirty="0" err="1"/>
-              <a:t>convolucionales</a:t>
-            </a:r>
-            <a:r>
-              <a:rPr lang="es-ES" sz="2400" dirty="0"/>
-              <a:t> y recurrentes de regresión.</a:t>
-            </a:r>
-          </a:p>
-          <a:p>
-            <a:pPr>
-              <a:buFont typeface="Wingdings" panose="05000000000000000000" pitchFamily="2" charset="2"/>
-              <a:buChar char="§"/>
-            </a:pPr>
-            <a:endParaRPr lang="es-ES" sz="2400" dirty="0"/>
-          </a:p>
-          <a:p>
-            <a:pPr>
-              <a:buFont typeface="Wingdings" panose="05000000000000000000" pitchFamily="2" charset="2"/>
-              <a:buChar char="§"/>
-            </a:pPr>
-            <a:endParaRPr lang="es-ES" sz="2400" dirty="0"/>
-          </a:p>
-          <a:p>
-            <a:pPr>
-              <a:buFont typeface="Wingdings" panose="05000000000000000000" pitchFamily="2" charset="2"/>
-              <a:buChar char="§"/>
-            </a:pPr>
-            <a:endParaRPr lang="es-ES" sz="2400" dirty="0" smtClean="0"/>
-          </a:p>
-          <a:p>
-            <a:pPr>
-              <a:buFont typeface="Wingdings" panose="05000000000000000000" pitchFamily="2" charset="2"/>
-              <a:buChar char="§"/>
-            </a:pPr>
-            <a:endParaRPr lang="es-ES" sz="2400" dirty="0"/>
-          </a:p>
-          <a:p>
-            <a:pPr marL="0" indent="0">
-              <a:buNone/>
-            </a:pPr>
-            <a:endParaRPr lang="es-ES" sz="2400" dirty="0" smtClean="0"/>
+            <a:endParaRPr lang="es-ES" sz="2800" dirty="0" smtClean="0"/>
           </a:p>
         </p:txBody>
       </p:sp>
@@ -7832,7 +7558,7 @@
       </p:pic>
       <p:sp>
         <p:nvSpPr>
-          <p:cNvPr id="7" name="6 Marcador de número de diapositiva"/>
+          <p:cNvPr id="7" name="Marcador de número de diapositiva 6"/>
           <p:cNvSpPr>
             <a:spLocks noGrp="1"/>
           </p:cNvSpPr>
@@ -7847,324 +7573,7 @@
           <a:p>
             <a:r>
               <a:rPr lang="es-ES" dirty="0" smtClean="0"/>
-              <a:t>19</a:t>
-            </a:r>
-            <a:r>
-              <a:rPr lang="es-ES" dirty="0" smtClean="0"/>
-              <a:t>/21</a:t>
-            </a:r>
-            <a:endParaRPr lang="es-ES" dirty="0"/>
-          </a:p>
-        </p:txBody>
-      </p:sp>
-      <p:sp>
-        <p:nvSpPr>
-          <p:cNvPr id="8" name="CuadroTexto 7"/>
-          <p:cNvSpPr txBox="1"/>
-          <p:nvPr/>
-        </p:nvSpPr>
-        <p:spPr>
-          <a:xfrm>
-            <a:off x="3366380" y="1582778"/>
-            <a:ext cx="2411238" cy="861774"/>
-          </a:xfrm>
-          <a:prstGeom prst="rect">
-            <a:avLst/>
-          </a:prstGeom>
-          <a:noFill/>
-        </p:spPr>
-        <p:txBody>
-          <a:bodyPr wrap="none" rtlCol="0">
-            <a:spAutoFit/>
-          </a:bodyPr>
-          <a:lstStyle/>
-          <a:p>
-            <a:r>
-              <a:rPr lang="es-ES" sz="3200" b="1" dirty="0" smtClean="0">
-                <a:solidFill>
-                  <a:srgbClr val="586E2C"/>
-                </a:solidFill>
-              </a:rPr>
-              <a:t>Conclusiones</a:t>
-            </a:r>
-            <a:endParaRPr lang="es-ES" sz="3200" dirty="0"/>
-          </a:p>
-          <a:p>
-            <a:endParaRPr lang="es-ES" dirty="0"/>
-          </a:p>
-        </p:txBody>
-      </p:sp>
-    </p:spTree>
-    <p:extLst>
-      <p:ext uri="{BB962C8B-B14F-4D97-AF65-F5344CB8AC3E}">
-        <p14:creationId xmlns:p14="http://schemas.microsoft.com/office/powerpoint/2010/main" val="3363463598"/>
-      </p:ext>
-    </p:extLst>
-  </p:cSld>
-  <p:clrMapOvr>
-    <a:masterClrMapping/>
-  </p:clrMapOvr>
-  <p:timing>
-    <p:tnLst>
-      <p:par>
-        <p:cTn id="1" dur="indefinite" restart="never" nodeType="tmRoot"/>
-      </p:par>
-    </p:tnLst>
-  </p:timing>
-</p:sld>
-</file>
-
-<file path=ppt/slides/slide21.xml><?xml version="1.0" encoding="utf-8"?>
-<p:sld xmlns:a="http://schemas.openxmlformats.org/drawingml/2006/main" xmlns:r="http://schemas.openxmlformats.org/officeDocument/2006/relationships" xmlns:p="http://schemas.openxmlformats.org/presentationml/2006/main">
-  <p:cSld>
-    <p:spTree>
-      <p:nvGrpSpPr>
-        <p:cNvPr id="1" name=""/>
-        <p:cNvGrpSpPr/>
-        <p:nvPr/>
-      </p:nvGrpSpPr>
-      <p:grpSpPr>
-        <a:xfrm>
-          <a:off x="0" y="0"/>
-          <a:ext cx="0" cy="0"/>
-          <a:chOff x="0" y="0"/>
-          <a:chExt cx="0" cy="0"/>
-        </a:xfrm>
-      </p:grpSpPr>
-      <p:sp>
-        <p:nvSpPr>
-          <p:cNvPr id="2" name="Título 1"/>
-          <p:cNvSpPr>
-            <a:spLocks noGrp="1"/>
-          </p:cNvSpPr>
-          <p:nvPr>
-            <p:ph type="title"/>
-          </p:nvPr>
-        </p:nvSpPr>
-        <p:spPr/>
-        <p:txBody>
-          <a:bodyPr/>
-          <a:lstStyle/>
-          <a:p>
-            <a:r>
-              <a:rPr lang="es-ES" dirty="0">
-                <a:solidFill>
-                  <a:srgbClr val="0070C0"/>
-                </a:solidFill>
-              </a:rPr>
-              <a:t>Conclusiones</a:t>
-            </a:r>
-            <a:endParaRPr lang="es-ES" dirty="0"/>
-          </a:p>
-        </p:txBody>
-      </p:sp>
-      <p:sp>
-        <p:nvSpPr>
-          <p:cNvPr id="3" name="Marcador de contenido 2"/>
-          <p:cNvSpPr>
-            <a:spLocks noGrp="1"/>
-          </p:cNvSpPr>
-          <p:nvPr>
-            <p:ph idx="1"/>
-          </p:nvPr>
-        </p:nvSpPr>
-        <p:spPr>
-          <a:xfrm>
-            <a:off x="971600" y="2654532"/>
-            <a:ext cx="8229600" cy="3863280"/>
-          </a:xfrm>
-        </p:spPr>
-        <p:txBody>
-          <a:bodyPr>
-            <a:normAutofit/>
-          </a:bodyPr>
-          <a:lstStyle/>
-          <a:p>
-            <a:pPr>
-              <a:buFont typeface="Wingdings" panose="05000000000000000000" pitchFamily="2" charset="2"/>
-              <a:buChar char="§"/>
-            </a:pPr>
-            <a:r>
-              <a:rPr lang="es-ES" sz="2400" dirty="0" smtClean="0"/>
-              <a:t>Uso de robots reales.</a:t>
-            </a:r>
-          </a:p>
-          <a:p>
-            <a:pPr>
-              <a:buFont typeface="Wingdings" panose="05000000000000000000" pitchFamily="2" charset="2"/>
-              <a:buChar char="§"/>
-            </a:pPr>
-            <a:r>
-              <a:rPr lang="es-ES" sz="2400" dirty="0" smtClean="0"/>
-              <a:t>Grabar un conjunto de datos</a:t>
-            </a:r>
-            <a:r>
-              <a:rPr lang="es-ES" sz="2400" i="1" dirty="0" smtClean="0"/>
-              <a:t> </a:t>
-            </a:r>
-            <a:r>
-              <a:rPr lang="es-ES" sz="2400" dirty="0" smtClean="0"/>
-              <a:t>de situaciones complejas.</a:t>
-            </a:r>
-          </a:p>
-          <a:p>
-            <a:pPr>
-              <a:buFont typeface="Wingdings" panose="05000000000000000000" pitchFamily="2" charset="2"/>
-              <a:buChar char="§"/>
-            </a:pPr>
-            <a:r>
-              <a:rPr lang="es-ES" sz="2400" dirty="0" smtClean="0"/>
-              <a:t>Estudio más amplio de la </a:t>
-            </a:r>
-            <a:r>
-              <a:rPr lang="es-ES" sz="2400" dirty="0" err="1" smtClean="0"/>
-              <a:t>cuantización</a:t>
-            </a:r>
-            <a:r>
-              <a:rPr lang="es-ES" sz="2400" dirty="0" smtClean="0"/>
-              <a:t> de clases.</a:t>
-            </a:r>
-          </a:p>
-          <a:p>
-            <a:pPr>
-              <a:buFont typeface="Wingdings" panose="05000000000000000000" pitchFamily="2" charset="2"/>
-              <a:buChar char="§"/>
-            </a:pPr>
-            <a:r>
-              <a:rPr lang="es-ES" sz="2400" dirty="0" smtClean="0"/>
-              <a:t>Estudio de imágenes apiladas.</a:t>
-            </a:r>
-          </a:p>
-          <a:p>
-            <a:pPr>
-              <a:buFont typeface="Wingdings" panose="05000000000000000000" pitchFamily="2" charset="2"/>
-              <a:buChar char="§"/>
-            </a:pPr>
-            <a:r>
-              <a:rPr lang="es-ES" sz="2400" dirty="0" smtClean="0"/>
-              <a:t>Estudio más amplio de imagen diferencia.</a:t>
-            </a:r>
-          </a:p>
-          <a:p>
-            <a:pPr>
-              <a:buFont typeface="Wingdings" panose="05000000000000000000" pitchFamily="2" charset="2"/>
-              <a:buChar char="§"/>
-            </a:pPr>
-            <a:r>
-              <a:rPr lang="es-ES" sz="2400" dirty="0" smtClean="0"/>
-              <a:t>Empleo de algoritmo de objetos salientes en la imagen.</a:t>
-            </a:r>
-          </a:p>
-        </p:txBody>
-      </p:sp>
-      <p:cxnSp>
-        <p:nvCxnSpPr>
-          <p:cNvPr id="4" name="3 Conector recto"/>
-          <p:cNvCxnSpPr/>
-          <p:nvPr/>
-        </p:nvCxnSpPr>
-        <p:spPr>
-          <a:xfrm>
-            <a:off x="453779" y="1268760"/>
-            <a:ext cx="8424936" cy="0"/>
-          </a:xfrm>
-          <a:prstGeom prst="line">
-            <a:avLst/>
-          </a:prstGeom>
-        </p:spPr>
-        <p:style>
-          <a:lnRef idx="1">
-            <a:schemeClr val="dk1"/>
-          </a:lnRef>
-          <a:fillRef idx="0">
-            <a:schemeClr val="dk1"/>
-          </a:fillRef>
-          <a:effectRef idx="0">
-            <a:schemeClr val="dk1"/>
-          </a:effectRef>
-          <a:fontRef idx="minor">
-            <a:schemeClr val="tx1"/>
-          </a:fontRef>
-        </p:style>
-      </p:cxnSp>
-      <p:pic>
-        <p:nvPicPr>
-          <p:cNvPr id="5" name="4 Imagen"/>
-          <p:cNvPicPr>
-            <a:picLocks noChangeAspect="1"/>
-          </p:cNvPicPr>
-          <p:nvPr/>
-        </p:nvPicPr>
-        <p:blipFill>
-          <a:blip r:embed="rId2">
-            <a:extLst>
-              <a:ext uri="{28A0092B-C50C-407E-A947-70E740481C1C}">
-                <a14:useLocalDpi xmlns:a14="http://schemas.microsoft.com/office/drawing/2010/main" val="0"/>
-              </a:ext>
-            </a:extLst>
-          </a:blip>
-          <a:stretch>
-            <a:fillRect/>
-          </a:stretch>
-        </p:blipFill>
-        <p:spPr>
-          <a:xfrm>
-            <a:off x="971600" y="404664"/>
-            <a:ext cx="580384" cy="749427"/>
-          </a:xfrm>
-          <a:prstGeom prst="rect">
-            <a:avLst/>
-          </a:prstGeom>
-        </p:spPr>
-      </p:pic>
-      <p:pic>
-        <p:nvPicPr>
-          <p:cNvPr id="6" name="5 Imagen"/>
-          <p:cNvPicPr>
-            <a:picLocks noChangeAspect="1"/>
-          </p:cNvPicPr>
-          <p:nvPr/>
-        </p:nvPicPr>
-        <p:blipFill>
-          <a:blip r:embed="rId3" cstate="print">
-            <a:extLst>
-              <a:ext uri="{28A0092B-C50C-407E-A947-70E740481C1C}">
-                <a14:useLocalDpi xmlns:a14="http://schemas.microsoft.com/office/drawing/2010/main" val="0"/>
-              </a:ext>
-            </a:extLst>
-          </a:blip>
-          <a:stretch>
-            <a:fillRect/>
-          </a:stretch>
-        </p:blipFill>
-        <p:spPr>
-          <a:xfrm>
-            <a:off x="6880124" y="497064"/>
-            <a:ext cx="1364284" cy="601890"/>
-          </a:xfrm>
-          <a:prstGeom prst="rect">
-            <a:avLst/>
-          </a:prstGeom>
-        </p:spPr>
-      </p:pic>
-      <p:sp>
-        <p:nvSpPr>
-          <p:cNvPr id="7" name="Marcador de número de diapositiva 6"/>
-          <p:cNvSpPr>
-            <a:spLocks noGrp="1"/>
-          </p:cNvSpPr>
-          <p:nvPr>
-            <p:ph type="sldNum" sz="quarter" idx="12"/>
-          </p:nvPr>
-        </p:nvSpPr>
-        <p:spPr/>
-        <p:txBody>
-          <a:bodyPr/>
-          <a:lstStyle/>
-          <a:p>
-            <a:r>
-              <a:rPr lang="es-ES" dirty="0" smtClean="0"/>
-              <a:t>20/21</a:t>
+              <a:t>19/20</a:t>
             </a:r>
             <a:endParaRPr lang="es-ES" dirty="0"/>
           </a:p>
@@ -8227,7 +7636,7 @@
 </p:sld>
 </file>
 
-<file path=ppt/slides/slide22.xml><?xml version="1.0" encoding="utf-8"?>
+<file path=ppt/slides/slide21.xml><?xml version="1.0" encoding="utf-8"?>
 <p:sld xmlns:a="http://schemas.openxmlformats.org/drawingml/2006/main" xmlns:r="http://schemas.openxmlformats.org/officeDocument/2006/relationships" xmlns:p="http://schemas.openxmlformats.org/presentationml/2006/main">
   <p:cSld>
     <p:spTree>
@@ -8525,7 +7934,7 @@
           <a:p>
             <a:r>
               <a:rPr lang="es-ES" dirty="0" smtClean="0"/>
-              <a:t>21/21</a:t>
+              <a:t>20/20</a:t>
             </a:r>
             <a:endParaRPr lang="es-ES" dirty="0"/>
           </a:p>
@@ -8713,11 +8122,7 @@
           <a:p>
             <a:r>
               <a:rPr lang="es-ES" dirty="0" smtClean="0"/>
-              <a:t>2</a:t>
-            </a:r>
-            <a:r>
-              <a:rPr lang="es-ES" dirty="0" smtClean="0"/>
-              <a:t>/21</a:t>
+              <a:t>2/20</a:t>
             </a:r>
             <a:endParaRPr lang="es-ES" dirty="0"/>
           </a:p>
@@ -9066,12 +8471,8 @@
           <a:lstStyle/>
           <a:p>
             <a:r>
-              <a:rPr lang="es-ES" dirty="0"/>
-              <a:t>3</a:t>
-            </a:r>
-            <a:r>
               <a:rPr lang="es-ES" dirty="0" smtClean="0"/>
-              <a:t>/21</a:t>
+              <a:t>3/20</a:t>
             </a:r>
             <a:endParaRPr lang="es-ES" dirty="0"/>
           </a:p>
@@ -9453,11 +8854,7 @@
           <a:p>
             <a:r>
               <a:rPr lang="es-ES" dirty="0" smtClean="0"/>
-              <a:t>4</a:t>
-            </a:r>
-            <a:r>
-              <a:rPr lang="es-ES" dirty="0" smtClean="0"/>
-              <a:t>/21</a:t>
+              <a:t>4/20</a:t>
             </a:r>
             <a:endParaRPr lang="es-ES" dirty="0"/>
           </a:p>
@@ -9801,12 +9198,8 @@
           <a:lstStyle/>
           <a:p>
             <a:r>
-              <a:rPr lang="es-ES" dirty="0"/>
-              <a:t>5</a:t>
-            </a:r>
-            <a:r>
               <a:rPr lang="es-ES" dirty="0" smtClean="0"/>
-              <a:t>/21</a:t>
+              <a:t>5/20</a:t>
             </a:r>
             <a:endParaRPr lang="es-ES" dirty="0"/>
           </a:p>
@@ -9995,8 +9388,21 @@
             </a:pPr>
             <a:r>
               <a:rPr lang="es-ES" sz="2400" dirty="0" smtClean="0"/>
-              <a:t>Piloto autónomo explícito. </a:t>
-            </a:r>
+              <a:t>Piloto autónomo </a:t>
+            </a:r>
+            <a:r>
+              <a:rPr lang="es-ES" sz="2400" dirty="0" smtClean="0"/>
+              <a:t>explícito, </a:t>
+            </a:r>
+            <a:r>
+              <a:rPr lang="es-ES" sz="2400" dirty="0"/>
+              <a:t>controlador basado en visión</a:t>
+            </a:r>
+            <a:r>
+              <a:rPr lang="es-ES" sz="2400" dirty="0" smtClean="0"/>
+              <a:t>. </a:t>
+            </a:r>
+            <a:endParaRPr lang="es-ES" sz="2400" dirty="0" smtClean="0"/>
           </a:p>
           <a:p>
             <a:pPr>
@@ -10005,8 +9411,13 @@
             </a:pPr>
             <a:r>
               <a:rPr lang="es-ES" sz="2400" dirty="0" smtClean="0"/>
-              <a:t>Creación de un conjunto de datos para entrenamiento neuronal.</a:t>
-            </a:r>
+              <a:t>Creación de un conjunto de datos para </a:t>
+            </a:r>
+            <a:r>
+              <a:rPr lang="es-ES" sz="2400" dirty="0" smtClean="0"/>
+              <a:t>entrenamiento.</a:t>
+            </a:r>
+            <a:endParaRPr lang="es-ES" sz="2400" dirty="0" smtClean="0"/>
           </a:p>
           <a:p>
             <a:pPr>
@@ -10015,8 +9426,13 @@
             </a:pPr>
             <a:r>
               <a:rPr lang="es-ES" sz="2400" dirty="0" smtClean="0"/>
-              <a:t>Piloto autónomo basado en redes neuronales.</a:t>
-            </a:r>
+              <a:t>Piloto autónomo basado en redes </a:t>
+            </a:r>
+            <a:r>
+              <a:rPr lang="es-ES" sz="2400" dirty="0" smtClean="0"/>
+              <a:t>neuronales (plantilla).</a:t>
+            </a:r>
+            <a:endParaRPr lang="es-ES" sz="2400" dirty="0" smtClean="0"/>
           </a:p>
         </p:txBody>
       </p:sp>
@@ -10160,8 +9576,21 @@
             </a:pPr>
             <a:r>
               <a:rPr lang="es-ES" sz="2400" dirty="0" smtClean="0"/>
-              <a:t>Cuantificación de velocidades.</a:t>
-            </a:r>
+              <a:t>Cuantificación de </a:t>
+            </a:r>
+            <a:r>
+              <a:rPr lang="es-ES" sz="2400" dirty="0" smtClean="0"/>
+              <a:t>velocidades </a:t>
+            </a:r>
+            <a:r>
+              <a:rPr lang="es-ES" sz="2400" dirty="0"/>
+              <a:t>en clases finitas</a:t>
+            </a:r>
+            <a:r>
+              <a:rPr lang="es-ES" sz="2400" dirty="0" smtClean="0"/>
+              <a:t>.</a:t>
+            </a:r>
+            <a:endParaRPr lang="es-ES" sz="2400" dirty="0" smtClean="0"/>
           </a:p>
           <a:p>
             <a:pPr marL="0" indent="0">
@@ -10455,11 +9884,7 @@
           <a:p>
             <a:r>
               <a:rPr lang="es-ES" dirty="0" smtClean="0"/>
-              <a:t>6</a:t>
-            </a:r>
-            <a:r>
-              <a:rPr lang="es-ES" dirty="0" smtClean="0"/>
-              <a:t>/21</a:t>
+              <a:t>6/20</a:t>
             </a:r>
             <a:endParaRPr lang="es-ES" dirty="0"/>
           </a:p>
@@ -10546,26 +9971,6 @@
             </a:r>
           </a:p>
           <a:p>
-            <a:pPr>
-              <a:buFont typeface="Wingdings" panose="05000000000000000000" pitchFamily="2" charset="2"/>
-              <a:buChar char="§"/>
-            </a:pPr>
-            <a:r>
-              <a:rPr lang="es-ES" sz="2400" dirty="0" smtClean="0"/>
-              <a:t>Imágenes de distintas dimensiones:</a:t>
-            </a:r>
-          </a:p>
-          <a:p>
-            <a:pPr lvl="1">
-              <a:buFont typeface="Wingdings" panose="05000000000000000000" pitchFamily="2" charset="2"/>
-              <a:buChar char="§"/>
-            </a:pPr>
-            <a:r>
-              <a:rPr lang="es-ES" sz="2000" dirty="0"/>
-              <a:t>La imagen recortada mejora el rendimiento.</a:t>
-            </a:r>
-          </a:p>
-          <a:p>
             <a:pPr marL="457200" lvl="1" indent="0">
               <a:buNone/>
             </a:pPr>
@@ -10687,11 +10092,7 @@
           <a:p>
             <a:r>
               <a:rPr lang="es-ES" dirty="0" smtClean="0"/>
-              <a:t>7</a:t>
-            </a:r>
-            <a:r>
-              <a:rPr lang="es-ES" dirty="0" smtClean="0"/>
-              <a:t>/21</a:t>
+              <a:t>7/20</a:t>
             </a:r>
             <a:endParaRPr lang="es-ES" dirty="0"/>
           </a:p>
@@ -10705,8 +10106,8 @@
         </p:nvSpPr>
         <p:spPr>
           <a:xfrm>
-            <a:off x="3308577" y="1807326"/>
-            <a:ext cx="2526846" cy="861774"/>
+            <a:off x="1352387" y="1804381"/>
+            <a:ext cx="6267613" cy="861774"/>
           </a:xfrm>
           <a:prstGeom prst="rect">
             <a:avLst/>
@@ -10725,7 +10126,7 @@
                   <a:srgbClr val="586E2C"/>
                 </a:solidFill>
               </a:rPr>
-              <a:t>Experimentos</a:t>
+              <a:t>Experimentos: imágenes recortadas</a:t>
             </a:r>
             <a:endParaRPr lang="es-ES" sz="3200" dirty="0"/>
           </a:p>
@@ -10789,7 +10190,7 @@
         </p:blipFill>
         <p:spPr>
           <a:xfrm>
-            <a:off x="2069544" y="4560737"/>
+            <a:off x="2177244" y="3841908"/>
             <a:ext cx="4789512" cy="1888591"/>
           </a:xfrm>
           <a:prstGeom prst="rect">
@@ -10940,12 +10341,8 @@
           <a:lstStyle/>
           <a:p>
             <a:r>
-              <a:rPr lang="es-ES" dirty="0"/>
-              <a:t>8</a:t>
-            </a:r>
-            <a:r>
               <a:rPr lang="es-ES" dirty="0" smtClean="0"/>
-              <a:t>/21</a:t>
+              <a:t>8/20</a:t>
             </a:r>
             <a:endParaRPr lang="es-ES" dirty="0"/>
           </a:p>
@@ -10987,43 +10384,6 @@
                 <a:srgbClr val="0070C0"/>
               </a:solidFill>
             </a:endParaRPr>
-          </a:p>
-        </p:txBody>
-      </p:sp>
-      <p:sp>
-        <p:nvSpPr>
-          <p:cNvPr id="9" name="7 CuadroTexto"/>
-          <p:cNvSpPr txBox="1"/>
-          <p:nvPr/>
-        </p:nvSpPr>
-        <p:spPr>
-          <a:xfrm>
-            <a:off x="3308577" y="1587444"/>
-            <a:ext cx="2526846" cy="861774"/>
-          </a:xfrm>
-          <a:prstGeom prst="rect">
-            <a:avLst/>
-          </a:prstGeom>
-          <a:noFill/>
-        </p:spPr>
-        <p:txBody>
-          <a:bodyPr wrap="none" rtlCol="0">
-            <a:spAutoFit/>
-          </a:bodyPr>
-          <a:lstStyle/>
-          <a:p>
-            <a:r>
-              <a:rPr lang="es-ES" sz="3200" b="1" dirty="0" smtClean="0">
-                <a:solidFill>
-                  <a:srgbClr val="586E2C"/>
-                </a:solidFill>
-              </a:rPr>
-              <a:t>Experimentos</a:t>
-            </a:r>
-            <a:endParaRPr lang="es-ES" sz="3200" dirty="0"/>
-          </a:p>
-          <a:p>
-            <a:endParaRPr lang="es-ES" dirty="0"/>
           </a:p>
         </p:txBody>
       </p:sp>
@@ -11043,7 +10403,7 @@
         </p:blipFill>
         <p:spPr>
           <a:xfrm>
-            <a:off x="971600" y="2188536"/>
+            <a:off x="1043608" y="1603032"/>
             <a:ext cx="6840760" cy="3587165"/>
           </a:xfrm>
           <a:prstGeom prst="rect">
@@ -11059,8 +10419,8 @@
         </p:nvSpPr>
         <p:spPr>
           <a:xfrm>
-            <a:off x="1043608" y="5792018"/>
-            <a:ext cx="6856044" cy="584775"/>
+            <a:off x="179512" y="5445224"/>
+            <a:ext cx="6028958" cy="400110"/>
           </a:xfrm>
           <a:prstGeom prst="rect">
             <a:avLst/>
@@ -11073,32 +10433,19 @@
           </a:bodyPr>
           <a:lstStyle/>
           <a:p>
-            <a:r>
-              <a:rPr lang="es-ES" sz="1600" i="1" dirty="0"/>
-              <a:t>Resultados de </a:t>
-            </a:r>
-            <a:r>
-              <a:rPr lang="es-ES" sz="1600" i="1" dirty="0" smtClean="0"/>
-              <a:t>conducción </a:t>
-            </a:r>
-            <a:r>
-              <a:rPr lang="es-ES" sz="1600" i="1" dirty="0"/>
-              <a:t>con redes de </a:t>
-            </a:r>
-            <a:r>
-              <a:rPr lang="es-ES" sz="1600" i="1" dirty="0" smtClean="0"/>
-              <a:t>clasificación </a:t>
-            </a:r>
-            <a:r>
-              <a:rPr lang="es-ES" sz="1600" i="1" dirty="0"/>
-              <a:t>(imagen completa e imagen</a:t>
-            </a:r>
-          </a:p>
-          <a:p>
-            <a:r>
-              <a:rPr lang="es-ES" sz="1600" i="1" dirty="0"/>
-              <a:t>recortada)</a:t>
-            </a:r>
+            <a:pPr marL="1257300" lvl="2" indent="-342900">
+              <a:buFont typeface="Wingdings" panose="05000000000000000000" pitchFamily="2" charset="2"/>
+              <a:buChar char="§"/>
+            </a:pPr>
+            <a:r>
+              <a:rPr lang="es-ES" sz="2000" dirty="0" smtClean="0"/>
+              <a:t>La </a:t>
+            </a:r>
+            <a:r>
+              <a:rPr lang="es-ES" sz="2000" dirty="0"/>
+              <a:t>imagen recortada mejora el rendimiento.</a:t>
+            </a:r>
+            <a:endParaRPr lang="es-ES" sz="2000" dirty="0"/>
           </a:p>
         </p:txBody>
       </p:sp>
